--- a/threeJS.pptx
+++ b/threeJS.pptx
@@ -2083,7 +2083,7 @@
           </a:ln>
           <a:extLst>
             <a:ext uri="{C572A759-6A51-4108-AA02-DFA0A04FC94B}">
-              <ma14:wrappingTextBoxFlag xmlns="" xmlns:ma14="http://schemas.microsoft.com/office/mac/drawingml/2011/main" val="1"/>
+              <ma14:wrappingTextBoxFlag xmlns:ma14="http://schemas.microsoft.com/office/mac/drawingml/2011/main" xmlns="" val="1"/>
             </a:ext>
           </a:extLst>
         </p:spPr>
@@ -2307,7 +2307,7 @@
           </a:ln>
           <a:extLst>
             <a:ext uri="{C572A759-6A51-4108-AA02-DFA0A04FC94B}">
-              <ma14:wrappingTextBoxFlag xmlns="" xmlns:ma14="http://schemas.microsoft.com/office/mac/drawingml/2011/main" val="1"/>
+              <ma14:wrappingTextBoxFlag xmlns:ma14="http://schemas.microsoft.com/office/mac/drawingml/2011/main" xmlns="" val="1"/>
             </a:ext>
           </a:extLst>
         </p:spPr>
@@ -2993,7 +2993,7 @@
           </a:ln>
           <a:extLst>
             <a:ext uri="{C572A759-6A51-4108-AA02-DFA0A04FC94B}">
-              <ma14:wrappingTextBoxFlag xmlns="" xmlns:ma14="http://schemas.microsoft.com/office/mac/drawingml/2011/main" val="1"/>
+              <ma14:wrappingTextBoxFlag xmlns:ma14="http://schemas.microsoft.com/office/mac/drawingml/2011/main" xmlns="" val="1"/>
             </a:ext>
           </a:extLst>
         </p:spPr>
@@ -3191,7 +3191,7 @@
           </a:ln>
           <a:extLst>
             <a:ext uri="{C572A759-6A51-4108-AA02-DFA0A04FC94B}">
-              <ma14:wrappingTextBoxFlag xmlns="" xmlns:ma14="http://schemas.microsoft.com/office/mac/drawingml/2011/main" val="1"/>
+              <ma14:wrappingTextBoxFlag xmlns:ma14="http://schemas.microsoft.com/office/mac/drawingml/2011/main" xmlns="" val="1"/>
             </a:ext>
           </a:extLst>
         </p:spPr>
@@ -3513,7 +3513,7 @@
           </a:ln>
           <a:extLst>
             <a:ext uri="{C572A759-6A51-4108-AA02-DFA0A04FC94B}">
-              <ma14:wrappingTextBoxFlag xmlns="" xmlns:ma14="http://schemas.microsoft.com/office/mac/drawingml/2011/main" val="1"/>
+              <ma14:wrappingTextBoxFlag xmlns:ma14="http://schemas.microsoft.com/office/mac/drawingml/2011/main" xmlns="" val="1"/>
             </a:ext>
           </a:extLst>
         </p:spPr>
@@ -3769,7 +3769,7 @@
           </a:ln>
           <a:extLst>
             <a:ext uri="{C572A759-6A51-4108-AA02-DFA0A04FC94B}">
-              <ma14:wrappingTextBoxFlag xmlns="" xmlns:ma14="http://schemas.microsoft.com/office/mac/drawingml/2011/main" val="1"/>
+              <ma14:wrappingTextBoxFlag xmlns:ma14="http://schemas.microsoft.com/office/mac/drawingml/2011/main" xmlns="" val="1"/>
             </a:ext>
           </a:extLst>
         </p:spPr>
@@ -4532,7 +4532,7 @@
           </a:ln>
           <a:extLst>
             <a:ext uri="{C572A759-6A51-4108-AA02-DFA0A04FC94B}">
-              <ma14:wrappingTextBoxFlag xmlns="" xmlns:ma14="http://schemas.microsoft.com/office/mac/drawingml/2011/main" val="1"/>
+              <ma14:wrappingTextBoxFlag xmlns:ma14="http://schemas.microsoft.com/office/mac/drawingml/2011/main" xmlns="" val="1"/>
             </a:ext>
           </a:extLst>
         </p:spPr>
@@ -4813,7 +4813,7 @@
           </a:ln>
           <a:extLst>
             <a:ext uri="{C572A759-6A51-4108-AA02-DFA0A04FC94B}">
-              <ma14:wrappingTextBoxFlag xmlns="" xmlns:ma14="http://schemas.microsoft.com/office/mac/drawingml/2011/main" val="1"/>
+              <ma14:wrappingTextBoxFlag xmlns:ma14="http://schemas.microsoft.com/office/mac/drawingml/2011/main" xmlns="" val="1"/>
             </a:ext>
           </a:extLst>
         </p:spPr>
@@ -5135,7 +5135,7 @@
           </a:ln>
           <a:extLst>
             <a:ext uri="{C572A759-6A51-4108-AA02-DFA0A04FC94B}">
-              <ma14:wrappingTextBoxFlag xmlns="" xmlns:ma14="http://schemas.microsoft.com/office/mac/drawingml/2011/main" val="1"/>
+              <ma14:wrappingTextBoxFlag xmlns:ma14="http://schemas.microsoft.com/office/mac/drawingml/2011/main" xmlns="" val="1"/>
             </a:ext>
           </a:extLst>
         </p:spPr>
@@ -5457,7 +5457,7 @@
           </a:ln>
           <a:extLst>
             <a:ext uri="{C572A759-6A51-4108-AA02-DFA0A04FC94B}">
-              <ma14:wrappingTextBoxFlag xmlns="" xmlns:ma14="http://schemas.microsoft.com/office/mac/drawingml/2011/main" val="1"/>
+              <ma14:wrappingTextBoxFlag xmlns:ma14="http://schemas.microsoft.com/office/mac/drawingml/2011/main" xmlns="" val="1"/>
             </a:ext>
           </a:extLst>
         </p:spPr>
@@ -5911,7 +5911,7 @@
           </a:ln>
           <a:extLst>
             <a:ext uri="{C572A759-6A51-4108-AA02-DFA0A04FC94B}">
-              <ma14:wrappingTextBoxFlag xmlns="" xmlns:ma14="http://schemas.microsoft.com/office/mac/drawingml/2011/main" val="1"/>
+              <ma14:wrappingTextBoxFlag xmlns:ma14="http://schemas.microsoft.com/office/mac/drawingml/2011/main" xmlns="" val="1"/>
             </a:ext>
           </a:extLst>
         </p:spPr>
@@ -6098,7 +6098,7 @@
           </a:ln>
           <a:extLst>
             <a:ext uri="{C572A759-6A51-4108-AA02-DFA0A04FC94B}">
-              <ma14:wrappingTextBoxFlag xmlns="" xmlns:ma14="http://schemas.microsoft.com/office/mac/drawingml/2011/main" val="1"/>
+              <ma14:wrappingTextBoxFlag xmlns:ma14="http://schemas.microsoft.com/office/mac/drawingml/2011/main" xmlns="" val="1"/>
             </a:ext>
           </a:extLst>
         </p:spPr>
@@ -6379,7 +6379,7 @@
           </a:ln>
           <a:extLst>
             <a:ext uri="{C572A759-6A51-4108-AA02-DFA0A04FC94B}">
-              <ma14:wrappingTextBoxFlag xmlns="" xmlns:ma14="http://schemas.microsoft.com/office/mac/drawingml/2011/main" val="1"/>
+              <ma14:wrappingTextBoxFlag xmlns:ma14="http://schemas.microsoft.com/office/mac/drawingml/2011/main" xmlns="" val="1"/>
             </a:ext>
           </a:extLst>
         </p:spPr>
@@ -9284,7 +9284,7 @@
           <p:cNvPr id="9" name="矩形 8">
             <a:extLst>
               <a:ext uri="{FF2B5EF4-FFF2-40B4-BE49-F238E27FC236}">
-                <a16:creationId xmlns="" xmlns:a16="http://schemas.microsoft.com/office/drawing/2014/main" id="{82023C5A-002A-4D55-B6D9-BA77213D77D2}"/>
+                <a16:creationId xmlns:a16="http://schemas.microsoft.com/office/drawing/2014/main" xmlns="" id="{82023C5A-002A-4D55-B6D9-BA77213D77D2}"/>
               </a:ext>
             </a:extLst>
           </p:cNvPr>
@@ -9413,7 +9413,7 @@
           <p:cNvPr id="4" name="组合 3">
             <a:extLst>
               <a:ext uri="{FF2B5EF4-FFF2-40B4-BE49-F238E27FC236}">
-                <a16:creationId xmlns="" xmlns:a16="http://schemas.microsoft.com/office/drawing/2014/main" id="{6492F762-B648-4C6A-BCCD-DE814C95A84A}"/>
+                <a16:creationId xmlns:a16="http://schemas.microsoft.com/office/drawing/2014/main" xmlns="" id="{6492F762-B648-4C6A-BCCD-DE814C95A84A}"/>
               </a:ext>
             </a:extLst>
           </p:cNvPr>
@@ -9692,7 +9692,7 @@
           <p:cNvPr id="5" name="组合 4">
             <a:extLst>
               <a:ext uri="{FF2B5EF4-FFF2-40B4-BE49-F238E27FC236}">
-                <a16:creationId xmlns="" xmlns:a16="http://schemas.microsoft.com/office/drawing/2014/main" id="{B3B54D5C-DF23-4320-80C7-D5FDCC31C73E}"/>
+                <a16:creationId xmlns:a16="http://schemas.microsoft.com/office/drawing/2014/main" xmlns="" id="{B3B54D5C-DF23-4320-80C7-D5FDCC31C73E}"/>
               </a:ext>
             </a:extLst>
           </p:cNvPr>
@@ -9973,7 +9973,7 @@
           <p:cNvPr id="3" name="图片 2" descr="图片包含 户外艺术系列&#10;&#10;已生成高可信度的说明">
             <a:extLst>
               <a:ext uri="{FF2B5EF4-FFF2-40B4-BE49-F238E27FC236}">
-                <a16:creationId xmlns="" xmlns:a16="http://schemas.microsoft.com/office/drawing/2014/main" id="{ABA7B7BC-2EA9-4B48-9EC2-D10CCCF93649}"/>
+                <a16:creationId xmlns:a16="http://schemas.microsoft.com/office/drawing/2014/main" xmlns="" id="{ABA7B7BC-2EA9-4B48-9EC2-D10CCCF93649}"/>
               </a:ext>
             </a:extLst>
           </p:cNvPr>
@@ -10008,7 +10008,7 @@
           <p:cNvPr id="122" name="图片 121" descr="图片包含 户外艺术系列&#10;&#10;已生成高可信度的说明">
             <a:extLst>
               <a:ext uri="{FF2B5EF4-FFF2-40B4-BE49-F238E27FC236}">
-                <a16:creationId xmlns="" xmlns:a16="http://schemas.microsoft.com/office/drawing/2014/main" id="{3EA6A347-BDFB-419C-B6F7-63BF6CC4CAFC}"/>
+                <a16:creationId xmlns:a16="http://schemas.microsoft.com/office/drawing/2014/main" xmlns="" id="{3EA6A347-BDFB-419C-B6F7-63BF6CC4CAFC}"/>
               </a:ext>
             </a:extLst>
           </p:cNvPr>
@@ -10043,7 +10043,7 @@
           <p:cNvPr id="7" name="直接连接符 6">
             <a:extLst>
               <a:ext uri="{FF2B5EF4-FFF2-40B4-BE49-F238E27FC236}">
-                <a16:creationId xmlns="" xmlns:a16="http://schemas.microsoft.com/office/drawing/2014/main" id="{6A700B99-6065-4865-8C68-803D5763C6AA}"/>
+                <a16:creationId xmlns:a16="http://schemas.microsoft.com/office/drawing/2014/main" xmlns="" id="{6A700B99-6065-4865-8C68-803D5763C6AA}"/>
               </a:ext>
             </a:extLst>
           </p:cNvPr>
@@ -10133,7 +10133,7 @@
           </a:ln>
           <a:extLst>
             <a:ext uri="{C572A759-6A51-4108-AA02-DFA0A04FC94B}">
-              <ma14:wrappingTextBoxFlag xmlns="" xmlns:ma14="http://schemas.microsoft.com/office/mac/drawingml/2011/main" val="1"/>
+              <ma14:wrappingTextBoxFlag xmlns:ma14="http://schemas.microsoft.com/office/mac/drawingml/2011/main" xmlns="" val="1"/>
             </a:ext>
           </a:extLst>
         </p:spPr>
@@ -10201,7 +10201,7 @@
           </a:ln>
           <a:extLst>
             <a:ext uri="{C572A759-6A51-4108-AA02-DFA0A04FC94B}">
-              <ma14:wrappingTextBoxFlag xmlns="" xmlns:ma14="http://schemas.microsoft.com/office/mac/drawingml/2011/main" val="1"/>
+              <ma14:wrappingTextBoxFlag xmlns:ma14="http://schemas.microsoft.com/office/mac/drawingml/2011/main" xmlns="" val="1"/>
             </a:ext>
           </a:extLst>
         </p:spPr>
@@ -10263,7 +10263,7 @@
           <p:cNvPr id="17" name="组合 16">
             <a:extLst>
               <a:ext uri="{FF2B5EF4-FFF2-40B4-BE49-F238E27FC236}">
-                <a16:creationId xmlns="" xmlns:a16="http://schemas.microsoft.com/office/drawing/2014/main" id="{37C933BA-2473-4CDC-A5E4-A44C629C23D8}"/>
+                <a16:creationId xmlns:a16="http://schemas.microsoft.com/office/drawing/2014/main" xmlns="" id="{37C933BA-2473-4CDC-A5E4-A44C629C23D8}"/>
               </a:ext>
             </a:extLst>
           </p:cNvPr>
@@ -10283,7 +10283,7 @@
             <p:cNvPr id="18" name="文本框 17">
               <a:extLst>
                 <a:ext uri="{FF2B5EF4-FFF2-40B4-BE49-F238E27FC236}">
-                  <a16:creationId xmlns="" xmlns:a16="http://schemas.microsoft.com/office/drawing/2014/main" id="{16DA8A1E-64FC-4810-80E3-D177285D8773}"/>
+                  <a16:creationId xmlns:a16="http://schemas.microsoft.com/office/drawing/2014/main" xmlns="" id="{16DA8A1E-64FC-4810-80E3-D177285D8773}"/>
                 </a:ext>
               </a:extLst>
             </p:cNvPr>
@@ -10387,7 +10387,7 @@
             <p:cNvPr id="19" name="文本框 18">
               <a:extLst>
                 <a:ext uri="{FF2B5EF4-FFF2-40B4-BE49-F238E27FC236}">
-                  <a16:creationId xmlns="" xmlns:a16="http://schemas.microsoft.com/office/drawing/2014/main" id="{D028F3A2-F8BE-4FF3-AA43-1781C286E3E6}"/>
+                  <a16:creationId xmlns:a16="http://schemas.microsoft.com/office/drawing/2014/main" xmlns="" id="{D028F3A2-F8BE-4FF3-AA43-1781C286E3E6}"/>
                 </a:ext>
               </a:extLst>
             </p:cNvPr>
@@ -10455,7 +10455,7 @@
             <p:cNvPr id="20" name="矩形: 圆角 19">
               <a:extLst>
                 <a:ext uri="{FF2B5EF4-FFF2-40B4-BE49-F238E27FC236}">
-                  <a16:creationId xmlns="" xmlns:a16="http://schemas.microsoft.com/office/drawing/2014/main" id="{D155FC09-937B-45E9-9445-19C2930961C1}"/>
+                  <a16:creationId xmlns:a16="http://schemas.microsoft.com/office/drawing/2014/main" xmlns="" id="{D155FC09-937B-45E9-9445-19C2930961C1}"/>
                 </a:ext>
               </a:extLst>
             </p:cNvPr>
@@ -10528,7 +10528,7 @@
           <p:cNvPr id="22" name="文本框 21">
             <a:extLst>
               <a:ext uri="{FF2B5EF4-FFF2-40B4-BE49-F238E27FC236}">
-                <a16:creationId xmlns="" xmlns:a16="http://schemas.microsoft.com/office/drawing/2014/main" id="{3A22B194-448A-46EE-BC7E-5460EEA7EF82}"/>
+                <a16:creationId xmlns:a16="http://schemas.microsoft.com/office/drawing/2014/main" xmlns="" id="{3A22B194-448A-46EE-BC7E-5460EEA7EF82}"/>
               </a:ext>
             </a:extLst>
           </p:cNvPr>
@@ -10579,7 +10579,7 @@
           <p:cNvPr id="31" name="椭圆 30">
             <a:extLst>
               <a:ext uri="{FF2B5EF4-FFF2-40B4-BE49-F238E27FC236}">
-                <a16:creationId xmlns="" xmlns:a16="http://schemas.microsoft.com/office/drawing/2014/main" id="{3B07899A-BEFE-411B-80F0-B1F1203CAF79}"/>
+                <a16:creationId xmlns:a16="http://schemas.microsoft.com/office/drawing/2014/main" xmlns="" id="{3B07899A-BEFE-411B-80F0-B1F1203CAF79}"/>
               </a:ext>
             </a:extLst>
           </p:cNvPr>
@@ -10633,7 +10633,7 @@
           <p:cNvPr id="32" name="椭圆 31">
             <a:extLst>
               <a:ext uri="{FF2B5EF4-FFF2-40B4-BE49-F238E27FC236}">
-                <a16:creationId xmlns="" xmlns:a16="http://schemas.microsoft.com/office/drawing/2014/main" id="{8E146F45-5E79-431F-AE2D-E8D938E2AE30}"/>
+                <a16:creationId xmlns:a16="http://schemas.microsoft.com/office/drawing/2014/main" xmlns="" id="{8E146F45-5E79-431F-AE2D-E8D938E2AE30}"/>
               </a:ext>
             </a:extLst>
           </p:cNvPr>
@@ -10687,7 +10687,7 @@
           <p:cNvPr id="33" name="椭圆 32">
             <a:extLst>
               <a:ext uri="{FF2B5EF4-FFF2-40B4-BE49-F238E27FC236}">
-                <a16:creationId xmlns="" xmlns:a16="http://schemas.microsoft.com/office/drawing/2014/main" id="{67D28EC8-FAC6-4D9C-A689-EC09A31595AF}"/>
+                <a16:creationId xmlns:a16="http://schemas.microsoft.com/office/drawing/2014/main" xmlns="" id="{67D28EC8-FAC6-4D9C-A689-EC09A31595AF}"/>
               </a:ext>
             </a:extLst>
           </p:cNvPr>
@@ -10744,7 +10744,7 @@
           <p:cNvPr id="34" name="椭圆 33">
             <a:extLst>
               <a:ext uri="{FF2B5EF4-FFF2-40B4-BE49-F238E27FC236}">
-                <a16:creationId xmlns="" xmlns:a16="http://schemas.microsoft.com/office/drawing/2014/main" id="{9F3AFC74-0413-4D11-B73A-701636BA1C2F}"/>
+                <a16:creationId xmlns:a16="http://schemas.microsoft.com/office/drawing/2014/main" xmlns="" id="{9F3AFC74-0413-4D11-B73A-701636BA1C2F}"/>
               </a:ext>
             </a:extLst>
           </p:cNvPr>
@@ -10798,7 +10798,7 @@
           <p:cNvPr id="35" name="椭圆 34">
             <a:extLst>
               <a:ext uri="{FF2B5EF4-FFF2-40B4-BE49-F238E27FC236}">
-                <a16:creationId xmlns="" xmlns:a16="http://schemas.microsoft.com/office/drawing/2014/main" id="{492C6DC1-98AC-4C5B-873B-0FE63529C580}"/>
+                <a16:creationId xmlns:a16="http://schemas.microsoft.com/office/drawing/2014/main" xmlns="" id="{492C6DC1-98AC-4C5B-873B-0FE63529C580}"/>
               </a:ext>
             </a:extLst>
           </p:cNvPr>
@@ -10852,7 +10852,7 @@
           <p:cNvPr id="36" name="直接连接符 35">
             <a:extLst>
               <a:ext uri="{FF2B5EF4-FFF2-40B4-BE49-F238E27FC236}">
-                <a16:creationId xmlns="" xmlns:a16="http://schemas.microsoft.com/office/drawing/2014/main" id="{6971B428-D479-4672-BD8B-7F5D077D5D86}"/>
+                <a16:creationId xmlns:a16="http://schemas.microsoft.com/office/drawing/2014/main" xmlns="" id="{6971B428-D479-4672-BD8B-7F5D077D5D86}"/>
               </a:ext>
             </a:extLst>
           </p:cNvPr>
@@ -10896,7 +10896,7 @@
           <p:cNvPr id="37" name="椭圆 36">
             <a:extLst>
               <a:ext uri="{FF2B5EF4-FFF2-40B4-BE49-F238E27FC236}">
-                <a16:creationId xmlns="" xmlns:a16="http://schemas.microsoft.com/office/drawing/2014/main" id="{E40A54E8-E57E-4BE0-B84A-69974F4EA85A}"/>
+                <a16:creationId xmlns:a16="http://schemas.microsoft.com/office/drawing/2014/main" xmlns="" id="{E40A54E8-E57E-4BE0-B84A-69974F4EA85A}"/>
               </a:ext>
             </a:extLst>
           </p:cNvPr>
@@ -10950,7 +10950,7 @@
           <p:cNvPr id="38" name="直接连接符 37">
             <a:extLst>
               <a:ext uri="{FF2B5EF4-FFF2-40B4-BE49-F238E27FC236}">
-                <a16:creationId xmlns="" xmlns:a16="http://schemas.microsoft.com/office/drawing/2014/main" id="{DF7F0649-3C32-4EE4-9DC6-342077B0E1D8}"/>
+                <a16:creationId xmlns:a16="http://schemas.microsoft.com/office/drawing/2014/main" xmlns="" id="{DF7F0649-3C32-4EE4-9DC6-342077B0E1D8}"/>
               </a:ext>
             </a:extLst>
           </p:cNvPr>
@@ -10994,7 +10994,7 @@
           <p:cNvPr id="39" name="直接连接符 38">
             <a:extLst>
               <a:ext uri="{FF2B5EF4-FFF2-40B4-BE49-F238E27FC236}">
-                <a16:creationId xmlns="" xmlns:a16="http://schemas.microsoft.com/office/drawing/2014/main" id="{093EB3FB-ADF0-474A-B234-EF349901DC15}"/>
+                <a16:creationId xmlns:a16="http://schemas.microsoft.com/office/drawing/2014/main" xmlns="" id="{093EB3FB-ADF0-474A-B234-EF349901DC15}"/>
               </a:ext>
             </a:extLst>
           </p:cNvPr>
@@ -11038,7 +11038,7 @@
           <p:cNvPr id="40" name="椭圆 39">
             <a:extLst>
               <a:ext uri="{FF2B5EF4-FFF2-40B4-BE49-F238E27FC236}">
-                <a16:creationId xmlns="" xmlns:a16="http://schemas.microsoft.com/office/drawing/2014/main" id="{F13CD393-9278-4D9E-926E-A8B9B27E49C8}"/>
+                <a16:creationId xmlns:a16="http://schemas.microsoft.com/office/drawing/2014/main" xmlns="" id="{F13CD393-9278-4D9E-926E-A8B9B27E49C8}"/>
               </a:ext>
             </a:extLst>
           </p:cNvPr>
@@ -11095,7 +11095,7 @@
           <p:cNvPr id="41" name="直接连接符 40">
             <a:extLst>
               <a:ext uri="{FF2B5EF4-FFF2-40B4-BE49-F238E27FC236}">
-                <a16:creationId xmlns="" xmlns:a16="http://schemas.microsoft.com/office/drawing/2014/main" id="{192A6EEE-8490-42FF-8026-D3D66BD75940}"/>
+                <a16:creationId xmlns:a16="http://schemas.microsoft.com/office/drawing/2014/main" xmlns="" id="{192A6EEE-8490-42FF-8026-D3D66BD75940}"/>
               </a:ext>
             </a:extLst>
           </p:cNvPr>
@@ -11139,7 +11139,7 @@
           <p:cNvPr id="42" name="椭圆 41">
             <a:extLst>
               <a:ext uri="{FF2B5EF4-FFF2-40B4-BE49-F238E27FC236}">
-                <a16:creationId xmlns="" xmlns:a16="http://schemas.microsoft.com/office/drawing/2014/main" id="{B5136ACA-AD87-4183-ADB5-428C41FA7777}"/>
+                <a16:creationId xmlns:a16="http://schemas.microsoft.com/office/drawing/2014/main" xmlns="" id="{B5136ACA-AD87-4183-ADB5-428C41FA7777}"/>
               </a:ext>
             </a:extLst>
           </p:cNvPr>
@@ -11193,7 +11193,7 @@
           <p:cNvPr id="43" name="直接连接符 42">
             <a:extLst>
               <a:ext uri="{FF2B5EF4-FFF2-40B4-BE49-F238E27FC236}">
-                <a16:creationId xmlns="" xmlns:a16="http://schemas.microsoft.com/office/drawing/2014/main" id="{272C11AD-11A2-49C8-9292-7533203E68DD}"/>
+                <a16:creationId xmlns:a16="http://schemas.microsoft.com/office/drawing/2014/main" xmlns="" id="{272C11AD-11A2-49C8-9292-7533203E68DD}"/>
               </a:ext>
             </a:extLst>
           </p:cNvPr>
@@ -11237,7 +11237,7 @@
           <p:cNvPr id="44" name="椭圆 43">
             <a:extLst>
               <a:ext uri="{FF2B5EF4-FFF2-40B4-BE49-F238E27FC236}">
-                <a16:creationId xmlns="" xmlns:a16="http://schemas.microsoft.com/office/drawing/2014/main" id="{411E286E-649A-4CC9-A79E-B785F1A457EA}"/>
+                <a16:creationId xmlns:a16="http://schemas.microsoft.com/office/drawing/2014/main" xmlns="" id="{411E286E-649A-4CC9-A79E-B785F1A457EA}"/>
               </a:ext>
             </a:extLst>
           </p:cNvPr>
@@ -11294,7 +11294,7 @@
           <p:cNvPr id="45" name="直接连接符 44">
             <a:extLst>
               <a:ext uri="{FF2B5EF4-FFF2-40B4-BE49-F238E27FC236}">
-                <a16:creationId xmlns="" xmlns:a16="http://schemas.microsoft.com/office/drawing/2014/main" id="{4642B35E-2738-4B10-B77A-A1D1B45ED76B}"/>
+                <a16:creationId xmlns:a16="http://schemas.microsoft.com/office/drawing/2014/main" xmlns="" id="{4642B35E-2738-4B10-B77A-A1D1B45ED76B}"/>
               </a:ext>
             </a:extLst>
           </p:cNvPr>
@@ -11338,7 +11338,7 @@
           <p:cNvPr id="46" name="直接连接符 45">
             <a:extLst>
               <a:ext uri="{FF2B5EF4-FFF2-40B4-BE49-F238E27FC236}">
-                <a16:creationId xmlns="" xmlns:a16="http://schemas.microsoft.com/office/drawing/2014/main" id="{D9581555-6A2E-4C22-B026-C640417AD0E5}"/>
+                <a16:creationId xmlns:a16="http://schemas.microsoft.com/office/drawing/2014/main" xmlns="" id="{D9581555-6A2E-4C22-B026-C640417AD0E5}"/>
               </a:ext>
             </a:extLst>
           </p:cNvPr>
@@ -11382,7 +11382,7 @@
           <p:cNvPr id="47" name="直接连接符 46">
             <a:extLst>
               <a:ext uri="{FF2B5EF4-FFF2-40B4-BE49-F238E27FC236}">
-                <a16:creationId xmlns="" xmlns:a16="http://schemas.microsoft.com/office/drawing/2014/main" id="{BFDADB2E-A848-4A30-A321-0A9EF72DEE7A}"/>
+                <a16:creationId xmlns:a16="http://schemas.microsoft.com/office/drawing/2014/main" xmlns="" id="{BFDADB2E-A848-4A30-A321-0A9EF72DEE7A}"/>
               </a:ext>
             </a:extLst>
           </p:cNvPr>
@@ -11782,7 +11782,7 @@
           <p:cNvPr id="6" name="图片 5" descr="图片包含 户外艺术系列&#10;&#10;已生成高可信度的说明">
             <a:extLst>
               <a:ext uri="{FF2B5EF4-FFF2-40B4-BE49-F238E27FC236}">
-                <a16:creationId xmlns="" xmlns:a16="http://schemas.microsoft.com/office/drawing/2014/main" id="{89D524ED-F1C6-411C-BF82-1FE0C3CECFC7}"/>
+                <a16:creationId xmlns:a16="http://schemas.microsoft.com/office/drawing/2014/main" xmlns="" id="{89D524ED-F1C6-411C-BF82-1FE0C3CECFC7}"/>
               </a:ext>
             </a:extLst>
           </p:cNvPr>
@@ -11818,7 +11818,7 @@
           <p:cNvPr id="11" name="矩形: 圆角 10">
             <a:extLst>
               <a:ext uri="{FF2B5EF4-FFF2-40B4-BE49-F238E27FC236}">
-                <a16:creationId xmlns="" xmlns:a16="http://schemas.microsoft.com/office/drawing/2014/main" id="{6BCFDEB3-66BB-40C4-8D11-4501056B03A6}"/>
+                <a16:creationId xmlns:a16="http://schemas.microsoft.com/office/drawing/2014/main" xmlns="" id="{6BCFDEB3-66BB-40C4-8D11-4501056B03A6}"/>
               </a:ext>
             </a:extLst>
           </p:cNvPr>
@@ -11879,7 +11879,7 @@
           <p:cNvPr id="2" name="文本框 1">
             <a:extLst>
               <a:ext uri="{FF2B5EF4-FFF2-40B4-BE49-F238E27FC236}">
-                <a16:creationId xmlns="" xmlns:a16="http://schemas.microsoft.com/office/drawing/2014/main" id="{F78FF481-D5DD-4D63-B7A7-27E254D01BB4}"/>
+                <a16:creationId xmlns:a16="http://schemas.microsoft.com/office/drawing/2014/main" xmlns="" id="{F78FF481-D5DD-4D63-B7A7-27E254D01BB4}"/>
               </a:ext>
             </a:extLst>
           </p:cNvPr>
@@ -11922,7 +11922,7 @@
           <p:cNvPr id="3" name="文本框 2">
             <a:extLst>
               <a:ext uri="{FF2B5EF4-FFF2-40B4-BE49-F238E27FC236}">
-                <a16:creationId xmlns="" xmlns:a16="http://schemas.microsoft.com/office/drawing/2014/main" id="{2A4B6A67-80A8-491C-9B75-F838BAA24AB8}"/>
+                <a16:creationId xmlns:a16="http://schemas.microsoft.com/office/drawing/2014/main" xmlns="" id="{2A4B6A67-80A8-491C-9B75-F838BAA24AB8}"/>
               </a:ext>
             </a:extLst>
           </p:cNvPr>
@@ -11963,7 +11963,7 @@
           <p:cNvPr id="4" name="文本框 3">
             <a:extLst>
               <a:ext uri="{FF2B5EF4-FFF2-40B4-BE49-F238E27FC236}">
-                <a16:creationId xmlns="" xmlns:a16="http://schemas.microsoft.com/office/drawing/2014/main" id="{D0EF4BBF-C2CD-4EB3-A920-99A3D31601CD}"/>
+                <a16:creationId xmlns:a16="http://schemas.microsoft.com/office/drawing/2014/main" xmlns="" id="{D0EF4BBF-C2CD-4EB3-A920-99A3D31601CD}"/>
               </a:ext>
             </a:extLst>
           </p:cNvPr>
@@ -12024,7 +12024,7 @@
           <p:cNvPr id="7" name="直接连接符 6">
             <a:extLst>
               <a:ext uri="{FF2B5EF4-FFF2-40B4-BE49-F238E27FC236}">
-                <a16:creationId xmlns="" xmlns:a16="http://schemas.microsoft.com/office/drawing/2014/main" id="{4000AD3B-46B8-4302-97C7-6AB34A88DFA6}"/>
+                <a16:creationId xmlns:a16="http://schemas.microsoft.com/office/drawing/2014/main" xmlns="" id="{4000AD3B-46B8-4302-97C7-6AB34A88DFA6}"/>
               </a:ext>
             </a:extLst>
           </p:cNvPr>
@@ -12067,7 +12067,7 @@
           <p:cNvPr id="10" name="组合 9">
             <a:extLst>
               <a:ext uri="{FF2B5EF4-FFF2-40B4-BE49-F238E27FC236}">
-                <a16:creationId xmlns="" xmlns:a16="http://schemas.microsoft.com/office/drawing/2014/main" id="{0A179309-4274-4AFB-96A6-CDF4D9704354}"/>
+                <a16:creationId xmlns:a16="http://schemas.microsoft.com/office/drawing/2014/main" xmlns="" id="{0A179309-4274-4AFB-96A6-CDF4D9704354}"/>
               </a:ext>
             </a:extLst>
           </p:cNvPr>
@@ -12087,7 +12087,7 @@
             <p:cNvPr id="13" name="直接连接符 12">
               <a:extLst>
                 <a:ext uri="{FF2B5EF4-FFF2-40B4-BE49-F238E27FC236}">
-                  <a16:creationId xmlns="" xmlns:a16="http://schemas.microsoft.com/office/drawing/2014/main" id="{3E1E71E1-150B-4EBB-ACA2-3809BDB92488}"/>
+                  <a16:creationId xmlns:a16="http://schemas.microsoft.com/office/drawing/2014/main" xmlns="" id="{3E1E71E1-150B-4EBB-ACA2-3809BDB92488}"/>
                 </a:ext>
               </a:extLst>
             </p:cNvPr>
@@ -12130,7 +12130,7 @@
             <p:cNvPr id="14" name="直接连接符 13">
               <a:extLst>
                 <a:ext uri="{FF2B5EF4-FFF2-40B4-BE49-F238E27FC236}">
-                  <a16:creationId xmlns="" xmlns:a16="http://schemas.microsoft.com/office/drawing/2014/main" id="{3644F1BB-7050-437B-A0D9-2C5C16232620}"/>
+                  <a16:creationId xmlns:a16="http://schemas.microsoft.com/office/drawing/2014/main" xmlns="" id="{3644F1BB-7050-437B-A0D9-2C5C16232620}"/>
                 </a:ext>
               </a:extLst>
             </p:cNvPr>
@@ -12173,7 +12173,7 @@
             <p:cNvPr id="15" name="直接连接符 14">
               <a:extLst>
                 <a:ext uri="{FF2B5EF4-FFF2-40B4-BE49-F238E27FC236}">
-                  <a16:creationId xmlns="" xmlns:a16="http://schemas.microsoft.com/office/drawing/2014/main" id="{A58349CB-A746-42FE-B196-071D1F66F4A6}"/>
+                  <a16:creationId xmlns:a16="http://schemas.microsoft.com/office/drawing/2014/main" xmlns="" id="{A58349CB-A746-42FE-B196-071D1F66F4A6}"/>
                 </a:ext>
               </a:extLst>
             </p:cNvPr>
@@ -12216,7 +12216,7 @@
             <p:cNvPr id="16" name="椭圆 15">
               <a:extLst>
                 <a:ext uri="{FF2B5EF4-FFF2-40B4-BE49-F238E27FC236}">
-                  <a16:creationId xmlns="" xmlns:a16="http://schemas.microsoft.com/office/drawing/2014/main" id="{1EA2E525-99FB-4DC3-85D4-E58FF0F0D4CB}"/>
+                  <a16:creationId xmlns:a16="http://schemas.microsoft.com/office/drawing/2014/main" xmlns="" id="{1EA2E525-99FB-4DC3-85D4-E58FF0F0D4CB}"/>
                 </a:ext>
               </a:extLst>
             </p:cNvPr>
@@ -12271,7 +12271,7 @@
             <p:cNvPr id="17" name="椭圆 16">
               <a:extLst>
                 <a:ext uri="{FF2B5EF4-FFF2-40B4-BE49-F238E27FC236}">
-                  <a16:creationId xmlns="" xmlns:a16="http://schemas.microsoft.com/office/drawing/2014/main" id="{3DA1CB48-5631-4E05-8CE8-88FAC410BB1B}"/>
+                  <a16:creationId xmlns:a16="http://schemas.microsoft.com/office/drawing/2014/main" xmlns="" id="{3DA1CB48-5631-4E05-8CE8-88FAC410BB1B}"/>
                 </a:ext>
               </a:extLst>
             </p:cNvPr>
@@ -12325,7 +12325,7 @@
             <p:cNvPr id="18" name="椭圆 17">
               <a:extLst>
                 <a:ext uri="{FF2B5EF4-FFF2-40B4-BE49-F238E27FC236}">
-                  <a16:creationId xmlns="" xmlns:a16="http://schemas.microsoft.com/office/drawing/2014/main" id="{292A36A2-19F3-40B6-80DB-E53E8B94E159}"/>
+                  <a16:creationId xmlns:a16="http://schemas.microsoft.com/office/drawing/2014/main" xmlns="" id="{292A36A2-19F3-40B6-80DB-E53E8B94E159}"/>
                 </a:ext>
               </a:extLst>
             </p:cNvPr>
@@ -12382,7 +12382,7 @@
           <p:cNvPr id="19" name="组合 18">
             <a:extLst>
               <a:ext uri="{FF2B5EF4-FFF2-40B4-BE49-F238E27FC236}">
-                <a16:creationId xmlns="" xmlns:a16="http://schemas.microsoft.com/office/drawing/2014/main" id="{54F5DAC7-1D40-43F9-9CFA-72281B05A6C2}"/>
+                <a16:creationId xmlns:a16="http://schemas.microsoft.com/office/drawing/2014/main" xmlns="" id="{54F5DAC7-1D40-43F9-9CFA-72281B05A6C2}"/>
               </a:ext>
             </a:extLst>
           </p:cNvPr>
@@ -12402,7 +12402,7 @@
             <p:cNvPr id="20" name="直接连接符 19">
               <a:extLst>
                 <a:ext uri="{FF2B5EF4-FFF2-40B4-BE49-F238E27FC236}">
-                  <a16:creationId xmlns="" xmlns:a16="http://schemas.microsoft.com/office/drawing/2014/main" id="{33C9463E-892C-4B04-92A8-B5F992BCAF1B}"/>
+                  <a16:creationId xmlns:a16="http://schemas.microsoft.com/office/drawing/2014/main" xmlns="" id="{33C9463E-892C-4B04-92A8-B5F992BCAF1B}"/>
                 </a:ext>
               </a:extLst>
             </p:cNvPr>
@@ -12445,7 +12445,7 @@
             <p:cNvPr id="21" name="直接连接符 20">
               <a:extLst>
                 <a:ext uri="{FF2B5EF4-FFF2-40B4-BE49-F238E27FC236}">
-                  <a16:creationId xmlns="" xmlns:a16="http://schemas.microsoft.com/office/drawing/2014/main" id="{DF8A5D8A-C7AA-4520-9F05-4E3EAB9A8BB5}"/>
+                  <a16:creationId xmlns:a16="http://schemas.microsoft.com/office/drawing/2014/main" xmlns="" id="{DF8A5D8A-C7AA-4520-9F05-4E3EAB9A8BB5}"/>
                 </a:ext>
               </a:extLst>
             </p:cNvPr>
@@ -12488,7 +12488,7 @@
             <p:cNvPr id="22" name="直接连接符 21">
               <a:extLst>
                 <a:ext uri="{FF2B5EF4-FFF2-40B4-BE49-F238E27FC236}">
-                  <a16:creationId xmlns="" xmlns:a16="http://schemas.microsoft.com/office/drawing/2014/main" id="{9997A725-A58B-4628-A8C3-E026E0A2203D}"/>
+                  <a16:creationId xmlns:a16="http://schemas.microsoft.com/office/drawing/2014/main" xmlns="" id="{9997A725-A58B-4628-A8C3-E026E0A2203D}"/>
                 </a:ext>
               </a:extLst>
             </p:cNvPr>
@@ -12531,7 +12531,7 @@
             <p:cNvPr id="23" name="椭圆 22">
               <a:extLst>
                 <a:ext uri="{FF2B5EF4-FFF2-40B4-BE49-F238E27FC236}">
-                  <a16:creationId xmlns="" xmlns:a16="http://schemas.microsoft.com/office/drawing/2014/main" id="{E4229617-E9A0-435F-BCAF-7E25DFAF9586}"/>
+                  <a16:creationId xmlns:a16="http://schemas.microsoft.com/office/drawing/2014/main" xmlns="" id="{E4229617-E9A0-435F-BCAF-7E25DFAF9586}"/>
                 </a:ext>
               </a:extLst>
             </p:cNvPr>
@@ -12586,7 +12586,7 @@
             <p:cNvPr id="24" name="椭圆 23">
               <a:extLst>
                 <a:ext uri="{FF2B5EF4-FFF2-40B4-BE49-F238E27FC236}">
-                  <a16:creationId xmlns="" xmlns:a16="http://schemas.microsoft.com/office/drawing/2014/main" id="{A93BFD55-5477-402D-8578-F79D81368B6D}"/>
+                  <a16:creationId xmlns:a16="http://schemas.microsoft.com/office/drawing/2014/main" xmlns="" id="{A93BFD55-5477-402D-8578-F79D81368B6D}"/>
                 </a:ext>
               </a:extLst>
             </p:cNvPr>
@@ -12640,7 +12640,7 @@
             <p:cNvPr id="25" name="椭圆 24">
               <a:extLst>
                 <a:ext uri="{FF2B5EF4-FFF2-40B4-BE49-F238E27FC236}">
-                  <a16:creationId xmlns="" xmlns:a16="http://schemas.microsoft.com/office/drawing/2014/main" id="{C5B85F38-CF17-4884-9D3E-DDDB8A7614DB}"/>
+                  <a16:creationId xmlns:a16="http://schemas.microsoft.com/office/drawing/2014/main" xmlns="" id="{C5B85F38-CF17-4884-9D3E-DDDB8A7614DB}"/>
                 </a:ext>
               </a:extLst>
             </p:cNvPr>
@@ -12697,7 +12697,7 @@
           <p:cNvPr id="26" name="组合 25">
             <a:extLst>
               <a:ext uri="{FF2B5EF4-FFF2-40B4-BE49-F238E27FC236}">
-                <a16:creationId xmlns="" xmlns:a16="http://schemas.microsoft.com/office/drawing/2014/main" id="{431F0BD9-69CB-4CCC-B8E7-0B7E6E6DEAEA}"/>
+                <a16:creationId xmlns:a16="http://schemas.microsoft.com/office/drawing/2014/main" xmlns="" id="{431F0BD9-69CB-4CCC-B8E7-0B7E6E6DEAEA}"/>
               </a:ext>
             </a:extLst>
           </p:cNvPr>
@@ -12717,7 +12717,7 @@
             <p:cNvPr id="27" name="直接连接符 26">
               <a:extLst>
                 <a:ext uri="{FF2B5EF4-FFF2-40B4-BE49-F238E27FC236}">
-                  <a16:creationId xmlns="" xmlns:a16="http://schemas.microsoft.com/office/drawing/2014/main" id="{2936E32B-E9DC-4E8A-B75F-1EED6707F551}"/>
+                  <a16:creationId xmlns:a16="http://schemas.microsoft.com/office/drawing/2014/main" xmlns="" id="{2936E32B-E9DC-4E8A-B75F-1EED6707F551}"/>
                 </a:ext>
               </a:extLst>
             </p:cNvPr>
@@ -12760,7 +12760,7 @@
             <p:cNvPr id="28" name="直接连接符 27">
               <a:extLst>
                 <a:ext uri="{FF2B5EF4-FFF2-40B4-BE49-F238E27FC236}">
-                  <a16:creationId xmlns="" xmlns:a16="http://schemas.microsoft.com/office/drawing/2014/main" id="{5BD51EE2-2913-4585-A666-E12E7B7BCDD3}"/>
+                  <a16:creationId xmlns:a16="http://schemas.microsoft.com/office/drawing/2014/main" xmlns="" id="{5BD51EE2-2913-4585-A666-E12E7B7BCDD3}"/>
                 </a:ext>
               </a:extLst>
             </p:cNvPr>
@@ -12803,7 +12803,7 @@
             <p:cNvPr id="29" name="直接连接符 28">
               <a:extLst>
                 <a:ext uri="{FF2B5EF4-FFF2-40B4-BE49-F238E27FC236}">
-                  <a16:creationId xmlns="" xmlns:a16="http://schemas.microsoft.com/office/drawing/2014/main" id="{26C1BA9E-834D-4534-8020-5E0F4B8ED7C2}"/>
+                  <a16:creationId xmlns:a16="http://schemas.microsoft.com/office/drawing/2014/main" xmlns="" id="{26C1BA9E-834D-4534-8020-5E0F4B8ED7C2}"/>
                 </a:ext>
               </a:extLst>
             </p:cNvPr>
@@ -12846,7 +12846,7 @@
             <p:cNvPr id="30" name="椭圆 29">
               <a:extLst>
                 <a:ext uri="{FF2B5EF4-FFF2-40B4-BE49-F238E27FC236}">
-                  <a16:creationId xmlns="" xmlns:a16="http://schemas.microsoft.com/office/drawing/2014/main" id="{9FFC6E8B-50CB-438D-8A6D-D449E71BB9CA}"/>
+                  <a16:creationId xmlns:a16="http://schemas.microsoft.com/office/drawing/2014/main" xmlns="" id="{9FFC6E8B-50CB-438D-8A6D-D449E71BB9CA}"/>
                 </a:ext>
               </a:extLst>
             </p:cNvPr>
@@ -12901,7 +12901,7 @@
             <p:cNvPr id="31" name="椭圆 30">
               <a:extLst>
                 <a:ext uri="{FF2B5EF4-FFF2-40B4-BE49-F238E27FC236}">
-                  <a16:creationId xmlns="" xmlns:a16="http://schemas.microsoft.com/office/drawing/2014/main" id="{D4744B69-2504-4E39-B7BE-7ED83650C6CE}"/>
+                  <a16:creationId xmlns:a16="http://schemas.microsoft.com/office/drawing/2014/main" xmlns="" id="{D4744B69-2504-4E39-B7BE-7ED83650C6CE}"/>
                 </a:ext>
               </a:extLst>
             </p:cNvPr>
@@ -12955,7 +12955,7 @@
             <p:cNvPr id="32" name="椭圆 31">
               <a:extLst>
                 <a:ext uri="{FF2B5EF4-FFF2-40B4-BE49-F238E27FC236}">
-                  <a16:creationId xmlns="" xmlns:a16="http://schemas.microsoft.com/office/drawing/2014/main" id="{FC9A2361-C803-4CB7-93E4-70AD38516113}"/>
+                  <a16:creationId xmlns:a16="http://schemas.microsoft.com/office/drawing/2014/main" xmlns="" id="{FC9A2361-C803-4CB7-93E4-70AD38516113}"/>
                 </a:ext>
               </a:extLst>
             </p:cNvPr>
@@ -13059,7 +13059,7 @@
           </a:ln>
           <a:extLst>
             <a:ext uri="{C572A759-6A51-4108-AA02-DFA0A04FC94B}">
-              <ma14:wrappingTextBoxFlag xmlns="" xmlns:ma14="http://schemas.microsoft.com/office/mac/drawingml/2011/main" val="1"/>
+              <ma14:wrappingTextBoxFlag xmlns:ma14="http://schemas.microsoft.com/office/mac/drawingml/2011/main" xmlns="" val="1"/>
             </a:ext>
           </a:extLst>
         </p:spPr>
@@ -13127,7 +13127,7 @@
           </a:ln>
           <a:extLst>
             <a:ext uri="{C572A759-6A51-4108-AA02-DFA0A04FC94B}">
-              <ma14:wrappingTextBoxFlag xmlns="" xmlns:ma14="http://schemas.microsoft.com/office/mac/drawingml/2011/main" val="1"/>
+              <ma14:wrappingTextBoxFlag xmlns:ma14="http://schemas.microsoft.com/office/mac/drawingml/2011/main" xmlns="" val="1"/>
             </a:ext>
           </a:extLst>
         </p:spPr>
@@ -13189,7 +13189,7 @@
           <p:cNvPr id="17" name="组合 16">
             <a:extLst>
               <a:ext uri="{FF2B5EF4-FFF2-40B4-BE49-F238E27FC236}">
-                <a16:creationId xmlns="" xmlns:a16="http://schemas.microsoft.com/office/drawing/2014/main" id="{37C933BA-2473-4CDC-A5E4-A44C629C23D8}"/>
+                <a16:creationId xmlns:a16="http://schemas.microsoft.com/office/drawing/2014/main" xmlns="" id="{37C933BA-2473-4CDC-A5E4-A44C629C23D8}"/>
               </a:ext>
             </a:extLst>
           </p:cNvPr>
@@ -13209,7 +13209,7 @@
             <p:cNvPr id="18" name="文本框 17">
               <a:extLst>
                 <a:ext uri="{FF2B5EF4-FFF2-40B4-BE49-F238E27FC236}">
-                  <a16:creationId xmlns="" xmlns:a16="http://schemas.microsoft.com/office/drawing/2014/main" id="{16DA8A1E-64FC-4810-80E3-D177285D8773}"/>
+                  <a16:creationId xmlns:a16="http://schemas.microsoft.com/office/drawing/2014/main" xmlns="" id="{16DA8A1E-64FC-4810-80E3-D177285D8773}"/>
                 </a:ext>
               </a:extLst>
             </p:cNvPr>
@@ -13304,7 +13304,7 @@
             <p:cNvPr id="19" name="文本框 18">
               <a:extLst>
                 <a:ext uri="{FF2B5EF4-FFF2-40B4-BE49-F238E27FC236}">
-                  <a16:creationId xmlns="" xmlns:a16="http://schemas.microsoft.com/office/drawing/2014/main" id="{D028F3A2-F8BE-4FF3-AA43-1781C286E3E6}"/>
+                  <a16:creationId xmlns:a16="http://schemas.microsoft.com/office/drawing/2014/main" xmlns="" id="{D028F3A2-F8BE-4FF3-AA43-1781C286E3E6}"/>
                 </a:ext>
               </a:extLst>
             </p:cNvPr>
@@ -13372,7 +13372,7 @@
             <p:cNvPr id="20" name="矩形: 圆角 19">
               <a:extLst>
                 <a:ext uri="{FF2B5EF4-FFF2-40B4-BE49-F238E27FC236}">
-                  <a16:creationId xmlns="" xmlns:a16="http://schemas.microsoft.com/office/drawing/2014/main" id="{D155FC09-937B-45E9-9445-19C2930961C1}"/>
+                  <a16:creationId xmlns:a16="http://schemas.microsoft.com/office/drawing/2014/main" xmlns="" id="{D155FC09-937B-45E9-9445-19C2930961C1}"/>
                 </a:ext>
               </a:extLst>
             </p:cNvPr>
@@ -13445,7 +13445,7 @@
           <p:cNvPr id="22" name="文本框 21">
             <a:extLst>
               <a:ext uri="{FF2B5EF4-FFF2-40B4-BE49-F238E27FC236}">
-                <a16:creationId xmlns="" xmlns:a16="http://schemas.microsoft.com/office/drawing/2014/main" id="{3A22B194-448A-46EE-BC7E-5460EEA7EF82}"/>
+                <a16:creationId xmlns:a16="http://schemas.microsoft.com/office/drawing/2014/main" xmlns="" id="{3A22B194-448A-46EE-BC7E-5460EEA7EF82}"/>
               </a:ext>
             </a:extLst>
           </p:cNvPr>
@@ -13496,7 +13496,7 @@
           <p:cNvPr id="31" name="椭圆 30">
             <a:extLst>
               <a:ext uri="{FF2B5EF4-FFF2-40B4-BE49-F238E27FC236}">
-                <a16:creationId xmlns="" xmlns:a16="http://schemas.microsoft.com/office/drawing/2014/main" id="{3B07899A-BEFE-411B-80F0-B1F1203CAF79}"/>
+                <a16:creationId xmlns:a16="http://schemas.microsoft.com/office/drawing/2014/main" xmlns="" id="{3B07899A-BEFE-411B-80F0-B1F1203CAF79}"/>
               </a:ext>
             </a:extLst>
           </p:cNvPr>
@@ -13550,7 +13550,7 @@
           <p:cNvPr id="32" name="椭圆 31">
             <a:extLst>
               <a:ext uri="{FF2B5EF4-FFF2-40B4-BE49-F238E27FC236}">
-                <a16:creationId xmlns="" xmlns:a16="http://schemas.microsoft.com/office/drawing/2014/main" id="{8E146F45-5E79-431F-AE2D-E8D938E2AE30}"/>
+                <a16:creationId xmlns:a16="http://schemas.microsoft.com/office/drawing/2014/main" xmlns="" id="{8E146F45-5E79-431F-AE2D-E8D938E2AE30}"/>
               </a:ext>
             </a:extLst>
           </p:cNvPr>
@@ -13604,7 +13604,7 @@
           <p:cNvPr id="33" name="椭圆 32">
             <a:extLst>
               <a:ext uri="{FF2B5EF4-FFF2-40B4-BE49-F238E27FC236}">
-                <a16:creationId xmlns="" xmlns:a16="http://schemas.microsoft.com/office/drawing/2014/main" id="{67D28EC8-FAC6-4D9C-A689-EC09A31595AF}"/>
+                <a16:creationId xmlns:a16="http://schemas.microsoft.com/office/drawing/2014/main" xmlns="" id="{67D28EC8-FAC6-4D9C-A689-EC09A31595AF}"/>
               </a:ext>
             </a:extLst>
           </p:cNvPr>
@@ -13661,7 +13661,7 @@
           <p:cNvPr id="34" name="椭圆 33">
             <a:extLst>
               <a:ext uri="{FF2B5EF4-FFF2-40B4-BE49-F238E27FC236}">
-                <a16:creationId xmlns="" xmlns:a16="http://schemas.microsoft.com/office/drawing/2014/main" id="{9F3AFC74-0413-4D11-B73A-701636BA1C2F}"/>
+                <a16:creationId xmlns:a16="http://schemas.microsoft.com/office/drawing/2014/main" xmlns="" id="{9F3AFC74-0413-4D11-B73A-701636BA1C2F}"/>
               </a:ext>
             </a:extLst>
           </p:cNvPr>
@@ -13715,7 +13715,7 @@
           <p:cNvPr id="35" name="椭圆 34">
             <a:extLst>
               <a:ext uri="{FF2B5EF4-FFF2-40B4-BE49-F238E27FC236}">
-                <a16:creationId xmlns="" xmlns:a16="http://schemas.microsoft.com/office/drawing/2014/main" id="{492C6DC1-98AC-4C5B-873B-0FE63529C580}"/>
+                <a16:creationId xmlns:a16="http://schemas.microsoft.com/office/drawing/2014/main" xmlns="" id="{492C6DC1-98AC-4C5B-873B-0FE63529C580}"/>
               </a:ext>
             </a:extLst>
           </p:cNvPr>
@@ -13769,7 +13769,7 @@
           <p:cNvPr id="36" name="直接连接符 35">
             <a:extLst>
               <a:ext uri="{FF2B5EF4-FFF2-40B4-BE49-F238E27FC236}">
-                <a16:creationId xmlns="" xmlns:a16="http://schemas.microsoft.com/office/drawing/2014/main" id="{6971B428-D479-4672-BD8B-7F5D077D5D86}"/>
+                <a16:creationId xmlns:a16="http://schemas.microsoft.com/office/drawing/2014/main" xmlns="" id="{6971B428-D479-4672-BD8B-7F5D077D5D86}"/>
               </a:ext>
             </a:extLst>
           </p:cNvPr>
@@ -13813,7 +13813,7 @@
           <p:cNvPr id="37" name="椭圆 36">
             <a:extLst>
               <a:ext uri="{FF2B5EF4-FFF2-40B4-BE49-F238E27FC236}">
-                <a16:creationId xmlns="" xmlns:a16="http://schemas.microsoft.com/office/drawing/2014/main" id="{E40A54E8-E57E-4BE0-B84A-69974F4EA85A}"/>
+                <a16:creationId xmlns:a16="http://schemas.microsoft.com/office/drawing/2014/main" xmlns="" id="{E40A54E8-E57E-4BE0-B84A-69974F4EA85A}"/>
               </a:ext>
             </a:extLst>
           </p:cNvPr>
@@ -13867,7 +13867,7 @@
           <p:cNvPr id="38" name="直接连接符 37">
             <a:extLst>
               <a:ext uri="{FF2B5EF4-FFF2-40B4-BE49-F238E27FC236}">
-                <a16:creationId xmlns="" xmlns:a16="http://schemas.microsoft.com/office/drawing/2014/main" id="{DF7F0649-3C32-4EE4-9DC6-342077B0E1D8}"/>
+                <a16:creationId xmlns:a16="http://schemas.microsoft.com/office/drawing/2014/main" xmlns="" id="{DF7F0649-3C32-4EE4-9DC6-342077B0E1D8}"/>
               </a:ext>
             </a:extLst>
           </p:cNvPr>
@@ -13911,7 +13911,7 @@
           <p:cNvPr id="39" name="直接连接符 38">
             <a:extLst>
               <a:ext uri="{FF2B5EF4-FFF2-40B4-BE49-F238E27FC236}">
-                <a16:creationId xmlns="" xmlns:a16="http://schemas.microsoft.com/office/drawing/2014/main" id="{093EB3FB-ADF0-474A-B234-EF349901DC15}"/>
+                <a16:creationId xmlns:a16="http://schemas.microsoft.com/office/drawing/2014/main" xmlns="" id="{093EB3FB-ADF0-474A-B234-EF349901DC15}"/>
               </a:ext>
             </a:extLst>
           </p:cNvPr>
@@ -13955,7 +13955,7 @@
           <p:cNvPr id="40" name="椭圆 39">
             <a:extLst>
               <a:ext uri="{FF2B5EF4-FFF2-40B4-BE49-F238E27FC236}">
-                <a16:creationId xmlns="" xmlns:a16="http://schemas.microsoft.com/office/drawing/2014/main" id="{F13CD393-9278-4D9E-926E-A8B9B27E49C8}"/>
+                <a16:creationId xmlns:a16="http://schemas.microsoft.com/office/drawing/2014/main" xmlns="" id="{F13CD393-9278-4D9E-926E-A8B9B27E49C8}"/>
               </a:ext>
             </a:extLst>
           </p:cNvPr>
@@ -14012,7 +14012,7 @@
           <p:cNvPr id="41" name="直接连接符 40">
             <a:extLst>
               <a:ext uri="{FF2B5EF4-FFF2-40B4-BE49-F238E27FC236}">
-                <a16:creationId xmlns="" xmlns:a16="http://schemas.microsoft.com/office/drawing/2014/main" id="{192A6EEE-8490-42FF-8026-D3D66BD75940}"/>
+                <a16:creationId xmlns:a16="http://schemas.microsoft.com/office/drawing/2014/main" xmlns="" id="{192A6EEE-8490-42FF-8026-D3D66BD75940}"/>
               </a:ext>
             </a:extLst>
           </p:cNvPr>
@@ -14056,7 +14056,7 @@
           <p:cNvPr id="42" name="椭圆 41">
             <a:extLst>
               <a:ext uri="{FF2B5EF4-FFF2-40B4-BE49-F238E27FC236}">
-                <a16:creationId xmlns="" xmlns:a16="http://schemas.microsoft.com/office/drawing/2014/main" id="{B5136ACA-AD87-4183-ADB5-428C41FA7777}"/>
+                <a16:creationId xmlns:a16="http://schemas.microsoft.com/office/drawing/2014/main" xmlns="" id="{B5136ACA-AD87-4183-ADB5-428C41FA7777}"/>
               </a:ext>
             </a:extLst>
           </p:cNvPr>
@@ -14110,7 +14110,7 @@
           <p:cNvPr id="43" name="直接连接符 42">
             <a:extLst>
               <a:ext uri="{FF2B5EF4-FFF2-40B4-BE49-F238E27FC236}">
-                <a16:creationId xmlns="" xmlns:a16="http://schemas.microsoft.com/office/drawing/2014/main" id="{272C11AD-11A2-49C8-9292-7533203E68DD}"/>
+                <a16:creationId xmlns:a16="http://schemas.microsoft.com/office/drawing/2014/main" xmlns="" id="{272C11AD-11A2-49C8-9292-7533203E68DD}"/>
               </a:ext>
             </a:extLst>
           </p:cNvPr>
@@ -14154,7 +14154,7 @@
           <p:cNvPr id="44" name="椭圆 43">
             <a:extLst>
               <a:ext uri="{FF2B5EF4-FFF2-40B4-BE49-F238E27FC236}">
-                <a16:creationId xmlns="" xmlns:a16="http://schemas.microsoft.com/office/drawing/2014/main" id="{411E286E-649A-4CC9-A79E-B785F1A457EA}"/>
+                <a16:creationId xmlns:a16="http://schemas.microsoft.com/office/drawing/2014/main" xmlns="" id="{411E286E-649A-4CC9-A79E-B785F1A457EA}"/>
               </a:ext>
             </a:extLst>
           </p:cNvPr>
@@ -14211,7 +14211,7 @@
           <p:cNvPr id="45" name="直接连接符 44">
             <a:extLst>
               <a:ext uri="{FF2B5EF4-FFF2-40B4-BE49-F238E27FC236}">
-                <a16:creationId xmlns="" xmlns:a16="http://schemas.microsoft.com/office/drawing/2014/main" id="{4642B35E-2738-4B10-B77A-A1D1B45ED76B}"/>
+                <a16:creationId xmlns:a16="http://schemas.microsoft.com/office/drawing/2014/main" xmlns="" id="{4642B35E-2738-4B10-B77A-A1D1B45ED76B}"/>
               </a:ext>
             </a:extLst>
           </p:cNvPr>
@@ -14255,7 +14255,7 @@
           <p:cNvPr id="46" name="直接连接符 45">
             <a:extLst>
               <a:ext uri="{FF2B5EF4-FFF2-40B4-BE49-F238E27FC236}">
-                <a16:creationId xmlns="" xmlns:a16="http://schemas.microsoft.com/office/drawing/2014/main" id="{D9581555-6A2E-4C22-B026-C640417AD0E5}"/>
+                <a16:creationId xmlns:a16="http://schemas.microsoft.com/office/drawing/2014/main" xmlns="" id="{D9581555-6A2E-4C22-B026-C640417AD0E5}"/>
               </a:ext>
             </a:extLst>
           </p:cNvPr>
@@ -14299,7 +14299,7 @@
           <p:cNvPr id="47" name="直接连接符 46">
             <a:extLst>
               <a:ext uri="{FF2B5EF4-FFF2-40B4-BE49-F238E27FC236}">
-                <a16:creationId xmlns="" xmlns:a16="http://schemas.microsoft.com/office/drawing/2014/main" id="{BFDADB2E-A848-4A30-A321-0A9EF72DEE7A}"/>
+                <a16:creationId xmlns:a16="http://schemas.microsoft.com/office/drawing/2014/main" xmlns="" id="{BFDADB2E-A848-4A30-A321-0A9EF72DEE7A}"/>
               </a:ext>
             </a:extLst>
           </p:cNvPr>
@@ -15012,7 +15012,7 @@
           </a:ln>
           <a:extLst>
             <a:ext uri="{C572A759-6A51-4108-AA02-DFA0A04FC94B}">
-              <ma14:wrappingTextBoxFlag xmlns="" xmlns:ma14="http://schemas.microsoft.com/office/mac/drawingml/2011/main" val="1"/>
+              <ma14:wrappingTextBoxFlag xmlns:ma14="http://schemas.microsoft.com/office/mac/drawingml/2011/main" xmlns="" val="1"/>
             </a:ext>
           </a:extLst>
         </p:spPr>
@@ -15080,7 +15080,7 @@
           </a:ln>
           <a:extLst>
             <a:ext uri="{C572A759-6A51-4108-AA02-DFA0A04FC94B}">
-              <ma14:wrappingTextBoxFlag xmlns="" xmlns:ma14="http://schemas.microsoft.com/office/mac/drawingml/2011/main" val="1"/>
+              <ma14:wrappingTextBoxFlag xmlns:ma14="http://schemas.microsoft.com/office/mac/drawingml/2011/main" xmlns="" val="1"/>
             </a:ext>
           </a:extLst>
         </p:spPr>
@@ -15142,7 +15142,7 @@
           <p:cNvPr id="17" name="组合 16">
             <a:extLst>
               <a:ext uri="{FF2B5EF4-FFF2-40B4-BE49-F238E27FC236}">
-                <a16:creationId xmlns="" xmlns:a16="http://schemas.microsoft.com/office/drawing/2014/main" id="{37C933BA-2473-4CDC-A5E4-A44C629C23D8}"/>
+                <a16:creationId xmlns:a16="http://schemas.microsoft.com/office/drawing/2014/main" xmlns="" id="{37C933BA-2473-4CDC-A5E4-A44C629C23D8}"/>
               </a:ext>
             </a:extLst>
           </p:cNvPr>
@@ -15162,7 +15162,7 @@
             <p:cNvPr id="18" name="文本框 17">
               <a:extLst>
                 <a:ext uri="{FF2B5EF4-FFF2-40B4-BE49-F238E27FC236}">
-                  <a16:creationId xmlns="" xmlns:a16="http://schemas.microsoft.com/office/drawing/2014/main" id="{16DA8A1E-64FC-4810-80E3-D177285D8773}"/>
+                  <a16:creationId xmlns:a16="http://schemas.microsoft.com/office/drawing/2014/main" xmlns="" id="{16DA8A1E-64FC-4810-80E3-D177285D8773}"/>
                 </a:ext>
               </a:extLst>
             </p:cNvPr>
@@ -15223,7 +15223,7 @@
             <p:cNvPr id="19" name="文本框 18">
               <a:extLst>
                 <a:ext uri="{FF2B5EF4-FFF2-40B4-BE49-F238E27FC236}">
-                  <a16:creationId xmlns="" xmlns:a16="http://schemas.microsoft.com/office/drawing/2014/main" id="{D028F3A2-F8BE-4FF3-AA43-1781C286E3E6}"/>
+                  <a16:creationId xmlns:a16="http://schemas.microsoft.com/office/drawing/2014/main" xmlns="" id="{D028F3A2-F8BE-4FF3-AA43-1781C286E3E6}"/>
                 </a:ext>
               </a:extLst>
             </p:cNvPr>
@@ -15291,7 +15291,7 @@
             <p:cNvPr id="20" name="矩形: 圆角 19">
               <a:extLst>
                 <a:ext uri="{FF2B5EF4-FFF2-40B4-BE49-F238E27FC236}">
-                  <a16:creationId xmlns="" xmlns:a16="http://schemas.microsoft.com/office/drawing/2014/main" id="{D155FC09-937B-45E9-9445-19C2930961C1}"/>
+                  <a16:creationId xmlns:a16="http://schemas.microsoft.com/office/drawing/2014/main" xmlns="" id="{D155FC09-937B-45E9-9445-19C2930961C1}"/>
                 </a:ext>
               </a:extLst>
             </p:cNvPr>
@@ -15364,7 +15364,7 @@
           <p:cNvPr id="22" name="文本框 21">
             <a:extLst>
               <a:ext uri="{FF2B5EF4-FFF2-40B4-BE49-F238E27FC236}">
-                <a16:creationId xmlns="" xmlns:a16="http://schemas.microsoft.com/office/drawing/2014/main" id="{3A22B194-448A-46EE-BC7E-5460EEA7EF82}"/>
+                <a16:creationId xmlns:a16="http://schemas.microsoft.com/office/drawing/2014/main" xmlns="" id="{3A22B194-448A-46EE-BC7E-5460EEA7EF82}"/>
               </a:ext>
             </a:extLst>
           </p:cNvPr>
@@ -15415,7 +15415,7 @@
           <p:cNvPr id="31" name="椭圆 30">
             <a:extLst>
               <a:ext uri="{FF2B5EF4-FFF2-40B4-BE49-F238E27FC236}">
-                <a16:creationId xmlns="" xmlns:a16="http://schemas.microsoft.com/office/drawing/2014/main" id="{3B07899A-BEFE-411B-80F0-B1F1203CAF79}"/>
+                <a16:creationId xmlns:a16="http://schemas.microsoft.com/office/drawing/2014/main" xmlns="" id="{3B07899A-BEFE-411B-80F0-B1F1203CAF79}"/>
               </a:ext>
             </a:extLst>
           </p:cNvPr>
@@ -15469,7 +15469,7 @@
           <p:cNvPr id="32" name="椭圆 31">
             <a:extLst>
               <a:ext uri="{FF2B5EF4-FFF2-40B4-BE49-F238E27FC236}">
-                <a16:creationId xmlns="" xmlns:a16="http://schemas.microsoft.com/office/drawing/2014/main" id="{8E146F45-5E79-431F-AE2D-E8D938E2AE30}"/>
+                <a16:creationId xmlns:a16="http://schemas.microsoft.com/office/drawing/2014/main" xmlns="" id="{8E146F45-5E79-431F-AE2D-E8D938E2AE30}"/>
               </a:ext>
             </a:extLst>
           </p:cNvPr>
@@ -15523,7 +15523,7 @@
           <p:cNvPr id="33" name="椭圆 32">
             <a:extLst>
               <a:ext uri="{FF2B5EF4-FFF2-40B4-BE49-F238E27FC236}">
-                <a16:creationId xmlns="" xmlns:a16="http://schemas.microsoft.com/office/drawing/2014/main" id="{67D28EC8-FAC6-4D9C-A689-EC09A31595AF}"/>
+                <a16:creationId xmlns:a16="http://schemas.microsoft.com/office/drawing/2014/main" xmlns="" id="{67D28EC8-FAC6-4D9C-A689-EC09A31595AF}"/>
               </a:ext>
             </a:extLst>
           </p:cNvPr>
@@ -15580,7 +15580,7 @@
           <p:cNvPr id="34" name="椭圆 33">
             <a:extLst>
               <a:ext uri="{FF2B5EF4-FFF2-40B4-BE49-F238E27FC236}">
-                <a16:creationId xmlns="" xmlns:a16="http://schemas.microsoft.com/office/drawing/2014/main" id="{9F3AFC74-0413-4D11-B73A-701636BA1C2F}"/>
+                <a16:creationId xmlns:a16="http://schemas.microsoft.com/office/drawing/2014/main" xmlns="" id="{9F3AFC74-0413-4D11-B73A-701636BA1C2F}"/>
               </a:ext>
             </a:extLst>
           </p:cNvPr>
@@ -15634,7 +15634,7 @@
           <p:cNvPr id="35" name="椭圆 34">
             <a:extLst>
               <a:ext uri="{FF2B5EF4-FFF2-40B4-BE49-F238E27FC236}">
-                <a16:creationId xmlns="" xmlns:a16="http://schemas.microsoft.com/office/drawing/2014/main" id="{492C6DC1-98AC-4C5B-873B-0FE63529C580}"/>
+                <a16:creationId xmlns:a16="http://schemas.microsoft.com/office/drawing/2014/main" xmlns="" id="{492C6DC1-98AC-4C5B-873B-0FE63529C580}"/>
               </a:ext>
             </a:extLst>
           </p:cNvPr>
@@ -15688,7 +15688,7 @@
           <p:cNvPr id="36" name="直接连接符 35">
             <a:extLst>
               <a:ext uri="{FF2B5EF4-FFF2-40B4-BE49-F238E27FC236}">
-                <a16:creationId xmlns="" xmlns:a16="http://schemas.microsoft.com/office/drawing/2014/main" id="{6971B428-D479-4672-BD8B-7F5D077D5D86}"/>
+                <a16:creationId xmlns:a16="http://schemas.microsoft.com/office/drawing/2014/main" xmlns="" id="{6971B428-D479-4672-BD8B-7F5D077D5D86}"/>
               </a:ext>
             </a:extLst>
           </p:cNvPr>
@@ -15732,7 +15732,7 @@
           <p:cNvPr id="37" name="椭圆 36">
             <a:extLst>
               <a:ext uri="{FF2B5EF4-FFF2-40B4-BE49-F238E27FC236}">
-                <a16:creationId xmlns="" xmlns:a16="http://schemas.microsoft.com/office/drawing/2014/main" id="{E40A54E8-E57E-4BE0-B84A-69974F4EA85A}"/>
+                <a16:creationId xmlns:a16="http://schemas.microsoft.com/office/drawing/2014/main" xmlns="" id="{E40A54E8-E57E-4BE0-B84A-69974F4EA85A}"/>
               </a:ext>
             </a:extLst>
           </p:cNvPr>
@@ -15786,7 +15786,7 @@
           <p:cNvPr id="38" name="直接连接符 37">
             <a:extLst>
               <a:ext uri="{FF2B5EF4-FFF2-40B4-BE49-F238E27FC236}">
-                <a16:creationId xmlns="" xmlns:a16="http://schemas.microsoft.com/office/drawing/2014/main" id="{DF7F0649-3C32-4EE4-9DC6-342077B0E1D8}"/>
+                <a16:creationId xmlns:a16="http://schemas.microsoft.com/office/drawing/2014/main" xmlns="" id="{DF7F0649-3C32-4EE4-9DC6-342077B0E1D8}"/>
               </a:ext>
             </a:extLst>
           </p:cNvPr>
@@ -15830,7 +15830,7 @@
           <p:cNvPr id="39" name="直接连接符 38">
             <a:extLst>
               <a:ext uri="{FF2B5EF4-FFF2-40B4-BE49-F238E27FC236}">
-                <a16:creationId xmlns="" xmlns:a16="http://schemas.microsoft.com/office/drawing/2014/main" id="{093EB3FB-ADF0-474A-B234-EF349901DC15}"/>
+                <a16:creationId xmlns:a16="http://schemas.microsoft.com/office/drawing/2014/main" xmlns="" id="{093EB3FB-ADF0-474A-B234-EF349901DC15}"/>
               </a:ext>
             </a:extLst>
           </p:cNvPr>
@@ -15874,7 +15874,7 @@
           <p:cNvPr id="40" name="椭圆 39">
             <a:extLst>
               <a:ext uri="{FF2B5EF4-FFF2-40B4-BE49-F238E27FC236}">
-                <a16:creationId xmlns="" xmlns:a16="http://schemas.microsoft.com/office/drawing/2014/main" id="{F13CD393-9278-4D9E-926E-A8B9B27E49C8}"/>
+                <a16:creationId xmlns:a16="http://schemas.microsoft.com/office/drawing/2014/main" xmlns="" id="{F13CD393-9278-4D9E-926E-A8B9B27E49C8}"/>
               </a:ext>
             </a:extLst>
           </p:cNvPr>
@@ -15931,7 +15931,7 @@
           <p:cNvPr id="41" name="直接连接符 40">
             <a:extLst>
               <a:ext uri="{FF2B5EF4-FFF2-40B4-BE49-F238E27FC236}">
-                <a16:creationId xmlns="" xmlns:a16="http://schemas.microsoft.com/office/drawing/2014/main" id="{192A6EEE-8490-42FF-8026-D3D66BD75940}"/>
+                <a16:creationId xmlns:a16="http://schemas.microsoft.com/office/drawing/2014/main" xmlns="" id="{192A6EEE-8490-42FF-8026-D3D66BD75940}"/>
               </a:ext>
             </a:extLst>
           </p:cNvPr>
@@ -15975,7 +15975,7 @@
           <p:cNvPr id="42" name="椭圆 41">
             <a:extLst>
               <a:ext uri="{FF2B5EF4-FFF2-40B4-BE49-F238E27FC236}">
-                <a16:creationId xmlns="" xmlns:a16="http://schemas.microsoft.com/office/drawing/2014/main" id="{B5136ACA-AD87-4183-ADB5-428C41FA7777}"/>
+                <a16:creationId xmlns:a16="http://schemas.microsoft.com/office/drawing/2014/main" xmlns="" id="{B5136ACA-AD87-4183-ADB5-428C41FA7777}"/>
               </a:ext>
             </a:extLst>
           </p:cNvPr>
@@ -16029,7 +16029,7 @@
           <p:cNvPr id="43" name="直接连接符 42">
             <a:extLst>
               <a:ext uri="{FF2B5EF4-FFF2-40B4-BE49-F238E27FC236}">
-                <a16:creationId xmlns="" xmlns:a16="http://schemas.microsoft.com/office/drawing/2014/main" id="{272C11AD-11A2-49C8-9292-7533203E68DD}"/>
+                <a16:creationId xmlns:a16="http://schemas.microsoft.com/office/drawing/2014/main" xmlns="" id="{272C11AD-11A2-49C8-9292-7533203E68DD}"/>
               </a:ext>
             </a:extLst>
           </p:cNvPr>
@@ -16073,7 +16073,7 @@
           <p:cNvPr id="44" name="椭圆 43">
             <a:extLst>
               <a:ext uri="{FF2B5EF4-FFF2-40B4-BE49-F238E27FC236}">
-                <a16:creationId xmlns="" xmlns:a16="http://schemas.microsoft.com/office/drawing/2014/main" id="{411E286E-649A-4CC9-A79E-B785F1A457EA}"/>
+                <a16:creationId xmlns:a16="http://schemas.microsoft.com/office/drawing/2014/main" xmlns="" id="{411E286E-649A-4CC9-A79E-B785F1A457EA}"/>
               </a:ext>
             </a:extLst>
           </p:cNvPr>
@@ -16130,7 +16130,7 @@
           <p:cNvPr id="45" name="直接连接符 44">
             <a:extLst>
               <a:ext uri="{FF2B5EF4-FFF2-40B4-BE49-F238E27FC236}">
-                <a16:creationId xmlns="" xmlns:a16="http://schemas.microsoft.com/office/drawing/2014/main" id="{4642B35E-2738-4B10-B77A-A1D1B45ED76B}"/>
+                <a16:creationId xmlns:a16="http://schemas.microsoft.com/office/drawing/2014/main" xmlns="" id="{4642B35E-2738-4B10-B77A-A1D1B45ED76B}"/>
               </a:ext>
             </a:extLst>
           </p:cNvPr>
@@ -16174,7 +16174,7 @@
           <p:cNvPr id="46" name="直接连接符 45">
             <a:extLst>
               <a:ext uri="{FF2B5EF4-FFF2-40B4-BE49-F238E27FC236}">
-                <a16:creationId xmlns="" xmlns:a16="http://schemas.microsoft.com/office/drawing/2014/main" id="{D9581555-6A2E-4C22-B026-C640417AD0E5}"/>
+                <a16:creationId xmlns:a16="http://schemas.microsoft.com/office/drawing/2014/main" xmlns="" id="{D9581555-6A2E-4C22-B026-C640417AD0E5}"/>
               </a:ext>
             </a:extLst>
           </p:cNvPr>
@@ -16218,7 +16218,7 @@
           <p:cNvPr id="47" name="直接连接符 46">
             <a:extLst>
               <a:ext uri="{FF2B5EF4-FFF2-40B4-BE49-F238E27FC236}">
-                <a16:creationId xmlns="" xmlns:a16="http://schemas.microsoft.com/office/drawing/2014/main" id="{BFDADB2E-A848-4A30-A321-0A9EF72DEE7A}"/>
+                <a16:creationId xmlns:a16="http://schemas.microsoft.com/office/drawing/2014/main" xmlns="" id="{BFDADB2E-A848-4A30-A321-0A9EF72DEE7A}"/>
               </a:ext>
             </a:extLst>
           </p:cNvPr>
@@ -16856,7 +16856,7 @@
           </a:ln>
           <a:extLst>
             <a:ext uri="{C572A759-6A51-4108-AA02-DFA0A04FC94B}">
-              <ma14:wrappingTextBoxFlag xmlns="" xmlns:ma14="http://schemas.microsoft.com/office/mac/drawingml/2011/main" val="1"/>
+              <ma14:wrappingTextBoxFlag xmlns:ma14="http://schemas.microsoft.com/office/mac/drawingml/2011/main" xmlns="" val="1"/>
             </a:ext>
           </a:extLst>
         </p:spPr>
@@ -16924,7 +16924,7 @@
           </a:ln>
           <a:extLst>
             <a:ext uri="{C572A759-6A51-4108-AA02-DFA0A04FC94B}">
-              <ma14:wrappingTextBoxFlag xmlns="" xmlns:ma14="http://schemas.microsoft.com/office/mac/drawingml/2011/main" val="1"/>
+              <ma14:wrappingTextBoxFlag xmlns:ma14="http://schemas.microsoft.com/office/mac/drawingml/2011/main" xmlns="" val="1"/>
             </a:ext>
           </a:extLst>
         </p:spPr>
@@ -16986,7 +16986,7 @@
           <p:cNvPr id="17" name="组合 16">
             <a:extLst>
               <a:ext uri="{FF2B5EF4-FFF2-40B4-BE49-F238E27FC236}">
-                <a16:creationId xmlns="" xmlns:a16="http://schemas.microsoft.com/office/drawing/2014/main" id="{37C933BA-2473-4CDC-A5E4-A44C629C23D8}"/>
+                <a16:creationId xmlns:a16="http://schemas.microsoft.com/office/drawing/2014/main" xmlns="" id="{37C933BA-2473-4CDC-A5E4-A44C629C23D8}"/>
               </a:ext>
             </a:extLst>
           </p:cNvPr>
@@ -17006,7 +17006,7 @@
             <p:cNvPr id="18" name="文本框 17">
               <a:extLst>
                 <a:ext uri="{FF2B5EF4-FFF2-40B4-BE49-F238E27FC236}">
-                  <a16:creationId xmlns="" xmlns:a16="http://schemas.microsoft.com/office/drawing/2014/main" id="{16DA8A1E-64FC-4810-80E3-D177285D8773}"/>
+                  <a16:creationId xmlns:a16="http://schemas.microsoft.com/office/drawing/2014/main" xmlns="" id="{16DA8A1E-64FC-4810-80E3-D177285D8773}"/>
                 </a:ext>
               </a:extLst>
             </p:cNvPr>
@@ -17067,7 +17067,7 @@
             <p:cNvPr id="19" name="文本框 18">
               <a:extLst>
                 <a:ext uri="{FF2B5EF4-FFF2-40B4-BE49-F238E27FC236}">
-                  <a16:creationId xmlns="" xmlns:a16="http://schemas.microsoft.com/office/drawing/2014/main" id="{D028F3A2-F8BE-4FF3-AA43-1781C286E3E6}"/>
+                  <a16:creationId xmlns:a16="http://schemas.microsoft.com/office/drawing/2014/main" xmlns="" id="{D028F3A2-F8BE-4FF3-AA43-1781C286E3E6}"/>
                 </a:ext>
               </a:extLst>
             </p:cNvPr>
@@ -17135,7 +17135,7 @@
             <p:cNvPr id="20" name="矩形: 圆角 19">
               <a:extLst>
                 <a:ext uri="{FF2B5EF4-FFF2-40B4-BE49-F238E27FC236}">
-                  <a16:creationId xmlns="" xmlns:a16="http://schemas.microsoft.com/office/drawing/2014/main" id="{D155FC09-937B-45E9-9445-19C2930961C1}"/>
+                  <a16:creationId xmlns:a16="http://schemas.microsoft.com/office/drawing/2014/main" xmlns="" id="{D155FC09-937B-45E9-9445-19C2930961C1}"/>
                 </a:ext>
               </a:extLst>
             </p:cNvPr>
@@ -17208,7 +17208,7 @@
           <p:cNvPr id="22" name="文本框 21">
             <a:extLst>
               <a:ext uri="{FF2B5EF4-FFF2-40B4-BE49-F238E27FC236}">
-                <a16:creationId xmlns="" xmlns:a16="http://schemas.microsoft.com/office/drawing/2014/main" id="{3A22B194-448A-46EE-BC7E-5460EEA7EF82}"/>
+                <a16:creationId xmlns:a16="http://schemas.microsoft.com/office/drawing/2014/main" xmlns="" id="{3A22B194-448A-46EE-BC7E-5460EEA7EF82}"/>
               </a:ext>
             </a:extLst>
           </p:cNvPr>
@@ -17259,7 +17259,7 @@
           <p:cNvPr id="31" name="椭圆 30">
             <a:extLst>
               <a:ext uri="{FF2B5EF4-FFF2-40B4-BE49-F238E27FC236}">
-                <a16:creationId xmlns="" xmlns:a16="http://schemas.microsoft.com/office/drawing/2014/main" id="{3B07899A-BEFE-411B-80F0-B1F1203CAF79}"/>
+                <a16:creationId xmlns:a16="http://schemas.microsoft.com/office/drawing/2014/main" xmlns="" id="{3B07899A-BEFE-411B-80F0-B1F1203CAF79}"/>
               </a:ext>
             </a:extLst>
           </p:cNvPr>
@@ -17313,7 +17313,7 @@
           <p:cNvPr id="32" name="椭圆 31">
             <a:extLst>
               <a:ext uri="{FF2B5EF4-FFF2-40B4-BE49-F238E27FC236}">
-                <a16:creationId xmlns="" xmlns:a16="http://schemas.microsoft.com/office/drawing/2014/main" id="{8E146F45-5E79-431F-AE2D-E8D938E2AE30}"/>
+                <a16:creationId xmlns:a16="http://schemas.microsoft.com/office/drawing/2014/main" xmlns="" id="{8E146F45-5E79-431F-AE2D-E8D938E2AE30}"/>
               </a:ext>
             </a:extLst>
           </p:cNvPr>
@@ -17367,7 +17367,7 @@
           <p:cNvPr id="33" name="椭圆 32">
             <a:extLst>
               <a:ext uri="{FF2B5EF4-FFF2-40B4-BE49-F238E27FC236}">
-                <a16:creationId xmlns="" xmlns:a16="http://schemas.microsoft.com/office/drawing/2014/main" id="{67D28EC8-FAC6-4D9C-A689-EC09A31595AF}"/>
+                <a16:creationId xmlns:a16="http://schemas.microsoft.com/office/drawing/2014/main" xmlns="" id="{67D28EC8-FAC6-4D9C-A689-EC09A31595AF}"/>
               </a:ext>
             </a:extLst>
           </p:cNvPr>
@@ -17424,7 +17424,7 @@
           <p:cNvPr id="34" name="椭圆 33">
             <a:extLst>
               <a:ext uri="{FF2B5EF4-FFF2-40B4-BE49-F238E27FC236}">
-                <a16:creationId xmlns="" xmlns:a16="http://schemas.microsoft.com/office/drawing/2014/main" id="{9F3AFC74-0413-4D11-B73A-701636BA1C2F}"/>
+                <a16:creationId xmlns:a16="http://schemas.microsoft.com/office/drawing/2014/main" xmlns="" id="{9F3AFC74-0413-4D11-B73A-701636BA1C2F}"/>
               </a:ext>
             </a:extLst>
           </p:cNvPr>
@@ -17478,7 +17478,7 @@
           <p:cNvPr id="35" name="椭圆 34">
             <a:extLst>
               <a:ext uri="{FF2B5EF4-FFF2-40B4-BE49-F238E27FC236}">
-                <a16:creationId xmlns="" xmlns:a16="http://schemas.microsoft.com/office/drawing/2014/main" id="{492C6DC1-98AC-4C5B-873B-0FE63529C580}"/>
+                <a16:creationId xmlns:a16="http://schemas.microsoft.com/office/drawing/2014/main" xmlns="" id="{492C6DC1-98AC-4C5B-873B-0FE63529C580}"/>
               </a:ext>
             </a:extLst>
           </p:cNvPr>
@@ -17532,7 +17532,7 @@
           <p:cNvPr id="36" name="直接连接符 35">
             <a:extLst>
               <a:ext uri="{FF2B5EF4-FFF2-40B4-BE49-F238E27FC236}">
-                <a16:creationId xmlns="" xmlns:a16="http://schemas.microsoft.com/office/drawing/2014/main" id="{6971B428-D479-4672-BD8B-7F5D077D5D86}"/>
+                <a16:creationId xmlns:a16="http://schemas.microsoft.com/office/drawing/2014/main" xmlns="" id="{6971B428-D479-4672-BD8B-7F5D077D5D86}"/>
               </a:ext>
             </a:extLst>
           </p:cNvPr>
@@ -17576,7 +17576,7 @@
           <p:cNvPr id="37" name="椭圆 36">
             <a:extLst>
               <a:ext uri="{FF2B5EF4-FFF2-40B4-BE49-F238E27FC236}">
-                <a16:creationId xmlns="" xmlns:a16="http://schemas.microsoft.com/office/drawing/2014/main" id="{E40A54E8-E57E-4BE0-B84A-69974F4EA85A}"/>
+                <a16:creationId xmlns:a16="http://schemas.microsoft.com/office/drawing/2014/main" xmlns="" id="{E40A54E8-E57E-4BE0-B84A-69974F4EA85A}"/>
               </a:ext>
             </a:extLst>
           </p:cNvPr>
@@ -17630,7 +17630,7 @@
           <p:cNvPr id="38" name="直接连接符 37">
             <a:extLst>
               <a:ext uri="{FF2B5EF4-FFF2-40B4-BE49-F238E27FC236}">
-                <a16:creationId xmlns="" xmlns:a16="http://schemas.microsoft.com/office/drawing/2014/main" id="{DF7F0649-3C32-4EE4-9DC6-342077B0E1D8}"/>
+                <a16:creationId xmlns:a16="http://schemas.microsoft.com/office/drawing/2014/main" xmlns="" id="{DF7F0649-3C32-4EE4-9DC6-342077B0E1D8}"/>
               </a:ext>
             </a:extLst>
           </p:cNvPr>
@@ -17674,7 +17674,7 @@
           <p:cNvPr id="39" name="直接连接符 38">
             <a:extLst>
               <a:ext uri="{FF2B5EF4-FFF2-40B4-BE49-F238E27FC236}">
-                <a16:creationId xmlns="" xmlns:a16="http://schemas.microsoft.com/office/drawing/2014/main" id="{093EB3FB-ADF0-474A-B234-EF349901DC15}"/>
+                <a16:creationId xmlns:a16="http://schemas.microsoft.com/office/drawing/2014/main" xmlns="" id="{093EB3FB-ADF0-474A-B234-EF349901DC15}"/>
               </a:ext>
             </a:extLst>
           </p:cNvPr>
@@ -17718,7 +17718,7 @@
           <p:cNvPr id="40" name="椭圆 39">
             <a:extLst>
               <a:ext uri="{FF2B5EF4-FFF2-40B4-BE49-F238E27FC236}">
-                <a16:creationId xmlns="" xmlns:a16="http://schemas.microsoft.com/office/drawing/2014/main" id="{F13CD393-9278-4D9E-926E-A8B9B27E49C8}"/>
+                <a16:creationId xmlns:a16="http://schemas.microsoft.com/office/drawing/2014/main" xmlns="" id="{F13CD393-9278-4D9E-926E-A8B9B27E49C8}"/>
               </a:ext>
             </a:extLst>
           </p:cNvPr>
@@ -17775,7 +17775,7 @@
           <p:cNvPr id="41" name="直接连接符 40">
             <a:extLst>
               <a:ext uri="{FF2B5EF4-FFF2-40B4-BE49-F238E27FC236}">
-                <a16:creationId xmlns="" xmlns:a16="http://schemas.microsoft.com/office/drawing/2014/main" id="{192A6EEE-8490-42FF-8026-D3D66BD75940}"/>
+                <a16:creationId xmlns:a16="http://schemas.microsoft.com/office/drawing/2014/main" xmlns="" id="{192A6EEE-8490-42FF-8026-D3D66BD75940}"/>
               </a:ext>
             </a:extLst>
           </p:cNvPr>
@@ -17819,7 +17819,7 @@
           <p:cNvPr id="42" name="椭圆 41">
             <a:extLst>
               <a:ext uri="{FF2B5EF4-FFF2-40B4-BE49-F238E27FC236}">
-                <a16:creationId xmlns="" xmlns:a16="http://schemas.microsoft.com/office/drawing/2014/main" id="{B5136ACA-AD87-4183-ADB5-428C41FA7777}"/>
+                <a16:creationId xmlns:a16="http://schemas.microsoft.com/office/drawing/2014/main" xmlns="" id="{B5136ACA-AD87-4183-ADB5-428C41FA7777}"/>
               </a:ext>
             </a:extLst>
           </p:cNvPr>
@@ -17873,7 +17873,7 @@
           <p:cNvPr id="43" name="直接连接符 42">
             <a:extLst>
               <a:ext uri="{FF2B5EF4-FFF2-40B4-BE49-F238E27FC236}">
-                <a16:creationId xmlns="" xmlns:a16="http://schemas.microsoft.com/office/drawing/2014/main" id="{272C11AD-11A2-49C8-9292-7533203E68DD}"/>
+                <a16:creationId xmlns:a16="http://schemas.microsoft.com/office/drawing/2014/main" xmlns="" id="{272C11AD-11A2-49C8-9292-7533203E68DD}"/>
               </a:ext>
             </a:extLst>
           </p:cNvPr>
@@ -17917,7 +17917,7 @@
           <p:cNvPr id="44" name="椭圆 43">
             <a:extLst>
               <a:ext uri="{FF2B5EF4-FFF2-40B4-BE49-F238E27FC236}">
-                <a16:creationId xmlns="" xmlns:a16="http://schemas.microsoft.com/office/drawing/2014/main" id="{411E286E-649A-4CC9-A79E-B785F1A457EA}"/>
+                <a16:creationId xmlns:a16="http://schemas.microsoft.com/office/drawing/2014/main" xmlns="" id="{411E286E-649A-4CC9-A79E-B785F1A457EA}"/>
               </a:ext>
             </a:extLst>
           </p:cNvPr>
@@ -17974,7 +17974,7 @@
           <p:cNvPr id="45" name="直接连接符 44">
             <a:extLst>
               <a:ext uri="{FF2B5EF4-FFF2-40B4-BE49-F238E27FC236}">
-                <a16:creationId xmlns="" xmlns:a16="http://schemas.microsoft.com/office/drawing/2014/main" id="{4642B35E-2738-4B10-B77A-A1D1B45ED76B}"/>
+                <a16:creationId xmlns:a16="http://schemas.microsoft.com/office/drawing/2014/main" xmlns="" id="{4642B35E-2738-4B10-B77A-A1D1B45ED76B}"/>
               </a:ext>
             </a:extLst>
           </p:cNvPr>
@@ -18018,7 +18018,7 @@
           <p:cNvPr id="46" name="直接连接符 45">
             <a:extLst>
               <a:ext uri="{FF2B5EF4-FFF2-40B4-BE49-F238E27FC236}">
-                <a16:creationId xmlns="" xmlns:a16="http://schemas.microsoft.com/office/drawing/2014/main" id="{D9581555-6A2E-4C22-B026-C640417AD0E5}"/>
+                <a16:creationId xmlns:a16="http://schemas.microsoft.com/office/drawing/2014/main" xmlns="" id="{D9581555-6A2E-4C22-B026-C640417AD0E5}"/>
               </a:ext>
             </a:extLst>
           </p:cNvPr>
@@ -18062,7 +18062,7 @@
           <p:cNvPr id="47" name="直接连接符 46">
             <a:extLst>
               <a:ext uri="{FF2B5EF4-FFF2-40B4-BE49-F238E27FC236}">
-                <a16:creationId xmlns="" xmlns:a16="http://schemas.microsoft.com/office/drawing/2014/main" id="{BFDADB2E-A848-4A30-A321-0A9EF72DEE7A}"/>
+                <a16:creationId xmlns:a16="http://schemas.microsoft.com/office/drawing/2014/main" xmlns="" id="{BFDADB2E-A848-4A30-A321-0A9EF72DEE7A}"/>
               </a:ext>
             </a:extLst>
           </p:cNvPr>
@@ -18750,7 +18750,7 @@
           </a:ln>
           <a:extLst>
             <a:ext uri="{C572A759-6A51-4108-AA02-DFA0A04FC94B}">
-              <ma14:wrappingTextBoxFlag xmlns="" xmlns:ma14="http://schemas.microsoft.com/office/mac/drawingml/2011/main" val="1"/>
+              <ma14:wrappingTextBoxFlag xmlns:ma14="http://schemas.microsoft.com/office/mac/drawingml/2011/main" xmlns="" val="1"/>
             </a:ext>
           </a:extLst>
         </p:spPr>
@@ -18818,7 +18818,7 @@
           </a:ln>
           <a:extLst>
             <a:ext uri="{C572A759-6A51-4108-AA02-DFA0A04FC94B}">
-              <ma14:wrappingTextBoxFlag xmlns="" xmlns:ma14="http://schemas.microsoft.com/office/mac/drawingml/2011/main" val="1"/>
+              <ma14:wrappingTextBoxFlag xmlns:ma14="http://schemas.microsoft.com/office/mac/drawingml/2011/main" xmlns="" val="1"/>
             </a:ext>
           </a:extLst>
         </p:spPr>
@@ -18880,7 +18880,7 @@
           <p:cNvPr id="17" name="组合 16">
             <a:extLst>
               <a:ext uri="{FF2B5EF4-FFF2-40B4-BE49-F238E27FC236}">
-                <a16:creationId xmlns="" xmlns:a16="http://schemas.microsoft.com/office/drawing/2014/main" id="{37C933BA-2473-4CDC-A5E4-A44C629C23D8}"/>
+                <a16:creationId xmlns:a16="http://schemas.microsoft.com/office/drawing/2014/main" xmlns="" id="{37C933BA-2473-4CDC-A5E4-A44C629C23D8}"/>
               </a:ext>
             </a:extLst>
           </p:cNvPr>
@@ -18900,7 +18900,7 @@
             <p:cNvPr id="18" name="文本框 17">
               <a:extLst>
                 <a:ext uri="{FF2B5EF4-FFF2-40B4-BE49-F238E27FC236}">
-                  <a16:creationId xmlns="" xmlns:a16="http://schemas.microsoft.com/office/drawing/2014/main" id="{16DA8A1E-64FC-4810-80E3-D177285D8773}"/>
+                  <a16:creationId xmlns:a16="http://schemas.microsoft.com/office/drawing/2014/main" xmlns="" id="{16DA8A1E-64FC-4810-80E3-D177285D8773}"/>
                 </a:ext>
               </a:extLst>
             </p:cNvPr>
@@ -18961,7 +18961,7 @@
             <p:cNvPr id="19" name="文本框 18">
               <a:extLst>
                 <a:ext uri="{FF2B5EF4-FFF2-40B4-BE49-F238E27FC236}">
-                  <a16:creationId xmlns="" xmlns:a16="http://schemas.microsoft.com/office/drawing/2014/main" id="{D028F3A2-F8BE-4FF3-AA43-1781C286E3E6}"/>
+                  <a16:creationId xmlns:a16="http://schemas.microsoft.com/office/drawing/2014/main" xmlns="" id="{D028F3A2-F8BE-4FF3-AA43-1781C286E3E6}"/>
                 </a:ext>
               </a:extLst>
             </p:cNvPr>
@@ -19029,7 +19029,7 @@
             <p:cNvPr id="20" name="矩形: 圆角 19">
               <a:extLst>
                 <a:ext uri="{FF2B5EF4-FFF2-40B4-BE49-F238E27FC236}">
-                  <a16:creationId xmlns="" xmlns:a16="http://schemas.microsoft.com/office/drawing/2014/main" id="{D155FC09-937B-45E9-9445-19C2930961C1}"/>
+                  <a16:creationId xmlns:a16="http://schemas.microsoft.com/office/drawing/2014/main" xmlns="" id="{D155FC09-937B-45E9-9445-19C2930961C1}"/>
                 </a:ext>
               </a:extLst>
             </p:cNvPr>
@@ -19102,7 +19102,7 @@
           <p:cNvPr id="22" name="文本框 21">
             <a:extLst>
               <a:ext uri="{FF2B5EF4-FFF2-40B4-BE49-F238E27FC236}">
-                <a16:creationId xmlns="" xmlns:a16="http://schemas.microsoft.com/office/drawing/2014/main" id="{3A22B194-448A-46EE-BC7E-5460EEA7EF82}"/>
+                <a16:creationId xmlns:a16="http://schemas.microsoft.com/office/drawing/2014/main" xmlns="" id="{3A22B194-448A-46EE-BC7E-5460EEA7EF82}"/>
               </a:ext>
             </a:extLst>
           </p:cNvPr>
@@ -19153,7 +19153,7 @@
           <p:cNvPr id="31" name="椭圆 30">
             <a:extLst>
               <a:ext uri="{FF2B5EF4-FFF2-40B4-BE49-F238E27FC236}">
-                <a16:creationId xmlns="" xmlns:a16="http://schemas.microsoft.com/office/drawing/2014/main" id="{3B07899A-BEFE-411B-80F0-B1F1203CAF79}"/>
+                <a16:creationId xmlns:a16="http://schemas.microsoft.com/office/drawing/2014/main" xmlns="" id="{3B07899A-BEFE-411B-80F0-B1F1203CAF79}"/>
               </a:ext>
             </a:extLst>
           </p:cNvPr>
@@ -19207,7 +19207,7 @@
           <p:cNvPr id="32" name="椭圆 31">
             <a:extLst>
               <a:ext uri="{FF2B5EF4-FFF2-40B4-BE49-F238E27FC236}">
-                <a16:creationId xmlns="" xmlns:a16="http://schemas.microsoft.com/office/drawing/2014/main" id="{8E146F45-5E79-431F-AE2D-E8D938E2AE30}"/>
+                <a16:creationId xmlns:a16="http://schemas.microsoft.com/office/drawing/2014/main" xmlns="" id="{8E146F45-5E79-431F-AE2D-E8D938E2AE30}"/>
               </a:ext>
             </a:extLst>
           </p:cNvPr>
@@ -19261,7 +19261,7 @@
           <p:cNvPr id="33" name="椭圆 32">
             <a:extLst>
               <a:ext uri="{FF2B5EF4-FFF2-40B4-BE49-F238E27FC236}">
-                <a16:creationId xmlns="" xmlns:a16="http://schemas.microsoft.com/office/drawing/2014/main" id="{67D28EC8-FAC6-4D9C-A689-EC09A31595AF}"/>
+                <a16:creationId xmlns:a16="http://schemas.microsoft.com/office/drawing/2014/main" xmlns="" id="{67D28EC8-FAC6-4D9C-A689-EC09A31595AF}"/>
               </a:ext>
             </a:extLst>
           </p:cNvPr>
@@ -19318,7 +19318,7 @@
           <p:cNvPr id="34" name="椭圆 33">
             <a:extLst>
               <a:ext uri="{FF2B5EF4-FFF2-40B4-BE49-F238E27FC236}">
-                <a16:creationId xmlns="" xmlns:a16="http://schemas.microsoft.com/office/drawing/2014/main" id="{9F3AFC74-0413-4D11-B73A-701636BA1C2F}"/>
+                <a16:creationId xmlns:a16="http://schemas.microsoft.com/office/drawing/2014/main" xmlns="" id="{9F3AFC74-0413-4D11-B73A-701636BA1C2F}"/>
               </a:ext>
             </a:extLst>
           </p:cNvPr>
@@ -19372,7 +19372,7 @@
           <p:cNvPr id="35" name="椭圆 34">
             <a:extLst>
               <a:ext uri="{FF2B5EF4-FFF2-40B4-BE49-F238E27FC236}">
-                <a16:creationId xmlns="" xmlns:a16="http://schemas.microsoft.com/office/drawing/2014/main" id="{492C6DC1-98AC-4C5B-873B-0FE63529C580}"/>
+                <a16:creationId xmlns:a16="http://schemas.microsoft.com/office/drawing/2014/main" xmlns="" id="{492C6DC1-98AC-4C5B-873B-0FE63529C580}"/>
               </a:ext>
             </a:extLst>
           </p:cNvPr>
@@ -19426,7 +19426,7 @@
           <p:cNvPr id="36" name="直接连接符 35">
             <a:extLst>
               <a:ext uri="{FF2B5EF4-FFF2-40B4-BE49-F238E27FC236}">
-                <a16:creationId xmlns="" xmlns:a16="http://schemas.microsoft.com/office/drawing/2014/main" id="{6971B428-D479-4672-BD8B-7F5D077D5D86}"/>
+                <a16:creationId xmlns:a16="http://schemas.microsoft.com/office/drawing/2014/main" xmlns="" id="{6971B428-D479-4672-BD8B-7F5D077D5D86}"/>
               </a:ext>
             </a:extLst>
           </p:cNvPr>
@@ -19470,7 +19470,7 @@
           <p:cNvPr id="37" name="椭圆 36">
             <a:extLst>
               <a:ext uri="{FF2B5EF4-FFF2-40B4-BE49-F238E27FC236}">
-                <a16:creationId xmlns="" xmlns:a16="http://schemas.microsoft.com/office/drawing/2014/main" id="{E40A54E8-E57E-4BE0-B84A-69974F4EA85A}"/>
+                <a16:creationId xmlns:a16="http://schemas.microsoft.com/office/drawing/2014/main" xmlns="" id="{E40A54E8-E57E-4BE0-B84A-69974F4EA85A}"/>
               </a:ext>
             </a:extLst>
           </p:cNvPr>
@@ -19524,7 +19524,7 @@
           <p:cNvPr id="38" name="直接连接符 37">
             <a:extLst>
               <a:ext uri="{FF2B5EF4-FFF2-40B4-BE49-F238E27FC236}">
-                <a16:creationId xmlns="" xmlns:a16="http://schemas.microsoft.com/office/drawing/2014/main" id="{DF7F0649-3C32-4EE4-9DC6-342077B0E1D8}"/>
+                <a16:creationId xmlns:a16="http://schemas.microsoft.com/office/drawing/2014/main" xmlns="" id="{DF7F0649-3C32-4EE4-9DC6-342077B0E1D8}"/>
               </a:ext>
             </a:extLst>
           </p:cNvPr>
@@ -19568,7 +19568,7 @@
           <p:cNvPr id="39" name="直接连接符 38">
             <a:extLst>
               <a:ext uri="{FF2B5EF4-FFF2-40B4-BE49-F238E27FC236}">
-                <a16:creationId xmlns="" xmlns:a16="http://schemas.microsoft.com/office/drawing/2014/main" id="{093EB3FB-ADF0-474A-B234-EF349901DC15}"/>
+                <a16:creationId xmlns:a16="http://schemas.microsoft.com/office/drawing/2014/main" xmlns="" id="{093EB3FB-ADF0-474A-B234-EF349901DC15}"/>
               </a:ext>
             </a:extLst>
           </p:cNvPr>
@@ -19612,7 +19612,7 @@
           <p:cNvPr id="40" name="椭圆 39">
             <a:extLst>
               <a:ext uri="{FF2B5EF4-FFF2-40B4-BE49-F238E27FC236}">
-                <a16:creationId xmlns="" xmlns:a16="http://schemas.microsoft.com/office/drawing/2014/main" id="{F13CD393-9278-4D9E-926E-A8B9B27E49C8}"/>
+                <a16:creationId xmlns:a16="http://schemas.microsoft.com/office/drawing/2014/main" xmlns="" id="{F13CD393-9278-4D9E-926E-A8B9B27E49C8}"/>
               </a:ext>
             </a:extLst>
           </p:cNvPr>
@@ -19669,7 +19669,7 @@
           <p:cNvPr id="41" name="直接连接符 40">
             <a:extLst>
               <a:ext uri="{FF2B5EF4-FFF2-40B4-BE49-F238E27FC236}">
-                <a16:creationId xmlns="" xmlns:a16="http://schemas.microsoft.com/office/drawing/2014/main" id="{192A6EEE-8490-42FF-8026-D3D66BD75940}"/>
+                <a16:creationId xmlns:a16="http://schemas.microsoft.com/office/drawing/2014/main" xmlns="" id="{192A6EEE-8490-42FF-8026-D3D66BD75940}"/>
               </a:ext>
             </a:extLst>
           </p:cNvPr>
@@ -19713,7 +19713,7 @@
           <p:cNvPr id="42" name="椭圆 41">
             <a:extLst>
               <a:ext uri="{FF2B5EF4-FFF2-40B4-BE49-F238E27FC236}">
-                <a16:creationId xmlns="" xmlns:a16="http://schemas.microsoft.com/office/drawing/2014/main" id="{B5136ACA-AD87-4183-ADB5-428C41FA7777}"/>
+                <a16:creationId xmlns:a16="http://schemas.microsoft.com/office/drawing/2014/main" xmlns="" id="{B5136ACA-AD87-4183-ADB5-428C41FA7777}"/>
               </a:ext>
             </a:extLst>
           </p:cNvPr>
@@ -19767,7 +19767,7 @@
           <p:cNvPr id="43" name="直接连接符 42">
             <a:extLst>
               <a:ext uri="{FF2B5EF4-FFF2-40B4-BE49-F238E27FC236}">
-                <a16:creationId xmlns="" xmlns:a16="http://schemas.microsoft.com/office/drawing/2014/main" id="{272C11AD-11A2-49C8-9292-7533203E68DD}"/>
+                <a16:creationId xmlns:a16="http://schemas.microsoft.com/office/drawing/2014/main" xmlns="" id="{272C11AD-11A2-49C8-9292-7533203E68DD}"/>
               </a:ext>
             </a:extLst>
           </p:cNvPr>
@@ -19811,7 +19811,7 @@
           <p:cNvPr id="44" name="椭圆 43">
             <a:extLst>
               <a:ext uri="{FF2B5EF4-FFF2-40B4-BE49-F238E27FC236}">
-                <a16:creationId xmlns="" xmlns:a16="http://schemas.microsoft.com/office/drawing/2014/main" id="{411E286E-649A-4CC9-A79E-B785F1A457EA}"/>
+                <a16:creationId xmlns:a16="http://schemas.microsoft.com/office/drawing/2014/main" xmlns="" id="{411E286E-649A-4CC9-A79E-B785F1A457EA}"/>
               </a:ext>
             </a:extLst>
           </p:cNvPr>
@@ -19868,7 +19868,7 @@
           <p:cNvPr id="45" name="直接连接符 44">
             <a:extLst>
               <a:ext uri="{FF2B5EF4-FFF2-40B4-BE49-F238E27FC236}">
-                <a16:creationId xmlns="" xmlns:a16="http://schemas.microsoft.com/office/drawing/2014/main" id="{4642B35E-2738-4B10-B77A-A1D1B45ED76B}"/>
+                <a16:creationId xmlns:a16="http://schemas.microsoft.com/office/drawing/2014/main" xmlns="" id="{4642B35E-2738-4B10-B77A-A1D1B45ED76B}"/>
               </a:ext>
             </a:extLst>
           </p:cNvPr>
@@ -19912,7 +19912,7 @@
           <p:cNvPr id="46" name="直接连接符 45">
             <a:extLst>
               <a:ext uri="{FF2B5EF4-FFF2-40B4-BE49-F238E27FC236}">
-                <a16:creationId xmlns="" xmlns:a16="http://schemas.microsoft.com/office/drawing/2014/main" id="{D9581555-6A2E-4C22-B026-C640417AD0E5}"/>
+                <a16:creationId xmlns:a16="http://schemas.microsoft.com/office/drawing/2014/main" xmlns="" id="{D9581555-6A2E-4C22-B026-C640417AD0E5}"/>
               </a:ext>
             </a:extLst>
           </p:cNvPr>
@@ -19956,7 +19956,7 @@
           <p:cNvPr id="47" name="直接连接符 46">
             <a:extLst>
               <a:ext uri="{FF2B5EF4-FFF2-40B4-BE49-F238E27FC236}">
-                <a16:creationId xmlns="" xmlns:a16="http://schemas.microsoft.com/office/drawing/2014/main" id="{BFDADB2E-A848-4A30-A321-0A9EF72DEE7A}"/>
+                <a16:creationId xmlns:a16="http://schemas.microsoft.com/office/drawing/2014/main" xmlns="" id="{BFDADB2E-A848-4A30-A321-0A9EF72DEE7A}"/>
               </a:ext>
             </a:extLst>
           </p:cNvPr>
@@ -20051,7 +20051,7 @@
               <a:t>  几何体（</a:t>
             </a:r>
             <a:r>
-              <a:rPr lang="en-US" altLang="zh-CN" dirty="0" err="1" smtClean="0">
+              <a:rPr lang="en-US" altLang="zh-CN" dirty="0" smtClean="0">
                 <a:solidFill>
                   <a:schemeClr val="tx1">
                     <a:lumMod val="75000"/>
@@ -20060,10 +20060,10 @@
                 </a:solidFill>
                 <a:latin typeface="+mn-ea"/>
               </a:rPr>
-              <a:t>Gepmetry</a:t>
-            </a:r>
-            <a:r>
-              <a:rPr lang="zh-CN" altLang="en-US" dirty="0" smtClean="0">
+              <a:t>Geometry</a:t>
+            </a:r>
+            <a:r>
+              <a:rPr lang="zh-CN" altLang="en-US" dirty="0">
                 <a:solidFill>
                   <a:schemeClr val="tx1">
                     <a:lumMod val="75000"/>
@@ -20072,10 +20072,10 @@
                 </a:solidFill>
                 <a:latin typeface="+mn-ea"/>
               </a:rPr>
-              <a:t>）分为 平面几何（圆形、平面、环形、形状（不规则形））</a:t>
-            </a:r>
-            <a:r>
-              <a:rPr lang="en-US" altLang="zh-CN" dirty="0" smtClean="0">
+              <a:t>）是面片、线或点几何体的有效</a:t>
+            </a:r>
+            <a:r>
+              <a:rPr lang="zh-CN" altLang="en-US" dirty="0" smtClean="0">
                 <a:solidFill>
                   <a:schemeClr val="tx1">
                     <a:lumMod val="75000"/>
@@ -20084,10 +20084,21 @@
                 </a:solidFill>
                 <a:latin typeface="+mn-ea"/>
               </a:rPr>
-              <a:t/>
-            </a:r>
-            <a:br>
-              <a:rPr lang="en-US" altLang="zh-CN" dirty="0" smtClean="0">
+              <a:t>表述。分为：</a:t>
+            </a:r>
+            <a:endParaRPr lang="en-US" altLang="zh-CN" dirty="0" smtClean="0">
+              <a:solidFill>
+                <a:schemeClr val="tx1">
+                  <a:lumMod val="75000"/>
+                  <a:lumOff val="25000"/>
+                </a:schemeClr>
+              </a:solidFill>
+              <a:latin typeface="+mn-ea"/>
+            </a:endParaRPr>
+          </a:p>
+          <a:p>
+            <a:r>
+              <a:rPr lang="zh-CN" altLang="en-US" dirty="0" smtClean="0">
                 <a:solidFill>
                   <a:schemeClr val="tx1">
                     <a:lumMod val="75000"/>
@@ -20096,9 +20107,21 @@
                 </a:solidFill>
                 <a:latin typeface="+mn-ea"/>
               </a:rPr>
-            </a:br>
-            <a:r>
-              <a:rPr lang="en-US" altLang="zh-CN" dirty="0" smtClean="0">
+              <a:t> </a:t>
+            </a:r>
+            <a:endParaRPr lang="en-US" altLang="zh-CN" dirty="0" smtClean="0">
+              <a:solidFill>
+                <a:schemeClr val="tx1">
+                  <a:lumMod val="75000"/>
+                  <a:lumOff val="25000"/>
+                </a:schemeClr>
+              </a:solidFill>
+              <a:latin typeface="+mn-ea"/>
+            </a:endParaRPr>
+          </a:p>
+          <a:p>
+            <a:r>
+              <a:rPr lang="en-US" altLang="zh-CN" dirty="0">
                 <a:solidFill>
                   <a:schemeClr val="tx1">
                     <a:lumMod val="75000"/>
@@ -20109,10 +20132,8 @@
               </a:rPr>
               <a:t>	</a:t>
             </a:r>
-          </a:p>
-          <a:p>
-            <a:r>
-              <a:rPr lang="en-US" altLang="zh-CN" dirty="0">
+            <a:r>
+              <a:rPr lang="zh-CN" altLang="en-US" dirty="0" smtClean="0">
                 <a:solidFill>
                   <a:schemeClr val="tx1">
                     <a:lumMod val="75000"/>
@@ -20121,7 +20142,7 @@
                 </a:solidFill>
                 <a:latin typeface="+mn-ea"/>
               </a:rPr>
-              <a:t>	</a:t>
+              <a:t>平面几何</a:t>
             </a:r>
             <a:r>
               <a:rPr lang="zh-CN" altLang="en-US" dirty="0" smtClean="0">
@@ -20133,8 +20154,89 @@
                 </a:solidFill>
                 <a:latin typeface="+mn-ea"/>
               </a:rPr>
-              <a:t>立体几何（立方体、圆锥体、圆柱体、球体、圆环、四面体、八面体、十二面体、二十面体）</a:t>
-            </a:r>
+              <a:t>（圆形、平面、环形、形状（不规则形</a:t>
+            </a:r>
+            <a:r>
+              <a:rPr lang="zh-CN" altLang="en-US" dirty="0" smtClean="0">
+                <a:solidFill>
+                  <a:schemeClr val="tx1">
+                    <a:lumMod val="75000"/>
+                    <a:lumOff val="25000"/>
+                  </a:schemeClr>
+                </a:solidFill>
+                <a:latin typeface="+mn-ea"/>
+              </a:rPr>
+              <a:t>））</a:t>
+            </a:r>
+            <a:endParaRPr lang="en-US" altLang="zh-CN" dirty="0" smtClean="0">
+              <a:solidFill>
+                <a:schemeClr val="tx1">
+                  <a:lumMod val="75000"/>
+                  <a:lumOff val="25000"/>
+                </a:schemeClr>
+              </a:solidFill>
+              <a:latin typeface="+mn-ea"/>
+            </a:endParaRPr>
+          </a:p>
+          <a:p>
+            <a:endParaRPr lang="en-US" altLang="zh-CN" dirty="0" smtClean="0">
+              <a:solidFill>
+                <a:schemeClr val="tx1">
+                  <a:lumMod val="75000"/>
+                  <a:lumOff val="25000"/>
+                </a:schemeClr>
+              </a:solidFill>
+              <a:latin typeface="+mn-ea"/>
+            </a:endParaRPr>
+          </a:p>
+          <a:p>
+            <a:r>
+              <a:rPr lang="en-US" altLang="zh-CN" dirty="0">
+                <a:solidFill>
+                  <a:schemeClr val="tx1">
+                    <a:lumMod val="75000"/>
+                    <a:lumOff val="25000"/>
+                  </a:schemeClr>
+                </a:solidFill>
+                <a:latin typeface="+mn-ea"/>
+              </a:rPr>
+              <a:t>	</a:t>
+            </a:r>
+            <a:r>
+              <a:rPr lang="zh-CN" altLang="en-US" dirty="0" smtClean="0">
+                <a:solidFill>
+                  <a:schemeClr val="tx1">
+                    <a:lumMod val="75000"/>
+                    <a:lumOff val="25000"/>
+                  </a:schemeClr>
+                </a:solidFill>
+                <a:latin typeface="+mn-ea"/>
+              </a:rPr>
+              <a:t>立体几何（立方体、圆锥体、圆柱体、球体、圆环、四面体、八面体、十二面体、二十面体</a:t>
+            </a:r>
+            <a:r>
+              <a:rPr lang="zh-CN" altLang="en-US" dirty="0" smtClean="0">
+                <a:solidFill>
+                  <a:schemeClr val="tx1">
+                    <a:lumMod val="75000"/>
+                    <a:lumOff val="25000"/>
+                  </a:schemeClr>
+                </a:solidFill>
+                <a:latin typeface="+mn-ea"/>
+              </a:rPr>
+              <a:t>）</a:t>
+            </a:r>
+            <a:endParaRPr lang="en-US" altLang="zh-CN" dirty="0" smtClean="0">
+              <a:solidFill>
+                <a:schemeClr val="tx1">
+                  <a:lumMod val="75000"/>
+                  <a:lumOff val="25000"/>
+                </a:schemeClr>
+              </a:solidFill>
+              <a:latin typeface="+mn-ea"/>
+            </a:endParaRPr>
+          </a:p>
+          <a:p>
             <a:endParaRPr lang="en-US" altLang="zh-CN" dirty="0" smtClean="0">
               <a:solidFill>
                 <a:schemeClr val="tx1">
@@ -20580,7 +20682,7 @@
           </a:ln>
           <a:extLst>
             <a:ext uri="{C572A759-6A51-4108-AA02-DFA0A04FC94B}">
-              <ma14:wrappingTextBoxFlag xmlns="" xmlns:ma14="http://schemas.microsoft.com/office/mac/drawingml/2011/main" val="1"/>
+              <ma14:wrappingTextBoxFlag xmlns:ma14="http://schemas.microsoft.com/office/mac/drawingml/2011/main" xmlns="" val="1"/>
             </a:ext>
           </a:extLst>
         </p:spPr>
@@ -20648,7 +20750,7 @@
           </a:ln>
           <a:extLst>
             <a:ext uri="{C572A759-6A51-4108-AA02-DFA0A04FC94B}">
-              <ma14:wrappingTextBoxFlag xmlns="" xmlns:ma14="http://schemas.microsoft.com/office/mac/drawingml/2011/main" val="1"/>
+              <ma14:wrappingTextBoxFlag xmlns:ma14="http://schemas.microsoft.com/office/mac/drawingml/2011/main" xmlns="" val="1"/>
             </a:ext>
           </a:extLst>
         </p:spPr>
@@ -20710,7 +20812,7 @@
           <p:cNvPr id="17" name="组合 16">
             <a:extLst>
               <a:ext uri="{FF2B5EF4-FFF2-40B4-BE49-F238E27FC236}">
-                <a16:creationId xmlns="" xmlns:a16="http://schemas.microsoft.com/office/drawing/2014/main" id="{37C933BA-2473-4CDC-A5E4-A44C629C23D8}"/>
+                <a16:creationId xmlns:a16="http://schemas.microsoft.com/office/drawing/2014/main" xmlns="" id="{37C933BA-2473-4CDC-A5E4-A44C629C23D8}"/>
               </a:ext>
             </a:extLst>
           </p:cNvPr>
@@ -20730,7 +20832,7 @@
             <p:cNvPr id="18" name="文本框 17">
               <a:extLst>
                 <a:ext uri="{FF2B5EF4-FFF2-40B4-BE49-F238E27FC236}">
-                  <a16:creationId xmlns="" xmlns:a16="http://schemas.microsoft.com/office/drawing/2014/main" id="{16DA8A1E-64FC-4810-80E3-D177285D8773}"/>
+                  <a16:creationId xmlns:a16="http://schemas.microsoft.com/office/drawing/2014/main" xmlns="" id="{16DA8A1E-64FC-4810-80E3-D177285D8773}"/>
                 </a:ext>
               </a:extLst>
             </p:cNvPr>
@@ -20791,7 +20893,7 @@
             <p:cNvPr id="19" name="文本框 18">
               <a:extLst>
                 <a:ext uri="{FF2B5EF4-FFF2-40B4-BE49-F238E27FC236}">
-                  <a16:creationId xmlns="" xmlns:a16="http://schemas.microsoft.com/office/drawing/2014/main" id="{D028F3A2-F8BE-4FF3-AA43-1781C286E3E6}"/>
+                  <a16:creationId xmlns:a16="http://schemas.microsoft.com/office/drawing/2014/main" xmlns="" id="{D028F3A2-F8BE-4FF3-AA43-1781C286E3E6}"/>
                 </a:ext>
               </a:extLst>
             </p:cNvPr>
@@ -20859,7 +20961,7 @@
             <p:cNvPr id="20" name="矩形: 圆角 19">
               <a:extLst>
                 <a:ext uri="{FF2B5EF4-FFF2-40B4-BE49-F238E27FC236}">
-                  <a16:creationId xmlns="" xmlns:a16="http://schemas.microsoft.com/office/drawing/2014/main" id="{D155FC09-937B-45E9-9445-19C2930961C1}"/>
+                  <a16:creationId xmlns:a16="http://schemas.microsoft.com/office/drawing/2014/main" xmlns="" id="{D155FC09-937B-45E9-9445-19C2930961C1}"/>
                 </a:ext>
               </a:extLst>
             </p:cNvPr>
@@ -20932,7 +21034,7 @@
           <p:cNvPr id="22" name="文本框 21">
             <a:extLst>
               <a:ext uri="{FF2B5EF4-FFF2-40B4-BE49-F238E27FC236}">
-                <a16:creationId xmlns="" xmlns:a16="http://schemas.microsoft.com/office/drawing/2014/main" id="{3A22B194-448A-46EE-BC7E-5460EEA7EF82}"/>
+                <a16:creationId xmlns:a16="http://schemas.microsoft.com/office/drawing/2014/main" xmlns="" id="{3A22B194-448A-46EE-BC7E-5460EEA7EF82}"/>
               </a:ext>
             </a:extLst>
           </p:cNvPr>
@@ -20983,7 +21085,7 @@
           <p:cNvPr id="31" name="椭圆 30">
             <a:extLst>
               <a:ext uri="{FF2B5EF4-FFF2-40B4-BE49-F238E27FC236}">
-                <a16:creationId xmlns="" xmlns:a16="http://schemas.microsoft.com/office/drawing/2014/main" id="{3B07899A-BEFE-411B-80F0-B1F1203CAF79}"/>
+                <a16:creationId xmlns:a16="http://schemas.microsoft.com/office/drawing/2014/main" xmlns="" id="{3B07899A-BEFE-411B-80F0-B1F1203CAF79}"/>
               </a:ext>
             </a:extLst>
           </p:cNvPr>
@@ -21037,7 +21139,7 @@
           <p:cNvPr id="32" name="椭圆 31">
             <a:extLst>
               <a:ext uri="{FF2B5EF4-FFF2-40B4-BE49-F238E27FC236}">
-                <a16:creationId xmlns="" xmlns:a16="http://schemas.microsoft.com/office/drawing/2014/main" id="{8E146F45-5E79-431F-AE2D-E8D938E2AE30}"/>
+                <a16:creationId xmlns:a16="http://schemas.microsoft.com/office/drawing/2014/main" xmlns="" id="{8E146F45-5E79-431F-AE2D-E8D938E2AE30}"/>
               </a:ext>
             </a:extLst>
           </p:cNvPr>
@@ -21091,7 +21193,7 @@
           <p:cNvPr id="33" name="椭圆 32">
             <a:extLst>
               <a:ext uri="{FF2B5EF4-FFF2-40B4-BE49-F238E27FC236}">
-                <a16:creationId xmlns="" xmlns:a16="http://schemas.microsoft.com/office/drawing/2014/main" id="{67D28EC8-FAC6-4D9C-A689-EC09A31595AF}"/>
+                <a16:creationId xmlns:a16="http://schemas.microsoft.com/office/drawing/2014/main" xmlns="" id="{67D28EC8-FAC6-4D9C-A689-EC09A31595AF}"/>
               </a:ext>
             </a:extLst>
           </p:cNvPr>
@@ -21148,7 +21250,7 @@
           <p:cNvPr id="34" name="椭圆 33">
             <a:extLst>
               <a:ext uri="{FF2B5EF4-FFF2-40B4-BE49-F238E27FC236}">
-                <a16:creationId xmlns="" xmlns:a16="http://schemas.microsoft.com/office/drawing/2014/main" id="{9F3AFC74-0413-4D11-B73A-701636BA1C2F}"/>
+                <a16:creationId xmlns:a16="http://schemas.microsoft.com/office/drawing/2014/main" xmlns="" id="{9F3AFC74-0413-4D11-B73A-701636BA1C2F}"/>
               </a:ext>
             </a:extLst>
           </p:cNvPr>
@@ -21202,7 +21304,7 @@
           <p:cNvPr id="35" name="椭圆 34">
             <a:extLst>
               <a:ext uri="{FF2B5EF4-FFF2-40B4-BE49-F238E27FC236}">
-                <a16:creationId xmlns="" xmlns:a16="http://schemas.microsoft.com/office/drawing/2014/main" id="{492C6DC1-98AC-4C5B-873B-0FE63529C580}"/>
+                <a16:creationId xmlns:a16="http://schemas.microsoft.com/office/drawing/2014/main" xmlns="" id="{492C6DC1-98AC-4C5B-873B-0FE63529C580}"/>
               </a:ext>
             </a:extLst>
           </p:cNvPr>
@@ -21256,7 +21358,7 @@
           <p:cNvPr id="36" name="直接连接符 35">
             <a:extLst>
               <a:ext uri="{FF2B5EF4-FFF2-40B4-BE49-F238E27FC236}">
-                <a16:creationId xmlns="" xmlns:a16="http://schemas.microsoft.com/office/drawing/2014/main" id="{6971B428-D479-4672-BD8B-7F5D077D5D86}"/>
+                <a16:creationId xmlns:a16="http://schemas.microsoft.com/office/drawing/2014/main" xmlns="" id="{6971B428-D479-4672-BD8B-7F5D077D5D86}"/>
               </a:ext>
             </a:extLst>
           </p:cNvPr>
@@ -21300,7 +21402,7 @@
           <p:cNvPr id="37" name="椭圆 36">
             <a:extLst>
               <a:ext uri="{FF2B5EF4-FFF2-40B4-BE49-F238E27FC236}">
-                <a16:creationId xmlns="" xmlns:a16="http://schemas.microsoft.com/office/drawing/2014/main" id="{E40A54E8-E57E-4BE0-B84A-69974F4EA85A}"/>
+                <a16:creationId xmlns:a16="http://schemas.microsoft.com/office/drawing/2014/main" xmlns="" id="{E40A54E8-E57E-4BE0-B84A-69974F4EA85A}"/>
               </a:ext>
             </a:extLst>
           </p:cNvPr>
@@ -21354,7 +21456,7 @@
           <p:cNvPr id="38" name="直接连接符 37">
             <a:extLst>
               <a:ext uri="{FF2B5EF4-FFF2-40B4-BE49-F238E27FC236}">
-                <a16:creationId xmlns="" xmlns:a16="http://schemas.microsoft.com/office/drawing/2014/main" id="{DF7F0649-3C32-4EE4-9DC6-342077B0E1D8}"/>
+                <a16:creationId xmlns:a16="http://schemas.microsoft.com/office/drawing/2014/main" xmlns="" id="{DF7F0649-3C32-4EE4-9DC6-342077B0E1D8}"/>
               </a:ext>
             </a:extLst>
           </p:cNvPr>
@@ -21398,7 +21500,7 @@
           <p:cNvPr id="39" name="直接连接符 38">
             <a:extLst>
               <a:ext uri="{FF2B5EF4-FFF2-40B4-BE49-F238E27FC236}">
-                <a16:creationId xmlns="" xmlns:a16="http://schemas.microsoft.com/office/drawing/2014/main" id="{093EB3FB-ADF0-474A-B234-EF349901DC15}"/>
+                <a16:creationId xmlns:a16="http://schemas.microsoft.com/office/drawing/2014/main" xmlns="" id="{093EB3FB-ADF0-474A-B234-EF349901DC15}"/>
               </a:ext>
             </a:extLst>
           </p:cNvPr>
@@ -21442,7 +21544,7 @@
           <p:cNvPr id="40" name="椭圆 39">
             <a:extLst>
               <a:ext uri="{FF2B5EF4-FFF2-40B4-BE49-F238E27FC236}">
-                <a16:creationId xmlns="" xmlns:a16="http://schemas.microsoft.com/office/drawing/2014/main" id="{F13CD393-9278-4D9E-926E-A8B9B27E49C8}"/>
+                <a16:creationId xmlns:a16="http://schemas.microsoft.com/office/drawing/2014/main" xmlns="" id="{F13CD393-9278-4D9E-926E-A8B9B27E49C8}"/>
               </a:ext>
             </a:extLst>
           </p:cNvPr>
@@ -21499,7 +21601,7 @@
           <p:cNvPr id="41" name="直接连接符 40">
             <a:extLst>
               <a:ext uri="{FF2B5EF4-FFF2-40B4-BE49-F238E27FC236}">
-                <a16:creationId xmlns="" xmlns:a16="http://schemas.microsoft.com/office/drawing/2014/main" id="{192A6EEE-8490-42FF-8026-D3D66BD75940}"/>
+                <a16:creationId xmlns:a16="http://schemas.microsoft.com/office/drawing/2014/main" xmlns="" id="{192A6EEE-8490-42FF-8026-D3D66BD75940}"/>
               </a:ext>
             </a:extLst>
           </p:cNvPr>
@@ -21543,7 +21645,7 @@
           <p:cNvPr id="42" name="椭圆 41">
             <a:extLst>
               <a:ext uri="{FF2B5EF4-FFF2-40B4-BE49-F238E27FC236}">
-                <a16:creationId xmlns="" xmlns:a16="http://schemas.microsoft.com/office/drawing/2014/main" id="{B5136ACA-AD87-4183-ADB5-428C41FA7777}"/>
+                <a16:creationId xmlns:a16="http://schemas.microsoft.com/office/drawing/2014/main" xmlns="" id="{B5136ACA-AD87-4183-ADB5-428C41FA7777}"/>
               </a:ext>
             </a:extLst>
           </p:cNvPr>
@@ -21597,7 +21699,7 @@
           <p:cNvPr id="43" name="直接连接符 42">
             <a:extLst>
               <a:ext uri="{FF2B5EF4-FFF2-40B4-BE49-F238E27FC236}">
-                <a16:creationId xmlns="" xmlns:a16="http://schemas.microsoft.com/office/drawing/2014/main" id="{272C11AD-11A2-49C8-9292-7533203E68DD}"/>
+                <a16:creationId xmlns:a16="http://schemas.microsoft.com/office/drawing/2014/main" xmlns="" id="{272C11AD-11A2-49C8-9292-7533203E68DD}"/>
               </a:ext>
             </a:extLst>
           </p:cNvPr>
@@ -21641,7 +21743,7 @@
           <p:cNvPr id="44" name="椭圆 43">
             <a:extLst>
               <a:ext uri="{FF2B5EF4-FFF2-40B4-BE49-F238E27FC236}">
-                <a16:creationId xmlns="" xmlns:a16="http://schemas.microsoft.com/office/drawing/2014/main" id="{411E286E-649A-4CC9-A79E-B785F1A457EA}"/>
+                <a16:creationId xmlns:a16="http://schemas.microsoft.com/office/drawing/2014/main" xmlns="" id="{411E286E-649A-4CC9-A79E-B785F1A457EA}"/>
               </a:ext>
             </a:extLst>
           </p:cNvPr>
@@ -21698,7 +21800,7 @@
           <p:cNvPr id="45" name="直接连接符 44">
             <a:extLst>
               <a:ext uri="{FF2B5EF4-FFF2-40B4-BE49-F238E27FC236}">
-                <a16:creationId xmlns="" xmlns:a16="http://schemas.microsoft.com/office/drawing/2014/main" id="{4642B35E-2738-4B10-B77A-A1D1B45ED76B}"/>
+                <a16:creationId xmlns:a16="http://schemas.microsoft.com/office/drawing/2014/main" xmlns="" id="{4642B35E-2738-4B10-B77A-A1D1B45ED76B}"/>
               </a:ext>
             </a:extLst>
           </p:cNvPr>
@@ -21742,7 +21844,7 @@
           <p:cNvPr id="46" name="直接连接符 45">
             <a:extLst>
               <a:ext uri="{FF2B5EF4-FFF2-40B4-BE49-F238E27FC236}">
-                <a16:creationId xmlns="" xmlns:a16="http://schemas.microsoft.com/office/drawing/2014/main" id="{D9581555-6A2E-4C22-B026-C640417AD0E5}"/>
+                <a16:creationId xmlns:a16="http://schemas.microsoft.com/office/drawing/2014/main" xmlns="" id="{D9581555-6A2E-4C22-B026-C640417AD0E5}"/>
               </a:ext>
             </a:extLst>
           </p:cNvPr>
@@ -21786,7 +21888,7 @@
           <p:cNvPr id="47" name="直接连接符 46">
             <a:extLst>
               <a:ext uri="{FF2B5EF4-FFF2-40B4-BE49-F238E27FC236}">
-                <a16:creationId xmlns="" xmlns:a16="http://schemas.microsoft.com/office/drawing/2014/main" id="{BFDADB2E-A848-4A30-A321-0A9EF72DEE7A}"/>
+                <a16:creationId xmlns:a16="http://schemas.microsoft.com/office/drawing/2014/main" xmlns="" id="{BFDADB2E-A848-4A30-A321-0A9EF72DEE7A}"/>
               </a:ext>
             </a:extLst>
           </p:cNvPr>
@@ -22413,7 +22515,7 @@
           <p:cNvPr id="6" name="图片 5" descr="图片包含 户外艺术系列&#10;&#10;已生成高可信度的说明">
             <a:extLst>
               <a:ext uri="{FF2B5EF4-FFF2-40B4-BE49-F238E27FC236}">
-                <a16:creationId xmlns="" xmlns:a16="http://schemas.microsoft.com/office/drawing/2014/main" id="{89D524ED-F1C6-411C-BF82-1FE0C3CECFC7}"/>
+                <a16:creationId xmlns:a16="http://schemas.microsoft.com/office/drawing/2014/main" xmlns="" id="{89D524ED-F1C6-411C-BF82-1FE0C3CECFC7}"/>
               </a:ext>
             </a:extLst>
           </p:cNvPr>
@@ -22449,7 +22551,7 @@
           <p:cNvPr id="11" name="矩形: 圆角 10">
             <a:extLst>
               <a:ext uri="{FF2B5EF4-FFF2-40B4-BE49-F238E27FC236}">
-                <a16:creationId xmlns="" xmlns:a16="http://schemas.microsoft.com/office/drawing/2014/main" id="{6BCFDEB3-66BB-40C4-8D11-4501056B03A6}"/>
+                <a16:creationId xmlns:a16="http://schemas.microsoft.com/office/drawing/2014/main" xmlns="" id="{6BCFDEB3-66BB-40C4-8D11-4501056B03A6}"/>
               </a:ext>
             </a:extLst>
           </p:cNvPr>
@@ -22510,7 +22612,7 @@
           <p:cNvPr id="2" name="文本框 1">
             <a:extLst>
               <a:ext uri="{FF2B5EF4-FFF2-40B4-BE49-F238E27FC236}">
-                <a16:creationId xmlns="" xmlns:a16="http://schemas.microsoft.com/office/drawing/2014/main" id="{F78FF481-D5DD-4D63-B7A7-27E254D01BB4}"/>
+                <a16:creationId xmlns:a16="http://schemas.microsoft.com/office/drawing/2014/main" xmlns="" id="{F78FF481-D5DD-4D63-B7A7-27E254D01BB4}"/>
               </a:ext>
             </a:extLst>
           </p:cNvPr>
@@ -22553,7 +22655,7 @@
           <p:cNvPr id="3" name="文本框 2">
             <a:extLst>
               <a:ext uri="{FF2B5EF4-FFF2-40B4-BE49-F238E27FC236}">
-                <a16:creationId xmlns="" xmlns:a16="http://schemas.microsoft.com/office/drawing/2014/main" id="{2A4B6A67-80A8-491C-9B75-F838BAA24AB8}"/>
+                <a16:creationId xmlns:a16="http://schemas.microsoft.com/office/drawing/2014/main" xmlns="" id="{2A4B6A67-80A8-491C-9B75-F838BAA24AB8}"/>
               </a:ext>
             </a:extLst>
           </p:cNvPr>
@@ -22594,7 +22696,7 @@
           <p:cNvPr id="4" name="文本框 3">
             <a:extLst>
               <a:ext uri="{FF2B5EF4-FFF2-40B4-BE49-F238E27FC236}">
-                <a16:creationId xmlns="" xmlns:a16="http://schemas.microsoft.com/office/drawing/2014/main" id="{D0EF4BBF-C2CD-4EB3-A920-99A3D31601CD}"/>
+                <a16:creationId xmlns:a16="http://schemas.microsoft.com/office/drawing/2014/main" xmlns="" id="{D0EF4BBF-C2CD-4EB3-A920-99A3D31601CD}"/>
               </a:ext>
             </a:extLst>
           </p:cNvPr>
@@ -22655,7 +22757,7 @@
           <p:cNvPr id="7" name="直接连接符 6">
             <a:extLst>
               <a:ext uri="{FF2B5EF4-FFF2-40B4-BE49-F238E27FC236}">
-                <a16:creationId xmlns="" xmlns:a16="http://schemas.microsoft.com/office/drawing/2014/main" id="{4000AD3B-46B8-4302-97C7-6AB34A88DFA6}"/>
+                <a16:creationId xmlns:a16="http://schemas.microsoft.com/office/drawing/2014/main" xmlns="" id="{4000AD3B-46B8-4302-97C7-6AB34A88DFA6}"/>
               </a:ext>
             </a:extLst>
           </p:cNvPr>
@@ -22698,7 +22800,7 @@
           <p:cNvPr id="10" name="组合 9">
             <a:extLst>
               <a:ext uri="{FF2B5EF4-FFF2-40B4-BE49-F238E27FC236}">
-                <a16:creationId xmlns="" xmlns:a16="http://schemas.microsoft.com/office/drawing/2014/main" id="{0A179309-4274-4AFB-96A6-CDF4D9704354}"/>
+                <a16:creationId xmlns:a16="http://schemas.microsoft.com/office/drawing/2014/main" xmlns="" id="{0A179309-4274-4AFB-96A6-CDF4D9704354}"/>
               </a:ext>
             </a:extLst>
           </p:cNvPr>
@@ -22718,7 +22820,7 @@
             <p:cNvPr id="13" name="直接连接符 12">
               <a:extLst>
                 <a:ext uri="{FF2B5EF4-FFF2-40B4-BE49-F238E27FC236}">
-                  <a16:creationId xmlns="" xmlns:a16="http://schemas.microsoft.com/office/drawing/2014/main" id="{3E1E71E1-150B-4EBB-ACA2-3809BDB92488}"/>
+                  <a16:creationId xmlns:a16="http://schemas.microsoft.com/office/drawing/2014/main" xmlns="" id="{3E1E71E1-150B-4EBB-ACA2-3809BDB92488}"/>
                 </a:ext>
               </a:extLst>
             </p:cNvPr>
@@ -22761,7 +22863,7 @@
             <p:cNvPr id="14" name="直接连接符 13">
               <a:extLst>
                 <a:ext uri="{FF2B5EF4-FFF2-40B4-BE49-F238E27FC236}">
-                  <a16:creationId xmlns="" xmlns:a16="http://schemas.microsoft.com/office/drawing/2014/main" id="{3644F1BB-7050-437B-A0D9-2C5C16232620}"/>
+                  <a16:creationId xmlns:a16="http://schemas.microsoft.com/office/drawing/2014/main" xmlns="" id="{3644F1BB-7050-437B-A0D9-2C5C16232620}"/>
                 </a:ext>
               </a:extLst>
             </p:cNvPr>
@@ -22804,7 +22906,7 @@
             <p:cNvPr id="15" name="直接连接符 14">
               <a:extLst>
                 <a:ext uri="{FF2B5EF4-FFF2-40B4-BE49-F238E27FC236}">
-                  <a16:creationId xmlns="" xmlns:a16="http://schemas.microsoft.com/office/drawing/2014/main" id="{A58349CB-A746-42FE-B196-071D1F66F4A6}"/>
+                  <a16:creationId xmlns:a16="http://schemas.microsoft.com/office/drawing/2014/main" xmlns="" id="{A58349CB-A746-42FE-B196-071D1F66F4A6}"/>
                 </a:ext>
               </a:extLst>
             </p:cNvPr>
@@ -22847,7 +22949,7 @@
             <p:cNvPr id="16" name="椭圆 15">
               <a:extLst>
                 <a:ext uri="{FF2B5EF4-FFF2-40B4-BE49-F238E27FC236}">
-                  <a16:creationId xmlns="" xmlns:a16="http://schemas.microsoft.com/office/drawing/2014/main" id="{1EA2E525-99FB-4DC3-85D4-E58FF0F0D4CB}"/>
+                  <a16:creationId xmlns:a16="http://schemas.microsoft.com/office/drawing/2014/main" xmlns="" id="{1EA2E525-99FB-4DC3-85D4-E58FF0F0D4CB}"/>
                 </a:ext>
               </a:extLst>
             </p:cNvPr>
@@ -22902,7 +23004,7 @@
             <p:cNvPr id="17" name="椭圆 16">
               <a:extLst>
                 <a:ext uri="{FF2B5EF4-FFF2-40B4-BE49-F238E27FC236}">
-                  <a16:creationId xmlns="" xmlns:a16="http://schemas.microsoft.com/office/drawing/2014/main" id="{3DA1CB48-5631-4E05-8CE8-88FAC410BB1B}"/>
+                  <a16:creationId xmlns:a16="http://schemas.microsoft.com/office/drawing/2014/main" xmlns="" id="{3DA1CB48-5631-4E05-8CE8-88FAC410BB1B}"/>
                 </a:ext>
               </a:extLst>
             </p:cNvPr>
@@ -22956,7 +23058,7 @@
             <p:cNvPr id="18" name="椭圆 17">
               <a:extLst>
                 <a:ext uri="{FF2B5EF4-FFF2-40B4-BE49-F238E27FC236}">
-                  <a16:creationId xmlns="" xmlns:a16="http://schemas.microsoft.com/office/drawing/2014/main" id="{292A36A2-19F3-40B6-80DB-E53E8B94E159}"/>
+                  <a16:creationId xmlns:a16="http://schemas.microsoft.com/office/drawing/2014/main" xmlns="" id="{292A36A2-19F3-40B6-80DB-E53E8B94E159}"/>
                 </a:ext>
               </a:extLst>
             </p:cNvPr>
@@ -23013,7 +23115,7 @@
           <p:cNvPr id="19" name="组合 18">
             <a:extLst>
               <a:ext uri="{FF2B5EF4-FFF2-40B4-BE49-F238E27FC236}">
-                <a16:creationId xmlns="" xmlns:a16="http://schemas.microsoft.com/office/drawing/2014/main" id="{54F5DAC7-1D40-43F9-9CFA-72281B05A6C2}"/>
+                <a16:creationId xmlns:a16="http://schemas.microsoft.com/office/drawing/2014/main" xmlns="" id="{54F5DAC7-1D40-43F9-9CFA-72281B05A6C2}"/>
               </a:ext>
             </a:extLst>
           </p:cNvPr>
@@ -23033,7 +23135,7 @@
             <p:cNvPr id="20" name="直接连接符 19">
               <a:extLst>
                 <a:ext uri="{FF2B5EF4-FFF2-40B4-BE49-F238E27FC236}">
-                  <a16:creationId xmlns="" xmlns:a16="http://schemas.microsoft.com/office/drawing/2014/main" id="{33C9463E-892C-4B04-92A8-B5F992BCAF1B}"/>
+                  <a16:creationId xmlns:a16="http://schemas.microsoft.com/office/drawing/2014/main" xmlns="" id="{33C9463E-892C-4B04-92A8-B5F992BCAF1B}"/>
                 </a:ext>
               </a:extLst>
             </p:cNvPr>
@@ -23076,7 +23178,7 @@
             <p:cNvPr id="21" name="直接连接符 20">
               <a:extLst>
                 <a:ext uri="{FF2B5EF4-FFF2-40B4-BE49-F238E27FC236}">
-                  <a16:creationId xmlns="" xmlns:a16="http://schemas.microsoft.com/office/drawing/2014/main" id="{DF8A5D8A-C7AA-4520-9F05-4E3EAB9A8BB5}"/>
+                  <a16:creationId xmlns:a16="http://schemas.microsoft.com/office/drawing/2014/main" xmlns="" id="{DF8A5D8A-C7AA-4520-9F05-4E3EAB9A8BB5}"/>
                 </a:ext>
               </a:extLst>
             </p:cNvPr>
@@ -23119,7 +23221,7 @@
             <p:cNvPr id="22" name="直接连接符 21">
               <a:extLst>
                 <a:ext uri="{FF2B5EF4-FFF2-40B4-BE49-F238E27FC236}">
-                  <a16:creationId xmlns="" xmlns:a16="http://schemas.microsoft.com/office/drawing/2014/main" id="{9997A725-A58B-4628-A8C3-E026E0A2203D}"/>
+                  <a16:creationId xmlns:a16="http://schemas.microsoft.com/office/drawing/2014/main" xmlns="" id="{9997A725-A58B-4628-A8C3-E026E0A2203D}"/>
                 </a:ext>
               </a:extLst>
             </p:cNvPr>
@@ -23162,7 +23264,7 @@
             <p:cNvPr id="23" name="椭圆 22">
               <a:extLst>
                 <a:ext uri="{FF2B5EF4-FFF2-40B4-BE49-F238E27FC236}">
-                  <a16:creationId xmlns="" xmlns:a16="http://schemas.microsoft.com/office/drawing/2014/main" id="{E4229617-E9A0-435F-BCAF-7E25DFAF9586}"/>
+                  <a16:creationId xmlns:a16="http://schemas.microsoft.com/office/drawing/2014/main" xmlns="" id="{E4229617-E9A0-435F-BCAF-7E25DFAF9586}"/>
                 </a:ext>
               </a:extLst>
             </p:cNvPr>
@@ -23217,7 +23319,7 @@
             <p:cNvPr id="24" name="椭圆 23">
               <a:extLst>
                 <a:ext uri="{FF2B5EF4-FFF2-40B4-BE49-F238E27FC236}">
-                  <a16:creationId xmlns="" xmlns:a16="http://schemas.microsoft.com/office/drawing/2014/main" id="{A93BFD55-5477-402D-8578-F79D81368B6D}"/>
+                  <a16:creationId xmlns:a16="http://schemas.microsoft.com/office/drawing/2014/main" xmlns="" id="{A93BFD55-5477-402D-8578-F79D81368B6D}"/>
                 </a:ext>
               </a:extLst>
             </p:cNvPr>
@@ -23271,7 +23373,7 @@
             <p:cNvPr id="25" name="椭圆 24">
               <a:extLst>
                 <a:ext uri="{FF2B5EF4-FFF2-40B4-BE49-F238E27FC236}">
-                  <a16:creationId xmlns="" xmlns:a16="http://schemas.microsoft.com/office/drawing/2014/main" id="{C5B85F38-CF17-4884-9D3E-DDDB8A7614DB}"/>
+                  <a16:creationId xmlns:a16="http://schemas.microsoft.com/office/drawing/2014/main" xmlns="" id="{C5B85F38-CF17-4884-9D3E-DDDB8A7614DB}"/>
                 </a:ext>
               </a:extLst>
             </p:cNvPr>
@@ -23328,7 +23430,7 @@
           <p:cNvPr id="26" name="组合 25">
             <a:extLst>
               <a:ext uri="{FF2B5EF4-FFF2-40B4-BE49-F238E27FC236}">
-                <a16:creationId xmlns="" xmlns:a16="http://schemas.microsoft.com/office/drawing/2014/main" id="{431F0BD9-69CB-4CCC-B8E7-0B7E6E6DEAEA}"/>
+                <a16:creationId xmlns:a16="http://schemas.microsoft.com/office/drawing/2014/main" xmlns="" id="{431F0BD9-69CB-4CCC-B8E7-0B7E6E6DEAEA}"/>
               </a:ext>
             </a:extLst>
           </p:cNvPr>
@@ -23348,7 +23450,7 @@
             <p:cNvPr id="27" name="直接连接符 26">
               <a:extLst>
                 <a:ext uri="{FF2B5EF4-FFF2-40B4-BE49-F238E27FC236}">
-                  <a16:creationId xmlns="" xmlns:a16="http://schemas.microsoft.com/office/drawing/2014/main" id="{2936E32B-E9DC-4E8A-B75F-1EED6707F551}"/>
+                  <a16:creationId xmlns:a16="http://schemas.microsoft.com/office/drawing/2014/main" xmlns="" id="{2936E32B-E9DC-4E8A-B75F-1EED6707F551}"/>
                 </a:ext>
               </a:extLst>
             </p:cNvPr>
@@ -23391,7 +23493,7 @@
             <p:cNvPr id="28" name="直接连接符 27">
               <a:extLst>
                 <a:ext uri="{FF2B5EF4-FFF2-40B4-BE49-F238E27FC236}">
-                  <a16:creationId xmlns="" xmlns:a16="http://schemas.microsoft.com/office/drawing/2014/main" id="{5BD51EE2-2913-4585-A666-E12E7B7BCDD3}"/>
+                  <a16:creationId xmlns:a16="http://schemas.microsoft.com/office/drawing/2014/main" xmlns="" id="{5BD51EE2-2913-4585-A666-E12E7B7BCDD3}"/>
                 </a:ext>
               </a:extLst>
             </p:cNvPr>
@@ -23434,7 +23536,7 @@
             <p:cNvPr id="29" name="直接连接符 28">
               <a:extLst>
                 <a:ext uri="{FF2B5EF4-FFF2-40B4-BE49-F238E27FC236}">
-                  <a16:creationId xmlns="" xmlns:a16="http://schemas.microsoft.com/office/drawing/2014/main" id="{26C1BA9E-834D-4534-8020-5E0F4B8ED7C2}"/>
+                  <a16:creationId xmlns:a16="http://schemas.microsoft.com/office/drawing/2014/main" xmlns="" id="{26C1BA9E-834D-4534-8020-5E0F4B8ED7C2}"/>
                 </a:ext>
               </a:extLst>
             </p:cNvPr>
@@ -23477,7 +23579,7 @@
             <p:cNvPr id="30" name="椭圆 29">
               <a:extLst>
                 <a:ext uri="{FF2B5EF4-FFF2-40B4-BE49-F238E27FC236}">
-                  <a16:creationId xmlns="" xmlns:a16="http://schemas.microsoft.com/office/drawing/2014/main" id="{9FFC6E8B-50CB-438D-8A6D-D449E71BB9CA}"/>
+                  <a16:creationId xmlns:a16="http://schemas.microsoft.com/office/drawing/2014/main" xmlns="" id="{9FFC6E8B-50CB-438D-8A6D-D449E71BB9CA}"/>
                 </a:ext>
               </a:extLst>
             </p:cNvPr>
@@ -23532,7 +23634,7 @@
             <p:cNvPr id="31" name="椭圆 30">
               <a:extLst>
                 <a:ext uri="{FF2B5EF4-FFF2-40B4-BE49-F238E27FC236}">
-                  <a16:creationId xmlns="" xmlns:a16="http://schemas.microsoft.com/office/drawing/2014/main" id="{D4744B69-2504-4E39-B7BE-7ED83650C6CE}"/>
+                  <a16:creationId xmlns:a16="http://schemas.microsoft.com/office/drawing/2014/main" xmlns="" id="{D4744B69-2504-4E39-B7BE-7ED83650C6CE}"/>
                 </a:ext>
               </a:extLst>
             </p:cNvPr>
@@ -23586,7 +23688,7 @@
             <p:cNvPr id="32" name="椭圆 31">
               <a:extLst>
                 <a:ext uri="{FF2B5EF4-FFF2-40B4-BE49-F238E27FC236}">
-                  <a16:creationId xmlns="" xmlns:a16="http://schemas.microsoft.com/office/drawing/2014/main" id="{FC9A2361-C803-4CB7-93E4-70AD38516113}"/>
+                  <a16:creationId xmlns:a16="http://schemas.microsoft.com/office/drawing/2014/main" xmlns="" id="{FC9A2361-C803-4CB7-93E4-70AD38516113}"/>
                 </a:ext>
               </a:extLst>
             </p:cNvPr>
@@ -23690,7 +23792,7 @@
           </a:ln>
           <a:extLst>
             <a:ext uri="{C572A759-6A51-4108-AA02-DFA0A04FC94B}">
-              <ma14:wrappingTextBoxFlag xmlns="" xmlns:ma14="http://schemas.microsoft.com/office/mac/drawingml/2011/main" val="1"/>
+              <ma14:wrappingTextBoxFlag xmlns:ma14="http://schemas.microsoft.com/office/mac/drawingml/2011/main" xmlns="" val="1"/>
             </a:ext>
           </a:extLst>
         </p:spPr>
@@ -23758,7 +23860,7 @@
           </a:ln>
           <a:extLst>
             <a:ext uri="{C572A759-6A51-4108-AA02-DFA0A04FC94B}">
-              <ma14:wrappingTextBoxFlag xmlns="" xmlns:ma14="http://schemas.microsoft.com/office/mac/drawingml/2011/main" val="1"/>
+              <ma14:wrappingTextBoxFlag xmlns:ma14="http://schemas.microsoft.com/office/mac/drawingml/2011/main" xmlns="" val="1"/>
             </a:ext>
           </a:extLst>
         </p:spPr>
@@ -23820,7 +23922,7 @@
           <p:cNvPr id="17" name="组合 16">
             <a:extLst>
               <a:ext uri="{FF2B5EF4-FFF2-40B4-BE49-F238E27FC236}">
-                <a16:creationId xmlns="" xmlns:a16="http://schemas.microsoft.com/office/drawing/2014/main" id="{37C933BA-2473-4CDC-A5E4-A44C629C23D8}"/>
+                <a16:creationId xmlns:a16="http://schemas.microsoft.com/office/drawing/2014/main" xmlns="" id="{37C933BA-2473-4CDC-A5E4-A44C629C23D8}"/>
               </a:ext>
             </a:extLst>
           </p:cNvPr>
@@ -23840,7 +23942,7 @@
             <p:cNvPr id="18" name="文本框 17">
               <a:extLst>
                 <a:ext uri="{FF2B5EF4-FFF2-40B4-BE49-F238E27FC236}">
-                  <a16:creationId xmlns="" xmlns:a16="http://schemas.microsoft.com/office/drawing/2014/main" id="{16DA8A1E-64FC-4810-80E3-D177285D8773}"/>
+                  <a16:creationId xmlns:a16="http://schemas.microsoft.com/office/drawing/2014/main" xmlns="" id="{16DA8A1E-64FC-4810-80E3-D177285D8773}"/>
                 </a:ext>
               </a:extLst>
             </p:cNvPr>
@@ -23944,7 +24046,7 @@
             <p:cNvPr id="19" name="文本框 18">
               <a:extLst>
                 <a:ext uri="{FF2B5EF4-FFF2-40B4-BE49-F238E27FC236}">
-                  <a16:creationId xmlns="" xmlns:a16="http://schemas.microsoft.com/office/drawing/2014/main" id="{D028F3A2-F8BE-4FF3-AA43-1781C286E3E6}"/>
+                  <a16:creationId xmlns:a16="http://schemas.microsoft.com/office/drawing/2014/main" xmlns="" id="{D028F3A2-F8BE-4FF3-AA43-1781C286E3E6}"/>
                 </a:ext>
               </a:extLst>
             </p:cNvPr>
@@ -24012,7 +24114,7 @@
             <p:cNvPr id="20" name="矩形: 圆角 19">
               <a:extLst>
                 <a:ext uri="{FF2B5EF4-FFF2-40B4-BE49-F238E27FC236}">
-                  <a16:creationId xmlns="" xmlns:a16="http://schemas.microsoft.com/office/drawing/2014/main" id="{D155FC09-937B-45E9-9445-19C2930961C1}"/>
+                  <a16:creationId xmlns:a16="http://schemas.microsoft.com/office/drawing/2014/main" xmlns="" id="{D155FC09-937B-45E9-9445-19C2930961C1}"/>
                 </a:ext>
               </a:extLst>
             </p:cNvPr>
@@ -24085,7 +24187,7 @@
           <p:cNvPr id="22" name="文本框 21">
             <a:extLst>
               <a:ext uri="{FF2B5EF4-FFF2-40B4-BE49-F238E27FC236}">
-                <a16:creationId xmlns="" xmlns:a16="http://schemas.microsoft.com/office/drawing/2014/main" id="{3A22B194-448A-46EE-BC7E-5460EEA7EF82}"/>
+                <a16:creationId xmlns:a16="http://schemas.microsoft.com/office/drawing/2014/main" xmlns="" id="{3A22B194-448A-46EE-BC7E-5460EEA7EF82}"/>
               </a:ext>
             </a:extLst>
           </p:cNvPr>
@@ -24136,7 +24238,7 @@
           <p:cNvPr id="31" name="椭圆 30">
             <a:extLst>
               <a:ext uri="{FF2B5EF4-FFF2-40B4-BE49-F238E27FC236}">
-                <a16:creationId xmlns="" xmlns:a16="http://schemas.microsoft.com/office/drawing/2014/main" id="{3B07899A-BEFE-411B-80F0-B1F1203CAF79}"/>
+                <a16:creationId xmlns:a16="http://schemas.microsoft.com/office/drawing/2014/main" xmlns="" id="{3B07899A-BEFE-411B-80F0-B1F1203CAF79}"/>
               </a:ext>
             </a:extLst>
           </p:cNvPr>
@@ -24190,7 +24292,7 @@
           <p:cNvPr id="32" name="椭圆 31">
             <a:extLst>
               <a:ext uri="{FF2B5EF4-FFF2-40B4-BE49-F238E27FC236}">
-                <a16:creationId xmlns="" xmlns:a16="http://schemas.microsoft.com/office/drawing/2014/main" id="{8E146F45-5E79-431F-AE2D-E8D938E2AE30}"/>
+                <a16:creationId xmlns:a16="http://schemas.microsoft.com/office/drawing/2014/main" xmlns="" id="{8E146F45-5E79-431F-AE2D-E8D938E2AE30}"/>
               </a:ext>
             </a:extLst>
           </p:cNvPr>
@@ -24244,7 +24346,7 @@
           <p:cNvPr id="33" name="椭圆 32">
             <a:extLst>
               <a:ext uri="{FF2B5EF4-FFF2-40B4-BE49-F238E27FC236}">
-                <a16:creationId xmlns="" xmlns:a16="http://schemas.microsoft.com/office/drawing/2014/main" id="{67D28EC8-FAC6-4D9C-A689-EC09A31595AF}"/>
+                <a16:creationId xmlns:a16="http://schemas.microsoft.com/office/drawing/2014/main" xmlns="" id="{67D28EC8-FAC6-4D9C-A689-EC09A31595AF}"/>
               </a:ext>
             </a:extLst>
           </p:cNvPr>
@@ -24301,7 +24403,7 @@
           <p:cNvPr id="34" name="椭圆 33">
             <a:extLst>
               <a:ext uri="{FF2B5EF4-FFF2-40B4-BE49-F238E27FC236}">
-                <a16:creationId xmlns="" xmlns:a16="http://schemas.microsoft.com/office/drawing/2014/main" id="{9F3AFC74-0413-4D11-B73A-701636BA1C2F}"/>
+                <a16:creationId xmlns:a16="http://schemas.microsoft.com/office/drawing/2014/main" xmlns="" id="{9F3AFC74-0413-4D11-B73A-701636BA1C2F}"/>
               </a:ext>
             </a:extLst>
           </p:cNvPr>
@@ -24355,7 +24457,7 @@
           <p:cNvPr id="35" name="椭圆 34">
             <a:extLst>
               <a:ext uri="{FF2B5EF4-FFF2-40B4-BE49-F238E27FC236}">
-                <a16:creationId xmlns="" xmlns:a16="http://schemas.microsoft.com/office/drawing/2014/main" id="{492C6DC1-98AC-4C5B-873B-0FE63529C580}"/>
+                <a16:creationId xmlns:a16="http://schemas.microsoft.com/office/drawing/2014/main" xmlns="" id="{492C6DC1-98AC-4C5B-873B-0FE63529C580}"/>
               </a:ext>
             </a:extLst>
           </p:cNvPr>
@@ -24409,7 +24511,7 @@
           <p:cNvPr id="36" name="直接连接符 35">
             <a:extLst>
               <a:ext uri="{FF2B5EF4-FFF2-40B4-BE49-F238E27FC236}">
-                <a16:creationId xmlns="" xmlns:a16="http://schemas.microsoft.com/office/drawing/2014/main" id="{6971B428-D479-4672-BD8B-7F5D077D5D86}"/>
+                <a16:creationId xmlns:a16="http://schemas.microsoft.com/office/drawing/2014/main" xmlns="" id="{6971B428-D479-4672-BD8B-7F5D077D5D86}"/>
               </a:ext>
             </a:extLst>
           </p:cNvPr>
@@ -24453,7 +24555,7 @@
           <p:cNvPr id="37" name="椭圆 36">
             <a:extLst>
               <a:ext uri="{FF2B5EF4-FFF2-40B4-BE49-F238E27FC236}">
-                <a16:creationId xmlns="" xmlns:a16="http://schemas.microsoft.com/office/drawing/2014/main" id="{E40A54E8-E57E-4BE0-B84A-69974F4EA85A}"/>
+                <a16:creationId xmlns:a16="http://schemas.microsoft.com/office/drawing/2014/main" xmlns="" id="{E40A54E8-E57E-4BE0-B84A-69974F4EA85A}"/>
               </a:ext>
             </a:extLst>
           </p:cNvPr>
@@ -24507,7 +24609,7 @@
           <p:cNvPr id="38" name="直接连接符 37">
             <a:extLst>
               <a:ext uri="{FF2B5EF4-FFF2-40B4-BE49-F238E27FC236}">
-                <a16:creationId xmlns="" xmlns:a16="http://schemas.microsoft.com/office/drawing/2014/main" id="{DF7F0649-3C32-4EE4-9DC6-342077B0E1D8}"/>
+                <a16:creationId xmlns:a16="http://schemas.microsoft.com/office/drawing/2014/main" xmlns="" id="{DF7F0649-3C32-4EE4-9DC6-342077B0E1D8}"/>
               </a:ext>
             </a:extLst>
           </p:cNvPr>
@@ -24551,7 +24653,7 @@
           <p:cNvPr id="39" name="直接连接符 38">
             <a:extLst>
               <a:ext uri="{FF2B5EF4-FFF2-40B4-BE49-F238E27FC236}">
-                <a16:creationId xmlns="" xmlns:a16="http://schemas.microsoft.com/office/drawing/2014/main" id="{093EB3FB-ADF0-474A-B234-EF349901DC15}"/>
+                <a16:creationId xmlns:a16="http://schemas.microsoft.com/office/drawing/2014/main" xmlns="" id="{093EB3FB-ADF0-474A-B234-EF349901DC15}"/>
               </a:ext>
             </a:extLst>
           </p:cNvPr>
@@ -24595,7 +24697,7 @@
           <p:cNvPr id="40" name="椭圆 39">
             <a:extLst>
               <a:ext uri="{FF2B5EF4-FFF2-40B4-BE49-F238E27FC236}">
-                <a16:creationId xmlns="" xmlns:a16="http://schemas.microsoft.com/office/drawing/2014/main" id="{F13CD393-9278-4D9E-926E-A8B9B27E49C8}"/>
+                <a16:creationId xmlns:a16="http://schemas.microsoft.com/office/drawing/2014/main" xmlns="" id="{F13CD393-9278-4D9E-926E-A8B9B27E49C8}"/>
               </a:ext>
             </a:extLst>
           </p:cNvPr>
@@ -24652,7 +24754,7 @@
           <p:cNvPr id="41" name="直接连接符 40">
             <a:extLst>
               <a:ext uri="{FF2B5EF4-FFF2-40B4-BE49-F238E27FC236}">
-                <a16:creationId xmlns="" xmlns:a16="http://schemas.microsoft.com/office/drawing/2014/main" id="{192A6EEE-8490-42FF-8026-D3D66BD75940}"/>
+                <a16:creationId xmlns:a16="http://schemas.microsoft.com/office/drawing/2014/main" xmlns="" id="{192A6EEE-8490-42FF-8026-D3D66BD75940}"/>
               </a:ext>
             </a:extLst>
           </p:cNvPr>
@@ -24696,7 +24798,7 @@
           <p:cNvPr id="42" name="椭圆 41">
             <a:extLst>
               <a:ext uri="{FF2B5EF4-FFF2-40B4-BE49-F238E27FC236}">
-                <a16:creationId xmlns="" xmlns:a16="http://schemas.microsoft.com/office/drawing/2014/main" id="{B5136ACA-AD87-4183-ADB5-428C41FA7777}"/>
+                <a16:creationId xmlns:a16="http://schemas.microsoft.com/office/drawing/2014/main" xmlns="" id="{B5136ACA-AD87-4183-ADB5-428C41FA7777}"/>
               </a:ext>
             </a:extLst>
           </p:cNvPr>
@@ -24750,7 +24852,7 @@
           <p:cNvPr id="43" name="直接连接符 42">
             <a:extLst>
               <a:ext uri="{FF2B5EF4-FFF2-40B4-BE49-F238E27FC236}">
-                <a16:creationId xmlns="" xmlns:a16="http://schemas.microsoft.com/office/drawing/2014/main" id="{272C11AD-11A2-49C8-9292-7533203E68DD}"/>
+                <a16:creationId xmlns:a16="http://schemas.microsoft.com/office/drawing/2014/main" xmlns="" id="{272C11AD-11A2-49C8-9292-7533203E68DD}"/>
               </a:ext>
             </a:extLst>
           </p:cNvPr>
@@ -24794,7 +24896,7 @@
           <p:cNvPr id="44" name="椭圆 43">
             <a:extLst>
               <a:ext uri="{FF2B5EF4-FFF2-40B4-BE49-F238E27FC236}">
-                <a16:creationId xmlns="" xmlns:a16="http://schemas.microsoft.com/office/drawing/2014/main" id="{411E286E-649A-4CC9-A79E-B785F1A457EA}"/>
+                <a16:creationId xmlns:a16="http://schemas.microsoft.com/office/drawing/2014/main" xmlns="" id="{411E286E-649A-4CC9-A79E-B785F1A457EA}"/>
               </a:ext>
             </a:extLst>
           </p:cNvPr>
@@ -24851,7 +24953,7 @@
           <p:cNvPr id="45" name="直接连接符 44">
             <a:extLst>
               <a:ext uri="{FF2B5EF4-FFF2-40B4-BE49-F238E27FC236}">
-                <a16:creationId xmlns="" xmlns:a16="http://schemas.microsoft.com/office/drawing/2014/main" id="{4642B35E-2738-4B10-B77A-A1D1B45ED76B}"/>
+                <a16:creationId xmlns:a16="http://schemas.microsoft.com/office/drawing/2014/main" xmlns="" id="{4642B35E-2738-4B10-B77A-A1D1B45ED76B}"/>
               </a:ext>
             </a:extLst>
           </p:cNvPr>
@@ -24895,7 +24997,7 @@
           <p:cNvPr id="46" name="直接连接符 45">
             <a:extLst>
               <a:ext uri="{FF2B5EF4-FFF2-40B4-BE49-F238E27FC236}">
-                <a16:creationId xmlns="" xmlns:a16="http://schemas.microsoft.com/office/drawing/2014/main" id="{D9581555-6A2E-4C22-B026-C640417AD0E5}"/>
+                <a16:creationId xmlns:a16="http://schemas.microsoft.com/office/drawing/2014/main" xmlns="" id="{D9581555-6A2E-4C22-B026-C640417AD0E5}"/>
               </a:ext>
             </a:extLst>
           </p:cNvPr>
@@ -24939,7 +25041,7 @@
           <p:cNvPr id="47" name="直接连接符 46">
             <a:extLst>
               <a:ext uri="{FF2B5EF4-FFF2-40B4-BE49-F238E27FC236}">
-                <a16:creationId xmlns="" xmlns:a16="http://schemas.microsoft.com/office/drawing/2014/main" id="{BFDADB2E-A848-4A30-A321-0A9EF72DEE7A}"/>
+                <a16:creationId xmlns:a16="http://schemas.microsoft.com/office/drawing/2014/main" xmlns="" id="{BFDADB2E-A848-4A30-A321-0A9EF72DEE7A}"/>
               </a:ext>
             </a:extLst>
           </p:cNvPr>
@@ -25369,7 +25471,7 @@
           </a:ln>
           <a:extLst>
             <a:ext uri="{C572A759-6A51-4108-AA02-DFA0A04FC94B}">
-              <ma14:wrappingTextBoxFlag xmlns="" xmlns:ma14="http://schemas.microsoft.com/office/mac/drawingml/2011/main" val="1"/>
+              <ma14:wrappingTextBoxFlag xmlns:ma14="http://schemas.microsoft.com/office/mac/drawingml/2011/main" xmlns="" val="1"/>
             </a:ext>
           </a:extLst>
         </p:spPr>
@@ -25437,7 +25539,7 @@
           </a:ln>
           <a:extLst>
             <a:ext uri="{C572A759-6A51-4108-AA02-DFA0A04FC94B}">
-              <ma14:wrappingTextBoxFlag xmlns="" xmlns:ma14="http://schemas.microsoft.com/office/mac/drawingml/2011/main" val="1"/>
+              <ma14:wrappingTextBoxFlag xmlns:ma14="http://schemas.microsoft.com/office/mac/drawingml/2011/main" xmlns="" val="1"/>
             </a:ext>
           </a:extLst>
         </p:spPr>
@@ -25499,7 +25601,7 @@
           <p:cNvPr id="17" name="组合 16">
             <a:extLst>
               <a:ext uri="{FF2B5EF4-FFF2-40B4-BE49-F238E27FC236}">
-                <a16:creationId xmlns="" xmlns:a16="http://schemas.microsoft.com/office/drawing/2014/main" id="{37C933BA-2473-4CDC-A5E4-A44C629C23D8}"/>
+                <a16:creationId xmlns:a16="http://schemas.microsoft.com/office/drawing/2014/main" xmlns="" id="{37C933BA-2473-4CDC-A5E4-A44C629C23D8}"/>
               </a:ext>
             </a:extLst>
           </p:cNvPr>
@@ -25519,7 +25621,7 @@
             <p:cNvPr id="18" name="文本框 17">
               <a:extLst>
                 <a:ext uri="{FF2B5EF4-FFF2-40B4-BE49-F238E27FC236}">
-                  <a16:creationId xmlns="" xmlns:a16="http://schemas.microsoft.com/office/drawing/2014/main" id="{16DA8A1E-64FC-4810-80E3-D177285D8773}"/>
+                  <a16:creationId xmlns:a16="http://schemas.microsoft.com/office/drawing/2014/main" xmlns="" id="{16DA8A1E-64FC-4810-80E3-D177285D8773}"/>
                 </a:ext>
               </a:extLst>
             </p:cNvPr>
@@ -25623,7 +25725,7 @@
             <p:cNvPr id="19" name="文本框 18">
               <a:extLst>
                 <a:ext uri="{FF2B5EF4-FFF2-40B4-BE49-F238E27FC236}">
-                  <a16:creationId xmlns="" xmlns:a16="http://schemas.microsoft.com/office/drawing/2014/main" id="{D028F3A2-F8BE-4FF3-AA43-1781C286E3E6}"/>
+                  <a16:creationId xmlns:a16="http://schemas.microsoft.com/office/drawing/2014/main" xmlns="" id="{D028F3A2-F8BE-4FF3-AA43-1781C286E3E6}"/>
                 </a:ext>
               </a:extLst>
             </p:cNvPr>
@@ -25691,7 +25793,7 @@
             <p:cNvPr id="20" name="矩形: 圆角 19">
               <a:extLst>
                 <a:ext uri="{FF2B5EF4-FFF2-40B4-BE49-F238E27FC236}">
-                  <a16:creationId xmlns="" xmlns:a16="http://schemas.microsoft.com/office/drawing/2014/main" id="{D155FC09-937B-45E9-9445-19C2930961C1}"/>
+                  <a16:creationId xmlns:a16="http://schemas.microsoft.com/office/drawing/2014/main" xmlns="" id="{D155FC09-937B-45E9-9445-19C2930961C1}"/>
                 </a:ext>
               </a:extLst>
             </p:cNvPr>
@@ -25764,7 +25866,7 @@
           <p:cNvPr id="22" name="文本框 21">
             <a:extLst>
               <a:ext uri="{FF2B5EF4-FFF2-40B4-BE49-F238E27FC236}">
-                <a16:creationId xmlns="" xmlns:a16="http://schemas.microsoft.com/office/drawing/2014/main" id="{3A22B194-448A-46EE-BC7E-5460EEA7EF82}"/>
+                <a16:creationId xmlns:a16="http://schemas.microsoft.com/office/drawing/2014/main" xmlns="" id="{3A22B194-448A-46EE-BC7E-5460EEA7EF82}"/>
               </a:ext>
             </a:extLst>
           </p:cNvPr>
@@ -25815,7 +25917,7 @@
           <p:cNvPr id="31" name="椭圆 30">
             <a:extLst>
               <a:ext uri="{FF2B5EF4-FFF2-40B4-BE49-F238E27FC236}">
-                <a16:creationId xmlns="" xmlns:a16="http://schemas.microsoft.com/office/drawing/2014/main" id="{3B07899A-BEFE-411B-80F0-B1F1203CAF79}"/>
+                <a16:creationId xmlns:a16="http://schemas.microsoft.com/office/drawing/2014/main" xmlns="" id="{3B07899A-BEFE-411B-80F0-B1F1203CAF79}"/>
               </a:ext>
             </a:extLst>
           </p:cNvPr>
@@ -25869,7 +25971,7 @@
           <p:cNvPr id="32" name="椭圆 31">
             <a:extLst>
               <a:ext uri="{FF2B5EF4-FFF2-40B4-BE49-F238E27FC236}">
-                <a16:creationId xmlns="" xmlns:a16="http://schemas.microsoft.com/office/drawing/2014/main" id="{8E146F45-5E79-431F-AE2D-E8D938E2AE30}"/>
+                <a16:creationId xmlns:a16="http://schemas.microsoft.com/office/drawing/2014/main" xmlns="" id="{8E146F45-5E79-431F-AE2D-E8D938E2AE30}"/>
               </a:ext>
             </a:extLst>
           </p:cNvPr>
@@ -25923,7 +26025,7 @@
           <p:cNvPr id="33" name="椭圆 32">
             <a:extLst>
               <a:ext uri="{FF2B5EF4-FFF2-40B4-BE49-F238E27FC236}">
-                <a16:creationId xmlns="" xmlns:a16="http://schemas.microsoft.com/office/drawing/2014/main" id="{67D28EC8-FAC6-4D9C-A689-EC09A31595AF}"/>
+                <a16:creationId xmlns:a16="http://schemas.microsoft.com/office/drawing/2014/main" xmlns="" id="{67D28EC8-FAC6-4D9C-A689-EC09A31595AF}"/>
               </a:ext>
             </a:extLst>
           </p:cNvPr>
@@ -25980,7 +26082,7 @@
           <p:cNvPr id="34" name="椭圆 33">
             <a:extLst>
               <a:ext uri="{FF2B5EF4-FFF2-40B4-BE49-F238E27FC236}">
-                <a16:creationId xmlns="" xmlns:a16="http://schemas.microsoft.com/office/drawing/2014/main" id="{9F3AFC74-0413-4D11-B73A-701636BA1C2F}"/>
+                <a16:creationId xmlns:a16="http://schemas.microsoft.com/office/drawing/2014/main" xmlns="" id="{9F3AFC74-0413-4D11-B73A-701636BA1C2F}"/>
               </a:ext>
             </a:extLst>
           </p:cNvPr>
@@ -26034,7 +26136,7 @@
           <p:cNvPr id="35" name="椭圆 34">
             <a:extLst>
               <a:ext uri="{FF2B5EF4-FFF2-40B4-BE49-F238E27FC236}">
-                <a16:creationId xmlns="" xmlns:a16="http://schemas.microsoft.com/office/drawing/2014/main" id="{492C6DC1-98AC-4C5B-873B-0FE63529C580}"/>
+                <a16:creationId xmlns:a16="http://schemas.microsoft.com/office/drawing/2014/main" xmlns="" id="{492C6DC1-98AC-4C5B-873B-0FE63529C580}"/>
               </a:ext>
             </a:extLst>
           </p:cNvPr>
@@ -26088,7 +26190,7 @@
           <p:cNvPr id="36" name="直接连接符 35">
             <a:extLst>
               <a:ext uri="{FF2B5EF4-FFF2-40B4-BE49-F238E27FC236}">
-                <a16:creationId xmlns="" xmlns:a16="http://schemas.microsoft.com/office/drawing/2014/main" id="{6971B428-D479-4672-BD8B-7F5D077D5D86}"/>
+                <a16:creationId xmlns:a16="http://schemas.microsoft.com/office/drawing/2014/main" xmlns="" id="{6971B428-D479-4672-BD8B-7F5D077D5D86}"/>
               </a:ext>
             </a:extLst>
           </p:cNvPr>
@@ -26132,7 +26234,7 @@
           <p:cNvPr id="37" name="椭圆 36">
             <a:extLst>
               <a:ext uri="{FF2B5EF4-FFF2-40B4-BE49-F238E27FC236}">
-                <a16:creationId xmlns="" xmlns:a16="http://schemas.microsoft.com/office/drawing/2014/main" id="{E40A54E8-E57E-4BE0-B84A-69974F4EA85A}"/>
+                <a16:creationId xmlns:a16="http://schemas.microsoft.com/office/drawing/2014/main" xmlns="" id="{E40A54E8-E57E-4BE0-B84A-69974F4EA85A}"/>
               </a:ext>
             </a:extLst>
           </p:cNvPr>
@@ -26186,7 +26288,7 @@
           <p:cNvPr id="38" name="直接连接符 37">
             <a:extLst>
               <a:ext uri="{FF2B5EF4-FFF2-40B4-BE49-F238E27FC236}">
-                <a16:creationId xmlns="" xmlns:a16="http://schemas.microsoft.com/office/drawing/2014/main" id="{DF7F0649-3C32-4EE4-9DC6-342077B0E1D8}"/>
+                <a16:creationId xmlns:a16="http://schemas.microsoft.com/office/drawing/2014/main" xmlns="" id="{DF7F0649-3C32-4EE4-9DC6-342077B0E1D8}"/>
               </a:ext>
             </a:extLst>
           </p:cNvPr>
@@ -26230,7 +26332,7 @@
           <p:cNvPr id="39" name="直接连接符 38">
             <a:extLst>
               <a:ext uri="{FF2B5EF4-FFF2-40B4-BE49-F238E27FC236}">
-                <a16:creationId xmlns="" xmlns:a16="http://schemas.microsoft.com/office/drawing/2014/main" id="{093EB3FB-ADF0-474A-B234-EF349901DC15}"/>
+                <a16:creationId xmlns:a16="http://schemas.microsoft.com/office/drawing/2014/main" xmlns="" id="{093EB3FB-ADF0-474A-B234-EF349901DC15}"/>
               </a:ext>
             </a:extLst>
           </p:cNvPr>
@@ -26274,7 +26376,7 @@
           <p:cNvPr id="40" name="椭圆 39">
             <a:extLst>
               <a:ext uri="{FF2B5EF4-FFF2-40B4-BE49-F238E27FC236}">
-                <a16:creationId xmlns="" xmlns:a16="http://schemas.microsoft.com/office/drawing/2014/main" id="{F13CD393-9278-4D9E-926E-A8B9B27E49C8}"/>
+                <a16:creationId xmlns:a16="http://schemas.microsoft.com/office/drawing/2014/main" xmlns="" id="{F13CD393-9278-4D9E-926E-A8B9B27E49C8}"/>
               </a:ext>
             </a:extLst>
           </p:cNvPr>
@@ -26331,7 +26433,7 @@
           <p:cNvPr id="41" name="直接连接符 40">
             <a:extLst>
               <a:ext uri="{FF2B5EF4-FFF2-40B4-BE49-F238E27FC236}">
-                <a16:creationId xmlns="" xmlns:a16="http://schemas.microsoft.com/office/drawing/2014/main" id="{192A6EEE-8490-42FF-8026-D3D66BD75940}"/>
+                <a16:creationId xmlns:a16="http://schemas.microsoft.com/office/drawing/2014/main" xmlns="" id="{192A6EEE-8490-42FF-8026-D3D66BD75940}"/>
               </a:ext>
             </a:extLst>
           </p:cNvPr>
@@ -26375,7 +26477,7 @@
           <p:cNvPr id="42" name="椭圆 41">
             <a:extLst>
               <a:ext uri="{FF2B5EF4-FFF2-40B4-BE49-F238E27FC236}">
-                <a16:creationId xmlns="" xmlns:a16="http://schemas.microsoft.com/office/drawing/2014/main" id="{B5136ACA-AD87-4183-ADB5-428C41FA7777}"/>
+                <a16:creationId xmlns:a16="http://schemas.microsoft.com/office/drawing/2014/main" xmlns="" id="{B5136ACA-AD87-4183-ADB5-428C41FA7777}"/>
               </a:ext>
             </a:extLst>
           </p:cNvPr>
@@ -26429,7 +26531,7 @@
           <p:cNvPr id="43" name="直接连接符 42">
             <a:extLst>
               <a:ext uri="{FF2B5EF4-FFF2-40B4-BE49-F238E27FC236}">
-                <a16:creationId xmlns="" xmlns:a16="http://schemas.microsoft.com/office/drawing/2014/main" id="{272C11AD-11A2-49C8-9292-7533203E68DD}"/>
+                <a16:creationId xmlns:a16="http://schemas.microsoft.com/office/drawing/2014/main" xmlns="" id="{272C11AD-11A2-49C8-9292-7533203E68DD}"/>
               </a:ext>
             </a:extLst>
           </p:cNvPr>
@@ -26473,7 +26575,7 @@
           <p:cNvPr id="44" name="椭圆 43">
             <a:extLst>
               <a:ext uri="{FF2B5EF4-FFF2-40B4-BE49-F238E27FC236}">
-                <a16:creationId xmlns="" xmlns:a16="http://schemas.microsoft.com/office/drawing/2014/main" id="{411E286E-649A-4CC9-A79E-B785F1A457EA}"/>
+                <a16:creationId xmlns:a16="http://schemas.microsoft.com/office/drawing/2014/main" xmlns="" id="{411E286E-649A-4CC9-A79E-B785F1A457EA}"/>
               </a:ext>
             </a:extLst>
           </p:cNvPr>
@@ -26530,7 +26632,7 @@
           <p:cNvPr id="45" name="直接连接符 44">
             <a:extLst>
               <a:ext uri="{FF2B5EF4-FFF2-40B4-BE49-F238E27FC236}">
-                <a16:creationId xmlns="" xmlns:a16="http://schemas.microsoft.com/office/drawing/2014/main" id="{4642B35E-2738-4B10-B77A-A1D1B45ED76B}"/>
+                <a16:creationId xmlns:a16="http://schemas.microsoft.com/office/drawing/2014/main" xmlns="" id="{4642B35E-2738-4B10-B77A-A1D1B45ED76B}"/>
               </a:ext>
             </a:extLst>
           </p:cNvPr>
@@ -26574,7 +26676,7 @@
           <p:cNvPr id="46" name="直接连接符 45">
             <a:extLst>
               <a:ext uri="{FF2B5EF4-FFF2-40B4-BE49-F238E27FC236}">
-                <a16:creationId xmlns="" xmlns:a16="http://schemas.microsoft.com/office/drawing/2014/main" id="{D9581555-6A2E-4C22-B026-C640417AD0E5}"/>
+                <a16:creationId xmlns:a16="http://schemas.microsoft.com/office/drawing/2014/main" xmlns="" id="{D9581555-6A2E-4C22-B026-C640417AD0E5}"/>
               </a:ext>
             </a:extLst>
           </p:cNvPr>
@@ -26618,7 +26720,7 @@
           <p:cNvPr id="47" name="直接连接符 46">
             <a:extLst>
               <a:ext uri="{FF2B5EF4-FFF2-40B4-BE49-F238E27FC236}">
-                <a16:creationId xmlns="" xmlns:a16="http://schemas.microsoft.com/office/drawing/2014/main" id="{BFDADB2E-A848-4A30-A321-0A9EF72DEE7A}"/>
+                <a16:creationId xmlns:a16="http://schemas.microsoft.com/office/drawing/2014/main" xmlns="" id="{BFDADB2E-A848-4A30-A321-0A9EF72DEE7A}"/>
               </a:ext>
             </a:extLst>
           </p:cNvPr>
@@ -27042,7 +27144,7 @@
           <p:cNvPr id="6" name="图片 5" descr="图片包含 户外艺术系列&#10;&#10;已生成高可信度的说明">
             <a:extLst>
               <a:ext uri="{FF2B5EF4-FFF2-40B4-BE49-F238E27FC236}">
-                <a16:creationId xmlns="" xmlns:a16="http://schemas.microsoft.com/office/drawing/2014/main" id="{89D524ED-F1C6-411C-BF82-1FE0C3CECFC7}"/>
+                <a16:creationId xmlns:a16="http://schemas.microsoft.com/office/drawing/2014/main" xmlns="" id="{89D524ED-F1C6-411C-BF82-1FE0C3CECFC7}"/>
               </a:ext>
             </a:extLst>
           </p:cNvPr>
@@ -27078,7 +27180,7 @@
           <p:cNvPr id="3" name="组合 2">
             <a:extLst>
               <a:ext uri="{FF2B5EF4-FFF2-40B4-BE49-F238E27FC236}">
-                <a16:creationId xmlns="" xmlns:a16="http://schemas.microsoft.com/office/drawing/2014/main" id="{54E81E20-9647-4114-9789-24000332A056}"/>
+                <a16:creationId xmlns:a16="http://schemas.microsoft.com/office/drawing/2014/main" xmlns="" id="{54E81E20-9647-4114-9789-24000332A056}"/>
               </a:ext>
             </a:extLst>
           </p:cNvPr>
@@ -27098,7 +27200,7 @@
             <p:cNvPr id="11" name="矩形: 圆角 10">
               <a:extLst>
                 <a:ext uri="{FF2B5EF4-FFF2-40B4-BE49-F238E27FC236}">
-                  <a16:creationId xmlns="" xmlns:a16="http://schemas.microsoft.com/office/drawing/2014/main" id="{6BCFDEB3-66BB-40C4-8D11-4501056B03A6}"/>
+                  <a16:creationId xmlns:a16="http://schemas.microsoft.com/office/drawing/2014/main" xmlns="" id="{6BCFDEB3-66BB-40C4-8D11-4501056B03A6}"/>
                 </a:ext>
               </a:extLst>
             </p:cNvPr>
@@ -27159,7 +27261,7 @@
             <p:cNvPr id="12" name="文本框 11">
               <a:extLst>
                 <a:ext uri="{FF2B5EF4-FFF2-40B4-BE49-F238E27FC236}">
-                  <a16:creationId xmlns="" xmlns:a16="http://schemas.microsoft.com/office/drawing/2014/main" id="{2C435717-89EF-43A4-A56D-C1E52D455097}"/>
+                  <a16:creationId xmlns:a16="http://schemas.microsoft.com/office/drawing/2014/main" xmlns="" id="{2C435717-89EF-43A4-A56D-C1E52D455097}"/>
                 </a:ext>
               </a:extLst>
             </p:cNvPr>
@@ -27196,7 +27298,7 @@
           <p:cNvPr id="28" name="组合 27">
             <a:extLst>
               <a:ext uri="{FF2B5EF4-FFF2-40B4-BE49-F238E27FC236}">
-                <a16:creationId xmlns="" xmlns:a16="http://schemas.microsoft.com/office/drawing/2014/main" id="{54F2F81F-1381-469A-BD99-91691ACB81AF}"/>
+                <a16:creationId xmlns:a16="http://schemas.microsoft.com/office/drawing/2014/main" xmlns="" id="{54F2F81F-1381-469A-BD99-91691ACB81AF}"/>
               </a:ext>
             </a:extLst>
           </p:cNvPr>
@@ -27216,7 +27318,7 @@
             <p:cNvPr id="29" name="直接连接符 28">
               <a:extLst>
                 <a:ext uri="{FF2B5EF4-FFF2-40B4-BE49-F238E27FC236}">
-                  <a16:creationId xmlns="" xmlns:a16="http://schemas.microsoft.com/office/drawing/2014/main" id="{41F92CAA-0EEE-4A21-824E-E86591EC6710}"/>
+                  <a16:creationId xmlns:a16="http://schemas.microsoft.com/office/drawing/2014/main" xmlns="" id="{41F92CAA-0EEE-4A21-824E-E86591EC6710}"/>
                 </a:ext>
               </a:extLst>
             </p:cNvPr>
@@ -27259,7 +27361,7 @@
             <p:cNvPr id="30" name="直接连接符 29">
               <a:extLst>
                 <a:ext uri="{FF2B5EF4-FFF2-40B4-BE49-F238E27FC236}">
-                  <a16:creationId xmlns="" xmlns:a16="http://schemas.microsoft.com/office/drawing/2014/main" id="{CBF5BCA0-516C-4CBE-B86F-F076C5F832C2}"/>
+                  <a16:creationId xmlns:a16="http://schemas.microsoft.com/office/drawing/2014/main" xmlns="" id="{CBF5BCA0-516C-4CBE-B86F-F076C5F832C2}"/>
                 </a:ext>
               </a:extLst>
             </p:cNvPr>
@@ -27302,7 +27404,7 @@
             <p:cNvPr id="31" name="直接连接符 30">
               <a:extLst>
                 <a:ext uri="{FF2B5EF4-FFF2-40B4-BE49-F238E27FC236}">
-                  <a16:creationId xmlns="" xmlns:a16="http://schemas.microsoft.com/office/drawing/2014/main" id="{B66D5DF7-83FB-440B-9B4A-646E25647069}"/>
+                  <a16:creationId xmlns:a16="http://schemas.microsoft.com/office/drawing/2014/main" xmlns="" id="{B66D5DF7-83FB-440B-9B4A-646E25647069}"/>
                 </a:ext>
               </a:extLst>
             </p:cNvPr>
@@ -27345,7 +27447,7 @@
             <p:cNvPr id="32" name="椭圆 31">
               <a:extLst>
                 <a:ext uri="{FF2B5EF4-FFF2-40B4-BE49-F238E27FC236}">
-                  <a16:creationId xmlns="" xmlns:a16="http://schemas.microsoft.com/office/drawing/2014/main" id="{B32C0FBF-40D5-4F15-929B-12992D1B0258}"/>
+                  <a16:creationId xmlns:a16="http://schemas.microsoft.com/office/drawing/2014/main" xmlns="" id="{B32C0FBF-40D5-4F15-929B-12992D1B0258}"/>
                 </a:ext>
               </a:extLst>
             </p:cNvPr>
@@ -27400,7 +27502,7 @@
             <p:cNvPr id="33" name="椭圆 32">
               <a:extLst>
                 <a:ext uri="{FF2B5EF4-FFF2-40B4-BE49-F238E27FC236}">
-                  <a16:creationId xmlns="" xmlns:a16="http://schemas.microsoft.com/office/drawing/2014/main" id="{1C1FB228-7770-45E5-8CCB-C84F42001401}"/>
+                  <a16:creationId xmlns:a16="http://schemas.microsoft.com/office/drawing/2014/main" xmlns="" id="{1C1FB228-7770-45E5-8CCB-C84F42001401}"/>
                 </a:ext>
               </a:extLst>
             </p:cNvPr>
@@ -27454,7 +27556,7 @@
             <p:cNvPr id="34" name="椭圆 33">
               <a:extLst>
                 <a:ext uri="{FF2B5EF4-FFF2-40B4-BE49-F238E27FC236}">
-                  <a16:creationId xmlns="" xmlns:a16="http://schemas.microsoft.com/office/drawing/2014/main" id="{09B17D62-FEEE-4C83-8D70-558FBA77107C}"/>
+                  <a16:creationId xmlns:a16="http://schemas.microsoft.com/office/drawing/2014/main" xmlns="" id="{09B17D62-FEEE-4C83-8D70-558FBA77107C}"/>
                 </a:ext>
               </a:extLst>
             </p:cNvPr>
@@ -27511,7 +27613,7 @@
           <p:cNvPr id="13" name="直接连接符 12">
             <a:extLst>
               <a:ext uri="{FF2B5EF4-FFF2-40B4-BE49-F238E27FC236}">
-                <a16:creationId xmlns="" xmlns:a16="http://schemas.microsoft.com/office/drawing/2014/main" id="{1BC85318-81BB-4E15-B5E5-701F08E348FF}"/>
+                <a16:creationId xmlns:a16="http://schemas.microsoft.com/office/drawing/2014/main" xmlns="" id="{1BC85318-81BB-4E15-B5E5-701F08E348FF}"/>
               </a:ext>
             </a:extLst>
           </p:cNvPr>
@@ -27556,7 +27658,7 @@
           <p:cNvPr id="14" name="椭圆 13">
             <a:extLst>
               <a:ext uri="{FF2B5EF4-FFF2-40B4-BE49-F238E27FC236}">
-                <a16:creationId xmlns="" xmlns:a16="http://schemas.microsoft.com/office/drawing/2014/main" id="{15160783-0C33-4392-B05E-B2A60C407C2F}"/>
+                <a16:creationId xmlns:a16="http://schemas.microsoft.com/office/drawing/2014/main" xmlns="" id="{15160783-0C33-4392-B05E-B2A60C407C2F}"/>
               </a:ext>
             </a:extLst>
           </p:cNvPr>
@@ -27618,7 +27720,7 @@
           <p:cNvPr id="15" name="椭圆 14">
             <a:extLst>
               <a:ext uri="{FF2B5EF4-FFF2-40B4-BE49-F238E27FC236}">
-                <a16:creationId xmlns="" xmlns:a16="http://schemas.microsoft.com/office/drawing/2014/main" id="{6BFC3652-6CB1-4822-862C-95F6B24737CB}"/>
+                <a16:creationId xmlns:a16="http://schemas.microsoft.com/office/drawing/2014/main" xmlns="" id="{6BFC3652-6CB1-4822-862C-95F6B24737CB}"/>
               </a:ext>
             </a:extLst>
           </p:cNvPr>
@@ -27678,7 +27780,7 @@
           <p:cNvPr id="16" name="椭圆 15">
             <a:extLst>
               <a:ext uri="{FF2B5EF4-FFF2-40B4-BE49-F238E27FC236}">
-                <a16:creationId xmlns="" xmlns:a16="http://schemas.microsoft.com/office/drawing/2014/main" id="{A1736F28-A0B3-49C1-805C-6C7BE686201E}"/>
+                <a16:creationId xmlns:a16="http://schemas.microsoft.com/office/drawing/2014/main" xmlns="" id="{A1736F28-A0B3-49C1-805C-6C7BE686201E}"/>
               </a:ext>
             </a:extLst>
           </p:cNvPr>
@@ -27740,7 +27842,7 @@
           <p:cNvPr id="17" name="椭圆 16">
             <a:extLst>
               <a:ext uri="{FF2B5EF4-FFF2-40B4-BE49-F238E27FC236}">
-                <a16:creationId xmlns="" xmlns:a16="http://schemas.microsoft.com/office/drawing/2014/main" id="{AA810E51-BA1E-4A94-90E7-DBAF51E8FF66}"/>
+                <a16:creationId xmlns:a16="http://schemas.microsoft.com/office/drawing/2014/main" xmlns="" id="{AA810E51-BA1E-4A94-90E7-DBAF51E8FF66}"/>
               </a:ext>
             </a:extLst>
           </p:cNvPr>
@@ -27802,7 +27904,7 @@
           <p:cNvPr id="18" name="椭圆 17">
             <a:extLst>
               <a:ext uri="{FF2B5EF4-FFF2-40B4-BE49-F238E27FC236}">
-                <a16:creationId xmlns="" xmlns:a16="http://schemas.microsoft.com/office/drawing/2014/main" id="{3E44D1F1-CD3E-45AA-96E2-EAD0F3855D09}"/>
+                <a16:creationId xmlns:a16="http://schemas.microsoft.com/office/drawing/2014/main" xmlns="" id="{3E44D1F1-CD3E-45AA-96E2-EAD0F3855D09}"/>
               </a:ext>
             </a:extLst>
           </p:cNvPr>
@@ -27862,7 +27964,7 @@
           <p:cNvPr id="19" name="椭圆 18">
             <a:extLst>
               <a:ext uri="{FF2B5EF4-FFF2-40B4-BE49-F238E27FC236}">
-                <a16:creationId xmlns="" xmlns:a16="http://schemas.microsoft.com/office/drawing/2014/main" id="{C6BA0FA7-BB3D-40B6-AF0C-14D2BFA65BAF}"/>
+                <a16:creationId xmlns:a16="http://schemas.microsoft.com/office/drawing/2014/main" xmlns="" id="{C6BA0FA7-BB3D-40B6-AF0C-14D2BFA65BAF}"/>
               </a:ext>
             </a:extLst>
           </p:cNvPr>
@@ -27924,7 +28026,7 @@
           <p:cNvPr id="20" name="椭圆 19">
             <a:extLst>
               <a:ext uri="{FF2B5EF4-FFF2-40B4-BE49-F238E27FC236}">
-                <a16:creationId xmlns="" xmlns:a16="http://schemas.microsoft.com/office/drawing/2014/main" id="{EDE55611-AC48-489F-88C9-ADECAF634AE9}"/>
+                <a16:creationId xmlns:a16="http://schemas.microsoft.com/office/drawing/2014/main" xmlns="" id="{EDE55611-AC48-489F-88C9-ADECAF634AE9}"/>
               </a:ext>
             </a:extLst>
           </p:cNvPr>
@@ -27986,7 +28088,7 @@
           <p:cNvPr id="21" name="椭圆 20">
             <a:extLst>
               <a:ext uri="{FF2B5EF4-FFF2-40B4-BE49-F238E27FC236}">
-                <a16:creationId xmlns="" xmlns:a16="http://schemas.microsoft.com/office/drawing/2014/main" id="{574CF35B-304D-440E-8696-3347F57E03F7}"/>
+                <a16:creationId xmlns:a16="http://schemas.microsoft.com/office/drawing/2014/main" xmlns="" id="{574CF35B-304D-440E-8696-3347F57E03F7}"/>
               </a:ext>
             </a:extLst>
           </p:cNvPr>
@@ -28048,7 +28150,7 @@
           <p:cNvPr id="22" name="直接连接符 21">
             <a:extLst>
               <a:ext uri="{FF2B5EF4-FFF2-40B4-BE49-F238E27FC236}">
-                <a16:creationId xmlns="" xmlns:a16="http://schemas.microsoft.com/office/drawing/2014/main" id="{ACDC2FA0-8FFA-4A8B-9625-BF3DE3F3F236}"/>
+                <a16:creationId xmlns:a16="http://schemas.microsoft.com/office/drawing/2014/main" xmlns="" id="{ACDC2FA0-8FFA-4A8B-9625-BF3DE3F3F236}"/>
               </a:ext>
             </a:extLst>
           </p:cNvPr>
@@ -28095,7 +28197,7 @@
           <p:cNvPr id="23" name="直接连接符 22">
             <a:extLst>
               <a:ext uri="{FF2B5EF4-FFF2-40B4-BE49-F238E27FC236}">
-                <a16:creationId xmlns="" xmlns:a16="http://schemas.microsoft.com/office/drawing/2014/main" id="{FE397710-2C59-45CA-83DE-96E833FA1926}"/>
+                <a16:creationId xmlns:a16="http://schemas.microsoft.com/office/drawing/2014/main" xmlns="" id="{FE397710-2C59-45CA-83DE-96E833FA1926}"/>
               </a:ext>
             </a:extLst>
           </p:cNvPr>
@@ -28142,7 +28244,7 @@
           <p:cNvPr id="24" name="直接连接符 23">
             <a:extLst>
               <a:ext uri="{FF2B5EF4-FFF2-40B4-BE49-F238E27FC236}">
-                <a16:creationId xmlns="" xmlns:a16="http://schemas.microsoft.com/office/drawing/2014/main" id="{A48B29B9-11D2-4B61-8AC6-ECC2227DE6D6}"/>
+                <a16:creationId xmlns:a16="http://schemas.microsoft.com/office/drawing/2014/main" xmlns="" id="{A48B29B9-11D2-4B61-8AC6-ECC2227DE6D6}"/>
               </a:ext>
             </a:extLst>
           </p:cNvPr>
@@ -28190,7 +28292,7 @@
           <p:cNvPr id="25" name="直接连接符 24">
             <a:extLst>
               <a:ext uri="{FF2B5EF4-FFF2-40B4-BE49-F238E27FC236}">
-                <a16:creationId xmlns="" xmlns:a16="http://schemas.microsoft.com/office/drawing/2014/main" id="{36A9EAEF-0CB1-4BDB-9D3B-AE96B25EE8E6}"/>
+                <a16:creationId xmlns:a16="http://schemas.microsoft.com/office/drawing/2014/main" xmlns="" id="{36A9EAEF-0CB1-4BDB-9D3B-AE96B25EE8E6}"/>
               </a:ext>
             </a:extLst>
           </p:cNvPr>
@@ -28238,7 +28340,7 @@
           <p:cNvPr id="26" name="椭圆 25">
             <a:extLst>
               <a:ext uri="{FF2B5EF4-FFF2-40B4-BE49-F238E27FC236}">
-                <a16:creationId xmlns="" xmlns:a16="http://schemas.microsoft.com/office/drawing/2014/main" id="{89BE66EF-194E-4079-B6B6-E1D715E8DFC4}"/>
+                <a16:creationId xmlns:a16="http://schemas.microsoft.com/office/drawing/2014/main" xmlns="" id="{89BE66EF-194E-4079-B6B6-E1D715E8DFC4}"/>
               </a:ext>
             </a:extLst>
           </p:cNvPr>
@@ -28298,7 +28400,7 @@
           <p:cNvPr id="27" name="直接连接符 26">
             <a:extLst>
               <a:ext uri="{FF2B5EF4-FFF2-40B4-BE49-F238E27FC236}">
-                <a16:creationId xmlns="" xmlns:a16="http://schemas.microsoft.com/office/drawing/2014/main" id="{427DAE5D-2DB7-4785-B59A-0FF8D90F5ABD}"/>
+                <a16:creationId xmlns:a16="http://schemas.microsoft.com/office/drawing/2014/main" xmlns="" id="{427DAE5D-2DB7-4785-B59A-0FF8D90F5ABD}"/>
               </a:ext>
             </a:extLst>
           </p:cNvPr>
@@ -28343,7 +28445,7 @@
           <p:cNvPr id="35" name="直接连接符 34">
             <a:extLst>
               <a:ext uri="{FF2B5EF4-FFF2-40B4-BE49-F238E27FC236}">
-                <a16:creationId xmlns="" xmlns:a16="http://schemas.microsoft.com/office/drawing/2014/main" id="{F9FF47DA-A4DB-4D19-9B3C-B316B706B69A}"/>
+                <a16:creationId xmlns:a16="http://schemas.microsoft.com/office/drawing/2014/main" xmlns="" id="{F9FF47DA-A4DB-4D19-9B3C-B316B706B69A}"/>
               </a:ext>
             </a:extLst>
           </p:cNvPr>
@@ -28390,7 +28492,7 @@
           <p:cNvPr id="36" name="椭圆 35">
             <a:extLst>
               <a:ext uri="{FF2B5EF4-FFF2-40B4-BE49-F238E27FC236}">
-                <a16:creationId xmlns="" xmlns:a16="http://schemas.microsoft.com/office/drawing/2014/main" id="{53E3C46C-BBE4-4629-A986-BD57A4788DA9}"/>
+                <a16:creationId xmlns:a16="http://schemas.microsoft.com/office/drawing/2014/main" xmlns="" id="{53E3C46C-BBE4-4629-A986-BD57A4788DA9}"/>
               </a:ext>
             </a:extLst>
           </p:cNvPr>
@@ -28452,7 +28554,7 @@
           <p:cNvPr id="37" name="直接连接符 36">
             <a:extLst>
               <a:ext uri="{FF2B5EF4-FFF2-40B4-BE49-F238E27FC236}">
-                <a16:creationId xmlns="" xmlns:a16="http://schemas.microsoft.com/office/drawing/2014/main" id="{5E13BB9F-7355-44C4-91B1-CEB9E6F0E802}"/>
+                <a16:creationId xmlns:a16="http://schemas.microsoft.com/office/drawing/2014/main" xmlns="" id="{5E13BB9F-7355-44C4-91B1-CEB9E6F0E802}"/>
               </a:ext>
             </a:extLst>
           </p:cNvPr>
@@ -28497,7 +28599,7 @@
           <p:cNvPr id="38" name="直接连接符 37">
             <a:extLst>
               <a:ext uri="{FF2B5EF4-FFF2-40B4-BE49-F238E27FC236}">
-                <a16:creationId xmlns="" xmlns:a16="http://schemas.microsoft.com/office/drawing/2014/main" id="{C3174898-DFEC-4F37-9AB8-81B7A08FCE7E}"/>
+                <a16:creationId xmlns:a16="http://schemas.microsoft.com/office/drawing/2014/main" xmlns="" id="{C3174898-DFEC-4F37-9AB8-81B7A08FCE7E}"/>
               </a:ext>
             </a:extLst>
           </p:cNvPr>
@@ -28544,7 +28646,7 @@
           <p:cNvPr id="39" name="椭圆 38">
             <a:extLst>
               <a:ext uri="{FF2B5EF4-FFF2-40B4-BE49-F238E27FC236}">
-                <a16:creationId xmlns="" xmlns:a16="http://schemas.microsoft.com/office/drawing/2014/main" id="{B485D709-6F59-45D3-AC66-2F925B7DD3D9}"/>
+                <a16:creationId xmlns:a16="http://schemas.microsoft.com/office/drawing/2014/main" xmlns="" id="{B485D709-6F59-45D3-AC66-2F925B7DD3D9}"/>
               </a:ext>
             </a:extLst>
           </p:cNvPr>
@@ -28606,7 +28708,7 @@
           <p:cNvPr id="40" name="直接连接符 39">
             <a:extLst>
               <a:ext uri="{FF2B5EF4-FFF2-40B4-BE49-F238E27FC236}">
-                <a16:creationId xmlns="" xmlns:a16="http://schemas.microsoft.com/office/drawing/2014/main" id="{FC1E047A-336B-4A08-9880-8585EE36BDFD}"/>
+                <a16:creationId xmlns:a16="http://schemas.microsoft.com/office/drawing/2014/main" xmlns="" id="{FC1E047A-336B-4A08-9880-8585EE36BDFD}"/>
               </a:ext>
             </a:extLst>
           </p:cNvPr>
@@ -28651,7 +28753,7 @@
           <p:cNvPr id="41" name="直接连接符 40">
             <a:extLst>
               <a:ext uri="{FF2B5EF4-FFF2-40B4-BE49-F238E27FC236}">
-                <a16:creationId xmlns="" xmlns:a16="http://schemas.microsoft.com/office/drawing/2014/main" id="{1F78A761-35EE-441D-BC7F-00EB0361FDB5}"/>
+                <a16:creationId xmlns:a16="http://schemas.microsoft.com/office/drawing/2014/main" xmlns="" id="{1F78A761-35EE-441D-BC7F-00EB0361FDB5}"/>
               </a:ext>
             </a:extLst>
           </p:cNvPr>
@@ -28698,7 +28800,7 @@
           <p:cNvPr id="42" name="椭圆 41">
             <a:extLst>
               <a:ext uri="{FF2B5EF4-FFF2-40B4-BE49-F238E27FC236}">
-                <a16:creationId xmlns="" xmlns:a16="http://schemas.microsoft.com/office/drawing/2014/main" id="{78CDA8A6-25D2-4CEF-8566-85DDE2FAB506}"/>
+                <a16:creationId xmlns:a16="http://schemas.microsoft.com/office/drawing/2014/main" xmlns="" id="{78CDA8A6-25D2-4CEF-8566-85DDE2FAB506}"/>
               </a:ext>
             </a:extLst>
           </p:cNvPr>
@@ -28758,7 +28860,7 @@
           <p:cNvPr id="43" name="直接连接符 42">
             <a:extLst>
               <a:ext uri="{FF2B5EF4-FFF2-40B4-BE49-F238E27FC236}">
-                <a16:creationId xmlns="" xmlns:a16="http://schemas.microsoft.com/office/drawing/2014/main" id="{F3DD0849-9C05-435C-A9F2-7CA8361FEFCE}"/>
+                <a16:creationId xmlns:a16="http://schemas.microsoft.com/office/drawing/2014/main" xmlns="" id="{F3DD0849-9C05-435C-A9F2-7CA8361FEFCE}"/>
               </a:ext>
             </a:extLst>
           </p:cNvPr>
@@ -28805,7 +28907,7 @@
           <p:cNvPr id="44" name="直接连接符 43">
             <a:extLst>
               <a:ext uri="{FF2B5EF4-FFF2-40B4-BE49-F238E27FC236}">
-                <a16:creationId xmlns="" xmlns:a16="http://schemas.microsoft.com/office/drawing/2014/main" id="{60EE8AC9-FBEF-429A-A8D2-690EFCB81F34}"/>
+                <a16:creationId xmlns:a16="http://schemas.microsoft.com/office/drawing/2014/main" xmlns="" id="{60EE8AC9-FBEF-429A-A8D2-690EFCB81F34}"/>
               </a:ext>
             </a:extLst>
           </p:cNvPr>
@@ -28853,7 +28955,7 @@
           <p:cNvPr id="45" name="文本框 44">
             <a:extLst>
               <a:ext uri="{FF2B5EF4-FFF2-40B4-BE49-F238E27FC236}">
-                <a16:creationId xmlns="" xmlns:a16="http://schemas.microsoft.com/office/drawing/2014/main" id="{0B7F80FD-A0ED-4C15-9265-6A60A74FFC4C}"/>
+                <a16:creationId xmlns:a16="http://schemas.microsoft.com/office/drawing/2014/main" xmlns="" id="{0B7F80FD-A0ED-4C15-9265-6A60A74FFC4C}"/>
               </a:ext>
             </a:extLst>
           </p:cNvPr>
@@ -28905,7 +29007,7 @@
           <p:cNvPr id="46" name="文本框 45">
             <a:extLst>
               <a:ext uri="{FF2B5EF4-FFF2-40B4-BE49-F238E27FC236}">
-                <a16:creationId xmlns="" xmlns:a16="http://schemas.microsoft.com/office/drawing/2014/main" id="{50C96D59-40E1-4C9F-BC22-E6BA401A2A5F}"/>
+                <a16:creationId xmlns:a16="http://schemas.microsoft.com/office/drawing/2014/main" xmlns="" id="{50C96D59-40E1-4C9F-BC22-E6BA401A2A5F}"/>
               </a:ext>
             </a:extLst>
           </p:cNvPr>
@@ -28957,7 +29059,7 @@
           <p:cNvPr id="47" name="文本框 46">
             <a:extLst>
               <a:ext uri="{FF2B5EF4-FFF2-40B4-BE49-F238E27FC236}">
-                <a16:creationId xmlns="" xmlns:a16="http://schemas.microsoft.com/office/drawing/2014/main" id="{78470B80-6880-4E85-A61F-A4211770AAE6}"/>
+                <a16:creationId xmlns:a16="http://schemas.microsoft.com/office/drawing/2014/main" xmlns="" id="{78470B80-6880-4E85-A61F-A4211770AAE6}"/>
               </a:ext>
             </a:extLst>
           </p:cNvPr>
@@ -29021,7 +29123,7 @@
           <p:cNvPr id="48" name="文本框 47">
             <a:extLst>
               <a:ext uri="{FF2B5EF4-FFF2-40B4-BE49-F238E27FC236}">
-                <a16:creationId xmlns="" xmlns:a16="http://schemas.microsoft.com/office/drawing/2014/main" id="{B25C554B-DA8F-4BC9-800B-8DD4C1C1B465}"/>
+                <a16:creationId xmlns:a16="http://schemas.microsoft.com/office/drawing/2014/main" xmlns="" id="{B25C554B-DA8F-4BC9-800B-8DD4C1C1B465}"/>
               </a:ext>
             </a:extLst>
           </p:cNvPr>
@@ -29085,7 +29187,7 @@
           <p:cNvPr id="49" name="矩形 48">
             <a:extLst>
               <a:ext uri="{FF2B5EF4-FFF2-40B4-BE49-F238E27FC236}">
-                <a16:creationId xmlns="" xmlns:a16="http://schemas.microsoft.com/office/drawing/2014/main" id="{9F790E0B-E40F-4E15-B32B-0BE17B3718E5}"/>
+                <a16:creationId xmlns:a16="http://schemas.microsoft.com/office/drawing/2014/main" xmlns="" id="{9F790E0B-E40F-4E15-B32B-0BE17B3718E5}"/>
               </a:ext>
             </a:extLst>
           </p:cNvPr>
@@ -29142,7 +29244,7 @@
           <p:cNvPr id="50" name="矩形 49">
             <a:extLst>
               <a:ext uri="{FF2B5EF4-FFF2-40B4-BE49-F238E27FC236}">
-                <a16:creationId xmlns="" xmlns:a16="http://schemas.microsoft.com/office/drawing/2014/main" id="{FA3E83C1-AD43-4EBA-9F88-E61EF5C4AD8F}"/>
+                <a16:creationId xmlns:a16="http://schemas.microsoft.com/office/drawing/2014/main" xmlns="" id="{FA3E83C1-AD43-4EBA-9F88-E61EF5C4AD8F}"/>
               </a:ext>
             </a:extLst>
           </p:cNvPr>
@@ -29236,7 +29338,7 @@
           </a:ln>
           <a:extLst>
             <a:ext uri="{C572A759-6A51-4108-AA02-DFA0A04FC94B}">
-              <ma14:wrappingTextBoxFlag xmlns="" xmlns:ma14="http://schemas.microsoft.com/office/mac/drawingml/2011/main" val="1"/>
+              <ma14:wrappingTextBoxFlag xmlns:ma14="http://schemas.microsoft.com/office/mac/drawingml/2011/main" xmlns="" val="1"/>
             </a:ext>
           </a:extLst>
         </p:spPr>
@@ -29304,7 +29406,7 @@
           </a:ln>
           <a:extLst>
             <a:ext uri="{C572A759-6A51-4108-AA02-DFA0A04FC94B}">
-              <ma14:wrappingTextBoxFlag xmlns="" xmlns:ma14="http://schemas.microsoft.com/office/mac/drawingml/2011/main" val="1"/>
+              <ma14:wrappingTextBoxFlag xmlns:ma14="http://schemas.microsoft.com/office/mac/drawingml/2011/main" xmlns="" val="1"/>
             </a:ext>
           </a:extLst>
         </p:spPr>
@@ -29366,7 +29468,7 @@
           <p:cNvPr id="17" name="组合 16">
             <a:extLst>
               <a:ext uri="{FF2B5EF4-FFF2-40B4-BE49-F238E27FC236}">
-                <a16:creationId xmlns="" xmlns:a16="http://schemas.microsoft.com/office/drawing/2014/main" id="{37C933BA-2473-4CDC-A5E4-A44C629C23D8}"/>
+                <a16:creationId xmlns:a16="http://schemas.microsoft.com/office/drawing/2014/main" xmlns="" id="{37C933BA-2473-4CDC-A5E4-A44C629C23D8}"/>
               </a:ext>
             </a:extLst>
           </p:cNvPr>
@@ -29386,7 +29488,7 @@
             <p:cNvPr id="18" name="文本框 17">
               <a:extLst>
                 <a:ext uri="{FF2B5EF4-FFF2-40B4-BE49-F238E27FC236}">
-                  <a16:creationId xmlns="" xmlns:a16="http://schemas.microsoft.com/office/drawing/2014/main" id="{16DA8A1E-64FC-4810-80E3-D177285D8773}"/>
+                  <a16:creationId xmlns:a16="http://schemas.microsoft.com/office/drawing/2014/main" xmlns="" id="{16DA8A1E-64FC-4810-80E3-D177285D8773}"/>
                 </a:ext>
               </a:extLst>
             </p:cNvPr>
@@ -29490,7 +29592,7 @@
             <p:cNvPr id="19" name="文本框 18">
               <a:extLst>
                 <a:ext uri="{FF2B5EF4-FFF2-40B4-BE49-F238E27FC236}">
-                  <a16:creationId xmlns="" xmlns:a16="http://schemas.microsoft.com/office/drawing/2014/main" id="{D028F3A2-F8BE-4FF3-AA43-1781C286E3E6}"/>
+                  <a16:creationId xmlns:a16="http://schemas.microsoft.com/office/drawing/2014/main" xmlns="" id="{D028F3A2-F8BE-4FF3-AA43-1781C286E3E6}"/>
                 </a:ext>
               </a:extLst>
             </p:cNvPr>
@@ -29558,7 +29660,7 @@
             <p:cNvPr id="20" name="矩形: 圆角 19">
               <a:extLst>
                 <a:ext uri="{FF2B5EF4-FFF2-40B4-BE49-F238E27FC236}">
-                  <a16:creationId xmlns="" xmlns:a16="http://schemas.microsoft.com/office/drawing/2014/main" id="{D155FC09-937B-45E9-9445-19C2930961C1}"/>
+                  <a16:creationId xmlns:a16="http://schemas.microsoft.com/office/drawing/2014/main" xmlns="" id="{D155FC09-937B-45E9-9445-19C2930961C1}"/>
                 </a:ext>
               </a:extLst>
             </p:cNvPr>
@@ -29631,7 +29733,7 @@
           <p:cNvPr id="22" name="文本框 21">
             <a:extLst>
               <a:ext uri="{FF2B5EF4-FFF2-40B4-BE49-F238E27FC236}">
-                <a16:creationId xmlns="" xmlns:a16="http://schemas.microsoft.com/office/drawing/2014/main" id="{3A22B194-448A-46EE-BC7E-5460EEA7EF82}"/>
+                <a16:creationId xmlns:a16="http://schemas.microsoft.com/office/drawing/2014/main" xmlns="" id="{3A22B194-448A-46EE-BC7E-5460EEA7EF82}"/>
               </a:ext>
             </a:extLst>
           </p:cNvPr>
@@ -29692,7 +29794,7 @@
           <p:cNvPr id="31" name="椭圆 30">
             <a:extLst>
               <a:ext uri="{FF2B5EF4-FFF2-40B4-BE49-F238E27FC236}">
-                <a16:creationId xmlns="" xmlns:a16="http://schemas.microsoft.com/office/drawing/2014/main" id="{3B07899A-BEFE-411B-80F0-B1F1203CAF79}"/>
+                <a16:creationId xmlns:a16="http://schemas.microsoft.com/office/drawing/2014/main" xmlns="" id="{3B07899A-BEFE-411B-80F0-B1F1203CAF79}"/>
               </a:ext>
             </a:extLst>
           </p:cNvPr>
@@ -29746,7 +29848,7 @@
           <p:cNvPr id="32" name="椭圆 31">
             <a:extLst>
               <a:ext uri="{FF2B5EF4-FFF2-40B4-BE49-F238E27FC236}">
-                <a16:creationId xmlns="" xmlns:a16="http://schemas.microsoft.com/office/drawing/2014/main" id="{8E146F45-5E79-431F-AE2D-E8D938E2AE30}"/>
+                <a16:creationId xmlns:a16="http://schemas.microsoft.com/office/drawing/2014/main" xmlns="" id="{8E146F45-5E79-431F-AE2D-E8D938E2AE30}"/>
               </a:ext>
             </a:extLst>
           </p:cNvPr>
@@ -29800,7 +29902,7 @@
           <p:cNvPr id="33" name="椭圆 32">
             <a:extLst>
               <a:ext uri="{FF2B5EF4-FFF2-40B4-BE49-F238E27FC236}">
-                <a16:creationId xmlns="" xmlns:a16="http://schemas.microsoft.com/office/drawing/2014/main" id="{67D28EC8-FAC6-4D9C-A689-EC09A31595AF}"/>
+                <a16:creationId xmlns:a16="http://schemas.microsoft.com/office/drawing/2014/main" xmlns="" id="{67D28EC8-FAC6-4D9C-A689-EC09A31595AF}"/>
               </a:ext>
             </a:extLst>
           </p:cNvPr>
@@ -29857,7 +29959,7 @@
           <p:cNvPr id="34" name="椭圆 33">
             <a:extLst>
               <a:ext uri="{FF2B5EF4-FFF2-40B4-BE49-F238E27FC236}">
-                <a16:creationId xmlns="" xmlns:a16="http://schemas.microsoft.com/office/drawing/2014/main" id="{9F3AFC74-0413-4D11-B73A-701636BA1C2F}"/>
+                <a16:creationId xmlns:a16="http://schemas.microsoft.com/office/drawing/2014/main" xmlns="" id="{9F3AFC74-0413-4D11-B73A-701636BA1C2F}"/>
               </a:ext>
             </a:extLst>
           </p:cNvPr>
@@ -29911,7 +30013,7 @@
           <p:cNvPr id="35" name="椭圆 34">
             <a:extLst>
               <a:ext uri="{FF2B5EF4-FFF2-40B4-BE49-F238E27FC236}">
-                <a16:creationId xmlns="" xmlns:a16="http://schemas.microsoft.com/office/drawing/2014/main" id="{492C6DC1-98AC-4C5B-873B-0FE63529C580}"/>
+                <a16:creationId xmlns:a16="http://schemas.microsoft.com/office/drawing/2014/main" xmlns="" id="{492C6DC1-98AC-4C5B-873B-0FE63529C580}"/>
               </a:ext>
             </a:extLst>
           </p:cNvPr>
@@ -29965,7 +30067,7 @@
           <p:cNvPr id="36" name="直接连接符 35">
             <a:extLst>
               <a:ext uri="{FF2B5EF4-FFF2-40B4-BE49-F238E27FC236}">
-                <a16:creationId xmlns="" xmlns:a16="http://schemas.microsoft.com/office/drawing/2014/main" id="{6971B428-D479-4672-BD8B-7F5D077D5D86}"/>
+                <a16:creationId xmlns:a16="http://schemas.microsoft.com/office/drawing/2014/main" xmlns="" id="{6971B428-D479-4672-BD8B-7F5D077D5D86}"/>
               </a:ext>
             </a:extLst>
           </p:cNvPr>
@@ -30009,7 +30111,7 @@
           <p:cNvPr id="37" name="椭圆 36">
             <a:extLst>
               <a:ext uri="{FF2B5EF4-FFF2-40B4-BE49-F238E27FC236}">
-                <a16:creationId xmlns="" xmlns:a16="http://schemas.microsoft.com/office/drawing/2014/main" id="{E40A54E8-E57E-4BE0-B84A-69974F4EA85A}"/>
+                <a16:creationId xmlns:a16="http://schemas.microsoft.com/office/drawing/2014/main" xmlns="" id="{E40A54E8-E57E-4BE0-B84A-69974F4EA85A}"/>
               </a:ext>
             </a:extLst>
           </p:cNvPr>
@@ -30063,7 +30165,7 @@
           <p:cNvPr id="38" name="直接连接符 37">
             <a:extLst>
               <a:ext uri="{FF2B5EF4-FFF2-40B4-BE49-F238E27FC236}">
-                <a16:creationId xmlns="" xmlns:a16="http://schemas.microsoft.com/office/drawing/2014/main" id="{DF7F0649-3C32-4EE4-9DC6-342077B0E1D8}"/>
+                <a16:creationId xmlns:a16="http://schemas.microsoft.com/office/drawing/2014/main" xmlns="" id="{DF7F0649-3C32-4EE4-9DC6-342077B0E1D8}"/>
               </a:ext>
             </a:extLst>
           </p:cNvPr>
@@ -30107,7 +30209,7 @@
           <p:cNvPr id="39" name="直接连接符 38">
             <a:extLst>
               <a:ext uri="{FF2B5EF4-FFF2-40B4-BE49-F238E27FC236}">
-                <a16:creationId xmlns="" xmlns:a16="http://schemas.microsoft.com/office/drawing/2014/main" id="{093EB3FB-ADF0-474A-B234-EF349901DC15}"/>
+                <a16:creationId xmlns:a16="http://schemas.microsoft.com/office/drawing/2014/main" xmlns="" id="{093EB3FB-ADF0-474A-B234-EF349901DC15}"/>
               </a:ext>
             </a:extLst>
           </p:cNvPr>
@@ -30151,7 +30253,7 @@
           <p:cNvPr id="40" name="椭圆 39">
             <a:extLst>
               <a:ext uri="{FF2B5EF4-FFF2-40B4-BE49-F238E27FC236}">
-                <a16:creationId xmlns="" xmlns:a16="http://schemas.microsoft.com/office/drawing/2014/main" id="{F13CD393-9278-4D9E-926E-A8B9B27E49C8}"/>
+                <a16:creationId xmlns:a16="http://schemas.microsoft.com/office/drawing/2014/main" xmlns="" id="{F13CD393-9278-4D9E-926E-A8B9B27E49C8}"/>
               </a:ext>
             </a:extLst>
           </p:cNvPr>
@@ -30208,7 +30310,7 @@
           <p:cNvPr id="41" name="直接连接符 40">
             <a:extLst>
               <a:ext uri="{FF2B5EF4-FFF2-40B4-BE49-F238E27FC236}">
-                <a16:creationId xmlns="" xmlns:a16="http://schemas.microsoft.com/office/drawing/2014/main" id="{192A6EEE-8490-42FF-8026-D3D66BD75940}"/>
+                <a16:creationId xmlns:a16="http://schemas.microsoft.com/office/drawing/2014/main" xmlns="" id="{192A6EEE-8490-42FF-8026-D3D66BD75940}"/>
               </a:ext>
             </a:extLst>
           </p:cNvPr>
@@ -30252,7 +30354,7 @@
           <p:cNvPr id="42" name="椭圆 41">
             <a:extLst>
               <a:ext uri="{FF2B5EF4-FFF2-40B4-BE49-F238E27FC236}">
-                <a16:creationId xmlns="" xmlns:a16="http://schemas.microsoft.com/office/drawing/2014/main" id="{B5136ACA-AD87-4183-ADB5-428C41FA7777}"/>
+                <a16:creationId xmlns:a16="http://schemas.microsoft.com/office/drawing/2014/main" xmlns="" id="{B5136ACA-AD87-4183-ADB5-428C41FA7777}"/>
               </a:ext>
             </a:extLst>
           </p:cNvPr>
@@ -30306,7 +30408,7 @@
           <p:cNvPr id="43" name="直接连接符 42">
             <a:extLst>
               <a:ext uri="{FF2B5EF4-FFF2-40B4-BE49-F238E27FC236}">
-                <a16:creationId xmlns="" xmlns:a16="http://schemas.microsoft.com/office/drawing/2014/main" id="{272C11AD-11A2-49C8-9292-7533203E68DD}"/>
+                <a16:creationId xmlns:a16="http://schemas.microsoft.com/office/drawing/2014/main" xmlns="" id="{272C11AD-11A2-49C8-9292-7533203E68DD}"/>
               </a:ext>
             </a:extLst>
           </p:cNvPr>
@@ -30350,7 +30452,7 @@
           <p:cNvPr id="44" name="椭圆 43">
             <a:extLst>
               <a:ext uri="{FF2B5EF4-FFF2-40B4-BE49-F238E27FC236}">
-                <a16:creationId xmlns="" xmlns:a16="http://schemas.microsoft.com/office/drawing/2014/main" id="{411E286E-649A-4CC9-A79E-B785F1A457EA}"/>
+                <a16:creationId xmlns:a16="http://schemas.microsoft.com/office/drawing/2014/main" xmlns="" id="{411E286E-649A-4CC9-A79E-B785F1A457EA}"/>
               </a:ext>
             </a:extLst>
           </p:cNvPr>
@@ -30407,7 +30509,7 @@
           <p:cNvPr id="45" name="直接连接符 44">
             <a:extLst>
               <a:ext uri="{FF2B5EF4-FFF2-40B4-BE49-F238E27FC236}">
-                <a16:creationId xmlns="" xmlns:a16="http://schemas.microsoft.com/office/drawing/2014/main" id="{4642B35E-2738-4B10-B77A-A1D1B45ED76B}"/>
+                <a16:creationId xmlns:a16="http://schemas.microsoft.com/office/drawing/2014/main" xmlns="" id="{4642B35E-2738-4B10-B77A-A1D1B45ED76B}"/>
               </a:ext>
             </a:extLst>
           </p:cNvPr>
@@ -30451,7 +30553,7 @@
           <p:cNvPr id="46" name="直接连接符 45">
             <a:extLst>
               <a:ext uri="{FF2B5EF4-FFF2-40B4-BE49-F238E27FC236}">
-                <a16:creationId xmlns="" xmlns:a16="http://schemas.microsoft.com/office/drawing/2014/main" id="{D9581555-6A2E-4C22-B026-C640417AD0E5}"/>
+                <a16:creationId xmlns:a16="http://schemas.microsoft.com/office/drawing/2014/main" xmlns="" id="{D9581555-6A2E-4C22-B026-C640417AD0E5}"/>
               </a:ext>
             </a:extLst>
           </p:cNvPr>
@@ -30495,7 +30597,7 @@
           <p:cNvPr id="47" name="直接连接符 46">
             <a:extLst>
               <a:ext uri="{FF2B5EF4-FFF2-40B4-BE49-F238E27FC236}">
-                <a16:creationId xmlns="" xmlns:a16="http://schemas.microsoft.com/office/drawing/2014/main" id="{BFDADB2E-A848-4A30-A321-0A9EF72DEE7A}"/>
+                <a16:creationId xmlns:a16="http://schemas.microsoft.com/office/drawing/2014/main" xmlns="" id="{BFDADB2E-A848-4A30-A321-0A9EF72DEE7A}"/>
               </a:ext>
             </a:extLst>
           </p:cNvPr>
@@ -30964,7 +31066,7 @@
           <p:cNvPr id="9" name="矩形 8">
             <a:extLst>
               <a:ext uri="{FF2B5EF4-FFF2-40B4-BE49-F238E27FC236}">
-                <a16:creationId xmlns="" xmlns:a16="http://schemas.microsoft.com/office/drawing/2014/main" id="{82023C5A-002A-4D55-B6D9-BA77213D77D2}"/>
+                <a16:creationId xmlns:a16="http://schemas.microsoft.com/office/drawing/2014/main" xmlns="" id="{82023C5A-002A-4D55-B6D9-BA77213D77D2}"/>
               </a:ext>
             </a:extLst>
           </p:cNvPr>
@@ -31069,7 +31171,7 @@
           <p:cNvPr id="4" name="组合 3">
             <a:extLst>
               <a:ext uri="{FF2B5EF4-FFF2-40B4-BE49-F238E27FC236}">
-                <a16:creationId xmlns="" xmlns:a16="http://schemas.microsoft.com/office/drawing/2014/main" id="{6492F762-B648-4C6A-BCCD-DE814C95A84A}"/>
+                <a16:creationId xmlns:a16="http://schemas.microsoft.com/office/drawing/2014/main" xmlns="" id="{6492F762-B648-4C6A-BCCD-DE814C95A84A}"/>
               </a:ext>
             </a:extLst>
           </p:cNvPr>
@@ -31348,7 +31450,7 @@
           <p:cNvPr id="5" name="组合 4">
             <a:extLst>
               <a:ext uri="{FF2B5EF4-FFF2-40B4-BE49-F238E27FC236}">
-                <a16:creationId xmlns="" xmlns:a16="http://schemas.microsoft.com/office/drawing/2014/main" id="{B3B54D5C-DF23-4320-80C7-D5FDCC31C73E}"/>
+                <a16:creationId xmlns:a16="http://schemas.microsoft.com/office/drawing/2014/main" xmlns="" id="{B3B54D5C-DF23-4320-80C7-D5FDCC31C73E}"/>
               </a:ext>
             </a:extLst>
           </p:cNvPr>
@@ -31629,7 +31731,7 @@
           <p:cNvPr id="3" name="图片 2" descr="图片包含 户外艺术系列&#10;&#10;已生成高可信度的说明">
             <a:extLst>
               <a:ext uri="{FF2B5EF4-FFF2-40B4-BE49-F238E27FC236}">
-                <a16:creationId xmlns="" xmlns:a16="http://schemas.microsoft.com/office/drawing/2014/main" id="{ABA7B7BC-2EA9-4B48-9EC2-D10CCCF93649}"/>
+                <a16:creationId xmlns:a16="http://schemas.microsoft.com/office/drawing/2014/main" xmlns="" id="{ABA7B7BC-2EA9-4B48-9EC2-D10CCCF93649}"/>
               </a:ext>
             </a:extLst>
           </p:cNvPr>
@@ -31664,7 +31766,7 @@
           <p:cNvPr id="122" name="图片 121" descr="图片包含 户外艺术系列&#10;&#10;已生成高可信度的说明">
             <a:extLst>
               <a:ext uri="{FF2B5EF4-FFF2-40B4-BE49-F238E27FC236}">
-                <a16:creationId xmlns="" xmlns:a16="http://schemas.microsoft.com/office/drawing/2014/main" id="{3EA6A347-BDFB-419C-B6F7-63BF6CC4CAFC}"/>
+                <a16:creationId xmlns:a16="http://schemas.microsoft.com/office/drawing/2014/main" xmlns="" id="{3EA6A347-BDFB-419C-B6F7-63BF6CC4CAFC}"/>
               </a:ext>
             </a:extLst>
           </p:cNvPr>
@@ -31699,7 +31801,7 @@
           <p:cNvPr id="7" name="直接连接符 6">
             <a:extLst>
               <a:ext uri="{FF2B5EF4-FFF2-40B4-BE49-F238E27FC236}">
-                <a16:creationId xmlns="" xmlns:a16="http://schemas.microsoft.com/office/drawing/2014/main" id="{6A700B99-6065-4865-8C68-803D5763C6AA}"/>
+                <a16:creationId xmlns:a16="http://schemas.microsoft.com/office/drawing/2014/main" xmlns="" id="{6A700B99-6065-4865-8C68-803D5763C6AA}"/>
               </a:ext>
             </a:extLst>
           </p:cNvPr>
@@ -31783,7 +31885,7 @@
           <p:cNvPr id="6" name="图片 5" descr="图片包含 户外艺术系列&#10;&#10;已生成高可信度的说明">
             <a:extLst>
               <a:ext uri="{FF2B5EF4-FFF2-40B4-BE49-F238E27FC236}">
-                <a16:creationId xmlns="" xmlns:a16="http://schemas.microsoft.com/office/drawing/2014/main" id="{89D524ED-F1C6-411C-BF82-1FE0C3CECFC7}"/>
+                <a16:creationId xmlns:a16="http://schemas.microsoft.com/office/drawing/2014/main" xmlns="" id="{89D524ED-F1C6-411C-BF82-1FE0C3CECFC7}"/>
               </a:ext>
             </a:extLst>
           </p:cNvPr>
@@ -31819,7 +31921,7 @@
           <p:cNvPr id="11" name="矩形: 圆角 10">
             <a:extLst>
               <a:ext uri="{FF2B5EF4-FFF2-40B4-BE49-F238E27FC236}">
-                <a16:creationId xmlns="" xmlns:a16="http://schemas.microsoft.com/office/drawing/2014/main" id="{6BCFDEB3-66BB-40C4-8D11-4501056B03A6}"/>
+                <a16:creationId xmlns:a16="http://schemas.microsoft.com/office/drawing/2014/main" xmlns="" id="{6BCFDEB3-66BB-40C4-8D11-4501056B03A6}"/>
               </a:ext>
             </a:extLst>
           </p:cNvPr>
@@ -31880,7 +31982,7 @@
           <p:cNvPr id="2" name="文本框 1">
             <a:extLst>
               <a:ext uri="{FF2B5EF4-FFF2-40B4-BE49-F238E27FC236}">
-                <a16:creationId xmlns="" xmlns:a16="http://schemas.microsoft.com/office/drawing/2014/main" id="{F78FF481-D5DD-4D63-B7A7-27E254D01BB4}"/>
+                <a16:creationId xmlns:a16="http://schemas.microsoft.com/office/drawing/2014/main" xmlns="" id="{F78FF481-D5DD-4D63-B7A7-27E254D01BB4}"/>
               </a:ext>
             </a:extLst>
           </p:cNvPr>
@@ -31923,7 +32025,7 @@
           <p:cNvPr id="3" name="文本框 2">
             <a:extLst>
               <a:ext uri="{FF2B5EF4-FFF2-40B4-BE49-F238E27FC236}">
-                <a16:creationId xmlns="" xmlns:a16="http://schemas.microsoft.com/office/drawing/2014/main" id="{2A4B6A67-80A8-491C-9B75-F838BAA24AB8}"/>
+                <a16:creationId xmlns:a16="http://schemas.microsoft.com/office/drawing/2014/main" xmlns="" id="{2A4B6A67-80A8-491C-9B75-F838BAA24AB8}"/>
               </a:ext>
             </a:extLst>
           </p:cNvPr>
@@ -31964,7 +32066,7 @@
           <p:cNvPr id="4" name="文本框 3">
             <a:extLst>
               <a:ext uri="{FF2B5EF4-FFF2-40B4-BE49-F238E27FC236}">
-                <a16:creationId xmlns="" xmlns:a16="http://schemas.microsoft.com/office/drawing/2014/main" id="{D0EF4BBF-C2CD-4EB3-A920-99A3D31601CD}"/>
+                <a16:creationId xmlns:a16="http://schemas.microsoft.com/office/drawing/2014/main" xmlns="" id="{D0EF4BBF-C2CD-4EB3-A920-99A3D31601CD}"/>
               </a:ext>
             </a:extLst>
           </p:cNvPr>
@@ -32025,7 +32127,7 @@
           <p:cNvPr id="7" name="直接连接符 6">
             <a:extLst>
               <a:ext uri="{FF2B5EF4-FFF2-40B4-BE49-F238E27FC236}">
-                <a16:creationId xmlns="" xmlns:a16="http://schemas.microsoft.com/office/drawing/2014/main" id="{4000AD3B-46B8-4302-97C7-6AB34A88DFA6}"/>
+                <a16:creationId xmlns:a16="http://schemas.microsoft.com/office/drawing/2014/main" xmlns="" id="{4000AD3B-46B8-4302-97C7-6AB34A88DFA6}"/>
               </a:ext>
             </a:extLst>
           </p:cNvPr>
@@ -32068,7 +32170,7 @@
           <p:cNvPr id="10" name="组合 9">
             <a:extLst>
               <a:ext uri="{FF2B5EF4-FFF2-40B4-BE49-F238E27FC236}">
-                <a16:creationId xmlns="" xmlns:a16="http://schemas.microsoft.com/office/drawing/2014/main" id="{0A179309-4274-4AFB-96A6-CDF4D9704354}"/>
+                <a16:creationId xmlns:a16="http://schemas.microsoft.com/office/drawing/2014/main" xmlns="" id="{0A179309-4274-4AFB-96A6-CDF4D9704354}"/>
               </a:ext>
             </a:extLst>
           </p:cNvPr>
@@ -32088,7 +32190,7 @@
             <p:cNvPr id="13" name="直接连接符 12">
               <a:extLst>
                 <a:ext uri="{FF2B5EF4-FFF2-40B4-BE49-F238E27FC236}">
-                  <a16:creationId xmlns="" xmlns:a16="http://schemas.microsoft.com/office/drawing/2014/main" id="{3E1E71E1-150B-4EBB-ACA2-3809BDB92488}"/>
+                  <a16:creationId xmlns:a16="http://schemas.microsoft.com/office/drawing/2014/main" xmlns="" id="{3E1E71E1-150B-4EBB-ACA2-3809BDB92488}"/>
                 </a:ext>
               </a:extLst>
             </p:cNvPr>
@@ -32131,7 +32233,7 @@
             <p:cNvPr id="14" name="直接连接符 13">
               <a:extLst>
                 <a:ext uri="{FF2B5EF4-FFF2-40B4-BE49-F238E27FC236}">
-                  <a16:creationId xmlns="" xmlns:a16="http://schemas.microsoft.com/office/drawing/2014/main" id="{3644F1BB-7050-437B-A0D9-2C5C16232620}"/>
+                  <a16:creationId xmlns:a16="http://schemas.microsoft.com/office/drawing/2014/main" xmlns="" id="{3644F1BB-7050-437B-A0D9-2C5C16232620}"/>
                 </a:ext>
               </a:extLst>
             </p:cNvPr>
@@ -32174,7 +32276,7 @@
             <p:cNvPr id="15" name="直接连接符 14">
               <a:extLst>
                 <a:ext uri="{FF2B5EF4-FFF2-40B4-BE49-F238E27FC236}">
-                  <a16:creationId xmlns="" xmlns:a16="http://schemas.microsoft.com/office/drawing/2014/main" id="{A58349CB-A746-42FE-B196-071D1F66F4A6}"/>
+                  <a16:creationId xmlns:a16="http://schemas.microsoft.com/office/drawing/2014/main" xmlns="" id="{A58349CB-A746-42FE-B196-071D1F66F4A6}"/>
                 </a:ext>
               </a:extLst>
             </p:cNvPr>
@@ -32217,7 +32319,7 @@
             <p:cNvPr id="16" name="椭圆 15">
               <a:extLst>
                 <a:ext uri="{FF2B5EF4-FFF2-40B4-BE49-F238E27FC236}">
-                  <a16:creationId xmlns="" xmlns:a16="http://schemas.microsoft.com/office/drawing/2014/main" id="{1EA2E525-99FB-4DC3-85D4-E58FF0F0D4CB}"/>
+                  <a16:creationId xmlns:a16="http://schemas.microsoft.com/office/drawing/2014/main" xmlns="" id="{1EA2E525-99FB-4DC3-85D4-E58FF0F0D4CB}"/>
                 </a:ext>
               </a:extLst>
             </p:cNvPr>
@@ -32272,7 +32374,7 @@
             <p:cNvPr id="17" name="椭圆 16">
               <a:extLst>
                 <a:ext uri="{FF2B5EF4-FFF2-40B4-BE49-F238E27FC236}">
-                  <a16:creationId xmlns="" xmlns:a16="http://schemas.microsoft.com/office/drawing/2014/main" id="{3DA1CB48-5631-4E05-8CE8-88FAC410BB1B}"/>
+                  <a16:creationId xmlns:a16="http://schemas.microsoft.com/office/drawing/2014/main" xmlns="" id="{3DA1CB48-5631-4E05-8CE8-88FAC410BB1B}"/>
                 </a:ext>
               </a:extLst>
             </p:cNvPr>
@@ -32326,7 +32428,7 @@
             <p:cNvPr id="18" name="椭圆 17">
               <a:extLst>
                 <a:ext uri="{FF2B5EF4-FFF2-40B4-BE49-F238E27FC236}">
-                  <a16:creationId xmlns="" xmlns:a16="http://schemas.microsoft.com/office/drawing/2014/main" id="{292A36A2-19F3-40B6-80DB-E53E8B94E159}"/>
+                  <a16:creationId xmlns:a16="http://schemas.microsoft.com/office/drawing/2014/main" xmlns="" id="{292A36A2-19F3-40B6-80DB-E53E8B94E159}"/>
                 </a:ext>
               </a:extLst>
             </p:cNvPr>
@@ -32383,7 +32485,7 @@
           <p:cNvPr id="19" name="组合 18">
             <a:extLst>
               <a:ext uri="{FF2B5EF4-FFF2-40B4-BE49-F238E27FC236}">
-                <a16:creationId xmlns="" xmlns:a16="http://schemas.microsoft.com/office/drawing/2014/main" id="{54F5DAC7-1D40-43F9-9CFA-72281B05A6C2}"/>
+                <a16:creationId xmlns:a16="http://schemas.microsoft.com/office/drawing/2014/main" xmlns="" id="{54F5DAC7-1D40-43F9-9CFA-72281B05A6C2}"/>
               </a:ext>
             </a:extLst>
           </p:cNvPr>
@@ -32403,7 +32505,7 @@
             <p:cNvPr id="20" name="直接连接符 19">
               <a:extLst>
                 <a:ext uri="{FF2B5EF4-FFF2-40B4-BE49-F238E27FC236}">
-                  <a16:creationId xmlns="" xmlns:a16="http://schemas.microsoft.com/office/drawing/2014/main" id="{33C9463E-892C-4B04-92A8-B5F992BCAF1B}"/>
+                  <a16:creationId xmlns:a16="http://schemas.microsoft.com/office/drawing/2014/main" xmlns="" id="{33C9463E-892C-4B04-92A8-B5F992BCAF1B}"/>
                 </a:ext>
               </a:extLst>
             </p:cNvPr>
@@ -32446,7 +32548,7 @@
             <p:cNvPr id="21" name="直接连接符 20">
               <a:extLst>
                 <a:ext uri="{FF2B5EF4-FFF2-40B4-BE49-F238E27FC236}">
-                  <a16:creationId xmlns="" xmlns:a16="http://schemas.microsoft.com/office/drawing/2014/main" id="{DF8A5D8A-C7AA-4520-9F05-4E3EAB9A8BB5}"/>
+                  <a16:creationId xmlns:a16="http://schemas.microsoft.com/office/drawing/2014/main" xmlns="" id="{DF8A5D8A-C7AA-4520-9F05-4E3EAB9A8BB5}"/>
                 </a:ext>
               </a:extLst>
             </p:cNvPr>
@@ -32489,7 +32591,7 @@
             <p:cNvPr id="22" name="直接连接符 21">
               <a:extLst>
                 <a:ext uri="{FF2B5EF4-FFF2-40B4-BE49-F238E27FC236}">
-                  <a16:creationId xmlns="" xmlns:a16="http://schemas.microsoft.com/office/drawing/2014/main" id="{9997A725-A58B-4628-A8C3-E026E0A2203D}"/>
+                  <a16:creationId xmlns:a16="http://schemas.microsoft.com/office/drawing/2014/main" xmlns="" id="{9997A725-A58B-4628-A8C3-E026E0A2203D}"/>
                 </a:ext>
               </a:extLst>
             </p:cNvPr>
@@ -32532,7 +32634,7 @@
             <p:cNvPr id="23" name="椭圆 22">
               <a:extLst>
                 <a:ext uri="{FF2B5EF4-FFF2-40B4-BE49-F238E27FC236}">
-                  <a16:creationId xmlns="" xmlns:a16="http://schemas.microsoft.com/office/drawing/2014/main" id="{E4229617-E9A0-435F-BCAF-7E25DFAF9586}"/>
+                  <a16:creationId xmlns:a16="http://schemas.microsoft.com/office/drawing/2014/main" xmlns="" id="{E4229617-E9A0-435F-BCAF-7E25DFAF9586}"/>
                 </a:ext>
               </a:extLst>
             </p:cNvPr>
@@ -32587,7 +32689,7 @@
             <p:cNvPr id="24" name="椭圆 23">
               <a:extLst>
                 <a:ext uri="{FF2B5EF4-FFF2-40B4-BE49-F238E27FC236}">
-                  <a16:creationId xmlns="" xmlns:a16="http://schemas.microsoft.com/office/drawing/2014/main" id="{A93BFD55-5477-402D-8578-F79D81368B6D}"/>
+                  <a16:creationId xmlns:a16="http://schemas.microsoft.com/office/drawing/2014/main" xmlns="" id="{A93BFD55-5477-402D-8578-F79D81368B6D}"/>
                 </a:ext>
               </a:extLst>
             </p:cNvPr>
@@ -32641,7 +32743,7 @@
             <p:cNvPr id="25" name="椭圆 24">
               <a:extLst>
                 <a:ext uri="{FF2B5EF4-FFF2-40B4-BE49-F238E27FC236}">
-                  <a16:creationId xmlns="" xmlns:a16="http://schemas.microsoft.com/office/drawing/2014/main" id="{C5B85F38-CF17-4884-9D3E-DDDB8A7614DB}"/>
+                  <a16:creationId xmlns:a16="http://schemas.microsoft.com/office/drawing/2014/main" xmlns="" id="{C5B85F38-CF17-4884-9D3E-DDDB8A7614DB}"/>
                 </a:ext>
               </a:extLst>
             </p:cNvPr>
@@ -32698,7 +32800,7 @@
           <p:cNvPr id="26" name="组合 25">
             <a:extLst>
               <a:ext uri="{FF2B5EF4-FFF2-40B4-BE49-F238E27FC236}">
-                <a16:creationId xmlns="" xmlns:a16="http://schemas.microsoft.com/office/drawing/2014/main" id="{431F0BD9-69CB-4CCC-B8E7-0B7E6E6DEAEA}"/>
+                <a16:creationId xmlns:a16="http://schemas.microsoft.com/office/drawing/2014/main" xmlns="" id="{431F0BD9-69CB-4CCC-B8E7-0B7E6E6DEAEA}"/>
               </a:ext>
             </a:extLst>
           </p:cNvPr>
@@ -32718,7 +32820,7 @@
             <p:cNvPr id="27" name="直接连接符 26">
               <a:extLst>
                 <a:ext uri="{FF2B5EF4-FFF2-40B4-BE49-F238E27FC236}">
-                  <a16:creationId xmlns="" xmlns:a16="http://schemas.microsoft.com/office/drawing/2014/main" id="{2936E32B-E9DC-4E8A-B75F-1EED6707F551}"/>
+                  <a16:creationId xmlns:a16="http://schemas.microsoft.com/office/drawing/2014/main" xmlns="" id="{2936E32B-E9DC-4E8A-B75F-1EED6707F551}"/>
                 </a:ext>
               </a:extLst>
             </p:cNvPr>
@@ -32761,7 +32863,7 @@
             <p:cNvPr id="28" name="直接连接符 27">
               <a:extLst>
                 <a:ext uri="{FF2B5EF4-FFF2-40B4-BE49-F238E27FC236}">
-                  <a16:creationId xmlns="" xmlns:a16="http://schemas.microsoft.com/office/drawing/2014/main" id="{5BD51EE2-2913-4585-A666-E12E7B7BCDD3}"/>
+                  <a16:creationId xmlns:a16="http://schemas.microsoft.com/office/drawing/2014/main" xmlns="" id="{5BD51EE2-2913-4585-A666-E12E7B7BCDD3}"/>
                 </a:ext>
               </a:extLst>
             </p:cNvPr>
@@ -32804,7 +32906,7 @@
             <p:cNvPr id="29" name="直接连接符 28">
               <a:extLst>
                 <a:ext uri="{FF2B5EF4-FFF2-40B4-BE49-F238E27FC236}">
-                  <a16:creationId xmlns="" xmlns:a16="http://schemas.microsoft.com/office/drawing/2014/main" id="{26C1BA9E-834D-4534-8020-5E0F4B8ED7C2}"/>
+                  <a16:creationId xmlns:a16="http://schemas.microsoft.com/office/drawing/2014/main" xmlns="" id="{26C1BA9E-834D-4534-8020-5E0F4B8ED7C2}"/>
                 </a:ext>
               </a:extLst>
             </p:cNvPr>
@@ -32847,7 +32949,7 @@
             <p:cNvPr id="30" name="椭圆 29">
               <a:extLst>
                 <a:ext uri="{FF2B5EF4-FFF2-40B4-BE49-F238E27FC236}">
-                  <a16:creationId xmlns="" xmlns:a16="http://schemas.microsoft.com/office/drawing/2014/main" id="{9FFC6E8B-50CB-438D-8A6D-D449E71BB9CA}"/>
+                  <a16:creationId xmlns:a16="http://schemas.microsoft.com/office/drawing/2014/main" xmlns="" id="{9FFC6E8B-50CB-438D-8A6D-D449E71BB9CA}"/>
                 </a:ext>
               </a:extLst>
             </p:cNvPr>
@@ -32902,7 +33004,7 @@
             <p:cNvPr id="31" name="椭圆 30">
               <a:extLst>
                 <a:ext uri="{FF2B5EF4-FFF2-40B4-BE49-F238E27FC236}">
-                  <a16:creationId xmlns="" xmlns:a16="http://schemas.microsoft.com/office/drawing/2014/main" id="{D4744B69-2504-4E39-B7BE-7ED83650C6CE}"/>
+                  <a16:creationId xmlns:a16="http://schemas.microsoft.com/office/drawing/2014/main" xmlns="" id="{D4744B69-2504-4E39-B7BE-7ED83650C6CE}"/>
                 </a:ext>
               </a:extLst>
             </p:cNvPr>
@@ -32956,7 +33058,7 @@
             <p:cNvPr id="32" name="椭圆 31">
               <a:extLst>
                 <a:ext uri="{FF2B5EF4-FFF2-40B4-BE49-F238E27FC236}">
-                  <a16:creationId xmlns="" xmlns:a16="http://schemas.microsoft.com/office/drawing/2014/main" id="{FC9A2361-C803-4CB7-93E4-70AD38516113}"/>
+                  <a16:creationId xmlns:a16="http://schemas.microsoft.com/office/drawing/2014/main" xmlns="" id="{FC9A2361-C803-4CB7-93E4-70AD38516113}"/>
                 </a:ext>
               </a:extLst>
             </p:cNvPr>
@@ -33060,7 +33162,7 @@
           </a:ln>
           <a:extLst>
             <a:ext uri="{C572A759-6A51-4108-AA02-DFA0A04FC94B}">
-              <ma14:wrappingTextBoxFlag xmlns="" xmlns:ma14="http://schemas.microsoft.com/office/mac/drawingml/2011/main" val="1"/>
+              <ma14:wrappingTextBoxFlag xmlns:ma14="http://schemas.microsoft.com/office/mac/drawingml/2011/main" xmlns="" val="1"/>
             </a:ext>
           </a:extLst>
         </p:spPr>
@@ -33128,7 +33230,7 @@
           </a:ln>
           <a:extLst>
             <a:ext uri="{C572A759-6A51-4108-AA02-DFA0A04FC94B}">
-              <ma14:wrappingTextBoxFlag xmlns="" xmlns:ma14="http://schemas.microsoft.com/office/mac/drawingml/2011/main" val="1"/>
+              <ma14:wrappingTextBoxFlag xmlns:ma14="http://schemas.microsoft.com/office/mac/drawingml/2011/main" xmlns="" val="1"/>
             </a:ext>
           </a:extLst>
         </p:spPr>
@@ -33190,7 +33292,7 @@
           <p:cNvPr id="17" name="组合 16">
             <a:extLst>
               <a:ext uri="{FF2B5EF4-FFF2-40B4-BE49-F238E27FC236}">
-                <a16:creationId xmlns="" xmlns:a16="http://schemas.microsoft.com/office/drawing/2014/main" id="{37C933BA-2473-4CDC-A5E4-A44C629C23D8}"/>
+                <a16:creationId xmlns:a16="http://schemas.microsoft.com/office/drawing/2014/main" xmlns="" id="{37C933BA-2473-4CDC-A5E4-A44C629C23D8}"/>
               </a:ext>
             </a:extLst>
           </p:cNvPr>
@@ -33210,7 +33312,7 @@
             <p:cNvPr id="18" name="文本框 17">
               <a:extLst>
                 <a:ext uri="{FF2B5EF4-FFF2-40B4-BE49-F238E27FC236}">
-                  <a16:creationId xmlns="" xmlns:a16="http://schemas.microsoft.com/office/drawing/2014/main" id="{16DA8A1E-64FC-4810-80E3-D177285D8773}"/>
+                  <a16:creationId xmlns:a16="http://schemas.microsoft.com/office/drawing/2014/main" xmlns="" id="{16DA8A1E-64FC-4810-80E3-D177285D8773}"/>
                 </a:ext>
               </a:extLst>
             </p:cNvPr>
@@ -33314,7 +33416,7 @@
             <p:cNvPr id="19" name="文本框 18">
               <a:extLst>
                 <a:ext uri="{FF2B5EF4-FFF2-40B4-BE49-F238E27FC236}">
-                  <a16:creationId xmlns="" xmlns:a16="http://schemas.microsoft.com/office/drawing/2014/main" id="{D028F3A2-F8BE-4FF3-AA43-1781C286E3E6}"/>
+                  <a16:creationId xmlns:a16="http://schemas.microsoft.com/office/drawing/2014/main" xmlns="" id="{D028F3A2-F8BE-4FF3-AA43-1781C286E3E6}"/>
                 </a:ext>
               </a:extLst>
             </p:cNvPr>
@@ -33382,7 +33484,7 @@
             <p:cNvPr id="20" name="矩形: 圆角 19">
               <a:extLst>
                 <a:ext uri="{FF2B5EF4-FFF2-40B4-BE49-F238E27FC236}">
-                  <a16:creationId xmlns="" xmlns:a16="http://schemas.microsoft.com/office/drawing/2014/main" id="{D155FC09-937B-45E9-9445-19C2930961C1}"/>
+                  <a16:creationId xmlns:a16="http://schemas.microsoft.com/office/drawing/2014/main" xmlns="" id="{D155FC09-937B-45E9-9445-19C2930961C1}"/>
                 </a:ext>
               </a:extLst>
             </p:cNvPr>
@@ -33455,7 +33557,7 @@
           <p:cNvPr id="22" name="文本框 21">
             <a:extLst>
               <a:ext uri="{FF2B5EF4-FFF2-40B4-BE49-F238E27FC236}">
-                <a16:creationId xmlns="" xmlns:a16="http://schemas.microsoft.com/office/drawing/2014/main" id="{3A22B194-448A-46EE-BC7E-5460EEA7EF82}"/>
+                <a16:creationId xmlns:a16="http://schemas.microsoft.com/office/drawing/2014/main" xmlns="" id="{3A22B194-448A-46EE-BC7E-5460EEA7EF82}"/>
               </a:ext>
             </a:extLst>
           </p:cNvPr>
@@ -33506,7 +33608,7 @@
           <p:cNvPr id="31" name="椭圆 30">
             <a:extLst>
               <a:ext uri="{FF2B5EF4-FFF2-40B4-BE49-F238E27FC236}">
-                <a16:creationId xmlns="" xmlns:a16="http://schemas.microsoft.com/office/drawing/2014/main" id="{3B07899A-BEFE-411B-80F0-B1F1203CAF79}"/>
+                <a16:creationId xmlns:a16="http://schemas.microsoft.com/office/drawing/2014/main" xmlns="" id="{3B07899A-BEFE-411B-80F0-B1F1203CAF79}"/>
               </a:ext>
             </a:extLst>
           </p:cNvPr>
@@ -33560,7 +33662,7 @@
           <p:cNvPr id="32" name="椭圆 31">
             <a:extLst>
               <a:ext uri="{FF2B5EF4-FFF2-40B4-BE49-F238E27FC236}">
-                <a16:creationId xmlns="" xmlns:a16="http://schemas.microsoft.com/office/drawing/2014/main" id="{8E146F45-5E79-431F-AE2D-E8D938E2AE30}"/>
+                <a16:creationId xmlns:a16="http://schemas.microsoft.com/office/drawing/2014/main" xmlns="" id="{8E146F45-5E79-431F-AE2D-E8D938E2AE30}"/>
               </a:ext>
             </a:extLst>
           </p:cNvPr>
@@ -33614,7 +33716,7 @@
           <p:cNvPr id="33" name="椭圆 32">
             <a:extLst>
               <a:ext uri="{FF2B5EF4-FFF2-40B4-BE49-F238E27FC236}">
-                <a16:creationId xmlns="" xmlns:a16="http://schemas.microsoft.com/office/drawing/2014/main" id="{67D28EC8-FAC6-4D9C-A689-EC09A31595AF}"/>
+                <a16:creationId xmlns:a16="http://schemas.microsoft.com/office/drawing/2014/main" xmlns="" id="{67D28EC8-FAC6-4D9C-A689-EC09A31595AF}"/>
               </a:ext>
             </a:extLst>
           </p:cNvPr>
@@ -33671,7 +33773,7 @@
           <p:cNvPr id="34" name="椭圆 33">
             <a:extLst>
               <a:ext uri="{FF2B5EF4-FFF2-40B4-BE49-F238E27FC236}">
-                <a16:creationId xmlns="" xmlns:a16="http://schemas.microsoft.com/office/drawing/2014/main" id="{9F3AFC74-0413-4D11-B73A-701636BA1C2F}"/>
+                <a16:creationId xmlns:a16="http://schemas.microsoft.com/office/drawing/2014/main" xmlns="" id="{9F3AFC74-0413-4D11-B73A-701636BA1C2F}"/>
               </a:ext>
             </a:extLst>
           </p:cNvPr>
@@ -33725,7 +33827,7 @@
           <p:cNvPr id="35" name="椭圆 34">
             <a:extLst>
               <a:ext uri="{FF2B5EF4-FFF2-40B4-BE49-F238E27FC236}">
-                <a16:creationId xmlns="" xmlns:a16="http://schemas.microsoft.com/office/drawing/2014/main" id="{492C6DC1-98AC-4C5B-873B-0FE63529C580}"/>
+                <a16:creationId xmlns:a16="http://schemas.microsoft.com/office/drawing/2014/main" xmlns="" id="{492C6DC1-98AC-4C5B-873B-0FE63529C580}"/>
               </a:ext>
             </a:extLst>
           </p:cNvPr>
@@ -33779,7 +33881,7 @@
           <p:cNvPr id="36" name="直接连接符 35">
             <a:extLst>
               <a:ext uri="{FF2B5EF4-FFF2-40B4-BE49-F238E27FC236}">
-                <a16:creationId xmlns="" xmlns:a16="http://schemas.microsoft.com/office/drawing/2014/main" id="{6971B428-D479-4672-BD8B-7F5D077D5D86}"/>
+                <a16:creationId xmlns:a16="http://schemas.microsoft.com/office/drawing/2014/main" xmlns="" id="{6971B428-D479-4672-BD8B-7F5D077D5D86}"/>
               </a:ext>
             </a:extLst>
           </p:cNvPr>
@@ -33823,7 +33925,7 @@
           <p:cNvPr id="37" name="椭圆 36">
             <a:extLst>
               <a:ext uri="{FF2B5EF4-FFF2-40B4-BE49-F238E27FC236}">
-                <a16:creationId xmlns="" xmlns:a16="http://schemas.microsoft.com/office/drawing/2014/main" id="{E40A54E8-E57E-4BE0-B84A-69974F4EA85A}"/>
+                <a16:creationId xmlns:a16="http://schemas.microsoft.com/office/drawing/2014/main" xmlns="" id="{E40A54E8-E57E-4BE0-B84A-69974F4EA85A}"/>
               </a:ext>
             </a:extLst>
           </p:cNvPr>
@@ -33877,7 +33979,7 @@
           <p:cNvPr id="38" name="直接连接符 37">
             <a:extLst>
               <a:ext uri="{FF2B5EF4-FFF2-40B4-BE49-F238E27FC236}">
-                <a16:creationId xmlns="" xmlns:a16="http://schemas.microsoft.com/office/drawing/2014/main" id="{DF7F0649-3C32-4EE4-9DC6-342077B0E1D8}"/>
+                <a16:creationId xmlns:a16="http://schemas.microsoft.com/office/drawing/2014/main" xmlns="" id="{DF7F0649-3C32-4EE4-9DC6-342077B0E1D8}"/>
               </a:ext>
             </a:extLst>
           </p:cNvPr>
@@ -33921,7 +34023,7 @@
           <p:cNvPr id="39" name="直接连接符 38">
             <a:extLst>
               <a:ext uri="{FF2B5EF4-FFF2-40B4-BE49-F238E27FC236}">
-                <a16:creationId xmlns="" xmlns:a16="http://schemas.microsoft.com/office/drawing/2014/main" id="{093EB3FB-ADF0-474A-B234-EF349901DC15}"/>
+                <a16:creationId xmlns:a16="http://schemas.microsoft.com/office/drawing/2014/main" xmlns="" id="{093EB3FB-ADF0-474A-B234-EF349901DC15}"/>
               </a:ext>
             </a:extLst>
           </p:cNvPr>
@@ -33965,7 +34067,7 @@
           <p:cNvPr id="40" name="椭圆 39">
             <a:extLst>
               <a:ext uri="{FF2B5EF4-FFF2-40B4-BE49-F238E27FC236}">
-                <a16:creationId xmlns="" xmlns:a16="http://schemas.microsoft.com/office/drawing/2014/main" id="{F13CD393-9278-4D9E-926E-A8B9B27E49C8}"/>
+                <a16:creationId xmlns:a16="http://schemas.microsoft.com/office/drawing/2014/main" xmlns="" id="{F13CD393-9278-4D9E-926E-A8B9B27E49C8}"/>
               </a:ext>
             </a:extLst>
           </p:cNvPr>
@@ -34022,7 +34124,7 @@
           <p:cNvPr id="41" name="直接连接符 40">
             <a:extLst>
               <a:ext uri="{FF2B5EF4-FFF2-40B4-BE49-F238E27FC236}">
-                <a16:creationId xmlns="" xmlns:a16="http://schemas.microsoft.com/office/drawing/2014/main" id="{192A6EEE-8490-42FF-8026-D3D66BD75940}"/>
+                <a16:creationId xmlns:a16="http://schemas.microsoft.com/office/drawing/2014/main" xmlns="" id="{192A6EEE-8490-42FF-8026-D3D66BD75940}"/>
               </a:ext>
             </a:extLst>
           </p:cNvPr>
@@ -34066,7 +34168,7 @@
           <p:cNvPr id="42" name="椭圆 41">
             <a:extLst>
               <a:ext uri="{FF2B5EF4-FFF2-40B4-BE49-F238E27FC236}">
-                <a16:creationId xmlns="" xmlns:a16="http://schemas.microsoft.com/office/drawing/2014/main" id="{B5136ACA-AD87-4183-ADB5-428C41FA7777}"/>
+                <a16:creationId xmlns:a16="http://schemas.microsoft.com/office/drawing/2014/main" xmlns="" id="{B5136ACA-AD87-4183-ADB5-428C41FA7777}"/>
               </a:ext>
             </a:extLst>
           </p:cNvPr>
@@ -34120,7 +34222,7 @@
           <p:cNvPr id="43" name="直接连接符 42">
             <a:extLst>
               <a:ext uri="{FF2B5EF4-FFF2-40B4-BE49-F238E27FC236}">
-                <a16:creationId xmlns="" xmlns:a16="http://schemas.microsoft.com/office/drawing/2014/main" id="{272C11AD-11A2-49C8-9292-7533203E68DD}"/>
+                <a16:creationId xmlns:a16="http://schemas.microsoft.com/office/drawing/2014/main" xmlns="" id="{272C11AD-11A2-49C8-9292-7533203E68DD}"/>
               </a:ext>
             </a:extLst>
           </p:cNvPr>
@@ -34164,7 +34266,7 @@
           <p:cNvPr id="44" name="椭圆 43">
             <a:extLst>
               <a:ext uri="{FF2B5EF4-FFF2-40B4-BE49-F238E27FC236}">
-                <a16:creationId xmlns="" xmlns:a16="http://schemas.microsoft.com/office/drawing/2014/main" id="{411E286E-649A-4CC9-A79E-B785F1A457EA}"/>
+                <a16:creationId xmlns:a16="http://schemas.microsoft.com/office/drawing/2014/main" xmlns="" id="{411E286E-649A-4CC9-A79E-B785F1A457EA}"/>
               </a:ext>
             </a:extLst>
           </p:cNvPr>
@@ -34221,7 +34323,7 @@
           <p:cNvPr id="45" name="直接连接符 44">
             <a:extLst>
               <a:ext uri="{FF2B5EF4-FFF2-40B4-BE49-F238E27FC236}">
-                <a16:creationId xmlns="" xmlns:a16="http://schemas.microsoft.com/office/drawing/2014/main" id="{4642B35E-2738-4B10-B77A-A1D1B45ED76B}"/>
+                <a16:creationId xmlns:a16="http://schemas.microsoft.com/office/drawing/2014/main" xmlns="" id="{4642B35E-2738-4B10-B77A-A1D1B45ED76B}"/>
               </a:ext>
             </a:extLst>
           </p:cNvPr>
@@ -34265,7 +34367,7 @@
           <p:cNvPr id="46" name="直接连接符 45">
             <a:extLst>
               <a:ext uri="{FF2B5EF4-FFF2-40B4-BE49-F238E27FC236}">
-                <a16:creationId xmlns="" xmlns:a16="http://schemas.microsoft.com/office/drawing/2014/main" id="{D9581555-6A2E-4C22-B026-C640417AD0E5}"/>
+                <a16:creationId xmlns:a16="http://schemas.microsoft.com/office/drawing/2014/main" xmlns="" id="{D9581555-6A2E-4C22-B026-C640417AD0E5}"/>
               </a:ext>
             </a:extLst>
           </p:cNvPr>
@@ -34309,7 +34411,7 @@
           <p:cNvPr id="47" name="直接连接符 46">
             <a:extLst>
               <a:ext uri="{FF2B5EF4-FFF2-40B4-BE49-F238E27FC236}">
-                <a16:creationId xmlns="" xmlns:a16="http://schemas.microsoft.com/office/drawing/2014/main" id="{BFDADB2E-A848-4A30-A321-0A9EF72DEE7A}"/>
+                <a16:creationId xmlns:a16="http://schemas.microsoft.com/office/drawing/2014/main" xmlns="" id="{BFDADB2E-A848-4A30-A321-0A9EF72DEE7A}"/>
               </a:ext>
             </a:extLst>
           </p:cNvPr>
@@ -34680,7 +34782,7 @@
           </a:ln>
           <a:extLst>
             <a:ext uri="{C572A759-6A51-4108-AA02-DFA0A04FC94B}">
-              <ma14:wrappingTextBoxFlag xmlns="" xmlns:ma14="http://schemas.microsoft.com/office/mac/drawingml/2011/main" val="1"/>
+              <ma14:wrappingTextBoxFlag xmlns:ma14="http://schemas.microsoft.com/office/mac/drawingml/2011/main" xmlns="" val="1"/>
             </a:ext>
           </a:extLst>
         </p:spPr>
@@ -34748,7 +34850,7 @@
           </a:ln>
           <a:extLst>
             <a:ext uri="{C572A759-6A51-4108-AA02-DFA0A04FC94B}">
-              <ma14:wrappingTextBoxFlag xmlns="" xmlns:ma14="http://schemas.microsoft.com/office/mac/drawingml/2011/main" val="1"/>
+              <ma14:wrappingTextBoxFlag xmlns:ma14="http://schemas.microsoft.com/office/mac/drawingml/2011/main" xmlns="" val="1"/>
             </a:ext>
           </a:extLst>
         </p:spPr>
@@ -34810,7 +34912,7 @@
           <p:cNvPr id="17" name="组合 16">
             <a:extLst>
               <a:ext uri="{FF2B5EF4-FFF2-40B4-BE49-F238E27FC236}">
-                <a16:creationId xmlns="" xmlns:a16="http://schemas.microsoft.com/office/drawing/2014/main" id="{37C933BA-2473-4CDC-A5E4-A44C629C23D8}"/>
+                <a16:creationId xmlns:a16="http://schemas.microsoft.com/office/drawing/2014/main" xmlns="" id="{37C933BA-2473-4CDC-A5E4-A44C629C23D8}"/>
               </a:ext>
             </a:extLst>
           </p:cNvPr>
@@ -34830,7 +34932,7 @@
             <p:cNvPr id="18" name="文本框 17">
               <a:extLst>
                 <a:ext uri="{FF2B5EF4-FFF2-40B4-BE49-F238E27FC236}">
-                  <a16:creationId xmlns="" xmlns:a16="http://schemas.microsoft.com/office/drawing/2014/main" id="{16DA8A1E-64FC-4810-80E3-D177285D8773}"/>
+                  <a16:creationId xmlns:a16="http://schemas.microsoft.com/office/drawing/2014/main" xmlns="" id="{16DA8A1E-64FC-4810-80E3-D177285D8773}"/>
                 </a:ext>
               </a:extLst>
             </p:cNvPr>
@@ -34934,7 +35036,7 @@
             <p:cNvPr id="19" name="文本框 18">
               <a:extLst>
                 <a:ext uri="{FF2B5EF4-FFF2-40B4-BE49-F238E27FC236}">
-                  <a16:creationId xmlns="" xmlns:a16="http://schemas.microsoft.com/office/drawing/2014/main" id="{D028F3A2-F8BE-4FF3-AA43-1781C286E3E6}"/>
+                  <a16:creationId xmlns:a16="http://schemas.microsoft.com/office/drawing/2014/main" xmlns="" id="{D028F3A2-F8BE-4FF3-AA43-1781C286E3E6}"/>
                 </a:ext>
               </a:extLst>
             </p:cNvPr>
@@ -35002,7 +35104,7 @@
             <p:cNvPr id="20" name="矩形: 圆角 19">
               <a:extLst>
                 <a:ext uri="{FF2B5EF4-FFF2-40B4-BE49-F238E27FC236}">
-                  <a16:creationId xmlns="" xmlns:a16="http://schemas.microsoft.com/office/drawing/2014/main" id="{D155FC09-937B-45E9-9445-19C2930961C1}"/>
+                  <a16:creationId xmlns:a16="http://schemas.microsoft.com/office/drawing/2014/main" xmlns="" id="{D155FC09-937B-45E9-9445-19C2930961C1}"/>
                 </a:ext>
               </a:extLst>
             </p:cNvPr>
@@ -35075,7 +35177,7 @@
           <p:cNvPr id="22" name="文本框 21">
             <a:extLst>
               <a:ext uri="{FF2B5EF4-FFF2-40B4-BE49-F238E27FC236}">
-                <a16:creationId xmlns="" xmlns:a16="http://schemas.microsoft.com/office/drawing/2014/main" id="{3A22B194-448A-46EE-BC7E-5460EEA7EF82}"/>
+                <a16:creationId xmlns:a16="http://schemas.microsoft.com/office/drawing/2014/main" xmlns="" id="{3A22B194-448A-46EE-BC7E-5460EEA7EF82}"/>
               </a:ext>
             </a:extLst>
           </p:cNvPr>
@@ -35126,7 +35228,7 @@
           <p:cNvPr id="31" name="椭圆 30">
             <a:extLst>
               <a:ext uri="{FF2B5EF4-FFF2-40B4-BE49-F238E27FC236}">
-                <a16:creationId xmlns="" xmlns:a16="http://schemas.microsoft.com/office/drawing/2014/main" id="{3B07899A-BEFE-411B-80F0-B1F1203CAF79}"/>
+                <a16:creationId xmlns:a16="http://schemas.microsoft.com/office/drawing/2014/main" xmlns="" id="{3B07899A-BEFE-411B-80F0-B1F1203CAF79}"/>
               </a:ext>
             </a:extLst>
           </p:cNvPr>
@@ -35180,7 +35282,7 @@
           <p:cNvPr id="32" name="椭圆 31">
             <a:extLst>
               <a:ext uri="{FF2B5EF4-FFF2-40B4-BE49-F238E27FC236}">
-                <a16:creationId xmlns="" xmlns:a16="http://schemas.microsoft.com/office/drawing/2014/main" id="{8E146F45-5E79-431F-AE2D-E8D938E2AE30}"/>
+                <a16:creationId xmlns:a16="http://schemas.microsoft.com/office/drawing/2014/main" xmlns="" id="{8E146F45-5E79-431F-AE2D-E8D938E2AE30}"/>
               </a:ext>
             </a:extLst>
           </p:cNvPr>
@@ -35234,7 +35336,7 @@
           <p:cNvPr id="33" name="椭圆 32">
             <a:extLst>
               <a:ext uri="{FF2B5EF4-FFF2-40B4-BE49-F238E27FC236}">
-                <a16:creationId xmlns="" xmlns:a16="http://schemas.microsoft.com/office/drawing/2014/main" id="{67D28EC8-FAC6-4D9C-A689-EC09A31595AF}"/>
+                <a16:creationId xmlns:a16="http://schemas.microsoft.com/office/drawing/2014/main" xmlns="" id="{67D28EC8-FAC6-4D9C-A689-EC09A31595AF}"/>
               </a:ext>
             </a:extLst>
           </p:cNvPr>
@@ -35291,7 +35393,7 @@
           <p:cNvPr id="34" name="椭圆 33">
             <a:extLst>
               <a:ext uri="{FF2B5EF4-FFF2-40B4-BE49-F238E27FC236}">
-                <a16:creationId xmlns="" xmlns:a16="http://schemas.microsoft.com/office/drawing/2014/main" id="{9F3AFC74-0413-4D11-B73A-701636BA1C2F}"/>
+                <a16:creationId xmlns:a16="http://schemas.microsoft.com/office/drawing/2014/main" xmlns="" id="{9F3AFC74-0413-4D11-B73A-701636BA1C2F}"/>
               </a:ext>
             </a:extLst>
           </p:cNvPr>
@@ -35345,7 +35447,7 @@
           <p:cNvPr id="35" name="椭圆 34">
             <a:extLst>
               <a:ext uri="{FF2B5EF4-FFF2-40B4-BE49-F238E27FC236}">
-                <a16:creationId xmlns="" xmlns:a16="http://schemas.microsoft.com/office/drawing/2014/main" id="{492C6DC1-98AC-4C5B-873B-0FE63529C580}"/>
+                <a16:creationId xmlns:a16="http://schemas.microsoft.com/office/drawing/2014/main" xmlns="" id="{492C6DC1-98AC-4C5B-873B-0FE63529C580}"/>
               </a:ext>
             </a:extLst>
           </p:cNvPr>
@@ -35399,7 +35501,7 @@
           <p:cNvPr id="36" name="直接连接符 35">
             <a:extLst>
               <a:ext uri="{FF2B5EF4-FFF2-40B4-BE49-F238E27FC236}">
-                <a16:creationId xmlns="" xmlns:a16="http://schemas.microsoft.com/office/drawing/2014/main" id="{6971B428-D479-4672-BD8B-7F5D077D5D86}"/>
+                <a16:creationId xmlns:a16="http://schemas.microsoft.com/office/drawing/2014/main" xmlns="" id="{6971B428-D479-4672-BD8B-7F5D077D5D86}"/>
               </a:ext>
             </a:extLst>
           </p:cNvPr>
@@ -35443,7 +35545,7 @@
           <p:cNvPr id="37" name="椭圆 36">
             <a:extLst>
               <a:ext uri="{FF2B5EF4-FFF2-40B4-BE49-F238E27FC236}">
-                <a16:creationId xmlns="" xmlns:a16="http://schemas.microsoft.com/office/drawing/2014/main" id="{E40A54E8-E57E-4BE0-B84A-69974F4EA85A}"/>
+                <a16:creationId xmlns:a16="http://schemas.microsoft.com/office/drawing/2014/main" xmlns="" id="{E40A54E8-E57E-4BE0-B84A-69974F4EA85A}"/>
               </a:ext>
             </a:extLst>
           </p:cNvPr>
@@ -35497,7 +35599,7 @@
           <p:cNvPr id="38" name="直接连接符 37">
             <a:extLst>
               <a:ext uri="{FF2B5EF4-FFF2-40B4-BE49-F238E27FC236}">
-                <a16:creationId xmlns="" xmlns:a16="http://schemas.microsoft.com/office/drawing/2014/main" id="{DF7F0649-3C32-4EE4-9DC6-342077B0E1D8}"/>
+                <a16:creationId xmlns:a16="http://schemas.microsoft.com/office/drawing/2014/main" xmlns="" id="{DF7F0649-3C32-4EE4-9DC6-342077B0E1D8}"/>
               </a:ext>
             </a:extLst>
           </p:cNvPr>
@@ -35541,7 +35643,7 @@
           <p:cNvPr id="39" name="直接连接符 38">
             <a:extLst>
               <a:ext uri="{FF2B5EF4-FFF2-40B4-BE49-F238E27FC236}">
-                <a16:creationId xmlns="" xmlns:a16="http://schemas.microsoft.com/office/drawing/2014/main" id="{093EB3FB-ADF0-474A-B234-EF349901DC15}"/>
+                <a16:creationId xmlns:a16="http://schemas.microsoft.com/office/drawing/2014/main" xmlns="" id="{093EB3FB-ADF0-474A-B234-EF349901DC15}"/>
               </a:ext>
             </a:extLst>
           </p:cNvPr>
@@ -35585,7 +35687,7 @@
           <p:cNvPr id="40" name="椭圆 39">
             <a:extLst>
               <a:ext uri="{FF2B5EF4-FFF2-40B4-BE49-F238E27FC236}">
-                <a16:creationId xmlns="" xmlns:a16="http://schemas.microsoft.com/office/drawing/2014/main" id="{F13CD393-9278-4D9E-926E-A8B9B27E49C8}"/>
+                <a16:creationId xmlns:a16="http://schemas.microsoft.com/office/drawing/2014/main" xmlns="" id="{F13CD393-9278-4D9E-926E-A8B9B27E49C8}"/>
               </a:ext>
             </a:extLst>
           </p:cNvPr>
@@ -35642,7 +35744,7 @@
           <p:cNvPr id="41" name="直接连接符 40">
             <a:extLst>
               <a:ext uri="{FF2B5EF4-FFF2-40B4-BE49-F238E27FC236}">
-                <a16:creationId xmlns="" xmlns:a16="http://schemas.microsoft.com/office/drawing/2014/main" id="{192A6EEE-8490-42FF-8026-D3D66BD75940}"/>
+                <a16:creationId xmlns:a16="http://schemas.microsoft.com/office/drawing/2014/main" xmlns="" id="{192A6EEE-8490-42FF-8026-D3D66BD75940}"/>
               </a:ext>
             </a:extLst>
           </p:cNvPr>
@@ -35686,7 +35788,7 @@
           <p:cNvPr id="42" name="椭圆 41">
             <a:extLst>
               <a:ext uri="{FF2B5EF4-FFF2-40B4-BE49-F238E27FC236}">
-                <a16:creationId xmlns="" xmlns:a16="http://schemas.microsoft.com/office/drawing/2014/main" id="{B5136ACA-AD87-4183-ADB5-428C41FA7777}"/>
+                <a16:creationId xmlns:a16="http://schemas.microsoft.com/office/drawing/2014/main" xmlns="" id="{B5136ACA-AD87-4183-ADB5-428C41FA7777}"/>
               </a:ext>
             </a:extLst>
           </p:cNvPr>
@@ -35740,7 +35842,7 @@
           <p:cNvPr id="43" name="直接连接符 42">
             <a:extLst>
               <a:ext uri="{FF2B5EF4-FFF2-40B4-BE49-F238E27FC236}">
-                <a16:creationId xmlns="" xmlns:a16="http://schemas.microsoft.com/office/drawing/2014/main" id="{272C11AD-11A2-49C8-9292-7533203E68DD}"/>
+                <a16:creationId xmlns:a16="http://schemas.microsoft.com/office/drawing/2014/main" xmlns="" id="{272C11AD-11A2-49C8-9292-7533203E68DD}"/>
               </a:ext>
             </a:extLst>
           </p:cNvPr>
@@ -35784,7 +35886,7 @@
           <p:cNvPr id="44" name="椭圆 43">
             <a:extLst>
               <a:ext uri="{FF2B5EF4-FFF2-40B4-BE49-F238E27FC236}">
-                <a16:creationId xmlns="" xmlns:a16="http://schemas.microsoft.com/office/drawing/2014/main" id="{411E286E-649A-4CC9-A79E-B785F1A457EA}"/>
+                <a16:creationId xmlns:a16="http://schemas.microsoft.com/office/drawing/2014/main" xmlns="" id="{411E286E-649A-4CC9-A79E-B785F1A457EA}"/>
               </a:ext>
             </a:extLst>
           </p:cNvPr>
@@ -35841,7 +35943,7 @@
           <p:cNvPr id="45" name="直接连接符 44">
             <a:extLst>
               <a:ext uri="{FF2B5EF4-FFF2-40B4-BE49-F238E27FC236}">
-                <a16:creationId xmlns="" xmlns:a16="http://schemas.microsoft.com/office/drawing/2014/main" id="{4642B35E-2738-4B10-B77A-A1D1B45ED76B}"/>
+                <a16:creationId xmlns:a16="http://schemas.microsoft.com/office/drawing/2014/main" xmlns="" id="{4642B35E-2738-4B10-B77A-A1D1B45ED76B}"/>
               </a:ext>
             </a:extLst>
           </p:cNvPr>
@@ -35885,7 +35987,7 @@
           <p:cNvPr id="46" name="直接连接符 45">
             <a:extLst>
               <a:ext uri="{FF2B5EF4-FFF2-40B4-BE49-F238E27FC236}">
-                <a16:creationId xmlns="" xmlns:a16="http://schemas.microsoft.com/office/drawing/2014/main" id="{D9581555-6A2E-4C22-B026-C640417AD0E5}"/>
+                <a16:creationId xmlns:a16="http://schemas.microsoft.com/office/drawing/2014/main" xmlns="" id="{D9581555-6A2E-4C22-B026-C640417AD0E5}"/>
               </a:ext>
             </a:extLst>
           </p:cNvPr>
@@ -35929,7 +36031,7 @@
           <p:cNvPr id="47" name="直接连接符 46">
             <a:extLst>
               <a:ext uri="{FF2B5EF4-FFF2-40B4-BE49-F238E27FC236}">
-                <a16:creationId xmlns="" xmlns:a16="http://schemas.microsoft.com/office/drawing/2014/main" id="{BFDADB2E-A848-4A30-A321-0A9EF72DEE7A}"/>
+                <a16:creationId xmlns:a16="http://schemas.microsoft.com/office/drawing/2014/main" xmlns="" id="{BFDADB2E-A848-4A30-A321-0A9EF72DEE7A}"/>
               </a:ext>
             </a:extLst>
           </p:cNvPr>
@@ -36254,7 +36356,7 @@
           </a:ln>
           <a:extLst>
             <a:ext uri="{C572A759-6A51-4108-AA02-DFA0A04FC94B}">
-              <ma14:wrappingTextBoxFlag xmlns="" xmlns:ma14="http://schemas.microsoft.com/office/mac/drawingml/2011/main" val="1"/>
+              <ma14:wrappingTextBoxFlag xmlns:ma14="http://schemas.microsoft.com/office/mac/drawingml/2011/main" xmlns="" val="1"/>
             </a:ext>
           </a:extLst>
         </p:spPr>
@@ -36322,7 +36424,7 @@
           </a:ln>
           <a:extLst>
             <a:ext uri="{C572A759-6A51-4108-AA02-DFA0A04FC94B}">
-              <ma14:wrappingTextBoxFlag xmlns="" xmlns:ma14="http://schemas.microsoft.com/office/mac/drawingml/2011/main" val="1"/>
+              <ma14:wrappingTextBoxFlag xmlns:ma14="http://schemas.microsoft.com/office/mac/drawingml/2011/main" xmlns="" val="1"/>
             </a:ext>
           </a:extLst>
         </p:spPr>
@@ -36384,7 +36486,7 @@
           <p:cNvPr id="17" name="组合 16">
             <a:extLst>
               <a:ext uri="{FF2B5EF4-FFF2-40B4-BE49-F238E27FC236}">
-                <a16:creationId xmlns="" xmlns:a16="http://schemas.microsoft.com/office/drawing/2014/main" id="{37C933BA-2473-4CDC-A5E4-A44C629C23D8}"/>
+                <a16:creationId xmlns:a16="http://schemas.microsoft.com/office/drawing/2014/main" xmlns="" id="{37C933BA-2473-4CDC-A5E4-A44C629C23D8}"/>
               </a:ext>
             </a:extLst>
           </p:cNvPr>
@@ -36404,7 +36506,7 @@
             <p:cNvPr id="18" name="文本框 17">
               <a:extLst>
                 <a:ext uri="{FF2B5EF4-FFF2-40B4-BE49-F238E27FC236}">
-                  <a16:creationId xmlns="" xmlns:a16="http://schemas.microsoft.com/office/drawing/2014/main" id="{16DA8A1E-64FC-4810-80E3-D177285D8773}"/>
+                  <a16:creationId xmlns:a16="http://schemas.microsoft.com/office/drawing/2014/main" xmlns="" id="{16DA8A1E-64FC-4810-80E3-D177285D8773}"/>
                 </a:ext>
               </a:extLst>
             </p:cNvPr>
@@ -36508,7 +36610,7 @@
             <p:cNvPr id="19" name="文本框 18">
               <a:extLst>
                 <a:ext uri="{FF2B5EF4-FFF2-40B4-BE49-F238E27FC236}">
-                  <a16:creationId xmlns="" xmlns:a16="http://schemas.microsoft.com/office/drawing/2014/main" id="{D028F3A2-F8BE-4FF3-AA43-1781C286E3E6}"/>
+                  <a16:creationId xmlns:a16="http://schemas.microsoft.com/office/drawing/2014/main" xmlns="" id="{D028F3A2-F8BE-4FF3-AA43-1781C286E3E6}"/>
                 </a:ext>
               </a:extLst>
             </p:cNvPr>
@@ -36576,7 +36678,7 @@
             <p:cNvPr id="20" name="矩形: 圆角 19">
               <a:extLst>
                 <a:ext uri="{FF2B5EF4-FFF2-40B4-BE49-F238E27FC236}">
-                  <a16:creationId xmlns="" xmlns:a16="http://schemas.microsoft.com/office/drawing/2014/main" id="{D155FC09-937B-45E9-9445-19C2930961C1}"/>
+                  <a16:creationId xmlns:a16="http://schemas.microsoft.com/office/drawing/2014/main" xmlns="" id="{D155FC09-937B-45E9-9445-19C2930961C1}"/>
                 </a:ext>
               </a:extLst>
             </p:cNvPr>
@@ -36649,7 +36751,7 @@
           <p:cNvPr id="22" name="文本框 21">
             <a:extLst>
               <a:ext uri="{FF2B5EF4-FFF2-40B4-BE49-F238E27FC236}">
-                <a16:creationId xmlns="" xmlns:a16="http://schemas.microsoft.com/office/drawing/2014/main" id="{3A22B194-448A-46EE-BC7E-5460EEA7EF82}"/>
+                <a16:creationId xmlns:a16="http://schemas.microsoft.com/office/drawing/2014/main" xmlns="" id="{3A22B194-448A-46EE-BC7E-5460EEA7EF82}"/>
               </a:ext>
             </a:extLst>
           </p:cNvPr>
@@ -36700,7 +36802,7 @@
           <p:cNvPr id="31" name="椭圆 30">
             <a:extLst>
               <a:ext uri="{FF2B5EF4-FFF2-40B4-BE49-F238E27FC236}">
-                <a16:creationId xmlns="" xmlns:a16="http://schemas.microsoft.com/office/drawing/2014/main" id="{3B07899A-BEFE-411B-80F0-B1F1203CAF79}"/>
+                <a16:creationId xmlns:a16="http://schemas.microsoft.com/office/drawing/2014/main" xmlns="" id="{3B07899A-BEFE-411B-80F0-B1F1203CAF79}"/>
               </a:ext>
             </a:extLst>
           </p:cNvPr>
@@ -36754,7 +36856,7 @@
           <p:cNvPr id="32" name="椭圆 31">
             <a:extLst>
               <a:ext uri="{FF2B5EF4-FFF2-40B4-BE49-F238E27FC236}">
-                <a16:creationId xmlns="" xmlns:a16="http://schemas.microsoft.com/office/drawing/2014/main" id="{8E146F45-5E79-431F-AE2D-E8D938E2AE30}"/>
+                <a16:creationId xmlns:a16="http://schemas.microsoft.com/office/drawing/2014/main" xmlns="" id="{8E146F45-5E79-431F-AE2D-E8D938E2AE30}"/>
               </a:ext>
             </a:extLst>
           </p:cNvPr>
@@ -36808,7 +36910,7 @@
           <p:cNvPr id="33" name="椭圆 32">
             <a:extLst>
               <a:ext uri="{FF2B5EF4-FFF2-40B4-BE49-F238E27FC236}">
-                <a16:creationId xmlns="" xmlns:a16="http://schemas.microsoft.com/office/drawing/2014/main" id="{67D28EC8-FAC6-4D9C-A689-EC09A31595AF}"/>
+                <a16:creationId xmlns:a16="http://schemas.microsoft.com/office/drawing/2014/main" xmlns="" id="{67D28EC8-FAC6-4D9C-A689-EC09A31595AF}"/>
               </a:ext>
             </a:extLst>
           </p:cNvPr>
@@ -36865,7 +36967,7 @@
           <p:cNvPr id="34" name="椭圆 33">
             <a:extLst>
               <a:ext uri="{FF2B5EF4-FFF2-40B4-BE49-F238E27FC236}">
-                <a16:creationId xmlns="" xmlns:a16="http://schemas.microsoft.com/office/drawing/2014/main" id="{9F3AFC74-0413-4D11-B73A-701636BA1C2F}"/>
+                <a16:creationId xmlns:a16="http://schemas.microsoft.com/office/drawing/2014/main" xmlns="" id="{9F3AFC74-0413-4D11-B73A-701636BA1C2F}"/>
               </a:ext>
             </a:extLst>
           </p:cNvPr>
@@ -36919,7 +37021,7 @@
           <p:cNvPr id="35" name="椭圆 34">
             <a:extLst>
               <a:ext uri="{FF2B5EF4-FFF2-40B4-BE49-F238E27FC236}">
-                <a16:creationId xmlns="" xmlns:a16="http://schemas.microsoft.com/office/drawing/2014/main" id="{492C6DC1-98AC-4C5B-873B-0FE63529C580}"/>
+                <a16:creationId xmlns:a16="http://schemas.microsoft.com/office/drawing/2014/main" xmlns="" id="{492C6DC1-98AC-4C5B-873B-0FE63529C580}"/>
               </a:ext>
             </a:extLst>
           </p:cNvPr>
@@ -36973,7 +37075,7 @@
           <p:cNvPr id="36" name="直接连接符 35">
             <a:extLst>
               <a:ext uri="{FF2B5EF4-FFF2-40B4-BE49-F238E27FC236}">
-                <a16:creationId xmlns="" xmlns:a16="http://schemas.microsoft.com/office/drawing/2014/main" id="{6971B428-D479-4672-BD8B-7F5D077D5D86}"/>
+                <a16:creationId xmlns:a16="http://schemas.microsoft.com/office/drawing/2014/main" xmlns="" id="{6971B428-D479-4672-BD8B-7F5D077D5D86}"/>
               </a:ext>
             </a:extLst>
           </p:cNvPr>
@@ -37017,7 +37119,7 @@
           <p:cNvPr id="37" name="椭圆 36">
             <a:extLst>
               <a:ext uri="{FF2B5EF4-FFF2-40B4-BE49-F238E27FC236}">
-                <a16:creationId xmlns="" xmlns:a16="http://schemas.microsoft.com/office/drawing/2014/main" id="{E40A54E8-E57E-4BE0-B84A-69974F4EA85A}"/>
+                <a16:creationId xmlns:a16="http://schemas.microsoft.com/office/drawing/2014/main" xmlns="" id="{E40A54E8-E57E-4BE0-B84A-69974F4EA85A}"/>
               </a:ext>
             </a:extLst>
           </p:cNvPr>
@@ -37071,7 +37173,7 @@
           <p:cNvPr id="38" name="直接连接符 37">
             <a:extLst>
               <a:ext uri="{FF2B5EF4-FFF2-40B4-BE49-F238E27FC236}">
-                <a16:creationId xmlns="" xmlns:a16="http://schemas.microsoft.com/office/drawing/2014/main" id="{DF7F0649-3C32-4EE4-9DC6-342077B0E1D8}"/>
+                <a16:creationId xmlns:a16="http://schemas.microsoft.com/office/drawing/2014/main" xmlns="" id="{DF7F0649-3C32-4EE4-9DC6-342077B0E1D8}"/>
               </a:ext>
             </a:extLst>
           </p:cNvPr>
@@ -37115,7 +37217,7 @@
           <p:cNvPr id="39" name="直接连接符 38">
             <a:extLst>
               <a:ext uri="{FF2B5EF4-FFF2-40B4-BE49-F238E27FC236}">
-                <a16:creationId xmlns="" xmlns:a16="http://schemas.microsoft.com/office/drawing/2014/main" id="{093EB3FB-ADF0-474A-B234-EF349901DC15}"/>
+                <a16:creationId xmlns:a16="http://schemas.microsoft.com/office/drawing/2014/main" xmlns="" id="{093EB3FB-ADF0-474A-B234-EF349901DC15}"/>
               </a:ext>
             </a:extLst>
           </p:cNvPr>
@@ -37159,7 +37261,7 @@
           <p:cNvPr id="40" name="椭圆 39">
             <a:extLst>
               <a:ext uri="{FF2B5EF4-FFF2-40B4-BE49-F238E27FC236}">
-                <a16:creationId xmlns="" xmlns:a16="http://schemas.microsoft.com/office/drawing/2014/main" id="{F13CD393-9278-4D9E-926E-A8B9B27E49C8}"/>
+                <a16:creationId xmlns:a16="http://schemas.microsoft.com/office/drawing/2014/main" xmlns="" id="{F13CD393-9278-4D9E-926E-A8B9B27E49C8}"/>
               </a:ext>
             </a:extLst>
           </p:cNvPr>
@@ -37216,7 +37318,7 @@
           <p:cNvPr id="41" name="直接连接符 40">
             <a:extLst>
               <a:ext uri="{FF2B5EF4-FFF2-40B4-BE49-F238E27FC236}">
-                <a16:creationId xmlns="" xmlns:a16="http://schemas.microsoft.com/office/drawing/2014/main" id="{192A6EEE-8490-42FF-8026-D3D66BD75940}"/>
+                <a16:creationId xmlns:a16="http://schemas.microsoft.com/office/drawing/2014/main" xmlns="" id="{192A6EEE-8490-42FF-8026-D3D66BD75940}"/>
               </a:ext>
             </a:extLst>
           </p:cNvPr>
@@ -37260,7 +37362,7 @@
           <p:cNvPr id="42" name="椭圆 41">
             <a:extLst>
               <a:ext uri="{FF2B5EF4-FFF2-40B4-BE49-F238E27FC236}">
-                <a16:creationId xmlns="" xmlns:a16="http://schemas.microsoft.com/office/drawing/2014/main" id="{B5136ACA-AD87-4183-ADB5-428C41FA7777}"/>
+                <a16:creationId xmlns:a16="http://schemas.microsoft.com/office/drawing/2014/main" xmlns="" id="{B5136ACA-AD87-4183-ADB5-428C41FA7777}"/>
               </a:ext>
             </a:extLst>
           </p:cNvPr>
@@ -37314,7 +37416,7 @@
           <p:cNvPr id="43" name="直接连接符 42">
             <a:extLst>
               <a:ext uri="{FF2B5EF4-FFF2-40B4-BE49-F238E27FC236}">
-                <a16:creationId xmlns="" xmlns:a16="http://schemas.microsoft.com/office/drawing/2014/main" id="{272C11AD-11A2-49C8-9292-7533203E68DD}"/>
+                <a16:creationId xmlns:a16="http://schemas.microsoft.com/office/drawing/2014/main" xmlns="" id="{272C11AD-11A2-49C8-9292-7533203E68DD}"/>
               </a:ext>
             </a:extLst>
           </p:cNvPr>
@@ -37358,7 +37460,7 @@
           <p:cNvPr id="44" name="椭圆 43">
             <a:extLst>
               <a:ext uri="{FF2B5EF4-FFF2-40B4-BE49-F238E27FC236}">
-                <a16:creationId xmlns="" xmlns:a16="http://schemas.microsoft.com/office/drawing/2014/main" id="{411E286E-649A-4CC9-A79E-B785F1A457EA}"/>
+                <a16:creationId xmlns:a16="http://schemas.microsoft.com/office/drawing/2014/main" xmlns="" id="{411E286E-649A-4CC9-A79E-B785F1A457EA}"/>
               </a:ext>
             </a:extLst>
           </p:cNvPr>
@@ -37415,7 +37517,7 @@
           <p:cNvPr id="45" name="直接连接符 44">
             <a:extLst>
               <a:ext uri="{FF2B5EF4-FFF2-40B4-BE49-F238E27FC236}">
-                <a16:creationId xmlns="" xmlns:a16="http://schemas.microsoft.com/office/drawing/2014/main" id="{4642B35E-2738-4B10-B77A-A1D1B45ED76B}"/>
+                <a16:creationId xmlns:a16="http://schemas.microsoft.com/office/drawing/2014/main" xmlns="" id="{4642B35E-2738-4B10-B77A-A1D1B45ED76B}"/>
               </a:ext>
             </a:extLst>
           </p:cNvPr>
@@ -37459,7 +37561,7 @@
           <p:cNvPr id="46" name="直接连接符 45">
             <a:extLst>
               <a:ext uri="{FF2B5EF4-FFF2-40B4-BE49-F238E27FC236}">
-                <a16:creationId xmlns="" xmlns:a16="http://schemas.microsoft.com/office/drawing/2014/main" id="{D9581555-6A2E-4C22-B026-C640417AD0E5}"/>
+                <a16:creationId xmlns:a16="http://schemas.microsoft.com/office/drawing/2014/main" xmlns="" id="{D9581555-6A2E-4C22-B026-C640417AD0E5}"/>
               </a:ext>
             </a:extLst>
           </p:cNvPr>
@@ -37503,7 +37605,7 @@
           <p:cNvPr id="47" name="直接连接符 46">
             <a:extLst>
               <a:ext uri="{FF2B5EF4-FFF2-40B4-BE49-F238E27FC236}">
-                <a16:creationId xmlns="" xmlns:a16="http://schemas.microsoft.com/office/drawing/2014/main" id="{BFDADB2E-A848-4A30-A321-0A9EF72DEE7A}"/>
+                <a16:creationId xmlns:a16="http://schemas.microsoft.com/office/drawing/2014/main" xmlns="" id="{BFDADB2E-A848-4A30-A321-0A9EF72DEE7A}"/>
               </a:ext>
             </a:extLst>
           </p:cNvPr>
@@ -37971,7 +38073,7 @@
           <p:cNvPr id="6" name="图片 5" descr="图片包含 户外艺术系列&#10;&#10;已生成高可信度的说明">
             <a:extLst>
               <a:ext uri="{FF2B5EF4-FFF2-40B4-BE49-F238E27FC236}">
-                <a16:creationId xmlns="" xmlns:a16="http://schemas.microsoft.com/office/drawing/2014/main" id="{89D524ED-F1C6-411C-BF82-1FE0C3CECFC7}"/>
+                <a16:creationId xmlns:a16="http://schemas.microsoft.com/office/drawing/2014/main" xmlns="" id="{89D524ED-F1C6-411C-BF82-1FE0C3CECFC7}"/>
               </a:ext>
             </a:extLst>
           </p:cNvPr>
@@ -38007,7 +38109,7 @@
           <p:cNvPr id="11" name="矩形: 圆角 10">
             <a:extLst>
               <a:ext uri="{FF2B5EF4-FFF2-40B4-BE49-F238E27FC236}">
-                <a16:creationId xmlns="" xmlns:a16="http://schemas.microsoft.com/office/drawing/2014/main" id="{6BCFDEB3-66BB-40C4-8D11-4501056B03A6}"/>
+                <a16:creationId xmlns:a16="http://schemas.microsoft.com/office/drawing/2014/main" xmlns="" id="{6BCFDEB3-66BB-40C4-8D11-4501056B03A6}"/>
               </a:ext>
             </a:extLst>
           </p:cNvPr>
@@ -38068,7 +38170,7 @@
           <p:cNvPr id="2" name="文本框 1">
             <a:extLst>
               <a:ext uri="{FF2B5EF4-FFF2-40B4-BE49-F238E27FC236}">
-                <a16:creationId xmlns="" xmlns:a16="http://schemas.microsoft.com/office/drawing/2014/main" id="{F78FF481-D5DD-4D63-B7A7-27E254D01BB4}"/>
+                <a16:creationId xmlns:a16="http://schemas.microsoft.com/office/drawing/2014/main" xmlns="" id="{F78FF481-D5DD-4D63-B7A7-27E254D01BB4}"/>
               </a:ext>
             </a:extLst>
           </p:cNvPr>
@@ -38111,7 +38213,7 @@
           <p:cNvPr id="3" name="文本框 2">
             <a:extLst>
               <a:ext uri="{FF2B5EF4-FFF2-40B4-BE49-F238E27FC236}">
-                <a16:creationId xmlns="" xmlns:a16="http://schemas.microsoft.com/office/drawing/2014/main" id="{2A4B6A67-80A8-491C-9B75-F838BAA24AB8}"/>
+                <a16:creationId xmlns:a16="http://schemas.microsoft.com/office/drawing/2014/main" xmlns="" id="{2A4B6A67-80A8-491C-9B75-F838BAA24AB8}"/>
               </a:ext>
             </a:extLst>
           </p:cNvPr>
@@ -38152,7 +38254,7 @@
           <p:cNvPr id="4" name="文本框 3">
             <a:extLst>
               <a:ext uri="{FF2B5EF4-FFF2-40B4-BE49-F238E27FC236}">
-                <a16:creationId xmlns="" xmlns:a16="http://schemas.microsoft.com/office/drawing/2014/main" id="{D0EF4BBF-C2CD-4EB3-A920-99A3D31601CD}"/>
+                <a16:creationId xmlns:a16="http://schemas.microsoft.com/office/drawing/2014/main" xmlns="" id="{D0EF4BBF-C2CD-4EB3-A920-99A3D31601CD}"/>
               </a:ext>
             </a:extLst>
           </p:cNvPr>
@@ -38213,7 +38315,7 @@
           <p:cNvPr id="7" name="直接连接符 6">
             <a:extLst>
               <a:ext uri="{FF2B5EF4-FFF2-40B4-BE49-F238E27FC236}">
-                <a16:creationId xmlns="" xmlns:a16="http://schemas.microsoft.com/office/drawing/2014/main" id="{4000AD3B-46B8-4302-97C7-6AB34A88DFA6}"/>
+                <a16:creationId xmlns:a16="http://schemas.microsoft.com/office/drawing/2014/main" xmlns="" id="{4000AD3B-46B8-4302-97C7-6AB34A88DFA6}"/>
               </a:ext>
             </a:extLst>
           </p:cNvPr>
@@ -38256,7 +38358,7 @@
           <p:cNvPr id="10" name="组合 9">
             <a:extLst>
               <a:ext uri="{FF2B5EF4-FFF2-40B4-BE49-F238E27FC236}">
-                <a16:creationId xmlns="" xmlns:a16="http://schemas.microsoft.com/office/drawing/2014/main" id="{0A179309-4274-4AFB-96A6-CDF4D9704354}"/>
+                <a16:creationId xmlns:a16="http://schemas.microsoft.com/office/drawing/2014/main" xmlns="" id="{0A179309-4274-4AFB-96A6-CDF4D9704354}"/>
               </a:ext>
             </a:extLst>
           </p:cNvPr>
@@ -38276,7 +38378,7 @@
             <p:cNvPr id="13" name="直接连接符 12">
               <a:extLst>
                 <a:ext uri="{FF2B5EF4-FFF2-40B4-BE49-F238E27FC236}">
-                  <a16:creationId xmlns="" xmlns:a16="http://schemas.microsoft.com/office/drawing/2014/main" id="{3E1E71E1-150B-4EBB-ACA2-3809BDB92488}"/>
+                  <a16:creationId xmlns:a16="http://schemas.microsoft.com/office/drawing/2014/main" xmlns="" id="{3E1E71E1-150B-4EBB-ACA2-3809BDB92488}"/>
                 </a:ext>
               </a:extLst>
             </p:cNvPr>
@@ -38319,7 +38421,7 @@
             <p:cNvPr id="14" name="直接连接符 13">
               <a:extLst>
                 <a:ext uri="{FF2B5EF4-FFF2-40B4-BE49-F238E27FC236}">
-                  <a16:creationId xmlns="" xmlns:a16="http://schemas.microsoft.com/office/drawing/2014/main" id="{3644F1BB-7050-437B-A0D9-2C5C16232620}"/>
+                  <a16:creationId xmlns:a16="http://schemas.microsoft.com/office/drawing/2014/main" xmlns="" id="{3644F1BB-7050-437B-A0D9-2C5C16232620}"/>
                 </a:ext>
               </a:extLst>
             </p:cNvPr>
@@ -38362,7 +38464,7 @@
             <p:cNvPr id="15" name="直接连接符 14">
               <a:extLst>
                 <a:ext uri="{FF2B5EF4-FFF2-40B4-BE49-F238E27FC236}">
-                  <a16:creationId xmlns="" xmlns:a16="http://schemas.microsoft.com/office/drawing/2014/main" id="{A58349CB-A746-42FE-B196-071D1F66F4A6}"/>
+                  <a16:creationId xmlns:a16="http://schemas.microsoft.com/office/drawing/2014/main" xmlns="" id="{A58349CB-A746-42FE-B196-071D1F66F4A6}"/>
                 </a:ext>
               </a:extLst>
             </p:cNvPr>
@@ -38405,7 +38507,7 @@
             <p:cNvPr id="16" name="椭圆 15">
               <a:extLst>
                 <a:ext uri="{FF2B5EF4-FFF2-40B4-BE49-F238E27FC236}">
-                  <a16:creationId xmlns="" xmlns:a16="http://schemas.microsoft.com/office/drawing/2014/main" id="{1EA2E525-99FB-4DC3-85D4-E58FF0F0D4CB}"/>
+                  <a16:creationId xmlns:a16="http://schemas.microsoft.com/office/drawing/2014/main" xmlns="" id="{1EA2E525-99FB-4DC3-85D4-E58FF0F0D4CB}"/>
                 </a:ext>
               </a:extLst>
             </p:cNvPr>
@@ -38460,7 +38562,7 @@
             <p:cNvPr id="17" name="椭圆 16">
               <a:extLst>
                 <a:ext uri="{FF2B5EF4-FFF2-40B4-BE49-F238E27FC236}">
-                  <a16:creationId xmlns="" xmlns:a16="http://schemas.microsoft.com/office/drawing/2014/main" id="{3DA1CB48-5631-4E05-8CE8-88FAC410BB1B}"/>
+                  <a16:creationId xmlns:a16="http://schemas.microsoft.com/office/drawing/2014/main" xmlns="" id="{3DA1CB48-5631-4E05-8CE8-88FAC410BB1B}"/>
                 </a:ext>
               </a:extLst>
             </p:cNvPr>
@@ -38514,7 +38616,7 @@
             <p:cNvPr id="18" name="椭圆 17">
               <a:extLst>
                 <a:ext uri="{FF2B5EF4-FFF2-40B4-BE49-F238E27FC236}">
-                  <a16:creationId xmlns="" xmlns:a16="http://schemas.microsoft.com/office/drawing/2014/main" id="{292A36A2-19F3-40B6-80DB-E53E8B94E159}"/>
+                  <a16:creationId xmlns:a16="http://schemas.microsoft.com/office/drawing/2014/main" xmlns="" id="{292A36A2-19F3-40B6-80DB-E53E8B94E159}"/>
                 </a:ext>
               </a:extLst>
             </p:cNvPr>
@@ -38571,7 +38673,7 @@
           <p:cNvPr id="19" name="组合 18">
             <a:extLst>
               <a:ext uri="{FF2B5EF4-FFF2-40B4-BE49-F238E27FC236}">
-                <a16:creationId xmlns="" xmlns:a16="http://schemas.microsoft.com/office/drawing/2014/main" id="{54F5DAC7-1D40-43F9-9CFA-72281B05A6C2}"/>
+                <a16:creationId xmlns:a16="http://schemas.microsoft.com/office/drawing/2014/main" xmlns="" id="{54F5DAC7-1D40-43F9-9CFA-72281B05A6C2}"/>
               </a:ext>
             </a:extLst>
           </p:cNvPr>
@@ -38591,7 +38693,7 @@
             <p:cNvPr id="20" name="直接连接符 19">
               <a:extLst>
                 <a:ext uri="{FF2B5EF4-FFF2-40B4-BE49-F238E27FC236}">
-                  <a16:creationId xmlns="" xmlns:a16="http://schemas.microsoft.com/office/drawing/2014/main" id="{33C9463E-892C-4B04-92A8-B5F992BCAF1B}"/>
+                  <a16:creationId xmlns:a16="http://schemas.microsoft.com/office/drawing/2014/main" xmlns="" id="{33C9463E-892C-4B04-92A8-B5F992BCAF1B}"/>
                 </a:ext>
               </a:extLst>
             </p:cNvPr>
@@ -38634,7 +38736,7 @@
             <p:cNvPr id="21" name="直接连接符 20">
               <a:extLst>
                 <a:ext uri="{FF2B5EF4-FFF2-40B4-BE49-F238E27FC236}">
-                  <a16:creationId xmlns="" xmlns:a16="http://schemas.microsoft.com/office/drawing/2014/main" id="{DF8A5D8A-C7AA-4520-9F05-4E3EAB9A8BB5}"/>
+                  <a16:creationId xmlns:a16="http://schemas.microsoft.com/office/drawing/2014/main" xmlns="" id="{DF8A5D8A-C7AA-4520-9F05-4E3EAB9A8BB5}"/>
                 </a:ext>
               </a:extLst>
             </p:cNvPr>
@@ -38677,7 +38779,7 @@
             <p:cNvPr id="22" name="直接连接符 21">
               <a:extLst>
                 <a:ext uri="{FF2B5EF4-FFF2-40B4-BE49-F238E27FC236}">
-                  <a16:creationId xmlns="" xmlns:a16="http://schemas.microsoft.com/office/drawing/2014/main" id="{9997A725-A58B-4628-A8C3-E026E0A2203D}"/>
+                  <a16:creationId xmlns:a16="http://schemas.microsoft.com/office/drawing/2014/main" xmlns="" id="{9997A725-A58B-4628-A8C3-E026E0A2203D}"/>
                 </a:ext>
               </a:extLst>
             </p:cNvPr>
@@ -38720,7 +38822,7 @@
             <p:cNvPr id="23" name="椭圆 22">
               <a:extLst>
                 <a:ext uri="{FF2B5EF4-FFF2-40B4-BE49-F238E27FC236}">
-                  <a16:creationId xmlns="" xmlns:a16="http://schemas.microsoft.com/office/drawing/2014/main" id="{E4229617-E9A0-435F-BCAF-7E25DFAF9586}"/>
+                  <a16:creationId xmlns:a16="http://schemas.microsoft.com/office/drawing/2014/main" xmlns="" id="{E4229617-E9A0-435F-BCAF-7E25DFAF9586}"/>
                 </a:ext>
               </a:extLst>
             </p:cNvPr>
@@ -38775,7 +38877,7 @@
             <p:cNvPr id="24" name="椭圆 23">
               <a:extLst>
                 <a:ext uri="{FF2B5EF4-FFF2-40B4-BE49-F238E27FC236}">
-                  <a16:creationId xmlns="" xmlns:a16="http://schemas.microsoft.com/office/drawing/2014/main" id="{A93BFD55-5477-402D-8578-F79D81368B6D}"/>
+                  <a16:creationId xmlns:a16="http://schemas.microsoft.com/office/drawing/2014/main" xmlns="" id="{A93BFD55-5477-402D-8578-F79D81368B6D}"/>
                 </a:ext>
               </a:extLst>
             </p:cNvPr>
@@ -38829,7 +38931,7 @@
             <p:cNvPr id="25" name="椭圆 24">
               <a:extLst>
                 <a:ext uri="{FF2B5EF4-FFF2-40B4-BE49-F238E27FC236}">
-                  <a16:creationId xmlns="" xmlns:a16="http://schemas.microsoft.com/office/drawing/2014/main" id="{C5B85F38-CF17-4884-9D3E-DDDB8A7614DB}"/>
+                  <a16:creationId xmlns:a16="http://schemas.microsoft.com/office/drawing/2014/main" xmlns="" id="{C5B85F38-CF17-4884-9D3E-DDDB8A7614DB}"/>
                 </a:ext>
               </a:extLst>
             </p:cNvPr>
@@ -38886,7 +38988,7 @@
           <p:cNvPr id="26" name="组合 25">
             <a:extLst>
               <a:ext uri="{FF2B5EF4-FFF2-40B4-BE49-F238E27FC236}">
-                <a16:creationId xmlns="" xmlns:a16="http://schemas.microsoft.com/office/drawing/2014/main" id="{431F0BD9-69CB-4CCC-B8E7-0B7E6E6DEAEA}"/>
+                <a16:creationId xmlns:a16="http://schemas.microsoft.com/office/drawing/2014/main" xmlns="" id="{431F0BD9-69CB-4CCC-B8E7-0B7E6E6DEAEA}"/>
               </a:ext>
             </a:extLst>
           </p:cNvPr>
@@ -38906,7 +39008,7 @@
             <p:cNvPr id="27" name="直接连接符 26">
               <a:extLst>
                 <a:ext uri="{FF2B5EF4-FFF2-40B4-BE49-F238E27FC236}">
-                  <a16:creationId xmlns="" xmlns:a16="http://schemas.microsoft.com/office/drawing/2014/main" id="{2936E32B-E9DC-4E8A-B75F-1EED6707F551}"/>
+                  <a16:creationId xmlns:a16="http://schemas.microsoft.com/office/drawing/2014/main" xmlns="" id="{2936E32B-E9DC-4E8A-B75F-1EED6707F551}"/>
                 </a:ext>
               </a:extLst>
             </p:cNvPr>
@@ -38949,7 +39051,7 @@
             <p:cNvPr id="28" name="直接连接符 27">
               <a:extLst>
                 <a:ext uri="{FF2B5EF4-FFF2-40B4-BE49-F238E27FC236}">
-                  <a16:creationId xmlns="" xmlns:a16="http://schemas.microsoft.com/office/drawing/2014/main" id="{5BD51EE2-2913-4585-A666-E12E7B7BCDD3}"/>
+                  <a16:creationId xmlns:a16="http://schemas.microsoft.com/office/drawing/2014/main" xmlns="" id="{5BD51EE2-2913-4585-A666-E12E7B7BCDD3}"/>
                 </a:ext>
               </a:extLst>
             </p:cNvPr>
@@ -38992,7 +39094,7 @@
             <p:cNvPr id="29" name="直接连接符 28">
               <a:extLst>
                 <a:ext uri="{FF2B5EF4-FFF2-40B4-BE49-F238E27FC236}">
-                  <a16:creationId xmlns="" xmlns:a16="http://schemas.microsoft.com/office/drawing/2014/main" id="{26C1BA9E-834D-4534-8020-5E0F4B8ED7C2}"/>
+                  <a16:creationId xmlns:a16="http://schemas.microsoft.com/office/drawing/2014/main" xmlns="" id="{26C1BA9E-834D-4534-8020-5E0F4B8ED7C2}"/>
                 </a:ext>
               </a:extLst>
             </p:cNvPr>
@@ -39035,7 +39137,7 @@
             <p:cNvPr id="30" name="椭圆 29">
               <a:extLst>
                 <a:ext uri="{FF2B5EF4-FFF2-40B4-BE49-F238E27FC236}">
-                  <a16:creationId xmlns="" xmlns:a16="http://schemas.microsoft.com/office/drawing/2014/main" id="{9FFC6E8B-50CB-438D-8A6D-D449E71BB9CA}"/>
+                  <a16:creationId xmlns:a16="http://schemas.microsoft.com/office/drawing/2014/main" xmlns="" id="{9FFC6E8B-50CB-438D-8A6D-D449E71BB9CA}"/>
                 </a:ext>
               </a:extLst>
             </p:cNvPr>
@@ -39090,7 +39192,7 @@
             <p:cNvPr id="31" name="椭圆 30">
               <a:extLst>
                 <a:ext uri="{FF2B5EF4-FFF2-40B4-BE49-F238E27FC236}">
-                  <a16:creationId xmlns="" xmlns:a16="http://schemas.microsoft.com/office/drawing/2014/main" id="{D4744B69-2504-4E39-B7BE-7ED83650C6CE}"/>
+                  <a16:creationId xmlns:a16="http://schemas.microsoft.com/office/drawing/2014/main" xmlns="" id="{D4744B69-2504-4E39-B7BE-7ED83650C6CE}"/>
                 </a:ext>
               </a:extLst>
             </p:cNvPr>
@@ -39144,7 +39246,7 @@
             <p:cNvPr id="32" name="椭圆 31">
               <a:extLst>
                 <a:ext uri="{FF2B5EF4-FFF2-40B4-BE49-F238E27FC236}">
-                  <a16:creationId xmlns="" xmlns:a16="http://schemas.microsoft.com/office/drawing/2014/main" id="{FC9A2361-C803-4CB7-93E4-70AD38516113}"/>
+                  <a16:creationId xmlns:a16="http://schemas.microsoft.com/office/drawing/2014/main" xmlns="" id="{FC9A2361-C803-4CB7-93E4-70AD38516113}"/>
                 </a:ext>
               </a:extLst>
             </p:cNvPr>
@@ -39248,7 +39350,7 @@
           </a:ln>
           <a:extLst>
             <a:ext uri="{C572A759-6A51-4108-AA02-DFA0A04FC94B}">
-              <ma14:wrappingTextBoxFlag xmlns="" xmlns:ma14="http://schemas.microsoft.com/office/mac/drawingml/2011/main" val="1"/>
+              <ma14:wrappingTextBoxFlag xmlns:ma14="http://schemas.microsoft.com/office/mac/drawingml/2011/main" xmlns="" val="1"/>
             </a:ext>
           </a:extLst>
         </p:spPr>
@@ -39316,7 +39418,7 @@
           </a:ln>
           <a:extLst>
             <a:ext uri="{C572A759-6A51-4108-AA02-DFA0A04FC94B}">
-              <ma14:wrappingTextBoxFlag xmlns="" xmlns:ma14="http://schemas.microsoft.com/office/mac/drawingml/2011/main" val="1"/>
+              <ma14:wrappingTextBoxFlag xmlns:ma14="http://schemas.microsoft.com/office/mac/drawingml/2011/main" xmlns="" val="1"/>
             </a:ext>
           </a:extLst>
         </p:spPr>
@@ -39378,7 +39480,7 @@
           <p:cNvPr id="17" name="组合 16">
             <a:extLst>
               <a:ext uri="{FF2B5EF4-FFF2-40B4-BE49-F238E27FC236}">
-                <a16:creationId xmlns="" xmlns:a16="http://schemas.microsoft.com/office/drawing/2014/main" id="{37C933BA-2473-4CDC-A5E4-A44C629C23D8}"/>
+                <a16:creationId xmlns:a16="http://schemas.microsoft.com/office/drawing/2014/main" xmlns="" id="{37C933BA-2473-4CDC-A5E4-A44C629C23D8}"/>
               </a:ext>
             </a:extLst>
           </p:cNvPr>
@@ -39398,7 +39500,7 @@
             <p:cNvPr id="18" name="文本框 17">
               <a:extLst>
                 <a:ext uri="{FF2B5EF4-FFF2-40B4-BE49-F238E27FC236}">
-                  <a16:creationId xmlns="" xmlns:a16="http://schemas.microsoft.com/office/drawing/2014/main" id="{16DA8A1E-64FC-4810-80E3-D177285D8773}"/>
+                  <a16:creationId xmlns:a16="http://schemas.microsoft.com/office/drawing/2014/main" xmlns="" id="{16DA8A1E-64FC-4810-80E3-D177285D8773}"/>
                 </a:ext>
               </a:extLst>
             </p:cNvPr>
@@ -39502,7 +39604,7 @@
             <p:cNvPr id="19" name="文本框 18">
               <a:extLst>
                 <a:ext uri="{FF2B5EF4-FFF2-40B4-BE49-F238E27FC236}">
-                  <a16:creationId xmlns="" xmlns:a16="http://schemas.microsoft.com/office/drawing/2014/main" id="{D028F3A2-F8BE-4FF3-AA43-1781C286E3E6}"/>
+                  <a16:creationId xmlns:a16="http://schemas.microsoft.com/office/drawing/2014/main" xmlns="" id="{D028F3A2-F8BE-4FF3-AA43-1781C286E3E6}"/>
                 </a:ext>
               </a:extLst>
             </p:cNvPr>
@@ -39570,7 +39672,7 @@
             <p:cNvPr id="20" name="矩形: 圆角 19">
               <a:extLst>
                 <a:ext uri="{FF2B5EF4-FFF2-40B4-BE49-F238E27FC236}">
-                  <a16:creationId xmlns="" xmlns:a16="http://schemas.microsoft.com/office/drawing/2014/main" id="{D155FC09-937B-45E9-9445-19C2930961C1}"/>
+                  <a16:creationId xmlns:a16="http://schemas.microsoft.com/office/drawing/2014/main" xmlns="" id="{D155FC09-937B-45E9-9445-19C2930961C1}"/>
                 </a:ext>
               </a:extLst>
             </p:cNvPr>
@@ -39643,7 +39745,7 @@
           <p:cNvPr id="22" name="文本框 21">
             <a:extLst>
               <a:ext uri="{FF2B5EF4-FFF2-40B4-BE49-F238E27FC236}">
-                <a16:creationId xmlns="" xmlns:a16="http://schemas.microsoft.com/office/drawing/2014/main" id="{3A22B194-448A-46EE-BC7E-5460EEA7EF82}"/>
+                <a16:creationId xmlns:a16="http://schemas.microsoft.com/office/drawing/2014/main" xmlns="" id="{3A22B194-448A-46EE-BC7E-5460EEA7EF82}"/>
               </a:ext>
             </a:extLst>
           </p:cNvPr>
@@ -39694,7 +39796,7 @@
           <p:cNvPr id="31" name="椭圆 30">
             <a:extLst>
               <a:ext uri="{FF2B5EF4-FFF2-40B4-BE49-F238E27FC236}">
-                <a16:creationId xmlns="" xmlns:a16="http://schemas.microsoft.com/office/drawing/2014/main" id="{3B07899A-BEFE-411B-80F0-B1F1203CAF79}"/>
+                <a16:creationId xmlns:a16="http://schemas.microsoft.com/office/drawing/2014/main" xmlns="" id="{3B07899A-BEFE-411B-80F0-B1F1203CAF79}"/>
               </a:ext>
             </a:extLst>
           </p:cNvPr>
@@ -39748,7 +39850,7 @@
           <p:cNvPr id="32" name="椭圆 31">
             <a:extLst>
               <a:ext uri="{FF2B5EF4-FFF2-40B4-BE49-F238E27FC236}">
-                <a16:creationId xmlns="" xmlns:a16="http://schemas.microsoft.com/office/drawing/2014/main" id="{8E146F45-5E79-431F-AE2D-E8D938E2AE30}"/>
+                <a16:creationId xmlns:a16="http://schemas.microsoft.com/office/drawing/2014/main" xmlns="" id="{8E146F45-5E79-431F-AE2D-E8D938E2AE30}"/>
               </a:ext>
             </a:extLst>
           </p:cNvPr>
@@ -39802,7 +39904,7 @@
           <p:cNvPr id="33" name="椭圆 32">
             <a:extLst>
               <a:ext uri="{FF2B5EF4-FFF2-40B4-BE49-F238E27FC236}">
-                <a16:creationId xmlns="" xmlns:a16="http://schemas.microsoft.com/office/drawing/2014/main" id="{67D28EC8-FAC6-4D9C-A689-EC09A31595AF}"/>
+                <a16:creationId xmlns:a16="http://schemas.microsoft.com/office/drawing/2014/main" xmlns="" id="{67D28EC8-FAC6-4D9C-A689-EC09A31595AF}"/>
               </a:ext>
             </a:extLst>
           </p:cNvPr>
@@ -39859,7 +39961,7 @@
           <p:cNvPr id="34" name="椭圆 33">
             <a:extLst>
               <a:ext uri="{FF2B5EF4-FFF2-40B4-BE49-F238E27FC236}">
-                <a16:creationId xmlns="" xmlns:a16="http://schemas.microsoft.com/office/drawing/2014/main" id="{9F3AFC74-0413-4D11-B73A-701636BA1C2F}"/>
+                <a16:creationId xmlns:a16="http://schemas.microsoft.com/office/drawing/2014/main" xmlns="" id="{9F3AFC74-0413-4D11-B73A-701636BA1C2F}"/>
               </a:ext>
             </a:extLst>
           </p:cNvPr>
@@ -39913,7 +40015,7 @@
           <p:cNvPr id="35" name="椭圆 34">
             <a:extLst>
               <a:ext uri="{FF2B5EF4-FFF2-40B4-BE49-F238E27FC236}">
-                <a16:creationId xmlns="" xmlns:a16="http://schemas.microsoft.com/office/drawing/2014/main" id="{492C6DC1-98AC-4C5B-873B-0FE63529C580}"/>
+                <a16:creationId xmlns:a16="http://schemas.microsoft.com/office/drawing/2014/main" xmlns="" id="{492C6DC1-98AC-4C5B-873B-0FE63529C580}"/>
               </a:ext>
             </a:extLst>
           </p:cNvPr>
@@ -39967,7 +40069,7 @@
           <p:cNvPr id="36" name="直接连接符 35">
             <a:extLst>
               <a:ext uri="{FF2B5EF4-FFF2-40B4-BE49-F238E27FC236}">
-                <a16:creationId xmlns="" xmlns:a16="http://schemas.microsoft.com/office/drawing/2014/main" id="{6971B428-D479-4672-BD8B-7F5D077D5D86}"/>
+                <a16:creationId xmlns:a16="http://schemas.microsoft.com/office/drawing/2014/main" xmlns="" id="{6971B428-D479-4672-BD8B-7F5D077D5D86}"/>
               </a:ext>
             </a:extLst>
           </p:cNvPr>
@@ -40011,7 +40113,7 @@
           <p:cNvPr id="37" name="椭圆 36">
             <a:extLst>
               <a:ext uri="{FF2B5EF4-FFF2-40B4-BE49-F238E27FC236}">
-                <a16:creationId xmlns="" xmlns:a16="http://schemas.microsoft.com/office/drawing/2014/main" id="{E40A54E8-E57E-4BE0-B84A-69974F4EA85A}"/>
+                <a16:creationId xmlns:a16="http://schemas.microsoft.com/office/drawing/2014/main" xmlns="" id="{E40A54E8-E57E-4BE0-B84A-69974F4EA85A}"/>
               </a:ext>
             </a:extLst>
           </p:cNvPr>
@@ -40065,7 +40167,7 @@
           <p:cNvPr id="38" name="直接连接符 37">
             <a:extLst>
               <a:ext uri="{FF2B5EF4-FFF2-40B4-BE49-F238E27FC236}">
-                <a16:creationId xmlns="" xmlns:a16="http://schemas.microsoft.com/office/drawing/2014/main" id="{DF7F0649-3C32-4EE4-9DC6-342077B0E1D8}"/>
+                <a16:creationId xmlns:a16="http://schemas.microsoft.com/office/drawing/2014/main" xmlns="" id="{DF7F0649-3C32-4EE4-9DC6-342077B0E1D8}"/>
               </a:ext>
             </a:extLst>
           </p:cNvPr>
@@ -40109,7 +40211,7 @@
           <p:cNvPr id="39" name="直接连接符 38">
             <a:extLst>
               <a:ext uri="{FF2B5EF4-FFF2-40B4-BE49-F238E27FC236}">
-                <a16:creationId xmlns="" xmlns:a16="http://schemas.microsoft.com/office/drawing/2014/main" id="{093EB3FB-ADF0-474A-B234-EF349901DC15}"/>
+                <a16:creationId xmlns:a16="http://schemas.microsoft.com/office/drawing/2014/main" xmlns="" id="{093EB3FB-ADF0-474A-B234-EF349901DC15}"/>
               </a:ext>
             </a:extLst>
           </p:cNvPr>
@@ -40153,7 +40255,7 @@
           <p:cNvPr id="40" name="椭圆 39">
             <a:extLst>
               <a:ext uri="{FF2B5EF4-FFF2-40B4-BE49-F238E27FC236}">
-                <a16:creationId xmlns="" xmlns:a16="http://schemas.microsoft.com/office/drawing/2014/main" id="{F13CD393-9278-4D9E-926E-A8B9B27E49C8}"/>
+                <a16:creationId xmlns:a16="http://schemas.microsoft.com/office/drawing/2014/main" xmlns="" id="{F13CD393-9278-4D9E-926E-A8B9B27E49C8}"/>
               </a:ext>
             </a:extLst>
           </p:cNvPr>
@@ -40210,7 +40312,7 @@
           <p:cNvPr id="41" name="直接连接符 40">
             <a:extLst>
               <a:ext uri="{FF2B5EF4-FFF2-40B4-BE49-F238E27FC236}">
-                <a16:creationId xmlns="" xmlns:a16="http://schemas.microsoft.com/office/drawing/2014/main" id="{192A6EEE-8490-42FF-8026-D3D66BD75940}"/>
+                <a16:creationId xmlns:a16="http://schemas.microsoft.com/office/drawing/2014/main" xmlns="" id="{192A6EEE-8490-42FF-8026-D3D66BD75940}"/>
               </a:ext>
             </a:extLst>
           </p:cNvPr>
@@ -40254,7 +40356,7 @@
           <p:cNvPr id="42" name="椭圆 41">
             <a:extLst>
               <a:ext uri="{FF2B5EF4-FFF2-40B4-BE49-F238E27FC236}">
-                <a16:creationId xmlns="" xmlns:a16="http://schemas.microsoft.com/office/drawing/2014/main" id="{B5136ACA-AD87-4183-ADB5-428C41FA7777}"/>
+                <a16:creationId xmlns:a16="http://schemas.microsoft.com/office/drawing/2014/main" xmlns="" id="{B5136ACA-AD87-4183-ADB5-428C41FA7777}"/>
               </a:ext>
             </a:extLst>
           </p:cNvPr>
@@ -40308,7 +40410,7 @@
           <p:cNvPr id="43" name="直接连接符 42">
             <a:extLst>
               <a:ext uri="{FF2B5EF4-FFF2-40B4-BE49-F238E27FC236}">
-                <a16:creationId xmlns="" xmlns:a16="http://schemas.microsoft.com/office/drawing/2014/main" id="{272C11AD-11A2-49C8-9292-7533203E68DD}"/>
+                <a16:creationId xmlns:a16="http://schemas.microsoft.com/office/drawing/2014/main" xmlns="" id="{272C11AD-11A2-49C8-9292-7533203E68DD}"/>
               </a:ext>
             </a:extLst>
           </p:cNvPr>
@@ -40352,7 +40454,7 @@
           <p:cNvPr id="44" name="椭圆 43">
             <a:extLst>
               <a:ext uri="{FF2B5EF4-FFF2-40B4-BE49-F238E27FC236}">
-                <a16:creationId xmlns="" xmlns:a16="http://schemas.microsoft.com/office/drawing/2014/main" id="{411E286E-649A-4CC9-A79E-B785F1A457EA}"/>
+                <a16:creationId xmlns:a16="http://schemas.microsoft.com/office/drawing/2014/main" xmlns="" id="{411E286E-649A-4CC9-A79E-B785F1A457EA}"/>
               </a:ext>
             </a:extLst>
           </p:cNvPr>
@@ -40409,7 +40511,7 @@
           <p:cNvPr id="45" name="直接连接符 44">
             <a:extLst>
               <a:ext uri="{FF2B5EF4-FFF2-40B4-BE49-F238E27FC236}">
-                <a16:creationId xmlns="" xmlns:a16="http://schemas.microsoft.com/office/drawing/2014/main" id="{4642B35E-2738-4B10-B77A-A1D1B45ED76B}"/>
+                <a16:creationId xmlns:a16="http://schemas.microsoft.com/office/drawing/2014/main" xmlns="" id="{4642B35E-2738-4B10-B77A-A1D1B45ED76B}"/>
               </a:ext>
             </a:extLst>
           </p:cNvPr>
@@ -40453,7 +40555,7 @@
           <p:cNvPr id="46" name="直接连接符 45">
             <a:extLst>
               <a:ext uri="{FF2B5EF4-FFF2-40B4-BE49-F238E27FC236}">
-                <a16:creationId xmlns="" xmlns:a16="http://schemas.microsoft.com/office/drawing/2014/main" id="{D9581555-6A2E-4C22-B026-C640417AD0E5}"/>
+                <a16:creationId xmlns:a16="http://schemas.microsoft.com/office/drawing/2014/main" xmlns="" id="{D9581555-6A2E-4C22-B026-C640417AD0E5}"/>
               </a:ext>
             </a:extLst>
           </p:cNvPr>
@@ -40497,7 +40599,7 @@
           <p:cNvPr id="47" name="直接连接符 46">
             <a:extLst>
               <a:ext uri="{FF2B5EF4-FFF2-40B4-BE49-F238E27FC236}">
-                <a16:creationId xmlns="" xmlns:a16="http://schemas.microsoft.com/office/drawing/2014/main" id="{BFDADB2E-A848-4A30-A321-0A9EF72DEE7A}"/>
+                <a16:creationId xmlns:a16="http://schemas.microsoft.com/office/drawing/2014/main" xmlns="" id="{BFDADB2E-A848-4A30-A321-0A9EF72DEE7A}"/>
               </a:ext>
             </a:extLst>
           </p:cNvPr>
@@ -41004,7 +41106,7 @@
           </a:ln>
           <a:extLst>
             <a:ext uri="{C572A759-6A51-4108-AA02-DFA0A04FC94B}">
-              <ma14:wrappingTextBoxFlag xmlns="" xmlns:ma14="http://schemas.microsoft.com/office/mac/drawingml/2011/main" val="1"/>
+              <ma14:wrappingTextBoxFlag xmlns:ma14="http://schemas.microsoft.com/office/mac/drawingml/2011/main" xmlns="" val="1"/>
             </a:ext>
           </a:extLst>
         </p:spPr>
@@ -41072,7 +41174,7 @@
           </a:ln>
           <a:extLst>
             <a:ext uri="{C572A759-6A51-4108-AA02-DFA0A04FC94B}">
-              <ma14:wrappingTextBoxFlag xmlns="" xmlns:ma14="http://schemas.microsoft.com/office/mac/drawingml/2011/main" val="1"/>
+              <ma14:wrappingTextBoxFlag xmlns:ma14="http://schemas.microsoft.com/office/mac/drawingml/2011/main" xmlns="" val="1"/>
             </a:ext>
           </a:extLst>
         </p:spPr>
@@ -41134,7 +41236,7 @@
           <p:cNvPr id="17" name="组合 16">
             <a:extLst>
               <a:ext uri="{FF2B5EF4-FFF2-40B4-BE49-F238E27FC236}">
-                <a16:creationId xmlns="" xmlns:a16="http://schemas.microsoft.com/office/drawing/2014/main" id="{37C933BA-2473-4CDC-A5E4-A44C629C23D8}"/>
+                <a16:creationId xmlns:a16="http://schemas.microsoft.com/office/drawing/2014/main" xmlns="" id="{37C933BA-2473-4CDC-A5E4-A44C629C23D8}"/>
               </a:ext>
             </a:extLst>
           </p:cNvPr>
@@ -41154,7 +41256,7 @@
             <p:cNvPr id="18" name="文本框 17">
               <a:extLst>
                 <a:ext uri="{FF2B5EF4-FFF2-40B4-BE49-F238E27FC236}">
-                  <a16:creationId xmlns="" xmlns:a16="http://schemas.microsoft.com/office/drawing/2014/main" id="{16DA8A1E-64FC-4810-80E3-D177285D8773}"/>
+                  <a16:creationId xmlns:a16="http://schemas.microsoft.com/office/drawing/2014/main" xmlns="" id="{16DA8A1E-64FC-4810-80E3-D177285D8773}"/>
                 </a:ext>
               </a:extLst>
             </p:cNvPr>
@@ -41258,7 +41360,7 @@
             <p:cNvPr id="19" name="文本框 18">
               <a:extLst>
                 <a:ext uri="{FF2B5EF4-FFF2-40B4-BE49-F238E27FC236}">
-                  <a16:creationId xmlns="" xmlns:a16="http://schemas.microsoft.com/office/drawing/2014/main" id="{D028F3A2-F8BE-4FF3-AA43-1781C286E3E6}"/>
+                  <a16:creationId xmlns:a16="http://schemas.microsoft.com/office/drawing/2014/main" xmlns="" id="{D028F3A2-F8BE-4FF3-AA43-1781C286E3E6}"/>
                 </a:ext>
               </a:extLst>
             </p:cNvPr>
@@ -41326,7 +41428,7 @@
             <p:cNvPr id="20" name="矩形: 圆角 19">
               <a:extLst>
                 <a:ext uri="{FF2B5EF4-FFF2-40B4-BE49-F238E27FC236}">
-                  <a16:creationId xmlns="" xmlns:a16="http://schemas.microsoft.com/office/drawing/2014/main" id="{D155FC09-937B-45E9-9445-19C2930961C1}"/>
+                  <a16:creationId xmlns:a16="http://schemas.microsoft.com/office/drawing/2014/main" xmlns="" id="{D155FC09-937B-45E9-9445-19C2930961C1}"/>
                 </a:ext>
               </a:extLst>
             </p:cNvPr>
@@ -41399,7 +41501,7 @@
           <p:cNvPr id="22" name="文本框 21">
             <a:extLst>
               <a:ext uri="{FF2B5EF4-FFF2-40B4-BE49-F238E27FC236}">
-                <a16:creationId xmlns="" xmlns:a16="http://schemas.microsoft.com/office/drawing/2014/main" id="{3A22B194-448A-46EE-BC7E-5460EEA7EF82}"/>
+                <a16:creationId xmlns:a16="http://schemas.microsoft.com/office/drawing/2014/main" xmlns="" id="{3A22B194-448A-46EE-BC7E-5460EEA7EF82}"/>
               </a:ext>
             </a:extLst>
           </p:cNvPr>
@@ -41450,7 +41552,7 @@
           <p:cNvPr id="31" name="椭圆 30">
             <a:extLst>
               <a:ext uri="{FF2B5EF4-FFF2-40B4-BE49-F238E27FC236}">
-                <a16:creationId xmlns="" xmlns:a16="http://schemas.microsoft.com/office/drawing/2014/main" id="{3B07899A-BEFE-411B-80F0-B1F1203CAF79}"/>
+                <a16:creationId xmlns:a16="http://schemas.microsoft.com/office/drawing/2014/main" xmlns="" id="{3B07899A-BEFE-411B-80F0-B1F1203CAF79}"/>
               </a:ext>
             </a:extLst>
           </p:cNvPr>
@@ -41504,7 +41606,7 @@
           <p:cNvPr id="32" name="椭圆 31">
             <a:extLst>
               <a:ext uri="{FF2B5EF4-FFF2-40B4-BE49-F238E27FC236}">
-                <a16:creationId xmlns="" xmlns:a16="http://schemas.microsoft.com/office/drawing/2014/main" id="{8E146F45-5E79-431F-AE2D-E8D938E2AE30}"/>
+                <a16:creationId xmlns:a16="http://schemas.microsoft.com/office/drawing/2014/main" xmlns="" id="{8E146F45-5E79-431F-AE2D-E8D938E2AE30}"/>
               </a:ext>
             </a:extLst>
           </p:cNvPr>
@@ -41558,7 +41660,7 @@
           <p:cNvPr id="33" name="椭圆 32">
             <a:extLst>
               <a:ext uri="{FF2B5EF4-FFF2-40B4-BE49-F238E27FC236}">
-                <a16:creationId xmlns="" xmlns:a16="http://schemas.microsoft.com/office/drawing/2014/main" id="{67D28EC8-FAC6-4D9C-A689-EC09A31595AF}"/>
+                <a16:creationId xmlns:a16="http://schemas.microsoft.com/office/drawing/2014/main" xmlns="" id="{67D28EC8-FAC6-4D9C-A689-EC09A31595AF}"/>
               </a:ext>
             </a:extLst>
           </p:cNvPr>
@@ -41615,7 +41717,7 @@
           <p:cNvPr id="34" name="椭圆 33">
             <a:extLst>
               <a:ext uri="{FF2B5EF4-FFF2-40B4-BE49-F238E27FC236}">
-                <a16:creationId xmlns="" xmlns:a16="http://schemas.microsoft.com/office/drawing/2014/main" id="{9F3AFC74-0413-4D11-B73A-701636BA1C2F}"/>
+                <a16:creationId xmlns:a16="http://schemas.microsoft.com/office/drawing/2014/main" xmlns="" id="{9F3AFC74-0413-4D11-B73A-701636BA1C2F}"/>
               </a:ext>
             </a:extLst>
           </p:cNvPr>
@@ -41669,7 +41771,7 @@
           <p:cNvPr id="35" name="椭圆 34">
             <a:extLst>
               <a:ext uri="{FF2B5EF4-FFF2-40B4-BE49-F238E27FC236}">
-                <a16:creationId xmlns="" xmlns:a16="http://schemas.microsoft.com/office/drawing/2014/main" id="{492C6DC1-98AC-4C5B-873B-0FE63529C580}"/>
+                <a16:creationId xmlns:a16="http://schemas.microsoft.com/office/drawing/2014/main" xmlns="" id="{492C6DC1-98AC-4C5B-873B-0FE63529C580}"/>
               </a:ext>
             </a:extLst>
           </p:cNvPr>
@@ -41723,7 +41825,7 @@
           <p:cNvPr id="36" name="直接连接符 35">
             <a:extLst>
               <a:ext uri="{FF2B5EF4-FFF2-40B4-BE49-F238E27FC236}">
-                <a16:creationId xmlns="" xmlns:a16="http://schemas.microsoft.com/office/drawing/2014/main" id="{6971B428-D479-4672-BD8B-7F5D077D5D86}"/>
+                <a16:creationId xmlns:a16="http://schemas.microsoft.com/office/drawing/2014/main" xmlns="" id="{6971B428-D479-4672-BD8B-7F5D077D5D86}"/>
               </a:ext>
             </a:extLst>
           </p:cNvPr>
@@ -41767,7 +41869,7 @@
           <p:cNvPr id="37" name="椭圆 36">
             <a:extLst>
               <a:ext uri="{FF2B5EF4-FFF2-40B4-BE49-F238E27FC236}">
-                <a16:creationId xmlns="" xmlns:a16="http://schemas.microsoft.com/office/drawing/2014/main" id="{E40A54E8-E57E-4BE0-B84A-69974F4EA85A}"/>
+                <a16:creationId xmlns:a16="http://schemas.microsoft.com/office/drawing/2014/main" xmlns="" id="{E40A54E8-E57E-4BE0-B84A-69974F4EA85A}"/>
               </a:ext>
             </a:extLst>
           </p:cNvPr>
@@ -41821,7 +41923,7 @@
           <p:cNvPr id="38" name="直接连接符 37">
             <a:extLst>
               <a:ext uri="{FF2B5EF4-FFF2-40B4-BE49-F238E27FC236}">
-                <a16:creationId xmlns="" xmlns:a16="http://schemas.microsoft.com/office/drawing/2014/main" id="{DF7F0649-3C32-4EE4-9DC6-342077B0E1D8}"/>
+                <a16:creationId xmlns:a16="http://schemas.microsoft.com/office/drawing/2014/main" xmlns="" id="{DF7F0649-3C32-4EE4-9DC6-342077B0E1D8}"/>
               </a:ext>
             </a:extLst>
           </p:cNvPr>
@@ -41865,7 +41967,7 @@
           <p:cNvPr id="39" name="直接连接符 38">
             <a:extLst>
               <a:ext uri="{FF2B5EF4-FFF2-40B4-BE49-F238E27FC236}">
-                <a16:creationId xmlns="" xmlns:a16="http://schemas.microsoft.com/office/drawing/2014/main" id="{093EB3FB-ADF0-474A-B234-EF349901DC15}"/>
+                <a16:creationId xmlns:a16="http://schemas.microsoft.com/office/drawing/2014/main" xmlns="" id="{093EB3FB-ADF0-474A-B234-EF349901DC15}"/>
               </a:ext>
             </a:extLst>
           </p:cNvPr>
@@ -41909,7 +42011,7 @@
           <p:cNvPr id="40" name="椭圆 39">
             <a:extLst>
               <a:ext uri="{FF2B5EF4-FFF2-40B4-BE49-F238E27FC236}">
-                <a16:creationId xmlns="" xmlns:a16="http://schemas.microsoft.com/office/drawing/2014/main" id="{F13CD393-9278-4D9E-926E-A8B9B27E49C8}"/>
+                <a16:creationId xmlns:a16="http://schemas.microsoft.com/office/drawing/2014/main" xmlns="" id="{F13CD393-9278-4D9E-926E-A8B9B27E49C8}"/>
               </a:ext>
             </a:extLst>
           </p:cNvPr>
@@ -41966,7 +42068,7 @@
           <p:cNvPr id="41" name="直接连接符 40">
             <a:extLst>
               <a:ext uri="{FF2B5EF4-FFF2-40B4-BE49-F238E27FC236}">
-                <a16:creationId xmlns="" xmlns:a16="http://schemas.microsoft.com/office/drawing/2014/main" id="{192A6EEE-8490-42FF-8026-D3D66BD75940}"/>
+                <a16:creationId xmlns:a16="http://schemas.microsoft.com/office/drawing/2014/main" xmlns="" id="{192A6EEE-8490-42FF-8026-D3D66BD75940}"/>
               </a:ext>
             </a:extLst>
           </p:cNvPr>
@@ -42010,7 +42112,7 @@
           <p:cNvPr id="42" name="椭圆 41">
             <a:extLst>
               <a:ext uri="{FF2B5EF4-FFF2-40B4-BE49-F238E27FC236}">
-                <a16:creationId xmlns="" xmlns:a16="http://schemas.microsoft.com/office/drawing/2014/main" id="{B5136ACA-AD87-4183-ADB5-428C41FA7777}"/>
+                <a16:creationId xmlns:a16="http://schemas.microsoft.com/office/drawing/2014/main" xmlns="" id="{B5136ACA-AD87-4183-ADB5-428C41FA7777}"/>
               </a:ext>
             </a:extLst>
           </p:cNvPr>
@@ -42064,7 +42166,7 @@
           <p:cNvPr id="43" name="直接连接符 42">
             <a:extLst>
               <a:ext uri="{FF2B5EF4-FFF2-40B4-BE49-F238E27FC236}">
-                <a16:creationId xmlns="" xmlns:a16="http://schemas.microsoft.com/office/drawing/2014/main" id="{272C11AD-11A2-49C8-9292-7533203E68DD}"/>
+                <a16:creationId xmlns:a16="http://schemas.microsoft.com/office/drawing/2014/main" xmlns="" id="{272C11AD-11A2-49C8-9292-7533203E68DD}"/>
               </a:ext>
             </a:extLst>
           </p:cNvPr>
@@ -42108,7 +42210,7 @@
           <p:cNvPr id="44" name="椭圆 43">
             <a:extLst>
               <a:ext uri="{FF2B5EF4-FFF2-40B4-BE49-F238E27FC236}">
-                <a16:creationId xmlns="" xmlns:a16="http://schemas.microsoft.com/office/drawing/2014/main" id="{411E286E-649A-4CC9-A79E-B785F1A457EA}"/>
+                <a16:creationId xmlns:a16="http://schemas.microsoft.com/office/drawing/2014/main" xmlns="" id="{411E286E-649A-4CC9-A79E-B785F1A457EA}"/>
               </a:ext>
             </a:extLst>
           </p:cNvPr>
@@ -42165,7 +42267,7 @@
           <p:cNvPr id="45" name="直接连接符 44">
             <a:extLst>
               <a:ext uri="{FF2B5EF4-FFF2-40B4-BE49-F238E27FC236}">
-                <a16:creationId xmlns="" xmlns:a16="http://schemas.microsoft.com/office/drawing/2014/main" id="{4642B35E-2738-4B10-B77A-A1D1B45ED76B}"/>
+                <a16:creationId xmlns:a16="http://schemas.microsoft.com/office/drawing/2014/main" xmlns="" id="{4642B35E-2738-4B10-B77A-A1D1B45ED76B}"/>
               </a:ext>
             </a:extLst>
           </p:cNvPr>
@@ -42209,7 +42311,7 @@
           <p:cNvPr id="46" name="直接连接符 45">
             <a:extLst>
               <a:ext uri="{FF2B5EF4-FFF2-40B4-BE49-F238E27FC236}">
-                <a16:creationId xmlns="" xmlns:a16="http://schemas.microsoft.com/office/drawing/2014/main" id="{D9581555-6A2E-4C22-B026-C640417AD0E5}"/>
+                <a16:creationId xmlns:a16="http://schemas.microsoft.com/office/drawing/2014/main" xmlns="" id="{D9581555-6A2E-4C22-B026-C640417AD0E5}"/>
               </a:ext>
             </a:extLst>
           </p:cNvPr>
@@ -42253,7 +42355,7 @@
           <p:cNvPr id="47" name="直接连接符 46">
             <a:extLst>
               <a:ext uri="{FF2B5EF4-FFF2-40B4-BE49-F238E27FC236}">
-                <a16:creationId xmlns="" xmlns:a16="http://schemas.microsoft.com/office/drawing/2014/main" id="{BFDADB2E-A848-4A30-A321-0A9EF72DEE7A}"/>
+                <a16:creationId xmlns:a16="http://schemas.microsoft.com/office/drawing/2014/main" xmlns="" id="{BFDADB2E-A848-4A30-A321-0A9EF72DEE7A}"/>
               </a:ext>
             </a:extLst>
           </p:cNvPr>
@@ -42427,31 +42529,7 @@
                 </a:solidFill>
                 <a:latin typeface="+mn-ea"/>
               </a:rPr>
-              <a:t>常用摄像机分类</a:t>
-            </a:r>
-            <a:r>
-              <a:rPr lang="zh-CN" altLang="en-US" dirty="0" smtClean="0">
-                <a:solidFill>
-                  <a:schemeClr val="tx1">
-                    <a:lumMod val="75000"/>
-                    <a:lumOff val="25000"/>
-                  </a:schemeClr>
-                </a:solidFill>
-                <a:latin typeface="+mn-ea"/>
-              </a:rPr>
-              <a:t>：透视相机，</a:t>
-            </a:r>
-            <a:r>
-              <a:rPr lang="zh-CN" altLang="en-US" dirty="0" smtClean="0">
-                <a:solidFill>
-                  <a:schemeClr val="tx1">
-                    <a:lumMod val="75000"/>
-                    <a:lumOff val="25000"/>
-                  </a:schemeClr>
-                </a:solidFill>
-                <a:latin typeface="+mn-ea"/>
-              </a:rPr>
-              <a:t>正交相机。</a:t>
+              <a:t>常用摄像机分类：透视相机，正交相机。</a:t>
             </a:r>
             <a:endParaRPr lang="en-US" altLang="zh-CN" dirty="0" smtClean="0">
               <a:solidFill>

--- a/threeJS.pptx
+++ b/threeJS.pptx
@@ -18181,7 +18181,7 @@
               <a:t>Material</a:t>
             </a:r>
             <a:r>
-              <a:rPr lang="zh-CN" altLang="en-US" dirty="0" smtClean="0">
+              <a:rPr lang="zh-CN" altLang="en-US" dirty="0">
                 <a:solidFill>
                   <a:schemeClr val="tx1">
                     <a:lumMod val="75000"/>
@@ -18190,7 +18190,67 @@
                 </a:solidFill>
                 <a:latin typeface="+mn-ea"/>
               </a:rPr>
-              <a:t>） 分为 点材质、线材质、网格材质、阴影材质等</a:t>
+              <a:t>）描述了对象</a:t>
+            </a:r>
+            <a:r>
+              <a:rPr lang="en-US" altLang="zh-CN" dirty="0">
+                <a:solidFill>
+                  <a:schemeClr val="tx1">
+                    <a:lumMod val="75000"/>
+                    <a:lumOff val="25000"/>
+                  </a:schemeClr>
+                </a:solidFill>
+                <a:latin typeface="+mn-ea"/>
+              </a:rPr>
+              <a:t>objects</a:t>
+            </a:r>
+            <a:r>
+              <a:rPr lang="zh-CN" altLang="en-US" dirty="0">
+                <a:solidFill>
+                  <a:schemeClr val="tx1">
+                    <a:lumMod val="75000"/>
+                    <a:lumOff val="25000"/>
+                  </a:schemeClr>
+                </a:solidFill>
+                <a:latin typeface="+mn-ea"/>
+              </a:rPr>
+              <a:t>的</a:t>
+            </a:r>
+            <a:r>
+              <a:rPr lang="zh-CN" altLang="en-US" dirty="0" smtClean="0">
+                <a:solidFill>
+                  <a:schemeClr val="tx1">
+                    <a:lumMod val="75000"/>
+                    <a:lumOff val="25000"/>
+                  </a:schemeClr>
+                </a:solidFill>
+                <a:latin typeface="+mn-ea"/>
+              </a:rPr>
+              <a:t>外观。分为：</a:t>
+            </a:r>
+            <a:r>
+              <a:rPr lang="zh-CN" altLang="en-US" dirty="0" smtClean="0">
+                <a:solidFill>
+                  <a:schemeClr val="tx1">
+                    <a:lumMod val="75000"/>
+                    <a:lumOff val="25000"/>
+                  </a:schemeClr>
+                </a:solidFill>
+                <a:latin typeface="+mn-ea"/>
+              </a:rPr>
+              <a:t>点</a:t>
+            </a:r>
+            <a:r>
+              <a:rPr lang="zh-CN" altLang="en-US" dirty="0" smtClean="0">
+                <a:solidFill>
+                  <a:schemeClr val="tx1">
+                    <a:lumMod val="75000"/>
+                    <a:lumOff val="25000"/>
+                  </a:schemeClr>
+                </a:solidFill>
+                <a:latin typeface="+mn-ea"/>
+              </a:rPr>
+              <a:t>材质、线材质、网格材质、阴影材质等</a:t>
             </a:r>
             <a:endParaRPr lang="en-US" altLang="zh-CN" dirty="0" smtClean="0">
               <a:solidFill>
@@ -18400,6 +18460,19 @@
                 <a:hlinkClick r:id="rId3"/>
               </a:rPr>
               <a:t>     </a:t>
+            </a:r>
+            <a:r>
+              <a:rPr lang="en-US" altLang="zh-CN" dirty="0" smtClean="0">
+                <a:solidFill>
+                  <a:schemeClr val="tx1">
+                    <a:lumMod val="75000"/>
+                    <a:lumOff val="25000"/>
+                  </a:schemeClr>
+                </a:solidFill>
+                <a:latin typeface="+mn-ea"/>
+                <a:hlinkClick r:id="rId3"/>
+              </a:rPr>
+              <a:t>       </a:t>
             </a:r>
             <a:r>
               <a:rPr lang="en-US" altLang="zh-CN" dirty="0" smtClean="0">

--- a/threeJS.pptx
+++ b/threeJS.pptx
@@ -231,7 +231,7 @@
           <a:p>
             <a:fld id="{A128CF60-13D2-4829-93DF-B5F5E133989B}" type="datetimeFigureOut">
               <a:rPr lang="zh-CN" altLang="en-US" smtClean="0"/>
-              <a:t>2021/3/31</a:t>
+              <a:t>2021/5/17</a:t>
             </a:fld>
             <a:endParaRPr lang="zh-CN" altLang="en-US"/>
           </a:p>
@@ -1215,7 +1215,7 @@
           <a:p>
             <a:fld id="{A57F24E0-930B-4A04-9F56-81E5D8061857}" type="datetimeFigureOut">
               <a:rPr lang="zh-CN" altLang="en-US" smtClean="0"/>
-              <a:t>2021/3/31</a:t>
+              <a:t>2021/5/17</a:t>
             </a:fld>
             <a:endParaRPr lang="zh-CN" altLang="en-US"/>
           </a:p>
@@ -1383,7 +1383,7 @@
           <a:p>
             <a:fld id="{A57F24E0-930B-4A04-9F56-81E5D8061857}" type="datetimeFigureOut">
               <a:rPr lang="zh-CN" altLang="en-US" smtClean="0"/>
-              <a:t>2021/3/31</a:t>
+              <a:t>2021/5/17</a:t>
             </a:fld>
             <a:endParaRPr lang="zh-CN" altLang="en-US"/>
           </a:p>
@@ -1561,7 +1561,7 @@
           <a:p>
             <a:fld id="{A57F24E0-930B-4A04-9F56-81E5D8061857}" type="datetimeFigureOut">
               <a:rPr lang="zh-CN" altLang="en-US" smtClean="0"/>
-              <a:t>2021/3/31</a:t>
+              <a:t>2021/5/17</a:t>
             </a:fld>
             <a:endParaRPr lang="zh-CN" altLang="en-US"/>
           </a:p>
@@ -2083,7 +2083,7 @@
           </a:ln>
           <a:extLst>
             <a:ext uri="{C572A759-6A51-4108-AA02-DFA0A04FC94B}">
-              <ma14:wrappingTextBoxFlag xmlns:ma14="http://schemas.microsoft.com/office/mac/drawingml/2011/main" xmlns="" val="1"/>
+              <ma14:wrappingTextBoxFlag xmlns="" xmlns:ma14="http://schemas.microsoft.com/office/mac/drawingml/2011/main" val="1"/>
             </a:ext>
           </a:extLst>
         </p:spPr>
@@ -2307,7 +2307,7 @@
           </a:ln>
           <a:extLst>
             <a:ext uri="{C572A759-6A51-4108-AA02-DFA0A04FC94B}">
-              <ma14:wrappingTextBoxFlag xmlns:ma14="http://schemas.microsoft.com/office/mac/drawingml/2011/main" xmlns="" val="1"/>
+              <ma14:wrappingTextBoxFlag xmlns="" xmlns:ma14="http://schemas.microsoft.com/office/mac/drawingml/2011/main" val="1"/>
             </a:ext>
           </a:extLst>
         </p:spPr>
@@ -2993,7 +2993,7 @@
           </a:ln>
           <a:extLst>
             <a:ext uri="{C572A759-6A51-4108-AA02-DFA0A04FC94B}">
-              <ma14:wrappingTextBoxFlag xmlns:ma14="http://schemas.microsoft.com/office/mac/drawingml/2011/main" xmlns="" val="1"/>
+              <ma14:wrappingTextBoxFlag xmlns="" xmlns:ma14="http://schemas.microsoft.com/office/mac/drawingml/2011/main" val="1"/>
             </a:ext>
           </a:extLst>
         </p:spPr>
@@ -3191,7 +3191,7 @@
           </a:ln>
           <a:extLst>
             <a:ext uri="{C572A759-6A51-4108-AA02-DFA0A04FC94B}">
-              <ma14:wrappingTextBoxFlag xmlns:ma14="http://schemas.microsoft.com/office/mac/drawingml/2011/main" xmlns="" val="1"/>
+              <ma14:wrappingTextBoxFlag xmlns="" xmlns:ma14="http://schemas.microsoft.com/office/mac/drawingml/2011/main" val="1"/>
             </a:ext>
           </a:extLst>
         </p:spPr>
@@ -3513,7 +3513,7 @@
           </a:ln>
           <a:extLst>
             <a:ext uri="{C572A759-6A51-4108-AA02-DFA0A04FC94B}">
-              <ma14:wrappingTextBoxFlag xmlns:ma14="http://schemas.microsoft.com/office/mac/drawingml/2011/main" xmlns="" val="1"/>
+              <ma14:wrappingTextBoxFlag xmlns="" xmlns:ma14="http://schemas.microsoft.com/office/mac/drawingml/2011/main" val="1"/>
             </a:ext>
           </a:extLst>
         </p:spPr>
@@ -3769,7 +3769,7 @@
           </a:ln>
           <a:extLst>
             <a:ext uri="{C572A759-6A51-4108-AA02-DFA0A04FC94B}">
-              <ma14:wrappingTextBoxFlag xmlns:ma14="http://schemas.microsoft.com/office/mac/drawingml/2011/main" xmlns="" val="1"/>
+              <ma14:wrappingTextBoxFlag xmlns="" xmlns:ma14="http://schemas.microsoft.com/office/mac/drawingml/2011/main" val="1"/>
             </a:ext>
           </a:extLst>
         </p:spPr>
@@ -4435,7 +4435,7 @@
           <a:p>
             <a:fld id="{A57F24E0-930B-4A04-9F56-81E5D8061857}" type="datetimeFigureOut">
               <a:rPr lang="zh-CN" altLang="en-US" smtClean="0"/>
-              <a:t>2021/3/31</a:t>
+              <a:t>2021/5/17</a:t>
             </a:fld>
             <a:endParaRPr lang="zh-CN" altLang="en-US"/>
           </a:p>
@@ -4532,7 +4532,7 @@
           </a:ln>
           <a:extLst>
             <a:ext uri="{C572A759-6A51-4108-AA02-DFA0A04FC94B}">
-              <ma14:wrappingTextBoxFlag xmlns:ma14="http://schemas.microsoft.com/office/mac/drawingml/2011/main" xmlns="" val="1"/>
+              <ma14:wrappingTextBoxFlag xmlns="" xmlns:ma14="http://schemas.microsoft.com/office/mac/drawingml/2011/main" val="1"/>
             </a:ext>
           </a:extLst>
         </p:spPr>
@@ -4813,7 +4813,7 @@
           </a:ln>
           <a:extLst>
             <a:ext uri="{C572A759-6A51-4108-AA02-DFA0A04FC94B}">
-              <ma14:wrappingTextBoxFlag xmlns:ma14="http://schemas.microsoft.com/office/mac/drawingml/2011/main" xmlns="" val="1"/>
+              <ma14:wrappingTextBoxFlag xmlns="" xmlns:ma14="http://schemas.microsoft.com/office/mac/drawingml/2011/main" val="1"/>
             </a:ext>
           </a:extLst>
         </p:spPr>
@@ -5135,7 +5135,7 @@
           </a:ln>
           <a:extLst>
             <a:ext uri="{C572A759-6A51-4108-AA02-DFA0A04FC94B}">
-              <ma14:wrappingTextBoxFlag xmlns:ma14="http://schemas.microsoft.com/office/mac/drawingml/2011/main" xmlns="" val="1"/>
+              <ma14:wrappingTextBoxFlag xmlns="" xmlns:ma14="http://schemas.microsoft.com/office/mac/drawingml/2011/main" val="1"/>
             </a:ext>
           </a:extLst>
         </p:spPr>
@@ -5457,7 +5457,7 @@
           </a:ln>
           <a:extLst>
             <a:ext uri="{C572A759-6A51-4108-AA02-DFA0A04FC94B}">
-              <ma14:wrappingTextBoxFlag xmlns:ma14="http://schemas.microsoft.com/office/mac/drawingml/2011/main" xmlns="" val="1"/>
+              <ma14:wrappingTextBoxFlag xmlns="" xmlns:ma14="http://schemas.microsoft.com/office/mac/drawingml/2011/main" val="1"/>
             </a:ext>
           </a:extLst>
         </p:spPr>
@@ -5911,7 +5911,7 @@
           </a:ln>
           <a:extLst>
             <a:ext uri="{C572A759-6A51-4108-AA02-DFA0A04FC94B}">
-              <ma14:wrappingTextBoxFlag xmlns:ma14="http://schemas.microsoft.com/office/mac/drawingml/2011/main" xmlns="" val="1"/>
+              <ma14:wrappingTextBoxFlag xmlns="" xmlns:ma14="http://schemas.microsoft.com/office/mac/drawingml/2011/main" val="1"/>
             </a:ext>
           </a:extLst>
         </p:spPr>
@@ -6098,7 +6098,7 @@
           </a:ln>
           <a:extLst>
             <a:ext uri="{C572A759-6A51-4108-AA02-DFA0A04FC94B}">
-              <ma14:wrappingTextBoxFlag xmlns:ma14="http://schemas.microsoft.com/office/mac/drawingml/2011/main" xmlns="" val="1"/>
+              <ma14:wrappingTextBoxFlag xmlns="" xmlns:ma14="http://schemas.microsoft.com/office/mac/drawingml/2011/main" val="1"/>
             </a:ext>
           </a:extLst>
         </p:spPr>
@@ -6379,7 +6379,7 @@
           </a:ln>
           <a:extLst>
             <a:ext uri="{C572A759-6A51-4108-AA02-DFA0A04FC94B}">
-              <ma14:wrappingTextBoxFlag xmlns:ma14="http://schemas.microsoft.com/office/mac/drawingml/2011/main" xmlns="" val="1"/>
+              <ma14:wrappingTextBoxFlag xmlns="" xmlns:ma14="http://schemas.microsoft.com/office/mac/drawingml/2011/main" val="1"/>
             </a:ext>
           </a:extLst>
         </p:spPr>
@@ -6753,7 +6753,7 @@
           <a:p>
             <a:fld id="{A57F24E0-930B-4A04-9F56-81E5D8061857}" type="datetimeFigureOut">
               <a:rPr lang="zh-CN" altLang="en-US" smtClean="0"/>
-              <a:t>2021/3/31</a:t>
+              <a:t>2021/5/17</a:t>
             </a:fld>
             <a:endParaRPr lang="zh-CN" altLang="en-US"/>
           </a:p>
@@ -6982,7 +6982,7 @@
           <a:p>
             <a:fld id="{A57F24E0-930B-4A04-9F56-81E5D8061857}" type="datetimeFigureOut">
               <a:rPr lang="zh-CN" altLang="en-US" smtClean="0"/>
-              <a:t>2021/3/31</a:t>
+              <a:t>2021/5/17</a:t>
             </a:fld>
             <a:endParaRPr lang="zh-CN" altLang="en-US"/>
           </a:p>
@@ -7346,7 +7346,7 @@
           <a:p>
             <a:fld id="{A57F24E0-930B-4A04-9F56-81E5D8061857}" type="datetimeFigureOut">
               <a:rPr lang="zh-CN" altLang="en-US" smtClean="0"/>
-              <a:t>2021/3/31</a:t>
+              <a:t>2021/5/17</a:t>
             </a:fld>
             <a:endParaRPr lang="zh-CN" altLang="en-US"/>
           </a:p>
@@ -8023,7 +8023,7 @@
           <a:p>
             <a:fld id="{A57F24E0-930B-4A04-9F56-81E5D8061857}" type="datetimeFigureOut">
               <a:rPr lang="zh-CN" altLang="en-US" smtClean="0"/>
-              <a:t>2021/3/31</a:t>
+              <a:t>2021/5/17</a:t>
             </a:fld>
             <a:endParaRPr lang="zh-CN" altLang="en-US"/>
           </a:p>
@@ -8118,7 +8118,7 @@
           <a:p>
             <a:fld id="{A57F24E0-930B-4A04-9F56-81E5D8061857}" type="datetimeFigureOut">
               <a:rPr lang="zh-CN" altLang="en-US" smtClean="0"/>
-              <a:t>2021/3/31</a:t>
+              <a:t>2021/5/17</a:t>
             </a:fld>
             <a:endParaRPr lang="zh-CN" altLang="en-US"/>
           </a:p>
@@ -8393,7 +8393,7 @@
           <a:p>
             <a:fld id="{A57F24E0-930B-4A04-9F56-81E5D8061857}" type="datetimeFigureOut">
               <a:rPr lang="zh-CN" altLang="en-US" smtClean="0"/>
-              <a:t>2021/3/31</a:t>
+              <a:t>2021/5/17</a:t>
             </a:fld>
             <a:endParaRPr lang="zh-CN" altLang="en-US"/>
           </a:p>
@@ -8645,7 +8645,7 @@
           <a:p>
             <a:fld id="{A57F24E0-930B-4A04-9F56-81E5D8061857}" type="datetimeFigureOut">
               <a:rPr lang="zh-CN" altLang="en-US" smtClean="0"/>
-              <a:t>2021/3/31</a:t>
+              <a:t>2021/5/17</a:t>
             </a:fld>
             <a:endParaRPr lang="zh-CN" altLang="en-US"/>
           </a:p>
@@ -8859,7 +8859,7 @@
           <a:p>
             <a:fld id="{A57F24E0-930B-4A04-9F56-81E5D8061857}" type="datetimeFigureOut">
               <a:rPr lang="zh-CN" altLang="en-US" smtClean="0"/>
-              <a:t>2021/3/31</a:t>
+              <a:t>2021/5/17</a:t>
             </a:fld>
             <a:endParaRPr lang="zh-CN" altLang="en-US"/>
           </a:p>
@@ -9284,7 +9284,7 @@
           <p:cNvPr id="9" name="矩形 8">
             <a:extLst>
               <a:ext uri="{FF2B5EF4-FFF2-40B4-BE49-F238E27FC236}">
-                <a16:creationId xmlns:a16="http://schemas.microsoft.com/office/drawing/2014/main" xmlns="" id="{82023C5A-002A-4D55-B6D9-BA77213D77D2}"/>
+                <a16:creationId xmlns="" xmlns:a16="http://schemas.microsoft.com/office/drawing/2014/main" id="{82023C5A-002A-4D55-B6D9-BA77213D77D2}"/>
               </a:ext>
             </a:extLst>
           </p:cNvPr>
@@ -9413,7 +9413,7 @@
           <p:cNvPr id="4" name="组合 3">
             <a:extLst>
               <a:ext uri="{FF2B5EF4-FFF2-40B4-BE49-F238E27FC236}">
-                <a16:creationId xmlns:a16="http://schemas.microsoft.com/office/drawing/2014/main" xmlns="" id="{6492F762-B648-4C6A-BCCD-DE814C95A84A}"/>
+                <a16:creationId xmlns="" xmlns:a16="http://schemas.microsoft.com/office/drawing/2014/main" id="{6492F762-B648-4C6A-BCCD-DE814C95A84A}"/>
               </a:ext>
             </a:extLst>
           </p:cNvPr>
@@ -9692,7 +9692,7 @@
           <p:cNvPr id="5" name="组合 4">
             <a:extLst>
               <a:ext uri="{FF2B5EF4-FFF2-40B4-BE49-F238E27FC236}">
-                <a16:creationId xmlns:a16="http://schemas.microsoft.com/office/drawing/2014/main" xmlns="" id="{B3B54D5C-DF23-4320-80C7-D5FDCC31C73E}"/>
+                <a16:creationId xmlns="" xmlns:a16="http://schemas.microsoft.com/office/drawing/2014/main" id="{B3B54D5C-DF23-4320-80C7-D5FDCC31C73E}"/>
               </a:ext>
             </a:extLst>
           </p:cNvPr>
@@ -9973,7 +9973,7 @@
           <p:cNvPr id="3" name="图片 2" descr="图片包含 户外艺术系列&#10;&#10;已生成高可信度的说明">
             <a:extLst>
               <a:ext uri="{FF2B5EF4-FFF2-40B4-BE49-F238E27FC236}">
-                <a16:creationId xmlns:a16="http://schemas.microsoft.com/office/drawing/2014/main" xmlns="" id="{ABA7B7BC-2EA9-4B48-9EC2-D10CCCF93649}"/>
+                <a16:creationId xmlns="" xmlns:a16="http://schemas.microsoft.com/office/drawing/2014/main" id="{ABA7B7BC-2EA9-4B48-9EC2-D10CCCF93649}"/>
               </a:ext>
             </a:extLst>
           </p:cNvPr>
@@ -10008,7 +10008,7 @@
           <p:cNvPr id="122" name="图片 121" descr="图片包含 户外艺术系列&#10;&#10;已生成高可信度的说明">
             <a:extLst>
               <a:ext uri="{FF2B5EF4-FFF2-40B4-BE49-F238E27FC236}">
-                <a16:creationId xmlns:a16="http://schemas.microsoft.com/office/drawing/2014/main" xmlns="" id="{3EA6A347-BDFB-419C-B6F7-63BF6CC4CAFC}"/>
+                <a16:creationId xmlns="" xmlns:a16="http://schemas.microsoft.com/office/drawing/2014/main" id="{3EA6A347-BDFB-419C-B6F7-63BF6CC4CAFC}"/>
               </a:ext>
             </a:extLst>
           </p:cNvPr>
@@ -10043,7 +10043,7 @@
           <p:cNvPr id="7" name="直接连接符 6">
             <a:extLst>
               <a:ext uri="{FF2B5EF4-FFF2-40B4-BE49-F238E27FC236}">
-                <a16:creationId xmlns:a16="http://schemas.microsoft.com/office/drawing/2014/main" xmlns="" id="{6A700B99-6065-4865-8C68-803D5763C6AA}"/>
+                <a16:creationId xmlns="" xmlns:a16="http://schemas.microsoft.com/office/drawing/2014/main" id="{6A700B99-6065-4865-8C68-803D5763C6AA}"/>
               </a:ext>
             </a:extLst>
           </p:cNvPr>
@@ -10133,7 +10133,7 @@
           </a:ln>
           <a:extLst>
             <a:ext uri="{C572A759-6A51-4108-AA02-DFA0A04FC94B}">
-              <ma14:wrappingTextBoxFlag xmlns:ma14="http://schemas.microsoft.com/office/mac/drawingml/2011/main" xmlns="" val="1"/>
+              <ma14:wrappingTextBoxFlag xmlns="" xmlns:ma14="http://schemas.microsoft.com/office/mac/drawingml/2011/main" val="1"/>
             </a:ext>
           </a:extLst>
         </p:spPr>
@@ -10201,7 +10201,7 @@
           </a:ln>
           <a:extLst>
             <a:ext uri="{C572A759-6A51-4108-AA02-DFA0A04FC94B}">
-              <ma14:wrappingTextBoxFlag xmlns:ma14="http://schemas.microsoft.com/office/mac/drawingml/2011/main" xmlns="" val="1"/>
+              <ma14:wrappingTextBoxFlag xmlns="" xmlns:ma14="http://schemas.microsoft.com/office/mac/drawingml/2011/main" val="1"/>
             </a:ext>
           </a:extLst>
         </p:spPr>
@@ -10263,7 +10263,7 @@
           <p:cNvPr id="17" name="组合 16">
             <a:extLst>
               <a:ext uri="{FF2B5EF4-FFF2-40B4-BE49-F238E27FC236}">
-                <a16:creationId xmlns:a16="http://schemas.microsoft.com/office/drawing/2014/main" xmlns="" id="{37C933BA-2473-4CDC-A5E4-A44C629C23D8}"/>
+                <a16:creationId xmlns="" xmlns:a16="http://schemas.microsoft.com/office/drawing/2014/main" id="{37C933BA-2473-4CDC-A5E4-A44C629C23D8}"/>
               </a:ext>
             </a:extLst>
           </p:cNvPr>
@@ -10283,7 +10283,7 @@
             <p:cNvPr id="18" name="文本框 17">
               <a:extLst>
                 <a:ext uri="{FF2B5EF4-FFF2-40B4-BE49-F238E27FC236}">
-                  <a16:creationId xmlns:a16="http://schemas.microsoft.com/office/drawing/2014/main" xmlns="" id="{16DA8A1E-64FC-4810-80E3-D177285D8773}"/>
+                  <a16:creationId xmlns="" xmlns:a16="http://schemas.microsoft.com/office/drawing/2014/main" id="{16DA8A1E-64FC-4810-80E3-D177285D8773}"/>
                 </a:ext>
               </a:extLst>
             </p:cNvPr>
@@ -10387,7 +10387,7 @@
             <p:cNvPr id="19" name="文本框 18">
               <a:extLst>
                 <a:ext uri="{FF2B5EF4-FFF2-40B4-BE49-F238E27FC236}">
-                  <a16:creationId xmlns:a16="http://schemas.microsoft.com/office/drawing/2014/main" xmlns="" id="{D028F3A2-F8BE-4FF3-AA43-1781C286E3E6}"/>
+                  <a16:creationId xmlns="" xmlns:a16="http://schemas.microsoft.com/office/drawing/2014/main" id="{D028F3A2-F8BE-4FF3-AA43-1781C286E3E6}"/>
                 </a:ext>
               </a:extLst>
             </p:cNvPr>
@@ -10455,7 +10455,7 @@
             <p:cNvPr id="20" name="矩形: 圆角 19">
               <a:extLst>
                 <a:ext uri="{FF2B5EF4-FFF2-40B4-BE49-F238E27FC236}">
-                  <a16:creationId xmlns:a16="http://schemas.microsoft.com/office/drawing/2014/main" xmlns="" id="{D155FC09-937B-45E9-9445-19C2930961C1}"/>
+                  <a16:creationId xmlns="" xmlns:a16="http://schemas.microsoft.com/office/drawing/2014/main" id="{D155FC09-937B-45E9-9445-19C2930961C1}"/>
                 </a:ext>
               </a:extLst>
             </p:cNvPr>
@@ -10528,7 +10528,7 @@
           <p:cNvPr id="22" name="文本框 21">
             <a:extLst>
               <a:ext uri="{FF2B5EF4-FFF2-40B4-BE49-F238E27FC236}">
-                <a16:creationId xmlns:a16="http://schemas.microsoft.com/office/drawing/2014/main" xmlns="" id="{3A22B194-448A-46EE-BC7E-5460EEA7EF82}"/>
+                <a16:creationId xmlns="" xmlns:a16="http://schemas.microsoft.com/office/drawing/2014/main" id="{3A22B194-448A-46EE-BC7E-5460EEA7EF82}"/>
               </a:ext>
             </a:extLst>
           </p:cNvPr>
@@ -10579,7 +10579,7 @@
           <p:cNvPr id="31" name="椭圆 30">
             <a:extLst>
               <a:ext uri="{FF2B5EF4-FFF2-40B4-BE49-F238E27FC236}">
-                <a16:creationId xmlns:a16="http://schemas.microsoft.com/office/drawing/2014/main" xmlns="" id="{3B07899A-BEFE-411B-80F0-B1F1203CAF79}"/>
+                <a16:creationId xmlns="" xmlns:a16="http://schemas.microsoft.com/office/drawing/2014/main" id="{3B07899A-BEFE-411B-80F0-B1F1203CAF79}"/>
               </a:ext>
             </a:extLst>
           </p:cNvPr>
@@ -10633,7 +10633,7 @@
           <p:cNvPr id="32" name="椭圆 31">
             <a:extLst>
               <a:ext uri="{FF2B5EF4-FFF2-40B4-BE49-F238E27FC236}">
-                <a16:creationId xmlns:a16="http://schemas.microsoft.com/office/drawing/2014/main" xmlns="" id="{8E146F45-5E79-431F-AE2D-E8D938E2AE30}"/>
+                <a16:creationId xmlns="" xmlns:a16="http://schemas.microsoft.com/office/drawing/2014/main" id="{8E146F45-5E79-431F-AE2D-E8D938E2AE30}"/>
               </a:ext>
             </a:extLst>
           </p:cNvPr>
@@ -10687,7 +10687,7 @@
           <p:cNvPr id="33" name="椭圆 32">
             <a:extLst>
               <a:ext uri="{FF2B5EF4-FFF2-40B4-BE49-F238E27FC236}">
-                <a16:creationId xmlns:a16="http://schemas.microsoft.com/office/drawing/2014/main" xmlns="" id="{67D28EC8-FAC6-4D9C-A689-EC09A31595AF}"/>
+                <a16:creationId xmlns="" xmlns:a16="http://schemas.microsoft.com/office/drawing/2014/main" id="{67D28EC8-FAC6-4D9C-A689-EC09A31595AF}"/>
               </a:ext>
             </a:extLst>
           </p:cNvPr>
@@ -10744,7 +10744,7 @@
           <p:cNvPr id="34" name="椭圆 33">
             <a:extLst>
               <a:ext uri="{FF2B5EF4-FFF2-40B4-BE49-F238E27FC236}">
-                <a16:creationId xmlns:a16="http://schemas.microsoft.com/office/drawing/2014/main" xmlns="" id="{9F3AFC74-0413-4D11-B73A-701636BA1C2F}"/>
+                <a16:creationId xmlns="" xmlns:a16="http://schemas.microsoft.com/office/drawing/2014/main" id="{9F3AFC74-0413-4D11-B73A-701636BA1C2F}"/>
               </a:ext>
             </a:extLst>
           </p:cNvPr>
@@ -10798,7 +10798,7 @@
           <p:cNvPr id="35" name="椭圆 34">
             <a:extLst>
               <a:ext uri="{FF2B5EF4-FFF2-40B4-BE49-F238E27FC236}">
-                <a16:creationId xmlns:a16="http://schemas.microsoft.com/office/drawing/2014/main" xmlns="" id="{492C6DC1-98AC-4C5B-873B-0FE63529C580}"/>
+                <a16:creationId xmlns="" xmlns:a16="http://schemas.microsoft.com/office/drawing/2014/main" id="{492C6DC1-98AC-4C5B-873B-0FE63529C580}"/>
               </a:ext>
             </a:extLst>
           </p:cNvPr>
@@ -10852,7 +10852,7 @@
           <p:cNvPr id="36" name="直接连接符 35">
             <a:extLst>
               <a:ext uri="{FF2B5EF4-FFF2-40B4-BE49-F238E27FC236}">
-                <a16:creationId xmlns:a16="http://schemas.microsoft.com/office/drawing/2014/main" xmlns="" id="{6971B428-D479-4672-BD8B-7F5D077D5D86}"/>
+                <a16:creationId xmlns="" xmlns:a16="http://schemas.microsoft.com/office/drawing/2014/main" id="{6971B428-D479-4672-BD8B-7F5D077D5D86}"/>
               </a:ext>
             </a:extLst>
           </p:cNvPr>
@@ -10896,7 +10896,7 @@
           <p:cNvPr id="37" name="椭圆 36">
             <a:extLst>
               <a:ext uri="{FF2B5EF4-FFF2-40B4-BE49-F238E27FC236}">
-                <a16:creationId xmlns:a16="http://schemas.microsoft.com/office/drawing/2014/main" xmlns="" id="{E40A54E8-E57E-4BE0-B84A-69974F4EA85A}"/>
+                <a16:creationId xmlns="" xmlns:a16="http://schemas.microsoft.com/office/drawing/2014/main" id="{E40A54E8-E57E-4BE0-B84A-69974F4EA85A}"/>
               </a:ext>
             </a:extLst>
           </p:cNvPr>
@@ -10950,7 +10950,7 @@
           <p:cNvPr id="38" name="直接连接符 37">
             <a:extLst>
               <a:ext uri="{FF2B5EF4-FFF2-40B4-BE49-F238E27FC236}">
-                <a16:creationId xmlns:a16="http://schemas.microsoft.com/office/drawing/2014/main" xmlns="" id="{DF7F0649-3C32-4EE4-9DC6-342077B0E1D8}"/>
+                <a16:creationId xmlns="" xmlns:a16="http://schemas.microsoft.com/office/drawing/2014/main" id="{DF7F0649-3C32-4EE4-9DC6-342077B0E1D8}"/>
               </a:ext>
             </a:extLst>
           </p:cNvPr>
@@ -10994,7 +10994,7 @@
           <p:cNvPr id="39" name="直接连接符 38">
             <a:extLst>
               <a:ext uri="{FF2B5EF4-FFF2-40B4-BE49-F238E27FC236}">
-                <a16:creationId xmlns:a16="http://schemas.microsoft.com/office/drawing/2014/main" xmlns="" id="{093EB3FB-ADF0-474A-B234-EF349901DC15}"/>
+                <a16:creationId xmlns="" xmlns:a16="http://schemas.microsoft.com/office/drawing/2014/main" id="{093EB3FB-ADF0-474A-B234-EF349901DC15}"/>
               </a:ext>
             </a:extLst>
           </p:cNvPr>
@@ -11038,7 +11038,7 @@
           <p:cNvPr id="40" name="椭圆 39">
             <a:extLst>
               <a:ext uri="{FF2B5EF4-FFF2-40B4-BE49-F238E27FC236}">
-                <a16:creationId xmlns:a16="http://schemas.microsoft.com/office/drawing/2014/main" xmlns="" id="{F13CD393-9278-4D9E-926E-A8B9B27E49C8}"/>
+                <a16:creationId xmlns="" xmlns:a16="http://schemas.microsoft.com/office/drawing/2014/main" id="{F13CD393-9278-4D9E-926E-A8B9B27E49C8}"/>
               </a:ext>
             </a:extLst>
           </p:cNvPr>
@@ -11095,7 +11095,7 @@
           <p:cNvPr id="41" name="直接连接符 40">
             <a:extLst>
               <a:ext uri="{FF2B5EF4-FFF2-40B4-BE49-F238E27FC236}">
-                <a16:creationId xmlns:a16="http://schemas.microsoft.com/office/drawing/2014/main" xmlns="" id="{192A6EEE-8490-42FF-8026-D3D66BD75940}"/>
+                <a16:creationId xmlns="" xmlns:a16="http://schemas.microsoft.com/office/drawing/2014/main" id="{192A6EEE-8490-42FF-8026-D3D66BD75940}"/>
               </a:ext>
             </a:extLst>
           </p:cNvPr>
@@ -11139,7 +11139,7 @@
           <p:cNvPr id="42" name="椭圆 41">
             <a:extLst>
               <a:ext uri="{FF2B5EF4-FFF2-40B4-BE49-F238E27FC236}">
-                <a16:creationId xmlns:a16="http://schemas.microsoft.com/office/drawing/2014/main" xmlns="" id="{B5136ACA-AD87-4183-ADB5-428C41FA7777}"/>
+                <a16:creationId xmlns="" xmlns:a16="http://schemas.microsoft.com/office/drawing/2014/main" id="{B5136ACA-AD87-4183-ADB5-428C41FA7777}"/>
               </a:ext>
             </a:extLst>
           </p:cNvPr>
@@ -11193,7 +11193,7 @@
           <p:cNvPr id="43" name="直接连接符 42">
             <a:extLst>
               <a:ext uri="{FF2B5EF4-FFF2-40B4-BE49-F238E27FC236}">
-                <a16:creationId xmlns:a16="http://schemas.microsoft.com/office/drawing/2014/main" xmlns="" id="{272C11AD-11A2-49C8-9292-7533203E68DD}"/>
+                <a16:creationId xmlns="" xmlns:a16="http://schemas.microsoft.com/office/drawing/2014/main" id="{272C11AD-11A2-49C8-9292-7533203E68DD}"/>
               </a:ext>
             </a:extLst>
           </p:cNvPr>
@@ -11237,7 +11237,7 @@
           <p:cNvPr id="44" name="椭圆 43">
             <a:extLst>
               <a:ext uri="{FF2B5EF4-FFF2-40B4-BE49-F238E27FC236}">
-                <a16:creationId xmlns:a16="http://schemas.microsoft.com/office/drawing/2014/main" xmlns="" id="{411E286E-649A-4CC9-A79E-B785F1A457EA}"/>
+                <a16:creationId xmlns="" xmlns:a16="http://schemas.microsoft.com/office/drawing/2014/main" id="{411E286E-649A-4CC9-A79E-B785F1A457EA}"/>
               </a:ext>
             </a:extLst>
           </p:cNvPr>
@@ -11294,7 +11294,7 @@
           <p:cNvPr id="45" name="直接连接符 44">
             <a:extLst>
               <a:ext uri="{FF2B5EF4-FFF2-40B4-BE49-F238E27FC236}">
-                <a16:creationId xmlns:a16="http://schemas.microsoft.com/office/drawing/2014/main" xmlns="" id="{4642B35E-2738-4B10-B77A-A1D1B45ED76B}"/>
+                <a16:creationId xmlns="" xmlns:a16="http://schemas.microsoft.com/office/drawing/2014/main" id="{4642B35E-2738-4B10-B77A-A1D1B45ED76B}"/>
               </a:ext>
             </a:extLst>
           </p:cNvPr>
@@ -11338,7 +11338,7 @@
           <p:cNvPr id="46" name="直接连接符 45">
             <a:extLst>
               <a:ext uri="{FF2B5EF4-FFF2-40B4-BE49-F238E27FC236}">
-                <a16:creationId xmlns:a16="http://schemas.microsoft.com/office/drawing/2014/main" xmlns="" id="{D9581555-6A2E-4C22-B026-C640417AD0E5}"/>
+                <a16:creationId xmlns="" xmlns:a16="http://schemas.microsoft.com/office/drawing/2014/main" id="{D9581555-6A2E-4C22-B026-C640417AD0E5}"/>
               </a:ext>
             </a:extLst>
           </p:cNvPr>
@@ -11382,7 +11382,7 @@
           <p:cNvPr id="47" name="直接连接符 46">
             <a:extLst>
               <a:ext uri="{FF2B5EF4-FFF2-40B4-BE49-F238E27FC236}">
-                <a16:creationId xmlns:a16="http://schemas.microsoft.com/office/drawing/2014/main" xmlns="" id="{BFDADB2E-A848-4A30-A321-0A9EF72DEE7A}"/>
+                <a16:creationId xmlns="" xmlns:a16="http://schemas.microsoft.com/office/drawing/2014/main" id="{BFDADB2E-A848-4A30-A321-0A9EF72DEE7A}"/>
               </a:ext>
             </a:extLst>
           </p:cNvPr>
@@ -11430,7 +11430,7 @@
         <p:spPr>
           <a:xfrm>
             <a:off x="992396" y="2547649"/>
-            <a:ext cx="9765793" cy="2388973"/>
+            <a:ext cx="9765793" cy="3243799"/>
           </a:xfrm>
           <a:prstGeom prst="rect">
             <a:avLst/>
@@ -11782,7 +11782,7 @@
           <p:cNvPr id="6" name="图片 5" descr="图片包含 户外艺术系列&#10;&#10;已生成高可信度的说明">
             <a:extLst>
               <a:ext uri="{FF2B5EF4-FFF2-40B4-BE49-F238E27FC236}">
-                <a16:creationId xmlns:a16="http://schemas.microsoft.com/office/drawing/2014/main" xmlns="" id="{89D524ED-F1C6-411C-BF82-1FE0C3CECFC7}"/>
+                <a16:creationId xmlns="" xmlns:a16="http://schemas.microsoft.com/office/drawing/2014/main" id="{89D524ED-F1C6-411C-BF82-1FE0C3CECFC7}"/>
               </a:ext>
             </a:extLst>
           </p:cNvPr>
@@ -11818,7 +11818,7 @@
           <p:cNvPr id="11" name="矩形: 圆角 10">
             <a:extLst>
               <a:ext uri="{FF2B5EF4-FFF2-40B4-BE49-F238E27FC236}">
-                <a16:creationId xmlns:a16="http://schemas.microsoft.com/office/drawing/2014/main" xmlns="" id="{6BCFDEB3-66BB-40C4-8D11-4501056B03A6}"/>
+                <a16:creationId xmlns="" xmlns:a16="http://schemas.microsoft.com/office/drawing/2014/main" id="{6BCFDEB3-66BB-40C4-8D11-4501056B03A6}"/>
               </a:ext>
             </a:extLst>
           </p:cNvPr>
@@ -11879,7 +11879,7 @@
           <p:cNvPr id="2" name="文本框 1">
             <a:extLst>
               <a:ext uri="{FF2B5EF4-FFF2-40B4-BE49-F238E27FC236}">
-                <a16:creationId xmlns:a16="http://schemas.microsoft.com/office/drawing/2014/main" xmlns="" id="{F78FF481-D5DD-4D63-B7A7-27E254D01BB4}"/>
+                <a16:creationId xmlns="" xmlns:a16="http://schemas.microsoft.com/office/drawing/2014/main" id="{F78FF481-D5DD-4D63-B7A7-27E254D01BB4}"/>
               </a:ext>
             </a:extLst>
           </p:cNvPr>
@@ -11922,7 +11922,7 @@
           <p:cNvPr id="3" name="文本框 2">
             <a:extLst>
               <a:ext uri="{FF2B5EF4-FFF2-40B4-BE49-F238E27FC236}">
-                <a16:creationId xmlns:a16="http://schemas.microsoft.com/office/drawing/2014/main" xmlns="" id="{2A4B6A67-80A8-491C-9B75-F838BAA24AB8}"/>
+                <a16:creationId xmlns="" xmlns:a16="http://schemas.microsoft.com/office/drawing/2014/main" id="{2A4B6A67-80A8-491C-9B75-F838BAA24AB8}"/>
               </a:ext>
             </a:extLst>
           </p:cNvPr>
@@ -11963,7 +11963,7 @@
           <p:cNvPr id="4" name="文本框 3">
             <a:extLst>
               <a:ext uri="{FF2B5EF4-FFF2-40B4-BE49-F238E27FC236}">
-                <a16:creationId xmlns:a16="http://schemas.microsoft.com/office/drawing/2014/main" xmlns="" id="{D0EF4BBF-C2CD-4EB3-A920-99A3D31601CD}"/>
+                <a16:creationId xmlns="" xmlns:a16="http://schemas.microsoft.com/office/drawing/2014/main" id="{D0EF4BBF-C2CD-4EB3-A920-99A3D31601CD}"/>
               </a:ext>
             </a:extLst>
           </p:cNvPr>
@@ -12024,7 +12024,7 @@
           <p:cNvPr id="7" name="直接连接符 6">
             <a:extLst>
               <a:ext uri="{FF2B5EF4-FFF2-40B4-BE49-F238E27FC236}">
-                <a16:creationId xmlns:a16="http://schemas.microsoft.com/office/drawing/2014/main" xmlns="" id="{4000AD3B-46B8-4302-97C7-6AB34A88DFA6}"/>
+                <a16:creationId xmlns="" xmlns:a16="http://schemas.microsoft.com/office/drawing/2014/main" id="{4000AD3B-46B8-4302-97C7-6AB34A88DFA6}"/>
               </a:ext>
             </a:extLst>
           </p:cNvPr>
@@ -12067,7 +12067,7 @@
           <p:cNvPr id="10" name="组合 9">
             <a:extLst>
               <a:ext uri="{FF2B5EF4-FFF2-40B4-BE49-F238E27FC236}">
-                <a16:creationId xmlns:a16="http://schemas.microsoft.com/office/drawing/2014/main" xmlns="" id="{0A179309-4274-4AFB-96A6-CDF4D9704354}"/>
+                <a16:creationId xmlns="" xmlns:a16="http://schemas.microsoft.com/office/drawing/2014/main" id="{0A179309-4274-4AFB-96A6-CDF4D9704354}"/>
               </a:ext>
             </a:extLst>
           </p:cNvPr>
@@ -12087,7 +12087,7 @@
             <p:cNvPr id="13" name="直接连接符 12">
               <a:extLst>
                 <a:ext uri="{FF2B5EF4-FFF2-40B4-BE49-F238E27FC236}">
-                  <a16:creationId xmlns:a16="http://schemas.microsoft.com/office/drawing/2014/main" xmlns="" id="{3E1E71E1-150B-4EBB-ACA2-3809BDB92488}"/>
+                  <a16:creationId xmlns="" xmlns:a16="http://schemas.microsoft.com/office/drawing/2014/main" id="{3E1E71E1-150B-4EBB-ACA2-3809BDB92488}"/>
                 </a:ext>
               </a:extLst>
             </p:cNvPr>
@@ -12130,7 +12130,7 @@
             <p:cNvPr id="14" name="直接连接符 13">
               <a:extLst>
                 <a:ext uri="{FF2B5EF4-FFF2-40B4-BE49-F238E27FC236}">
-                  <a16:creationId xmlns:a16="http://schemas.microsoft.com/office/drawing/2014/main" xmlns="" id="{3644F1BB-7050-437B-A0D9-2C5C16232620}"/>
+                  <a16:creationId xmlns="" xmlns:a16="http://schemas.microsoft.com/office/drawing/2014/main" id="{3644F1BB-7050-437B-A0D9-2C5C16232620}"/>
                 </a:ext>
               </a:extLst>
             </p:cNvPr>
@@ -12173,7 +12173,7 @@
             <p:cNvPr id="15" name="直接连接符 14">
               <a:extLst>
                 <a:ext uri="{FF2B5EF4-FFF2-40B4-BE49-F238E27FC236}">
-                  <a16:creationId xmlns:a16="http://schemas.microsoft.com/office/drawing/2014/main" xmlns="" id="{A58349CB-A746-42FE-B196-071D1F66F4A6}"/>
+                  <a16:creationId xmlns="" xmlns:a16="http://schemas.microsoft.com/office/drawing/2014/main" id="{A58349CB-A746-42FE-B196-071D1F66F4A6}"/>
                 </a:ext>
               </a:extLst>
             </p:cNvPr>
@@ -12216,7 +12216,7 @@
             <p:cNvPr id="16" name="椭圆 15">
               <a:extLst>
                 <a:ext uri="{FF2B5EF4-FFF2-40B4-BE49-F238E27FC236}">
-                  <a16:creationId xmlns:a16="http://schemas.microsoft.com/office/drawing/2014/main" xmlns="" id="{1EA2E525-99FB-4DC3-85D4-E58FF0F0D4CB}"/>
+                  <a16:creationId xmlns="" xmlns:a16="http://schemas.microsoft.com/office/drawing/2014/main" id="{1EA2E525-99FB-4DC3-85D4-E58FF0F0D4CB}"/>
                 </a:ext>
               </a:extLst>
             </p:cNvPr>
@@ -12271,7 +12271,7 @@
             <p:cNvPr id="17" name="椭圆 16">
               <a:extLst>
                 <a:ext uri="{FF2B5EF4-FFF2-40B4-BE49-F238E27FC236}">
-                  <a16:creationId xmlns:a16="http://schemas.microsoft.com/office/drawing/2014/main" xmlns="" id="{3DA1CB48-5631-4E05-8CE8-88FAC410BB1B}"/>
+                  <a16:creationId xmlns="" xmlns:a16="http://schemas.microsoft.com/office/drawing/2014/main" id="{3DA1CB48-5631-4E05-8CE8-88FAC410BB1B}"/>
                 </a:ext>
               </a:extLst>
             </p:cNvPr>
@@ -12325,7 +12325,7 @@
             <p:cNvPr id="18" name="椭圆 17">
               <a:extLst>
                 <a:ext uri="{FF2B5EF4-FFF2-40B4-BE49-F238E27FC236}">
-                  <a16:creationId xmlns:a16="http://schemas.microsoft.com/office/drawing/2014/main" xmlns="" id="{292A36A2-19F3-40B6-80DB-E53E8B94E159}"/>
+                  <a16:creationId xmlns="" xmlns:a16="http://schemas.microsoft.com/office/drawing/2014/main" id="{292A36A2-19F3-40B6-80DB-E53E8B94E159}"/>
                 </a:ext>
               </a:extLst>
             </p:cNvPr>
@@ -12382,7 +12382,7 @@
           <p:cNvPr id="19" name="组合 18">
             <a:extLst>
               <a:ext uri="{FF2B5EF4-FFF2-40B4-BE49-F238E27FC236}">
-                <a16:creationId xmlns:a16="http://schemas.microsoft.com/office/drawing/2014/main" xmlns="" id="{54F5DAC7-1D40-43F9-9CFA-72281B05A6C2}"/>
+                <a16:creationId xmlns="" xmlns:a16="http://schemas.microsoft.com/office/drawing/2014/main" id="{54F5DAC7-1D40-43F9-9CFA-72281B05A6C2}"/>
               </a:ext>
             </a:extLst>
           </p:cNvPr>
@@ -12402,7 +12402,7 @@
             <p:cNvPr id="20" name="直接连接符 19">
               <a:extLst>
                 <a:ext uri="{FF2B5EF4-FFF2-40B4-BE49-F238E27FC236}">
-                  <a16:creationId xmlns:a16="http://schemas.microsoft.com/office/drawing/2014/main" xmlns="" id="{33C9463E-892C-4B04-92A8-B5F992BCAF1B}"/>
+                  <a16:creationId xmlns="" xmlns:a16="http://schemas.microsoft.com/office/drawing/2014/main" id="{33C9463E-892C-4B04-92A8-B5F992BCAF1B}"/>
                 </a:ext>
               </a:extLst>
             </p:cNvPr>
@@ -12445,7 +12445,7 @@
             <p:cNvPr id="21" name="直接连接符 20">
               <a:extLst>
                 <a:ext uri="{FF2B5EF4-FFF2-40B4-BE49-F238E27FC236}">
-                  <a16:creationId xmlns:a16="http://schemas.microsoft.com/office/drawing/2014/main" xmlns="" id="{DF8A5D8A-C7AA-4520-9F05-4E3EAB9A8BB5}"/>
+                  <a16:creationId xmlns="" xmlns:a16="http://schemas.microsoft.com/office/drawing/2014/main" id="{DF8A5D8A-C7AA-4520-9F05-4E3EAB9A8BB5}"/>
                 </a:ext>
               </a:extLst>
             </p:cNvPr>
@@ -12488,7 +12488,7 @@
             <p:cNvPr id="22" name="直接连接符 21">
               <a:extLst>
                 <a:ext uri="{FF2B5EF4-FFF2-40B4-BE49-F238E27FC236}">
-                  <a16:creationId xmlns:a16="http://schemas.microsoft.com/office/drawing/2014/main" xmlns="" id="{9997A725-A58B-4628-A8C3-E026E0A2203D}"/>
+                  <a16:creationId xmlns="" xmlns:a16="http://schemas.microsoft.com/office/drawing/2014/main" id="{9997A725-A58B-4628-A8C3-E026E0A2203D}"/>
                 </a:ext>
               </a:extLst>
             </p:cNvPr>
@@ -12531,7 +12531,7 @@
             <p:cNvPr id="23" name="椭圆 22">
               <a:extLst>
                 <a:ext uri="{FF2B5EF4-FFF2-40B4-BE49-F238E27FC236}">
-                  <a16:creationId xmlns:a16="http://schemas.microsoft.com/office/drawing/2014/main" xmlns="" id="{E4229617-E9A0-435F-BCAF-7E25DFAF9586}"/>
+                  <a16:creationId xmlns="" xmlns:a16="http://schemas.microsoft.com/office/drawing/2014/main" id="{E4229617-E9A0-435F-BCAF-7E25DFAF9586}"/>
                 </a:ext>
               </a:extLst>
             </p:cNvPr>
@@ -12586,7 +12586,7 @@
             <p:cNvPr id="24" name="椭圆 23">
               <a:extLst>
                 <a:ext uri="{FF2B5EF4-FFF2-40B4-BE49-F238E27FC236}">
-                  <a16:creationId xmlns:a16="http://schemas.microsoft.com/office/drawing/2014/main" xmlns="" id="{A93BFD55-5477-402D-8578-F79D81368B6D}"/>
+                  <a16:creationId xmlns="" xmlns:a16="http://schemas.microsoft.com/office/drawing/2014/main" id="{A93BFD55-5477-402D-8578-F79D81368B6D}"/>
                 </a:ext>
               </a:extLst>
             </p:cNvPr>
@@ -12640,7 +12640,7 @@
             <p:cNvPr id="25" name="椭圆 24">
               <a:extLst>
                 <a:ext uri="{FF2B5EF4-FFF2-40B4-BE49-F238E27FC236}">
-                  <a16:creationId xmlns:a16="http://schemas.microsoft.com/office/drawing/2014/main" xmlns="" id="{C5B85F38-CF17-4884-9D3E-DDDB8A7614DB}"/>
+                  <a16:creationId xmlns="" xmlns:a16="http://schemas.microsoft.com/office/drawing/2014/main" id="{C5B85F38-CF17-4884-9D3E-DDDB8A7614DB}"/>
                 </a:ext>
               </a:extLst>
             </p:cNvPr>
@@ -12697,7 +12697,7 @@
           <p:cNvPr id="26" name="组合 25">
             <a:extLst>
               <a:ext uri="{FF2B5EF4-FFF2-40B4-BE49-F238E27FC236}">
-                <a16:creationId xmlns:a16="http://schemas.microsoft.com/office/drawing/2014/main" xmlns="" id="{431F0BD9-69CB-4CCC-B8E7-0B7E6E6DEAEA}"/>
+                <a16:creationId xmlns="" xmlns:a16="http://schemas.microsoft.com/office/drawing/2014/main" id="{431F0BD9-69CB-4CCC-B8E7-0B7E6E6DEAEA}"/>
               </a:ext>
             </a:extLst>
           </p:cNvPr>
@@ -12717,7 +12717,7 @@
             <p:cNvPr id="27" name="直接连接符 26">
               <a:extLst>
                 <a:ext uri="{FF2B5EF4-FFF2-40B4-BE49-F238E27FC236}">
-                  <a16:creationId xmlns:a16="http://schemas.microsoft.com/office/drawing/2014/main" xmlns="" id="{2936E32B-E9DC-4E8A-B75F-1EED6707F551}"/>
+                  <a16:creationId xmlns="" xmlns:a16="http://schemas.microsoft.com/office/drawing/2014/main" id="{2936E32B-E9DC-4E8A-B75F-1EED6707F551}"/>
                 </a:ext>
               </a:extLst>
             </p:cNvPr>
@@ -12760,7 +12760,7 @@
             <p:cNvPr id="28" name="直接连接符 27">
               <a:extLst>
                 <a:ext uri="{FF2B5EF4-FFF2-40B4-BE49-F238E27FC236}">
-                  <a16:creationId xmlns:a16="http://schemas.microsoft.com/office/drawing/2014/main" xmlns="" id="{5BD51EE2-2913-4585-A666-E12E7B7BCDD3}"/>
+                  <a16:creationId xmlns="" xmlns:a16="http://schemas.microsoft.com/office/drawing/2014/main" id="{5BD51EE2-2913-4585-A666-E12E7B7BCDD3}"/>
                 </a:ext>
               </a:extLst>
             </p:cNvPr>
@@ -12803,7 +12803,7 @@
             <p:cNvPr id="29" name="直接连接符 28">
               <a:extLst>
                 <a:ext uri="{FF2B5EF4-FFF2-40B4-BE49-F238E27FC236}">
-                  <a16:creationId xmlns:a16="http://schemas.microsoft.com/office/drawing/2014/main" xmlns="" id="{26C1BA9E-834D-4534-8020-5E0F4B8ED7C2}"/>
+                  <a16:creationId xmlns="" xmlns:a16="http://schemas.microsoft.com/office/drawing/2014/main" id="{26C1BA9E-834D-4534-8020-5E0F4B8ED7C2}"/>
                 </a:ext>
               </a:extLst>
             </p:cNvPr>
@@ -12846,7 +12846,7 @@
             <p:cNvPr id="30" name="椭圆 29">
               <a:extLst>
                 <a:ext uri="{FF2B5EF4-FFF2-40B4-BE49-F238E27FC236}">
-                  <a16:creationId xmlns:a16="http://schemas.microsoft.com/office/drawing/2014/main" xmlns="" id="{9FFC6E8B-50CB-438D-8A6D-D449E71BB9CA}"/>
+                  <a16:creationId xmlns="" xmlns:a16="http://schemas.microsoft.com/office/drawing/2014/main" id="{9FFC6E8B-50CB-438D-8A6D-D449E71BB9CA}"/>
                 </a:ext>
               </a:extLst>
             </p:cNvPr>
@@ -12901,7 +12901,7 @@
             <p:cNvPr id="31" name="椭圆 30">
               <a:extLst>
                 <a:ext uri="{FF2B5EF4-FFF2-40B4-BE49-F238E27FC236}">
-                  <a16:creationId xmlns:a16="http://schemas.microsoft.com/office/drawing/2014/main" xmlns="" id="{D4744B69-2504-4E39-B7BE-7ED83650C6CE}"/>
+                  <a16:creationId xmlns="" xmlns:a16="http://schemas.microsoft.com/office/drawing/2014/main" id="{D4744B69-2504-4E39-B7BE-7ED83650C6CE}"/>
                 </a:ext>
               </a:extLst>
             </p:cNvPr>
@@ -12955,7 +12955,7 @@
             <p:cNvPr id="32" name="椭圆 31">
               <a:extLst>
                 <a:ext uri="{FF2B5EF4-FFF2-40B4-BE49-F238E27FC236}">
-                  <a16:creationId xmlns:a16="http://schemas.microsoft.com/office/drawing/2014/main" xmlns="" id="{FC9A2361-C803-4CB7-93E4-70AD38516113}"/>
+                  <a16:creationId xmlns="" xmlns:a16="http://schemas.microsoft.com/office/drawing/2014/main" id="{FC9A2361-C803-4CB7-93E4-70AD38516113}"/>
                 </a:ext>
               </a:extLst>
             </p:cNvPr>
@@ -13059,7 +13059,7 @@
           </a:ln>
           <a:extLst>
             <a:ext uri="{C572A759-6A51-4108-AA02-DFA0A04FC94B}">
-              <ma14:wrappingTextBoxFlag xmlns:ma14="http://schemas.microsoft.com/office/mac/drawingml/2011/main" xmlns="" val="1"/>
+              <ma14:wrappingTextBoxFlag xmlns="" xmlns:ma14="http://schemas.microsoft.com/office/mac/drawingml/2011/main" val="1"/>
             </a:ext>
           </a:extLst>
         </p:spPr>
@@ -13127,7 +13127,7 @@
           </a:ln>
           <a:extLst>
             <a:ext uri="{C572A759-6A51-4108-AA02-DFA0A04FC94B}">
-              <ma14:wrappingTextBoxFlag xmlns:ma14="http://schemas.microsoft.com/office/mac/drawingml/2011/main" xmlns="" val="1"/>
+              <ma14:wrappingTextBoxFlag xmlns="" xmlns:ma14="http://schemas.microsoft.com/office/mac/drawingml/2011/main" val="1"/>
             </a:ext>
           </a:extLst>
         </p:spPr>
@@ -13189,7 +13189,7 @@
           <p:cNvPr id="17" name="组合 16">
             <a:extLst>
               <a:ext uri="{FF2B5EF4-FFF2-40B4-BE49-F238E27FC236}">
-                <a16:creationId xmlns:a16="http://schemas.microsoft.com/office/drawing/2014/main" xmlns="" id="{37C933BA-2473-4CDC-A5E4-A44C629C23D8}"/>
+                <a16:creationId xmlns="" xmlns:a16="http://schemas.microsoft.com/office/drawing/2014/main" id="{37C933BA-2473-4CDC-A5E4-A44C629C23D8}"/>
               </a:ext>
             </a:extLst>
           </p:cNvPr>
@@ -13209,7 +13209,7 @@
             <p:cNvPr id="18" name="文本框 17">
               <a:extLst>
                 <a:ext uri="{FF2B5EF4-FFF2-40B4-BE49-F238E27FC236}">
-                  <a16:creationId xmlns:a16="http://schemas.microsoft.com/office/drawing/2014/main" xmlns="" id="{16DA8A1E-64FC-4810-80E3-D177285D8773}"/>
+                  <a16:creationId xmlns="" xmlns:a16="http://schemas.microsoft.com/office/drawing/2014/main" id="{16DA8A1E-64FC-4810-80E3-D177285D8773}"/>
                 </a:ext>
               </a:extLst>
             </p:cNvPr>
@@ -13304,7 +13304,7 @@
             <p:cNvPr id="19" name="文本框 18">
               <a:extLst>
                 <a:ext uri="{FF2B5EF4-FFF2-40B4-BE49-F238E27FC236}">
-                  <a16:creationId xmlns:a16="http://schemas.microsoft.com/office/drawing/2014/main" xmlns="" id="{D028F3A2-F8BE-4FF3-AA43-1781C286E3E6}"/>
+                  <a16:creationId xmlns="" xmlns:a16="http://schemas.microsoft.com/office/drawing/2014/main" id="{D028F3A2-F8BE-4FF3-AA43-1781C286E3E6}"/>
                 </a:ext>
               </a:extLst>
             </p:cNvPr>
@@ -13372,7 +13372,7 @@
             <p:cNvPr id="20" name="矩形: 圆角 19">
               <a:extLst>
                 <a:ext uri="{FF2B5EF4-FFF2-40B4-BE49-F238E27FC236}">
-                  <a16:creationId xmlns:a16="http://schemas.microsoft.com/office/drawing/2014/main" xmlns="" id="{D155FC09-937B-45E9-9445-19C2930961C1}"/>
+                  <a16:creationId xmlns="" xmlns:a16="http://schemas.microsoft.com/office/drawing/2014/main" id="{D155FC09-937B-45E9-9445-19C2930961C1}"/>
                 </a:ext>
               </a:extLst>
             </p:cNvPr>
@@ -13445,7 +13445,7 @@
           <p:cNvPr id="22" name="文本框 21">
             <a:extLst>
               <a:ext uri="{FF2B5EF4-FFF2-40B4-BE49-F238E27FC236}">
-                <a16:creationId xmlns:a16="http://schemas.microsoft.com/office/drawing/2014/main" xmlns="" id="{3A22B194-448A-46EE-BC7E-5460EEA7EF82}"/>
+                <a16:creationId xmlns="" xmlns:a16="http://schemas.microsoft.com/office/drawing/2014/main" id="{3A22B194-448A-46EE-BC7E-5460EEA7EF82}"/>
               </a:ext>
             </a:extLst>
           </p:cNvPr>
@@ -13496,7 +13496,7 @@
           <p:cNvPr id="31" name="椭圆 30">
             <a:extLst>
               <a:ext uri="{FF2B5EF4-FFF2-40B4-BE49-F238E27FC236}">
-                <a16:creationId xmlns:a16="http://schemas.microsoft.com/office/drawing/2014/main" xmlns="" id="{3B07899A-BEFE-411B-80F0-B1F1203CAF79}"/>
+                <a16:creationId xmlns="" xmlns:a16="http://schemas.microsoft.com/office/drawing/2014/main" id="{3B07899A-BEFE-411B-80F0-B1F1203CAF79}"/>
               </a:ext>
             </a:extLst>
           </p:cNvPr>
@@ -13550,7 +13550,7 @@
           <p:cNvPr id="32" name="椭圆 31">
             <a:extLst>
               <a:ext uri="{FF2B5EF4-FFF2-40B4-BE49-F238E27FC236}">
-                <a16:creationId xmlns:a16="http://schemas.microsoft.com/office/drawing/2014/main" xmlns="" id="{8E146F45-5E79-431F-AE2D-E8D938E2AE30}"/>
+                <a16:creationId xmlns="" xmlns:a16="http://schemas.microsoft.com/office/drawing/2014/main" id="{8E146F45-5E79-431F-AE2D-E8D938E2AE30}"/>
               </a:ext>
             </a:extLst>
           </p:cNvPr>
@@ -13604,7 +13604,7 @@
           <p:cNvPr id="33" name="椭圆 32">
             <a:extLst>
               <a:ext uri="{FF2B5EF4-FFF2-40B4-BE49-F238E27FC236}">
-                <a16:creationId xmlns:a16="http://schemas.microsoft.com/office/drawing/2014/main" xmlns="" id="{67D28EC8-FAC6-4D9C-A689-EC09A31595AF}"/>
+                <a16:creationId xmlns="" xmlns:a16="http://schemas.microsoft.com/office/drawing/2014/main" id="{67D28EC8-FAC6-4D9C-A689-EC09A31595AF}"/>
               </a:ext>
             </a:extLst>
           </p:cNvPr>
@@ -13661,7 +13661,7 @@
           <p:cNvPr id="34" name="椭圆 33">
             <a:extLst>
               <a:ext uri="{FF2B5EF4-FFF2-40B4-BE49-F238E27FC236}">
-                <a16:creationId xmlns:a16="http://schemas.microsoft.com/office/drawing/2014/main" xmlns="" id="{9F3AFC74-0413-4D11-B73A-701636BA1C2F}"/>
+                <a16:creationId xmlns="" xmlns:a16="http://schemas.microsoft.com/office/drawing/2014/main" id="{9F3AFC74-0413-4D11-B73A-701636BA1C2F}"/>
               </a:ext>
             </a:extLst>
           </p:cNvPr>
@@ -13715,7 +13715,7 @@
           <p:cNvPr id="35" name="椭圆 34">
             <a:extLst>
               <a:ext uri="{FF2B5EF4-FFF2-40B4-BE49-F238E27FC236}">
-                <a16:creationId xmlns:a16="http://schemas.microsoft.com/office/drawing/2014/main" xmlns="" id="{492C6DC1-98AC-4C5B-873B-0FE63529C580}"/>
+                <a16:creationId xmlns="" xmlns:a16="http://schemas.microsoft.com/office/drawing/2014/main" id="{492C6DC1-98AC-4C5B-873B-0FE63529C580}"/>
               </a:ext>
             </a:extLst>
           </p:cNvPr>
@@ -13769,7 +13769,7 @@
           <p:cNvPr id="36" name="直接连接符 35">
             <a:extLst>
               <a:ext uri="{FF2B5EF4-FFF2-40B4-BE49-F238E27FC236}">
-                <a16:creationId xmlns:a16="http://schemas.microsoft.com/office/drawing/2014/main" xmlns="" id="{6971B428-D479-4672-BD8B-7F5D077D5D86}"/>
+                <a16:creationId xmlns="" xmlns:a16="http://schemas.microsoft.com/office/drawing/2014/main" id="{6971B428-D479-4672-BD8B-7F5D077D5D86}"/>
               </a:ext>
             </a:extLst>
           </p:cNvPr>
@@ -13813,7 +13813,7 @@
           <p:cNvPr id="37" name="椭圆 36">
             <a:extLst>
               <a:ext uri="{FF2B5EF4-FFF2-40B4-BE49-F238E27FC236}">
-                <a16:creationId xmlns:a16="http://schemas.microsoft.com/office/drawing/2014/main" xmlns="" id="{E40A54E8-E57E-4BE0-B84A-69974F4EA85A}"/>
+                <a16:creationId xmlns="" xmlns:a16="http://schemas.microsoft.com/office/drawing/2014/main" id="{E40A54E8-E57E-4BE0-B84A-69974F4EA85A}"/>
               </a:ext>
             </a:extLst>
           </p:cNvPr>
@@ -13867,7 +13867,7 @@
           <p:cNvPr id="38" name="直接连接符 37">
             <a:extLst>
               <a:ext uri="{FF2B5EF4-FFF2-40B4-BE49-F238E27FC236}">
-                <a16:creationId xmlns:a16="http://schemas.microsoft.com/office/drawing/2014/main" xmlns="" id="{DF7F0649-3C32-4EE4-9DC6-342077B0E1D8}"/>
+                <a16:creationId xmlns="" xmlns:a16="http://schemas.microsoft.com/office/drawing/2014/main" id="{DF7F0649-3C32-4EE4-9DC6-342077B0E1D8}"/>
               </a:ext>
             </a:extLst>
           </p:cNvPr>
@@ -13911,7 +13911,7 @@
           <p:cNvPr id="39" name="直接连接符 38">
             <a:extLst>
               <a:ext uri="{FF2B5EF4-FFF2-40B4-BE49-F238E27FC236}">
-                <a16:creationId xmlns:a16="http://schemas.microsoft.com/office/drawing/2014/main" xmlns="" id="{093EB3FB-ADF0-474A-B234-EF349901DC15}"/>
+                <a16:creationId xmlns="" xmlns:a16="http://schemas.microsoft.com/office/drawing/2014/main" id="{093EB3FB-ADF0-474A-B234-EF349901DC15}"/>
               </a:ext>
             </a:extLst>
           </p:cNvPr>
@@ -13955,7 +13955,7 @@
           <p:cNvPr id="40" name="椭圆 39">
             <a:extLst>
               <a:ext uri="{FF2B5EF4-FFF2-40B4-BE49-F238E27FC236}">
-                <a16:creationId xmlns:a16="http://schemas.microsoft.com/office/drawing/2014/main" xmlns="" id="{F13CD393-9278-4D9E-926E-A8B9B27E49C8}"/>
+                <a16:creationId xmlns="" xmlns:a16="http://schemas.microsoft.com/office/drawing/2014/main" id="{F13CD393-9278-4D9E-926E-A8B9B27E49C8}"/>
               </a:ext>
             </a:extLst>
           </p:cNvPr>
@@ -14012,7 +14012,7 @@
           <p:cNvPr id="41" name="直接连接符 40">
             <a:extLst>
               <a:ext uri="{FF2B5EF4-FFF2-40B4-BE49-F238E27FC236}">
-                <a16:creationId xmlns:a16="http://schemas.microsoft.com/office/drawing/2014/main" xmlns="" id="{192A6EEE-8490-42FF-8026-D3D66BD75940}"/>
+                <a16:creationId xmlns="" xmlns:a16="http://schemas.microsoft.com/office/drawing/2014/main" id="{192A6EEE-8490-42FF-8026-D3D66BD75940}"/>
               </a:ext>
             </a:extLst>
           </p:cNvPr>
@@ -14056,7 +14056,7 @@
           <p:cNvPr id="42" name="椭圆 41">
             <a:extLst>
               <a:ext uri="{FF2B5EF4-FFF2-40B4-BE49-F238E27FC236}">
-                <a16:creationId xmlns:a16="http://schemas.microsoft.com/office/drawing/2014/main" xmlns="" id="{B5136ACA-AD87-4183-ADB5-428C41FA7777}"/>
+                <a16:creationId xmlns="" xmlns:a16="http://schemas.microsoft.com/office/drawing/2014/main" id="{B5136ACA-AD87-4183-ADB5-428C41FA7777}"/>
               </a:ext>
             </a:extLst>
           </p:cNvPr>
@@ -14110,7 +14110,7 @@
           <p:cNvPr id="43" name="直接连接符 42">
             <a:extLst>
               <a:ext uri="{FF2B5EF4-FFF2-40B4-BE49-F238E27FC236}">
-                <a16:creationId xmlns:a16="http://schemas.microsoft.com/office/drawing/2014/main" xmlns="" id="{272C11AD-11A2-49C8-9292-7533203E68DD}"/>
+                <a16:creationId xmlns="" xmlns:a16="http://schemas.microsoft.com/office/drawing/2014/main" id="{272C11AD-11A2-49C8-9292-7533203E68DD}"/>
               </a:ext>
             </a:extLst>
           </p:cNvPr>
@@ -14154,7 +14154,7 @@
           <p:cNvPr id="44" name="椭圆 43">
             <a:extLst>
               <a:ext uri="{FF2B5EF4-FFF2-40B4-BE49-F238E27FC236}">
-                <a16:creationId xmlns:a16="http://schemas.microsoft.com/office/drawing/2014/main" xmlns="" id="{411E286E-649A-4CC9-A79E-B785F1A457EA}"/>
+                <a16:creationId xmlns="" xmlns:a16="http://schemas.microsoft.com/office/drawing/2014/main" id="{411E286E-649A-4CC9-A79E-B785F1A457EA}"/>
               </a:ext>
             </a:extLst>
           </p:cNvPr>
@@ -14211,7 +14211,7 @@
           <p:cNvPr id="45" name="直接连接符 44">
             <a:extLst>
               <a:ext uri="{FF2B5EF4-FFF2-40B4-BE49-F238E27FC236}">
-                <a16:creationId xmlns:a16="http://schemas.microsoft.com/office/drawing/2014/main" xmlns="" id="{4642B35E-2738-4B10-B77A-A1D1B45ED76B}"/>
+                <a16:creationId xmlns="" xmlns:a16="http://schemas.microsoft.com/office/drawing/2014/main" id="{4642B35E-2738-4B10-B77A-A1D1B45ED76B}"/>
               </a:ext>
             </a:extLst>
           </p:cNvPr>
@@ -14255,7 +14255,7 @@
           <p:cNvPr id="46" name="直接连接符 45">
             <a:extLst>
               <a:ext uri="{FF2B5EF4-FFF2-40B4-BE49-F238E27FC236}">
-                <a16:creationId xmlns:a16="http://schemas.microsoft.com/office/drawing/2014/main" xmlns="" id="{D9581555-6A2E-4C22-B026-C640417AD0E5}"/>
+                <a16:creationId xmlns="" xmlns:a16="http://schemas.microsoft.com/office/drawing/2014/main" id="{D9581555-6A2E-4C22-B026-C640417AD0E5}"/>
               </a:ext>
             </a:extLst>
           </p:cNvPr>
@@ -14299,7 +14299,7 @@
           <p:cNvPr id="47" name="直接连接符 46">
             <a:extLst>
               <a:ext uri="{FF2B5EF4-FFF2-40B4-BE49-F238E27FC236}">
-                <a16:creationId xmlns:a16="http://schemas.microsoft.com/office/drawing/2014/main" xmlns="" id="{BFDADB2E-A848-4A30-A321-0A9EF72DEE7A}"/>
+                <a16:creationId xmlns="" xmlns:a16="http://schemas.microsoft.com/office/drawing/2014/main" id="{BFDADB2E-A848-4A30-A321-0A9EF72DEE7A}"/>
               </a:ext>
             </a:extLst>
           </p:cNvPr>
@@ -14600,7 +14600,19 @@
               </a:rPr>
               <a:t>点光源   </a:t>
             </a:r>
-            <a:endParaRPr lang="en-US" altLang="zh-CN" dirty="0" smtClean="0">
+            <a:r>
+              <a:rPr lang="en-US" altLang="zh-CN" sz="1600" u="sng" dirty="0">
+                <a:solidFill>
+                  <a:schemeClr val="tx1">
+                    <a:lumMod val="75000"/>
+                    <a:lumOff val="25000"/>
+                  </a:schemeClr>
+                </a:solidFill>
+                <a:latin typeface="+mn-ea"/>
+              </a:rPr>
+              <a:t>http://www.yanhuangxueyuan.com/threejs/examples/?q=light#webgl_lights_physical</a:t>
+            </a:r>
+            <a:endParaRPr lang="en-US" altLang="zh-CN" sz="1600" u="sng" dirty="0" smtClean="0">
               <a:solidFill>
                 <a:schemeClr val="tx1">
                   <a:lumMod val="75000"/>
@@ -15012,7 +15024,7 @@
           </a:ln>
           <a:extLst>
             <a:ext uri="{C572A759-6A51-4108-AA02-DFA0A04FC94B}">
-              <ma14:wrappingTextBoxFlag xmlns:ma14="http://schemas.microsoft.com/office/mac/drawingml/2011/main" xmlns="" val="1"/>
+              <ma14:wrappingTextBoxFlag xmlns="" xmlns:ma14="http://schemas.microsoft.com/office/mac/drawingml/2011/main" val="1"/>
             </a:ext>
           </a:extLst>
         </p:spPr>
@@ -15080,7 +15092,7 @@
           </a:ln>
           <a:extLst>
             <a:ext uri="{C572A759-6A51-4108-AA02-DFA0A04FC94B}">
-              <ma14:wrappingTextBoxFlag xmlns:ma14="http://schemas.microsoft.com/office/mac/drawingml/2011/main" xmlns="" val="1"/>
+              <ma14:wrappingTextBoxFlag xmlns="" xmlns:ma14="http://schemas.microsoft.com/office/mac/drawingml/2011/main" val="1"/>
             </a:ext>
           </a:extLst>
         </p:spPr>
@@ -15142,7 +15154,7 @@
           <p:cNvPr id="17" name="组合 16">
             <a:extLst>
               <a:ext uri="{FF2B5EF4-FFF2-40B4-BE49-F238E27FC236}">
-                <a16:creationId xmlns:a16="http://schemas.microsoft.com/office/drawing/2014/main" xmlns="" id="{37C933BA-2473-4CDC-A5E4-A44C629C23D8}"/>
+                <a16:creationId xmlns="" xmlns:a16="http://schemas.microsoft.com/office/drawing/2014/main" id="{37C933BA-2473-4CDC-A5E4-A44C629C23D8}"/>
               </a:ext>
             </a:extLst>
           </p:cNvPr>
@@ -15162,7 +15174,7 @@
             <p:cNvPr id="18" name="文本框 17">
               <a:extLst>
                 <a:ext uri="{FF2B5EF4-FFF2-40B4-BE49-F238E27FC236}">
-                  <a16:creationId xmlns:a16="http://schemas.microsoft.com/office/drawing/2014/main" xmlns="" id="{16DA8A1E-64FC-4810-80E3-D177285D8773}"/>
+                  <a16:creationId xmlns="" xmlns:a16="http://schemas.microsoft.com/office/drawing/2014/main" id="{16DA8A1E-64FC-4810-80E3-D177285D8773}"/>
                 </a:ext>
               </a:extLst>
             </p:cNvPr>
@@ -15223,7 +15235,7 @@
             <p:cNvPr id="19" name="文本框 18">
               <a:extLst>
                 <a:ext uri="{FF2B5EF4-FFF2-40B4-BE49-F238E27FC236}">
-                  <a16:creationId xmlns:a16="http://schemas.microsoft.com/office/drawing/2014/main" xmlns="" id="{D028F3A2-F8BE-4FF3-AA43-1781C286E3E6}"/>
+                  <a16:creationId xmlns="" xmlns:a16="http://schemas.microsoft.com/office/drawing/2014/main" id="{D028F3A2-F8BE-4FF3-AA43-1781C286E3E6}"/>
                 </a:ext>
               </a:extLst>
             </p:cNvPr>
@@ -15291,7 +15303,7 @@
             <p:cNvPr id="20" name="矩形: 圆角 19">
               <a:extLst>
                 <a:ext uri="{FF2B5EF4-FFF2-40B4-BE49-F238E27FC236}">
-                  <a16:creationId xmlns:a16="http://schemas.microsoft.com/office/drawing/2014/main" xmlns="" id="{D155FC09-937B-45E9-9445-19C2930961C1}"/>
+                  <a16:creationId xmlns="" xmlns:a16="http://schemas.microsoft.com/office/drawing/2014/main" id="{D155FC09-937B-45E9-9445-19C2930961C1}"/>
                 </a:ext>
               </a:extLst>
             </p:cNvPr>
@@ -15364,7 +15376,7 @@
           <p:cNvPr id="22" name="文本框 21">
             <a:extLst>
               <a:ext uri="{FF2B5EF4-FFF2-40B4-BE49-F238E27FC236}">
-                <a16:creationId xmlns:a16="http://schemas.microsoft.com/office/drawing/2014/main" xmlns="" id="{3A22B194-448A-46EE-BC7E-5460EEA7EF82}"/>
+                <a16:creationId xmlns="" xmlns:a16="http://schemas.microsoft.com/office/drawing/2014/main" id="{3A22B194-448A-46EE-BC7E-5460EEA7EF82}"/>
               </a:ext>
             </a:extLst>
           </p:cNvPr>
@@ -15415,7 +15427,7 @@
           <p:cNvPr id="31" name="椭圆 30">
             <a:extLst>
               <a:ext uri="{FF2B5EF4-FFF2-40B4-BE49-F238E27FC236}">
-                <a16:creationId xmlns:a16="http://schemas.microsoft.com/office/drawing/2014/main" xmlns="" id="{3B07899A-BEFE-411B-80F0-B1F1203CAF79}"/>
+                <a16:creationId xmlns="" xmlns:a16="http://schemas.microsoft.com/office/drawing/2014/main" id="{3B07899A-BEFE-411B-80F0-B1F1203CAF79}"/>
               </a:ext>
             </a:extLst>
           </p:cNvPr>
@@ -15469,7 +15481,7 @@
           <p:cNvPr id="32" name="椭圆 31">
             <a:extLst>
               <a:ext uri="{FF2B5EF4-FFF2-40B4-BE49-F238E27FC236}">
-                <a16:creationId xmlns:a16="http://schemas.microsoft.com/office/drawing/2014/main" xmlns="" id="{8E146F45-5E79-431F-AE2D-E8D938E2AE30}"/>
+                <a16:creationId xmlns="" xmlns:a16="http://schemas.microsoft.com/office/drawing/2014/main" id="{8E146F45-5E79-431F-AE2D-E8D938E2AE30}"/>
               </a:ext>
             </a:extLst>
           </p:cNvPr>
@@ -15523,7 +15535,7 @@
           <p:cNvPr id="33" name="椭圆 32">
             <a:extLst>
               <a:ext uri="{FF2B5EF4-FFF2-40B4-BE49-F238E27FC236}">
-                <a16:creationId xmlns:a16="http://schemas.microsoft.com/office/drawing/2014/main" xmlns="" id="{67D28EC8-FAC6-4D9C-A689-EC09A31595AF}"/>
+                <a16:creationId xmlns="" xmlns:a16="http://schemas.microsoft.com/office/drawing/2014/main" id="{67D28EC8-FAC6-4D9C-A689-EC09A31595AF}"/>
               </a:ext>
             </a:extLst>
           </p:cNvPr>
@@ -15580,7 +15592,7 @@
           <p:cNvPr id="34" name="椭圆 33">
             <a:extLst>
               <a:ext uri="{FF2B5EF4-FFF2-40B4-BE49-F238E27FC236}">
-                <a16:creationId xmlns:a16="http://schemas.microsoft.com/office/drawing/2014/main" xmlns="" id="{9F3AFC74-0413-4D11-B73A-701636BA1C2F}"/>
+                <a16:creationId xmlns="" xmlns:a16="http://schemas.microsoft.com/office/drawing/2014/main" id="{9F3AFC74-0413-4D11-B73A-701636BA1C2F}"/>
               </a:ext>
             </a:extLst>
           </p:cNvPr>
@@ -15634,7 +15646,7 @@
           <p:cNvPr id="35" name="椭圆 34">
             <a:extLst>
               <a:ext uri="{FF2B5EF4-FFF2-40B4-BE49-F238E27FC236}">
-                <a16:creationId xmlns:a16="http://schemas.microsoft.com/office/drawing/2014/main" xmlns="" id="{492C6DC1-98AC-4C5B-873B-0FE63529C580}"/>
+                <a16:creationId xmlns="" xmlns:a16="http://schemas.microsoft.com/office/drawing/2014/main" id="{492C6DC1-98AC-4C5B-873B-0FE63529C580}"/>
               </a:ext>
             </a:extLst>
           </p:cNvPr>
@@ -15688,7 +15700,7 @@
           <p:cNvPr id="36" name="直接连接符 35">
             <a:extLst>
               <a:ext uri="{FF2B5EF4-FFF2-40B4-BE49-F238E27FC236}">
-                <a16:creationId xmlns:a16="http://schemas.microsoft.com/office/drawing/2014/main" xmlns="" id="{6971B428-D479-4672-BD8B-7F5D077D5D86}"/>
+                <a16:creationId xmlns="" xmlns:a16="http://schemas.microsoft.com/office/drawing/2014/main" id="{6971B428-D479-4672-BD8B-7F5D077D5D86}"/>
               </a:ext>
             </a:extLst>
           </p:cNvPr>
@@ -15732,7 +15744,7 @@
           <p:cNvPr id="37" name="椭圆 36">
             <a:extLst>
               <a:ext uri="{FF2B5EF4-FFF2-40B4-BE49-F238E27FC236}">
-                <a16:creationId xmlns:a16="http://schemas.microsoft.com/office/drawing/2014/main" xmlns="" id="{E40A54E8-E57E-4BE0-B84A-69974F4EA85A}"/>
+                <a16:creationId xmlns="" xmlns:a16="http://schemas.microsoft.com/office/drawing/2014/main" id="{E40A54E8-E57E-4BE0-B84A-69974F4EA85A}"/>
               </a:ext>
             </a:extLst>
           </p:cNvPr>
@@ -15786,7 +15798,7 @@
           <p:cNvPr id="38" name="直接连接符 37">
             <a:extLst>
               <a:ext uri="{FF2B5EF4-FFF2-40B4-BE49-F238E27FC236}">
-                <a16:creationId xmlns:a16="http://schemas.microsoft.com/office/drawing/2014/main" xmlns="" id="{DF7F0649-3C32-4EE4-9DC6-342077B0E1D8}"/>
+                <a16:creationId xmlns="" xmlns:a16="http://schemas.microsoft.com/office/drawing/2014/main" id="{DF7F0649-3C32-4EE4-9DC6-342077B0E1D8}"/>
               </a:ext>
             </a:extLst>
           </p:cNvPr>
@@ -15830,7 +15842,7 @@
           <p:cNvPr id="39" name="直接连接符 38">
             <a:extLst>
               <a:ext uri="{FF2B5EF4-FFF2-40B4-BE49-F238E27FC236}">
-                <a16:creationId xmlns:a16="http://schemas.microsoft.com/office/drawing/2014/main" xmlns="" id="{093EB3FB-ADF0-474A-B234-EF349901DC15}"/>
+                <a16:creationId xmlns="" xmlns:a16="http://schemas.microsoft.com/office/drawing/2014/main" id="{093EB3FB-ADF0-474A-B234-EF349901DC15}"/>
               </a:ext>
             </a:extLst>
           </p:cNvPr>
@@ -15874,7 +15886,7 @@
           <p:cNvPr id="40" name="椭圆 39">
             <a:extLst>
               <a:ext uri="{FF2B5EF4-FFF2-40B4-BE49-F238E27FC236}">
-                <a16:creationId xmlns:a16="http://schemas.microsoft.com/office/drawing/2014/main" xmlns="" id="{F13CD393-9278-4D9E-926E-A8B9B27E49C8}"/>
+                <a16:creationId xmlns="" xmlns:a16="http://schemas.microsoft.com/office/drawing/2014/main" id="{F13CD393-9278-4D9E-926E-A8B9B27E49C8}"/>
               </a:ext>
             </a:extLst>
           </p:cNvPr>
@@ -15931,7 +15943,7 @@
           <p:cNvPr id="41" name="直接连接符 40">
             <a:extLst>
               <a:ext uri="{FF2B5EF4-FFF2-40B4-BE49-F238E27FC236}">
-                <a16:creationId xmlns:a16="http://schemas.microsoft.com/office/drawing/2014/main" xmlns="" id="{192A6EEE-8490-42FF-8026-D3D66BD75940}"/>
+                <a16:creationId xmlns="" xmlns:a16="http://schemas.microsoft.com/office/drawing/2014/main" id="{192A6EEE-8490-42FF-8026-D3D66BD75940}"/>
               </a:ext>
             </a:extLst>
           </p:cNvPr>
@@ -15975,7 +15987,7 @@
           <p:cNvPr id="42" name="椭圆 41">
             <a:extLst>
               <a:ext uri="{FF2B5EF4-FFF2-40B4-BE49-F238E27FC236}">
-                <a16:creationId xmlns:a16="http://schemas.microsoft.com/office/drawing/2014/main" xmlns="" id="{B5136ACA-AD87-4183-ADB5-428C41FA7777}"/>
+                <a16:creationId xmlns="" xmlns:a16="http://schemas.microsoft.com/office/drawing/2014/main" id="{B5136ACA-AD87-4183-ADB5-428C41FA7777}"/>
               </a:ext>
             </a:extLst>
           </p:cNvPr>
@@ -16029,7 +16041,7 @@
           <p:cNvPr id="43" name="直接连接符 42">
             <a:extLst>
               <a:ext uri="{FF2B5EF4-FFF2-40B4-BE49-F238E27FC236}">
-                <a16:creationId xmlns:a16="http://schemas.microsoft.com/office/drawing/2014/main" xmlns="" id="{272C11AD-11A2-49C8-9292-7533203E68DD}"/>
+                <a16:creationId xmlns="" xmlns:a16="http://schemas.microsoft.com/office/drawing/2014/main" id="{272C11AD-11A2-49C8-9292-7533203E68DD}"/>
               </a:ext>
             </a:extLst>
           </p:cNvPr>
@@ -16073,7 +16085,7 @@
           <p:cNvPr id="44" name="椭圆 43">
             <a:extLst>
               <a:ext uri="{FF2B5EF4-FFF2-40B4-BE49-F238E27FC236}">
-                <a16:creationId xmlns:a16="http://schemas.microsoft.com/office/drawing/2014/main" xmlns="" id="{411E286E-649A-4CC9-A79E-B785F1A457EA}"/>
+                <a16:creationId xmlns="" xmlns:a16="http://schemas.microsoft.com/office/drawing/2014/main" id="{411E286E-649A-4CC9-A79E-B785F1A457EA}"/>
               </a:ext>
             </a:extLst>
           </p:cNvPr>
@@ -16130,7 +16142,7 @@
           <p:cNvPr id="45" name="直接连接符 44">
             <a:extLst>
               <a:ext uri="{FF2B5EF4-FFF2-40B4-BE49-F238E27FC236}">
-                <a16:creationId xmlns:a16="http://schemas.microsoft.com/office/drawing/2014/main" xmlns="" id="{4642B35E-2738-4B10-B77A-A1D1B45ED76B}"/>
+                <a16:creationId xmlns="" xmlns:a16="http://schemas.microsoft.com/office/drawing/2014/main" id="{4642B35E-2738-4B10-B77A-A1D1B45ED76B}"/>
               </a:ext>
             </a:extLst>
           </p:cNvPr>
@@ -16174,7 +16186,7 @@
           <p:cNvPr id="46" name="直接连接符 45">
             <a:extLst>
               <a:ext uri="{FF2B5EF4-FFF2-40B4-BE49-F238E27FC236}">
-                <a16:creationId xmlns:a16="http://schemas.microsoft.com/office/drawing/2014/main" xmlns="" id="{D9581555-6A2E-4C22-B026-C640417AD0E5}"/>
+                <a16:creationId xmlns="" xmlns:a16="http://schemas.microsoft.com/office/drawing/2014/main" id="{D9581555-6A2E-4C22-B026-C640417AD0E5}"/>
               </a:ext>
             </a:extLst>
           </p:cNvPr>
@@ -16218,7 +16230,7 @@
           <p:cNvPr id="47" name="直接连接符 46">
             <a:extLst>
               <a:ext uri="{FF2B5EF4-FFF2-40B4-BE49-F238E27FC236}">
-                <a16:creationId xmlns:a16="http://schemas.microsoft.com/office/drawing/2014/main" xmlns="" id="{BFDADB2E-A848-4A30-A321-0A9EF72DEE7A}"/>
+                <a16:creationId xmlns="" xmlns:a16="http://schemas.microsoft.com/office/drawing/2014/main" id="{BFDADB2E-A848-4A30-A321-0A9EF72DEE7A}"/>
               </a:ext>
             </a:extLst>
           </p:cNvPr>
@@ -16856,7 +16868,7 @@
           </a:ln>
           <a:extLst>
             <a:ext uri="{C572A759-6A51-4108-AA02-DFA0A04FC94B}">
-              <ma14:wrappingTextBoxFlag xmlns:ma14="http://schemas.microsoft.com/office/mac/drawingml/2011/main" xmlns="" val="1"/>
+              <ma14:wrappingTextBoxFlag xmlns="" xmlns:ma14="http://schemas.microsoft.com/office/mac/drawingml/2011/main" val="1"/>
             </a:ext>
           </a:extLst>
         </p:spPr>
@@ -16924,7 +16936,7 @@
           </a:ln>
           <a:extLst>
             <a:ext uri="{C572A759-6A51-4108-AA02-DFA0A04FC94B}">
-              <ma14:wrappingTextBoxFlag xmlns:ma14="http://schemas.microsoft.com/office/mac/drawingml/2011/main" xmlns="" val="1"/>
+              <ma14:wrappingTextBoxFlag xmlns="" xmlns:ma14="http://schemas.microsoft.com/office/mac/drawingml/2011/main" val="1"/>
             </a:ext>
           </a:extLst>
         </p:spPr>
@@ -16986,7 +16998,7 @@
           <p:cNvPr id="17" name="组合 16">
             <a:extLst>
               <a:ext uri="{FF2B5EF4-FFF2-40B4-BE49-F238E27FC236}">
-                <a16:creationId xmlns:a16="http://schemas.microsoft.com/office/drawing/2014/main" xmlns="" id="{37C933BA-2473-4CDC-A5E4-A44C629C23D8}"/>
+                <a16:creationId xmlns="" xmlns:a16="http://schemas.microsoft.com/office/drawing/2014/main" id="{37C933BA-2473-4CDC-A5E4-A44C629C23D8}"/>
               </a:ext>
             </a:extLst>
           </p:cNvPr>
@@ -17006,7 +17018,7 @@
             <p:cNvPr id="18" name="文本框 17">
               <a:extLst>
                 <a:ext uri="{FF2B5EF4-FFF2-40B4-BE49-F238E27FC236}">
-                  <a16:creationId xmlns:a16="http://schemas.microsoft.com/office/drawing/2014/main" xmlns="" id="{16DA8A1E-64FC-4810-80E3-D177285D8773}"/>
+                  <a16:creationId xmlns="" xmlns:a16="http://schemas.microsoft.com/office/drawing/2014/main" id="{16DA8A1E-64FC-4810-80E3-D177285D8773}"/>
                 </a:ext>
               </a:extLst>
             </p:cNvPr>
@@ -17067,7 +17079,7 @@
             <p:cNvPr id="19" name="文本框 18">
               <a:extLst>
                 <a:ext uri="{FF2B5EF4-FFF2-40B4-BE49-F238E27FC236}">
-                  <a16:creationId xmlns:a16="http://schemas.microsoft.com/office/drawing/2014/main" xmlns="" id="{D028F3A2-F8BE-4FF3-AA43-1781C286E3E6}"/>
+                  <a16:creationId xmlns="" xmlns:a16="http://schemas.microsoft.com/office/drawing/2014/main" id="{D028F3A2-F8BE-4FF3-AA43-1781C286E3E6}"/>
                 </a:ext>
               </a:extLst>
             </p:cNvPr>
@@ -17135,7 +17147,7 @@
             <p:cNvPr id="20" name="矩形: 圆角 19">
               <a:extLst>
                 <a:ext uri="{FF2B5EF4-FFF2-40B4-BE49-F238E27FC236}">
-                  <a16:creationId xmlns:a16="http://schemas.microsoft.com/office/drawing/2014/main" xmlns="" id="{D155FC09-937B-45E9-9445-19C2930961C1}"/>
+                  <a16:creationId xmlns="" xmlns:a16="http://schemas.microsoft.com/office/drawing/2014/main" id="{D155FC09-937B-45E9-9445-19C2930961C1}"/>
                 </a:ext>
               </a:extLst>
             </p:cNvPr>
@@ -17208,7 +17220,7 @@
           <p:cNvPr id="22" name="文本框 21">
             <a:extLst>
               <a:ext uri="{FF2B5EF4-FFF2-40B4-BE49-F238E27FC236}">
-                <a16:creationId xmlns:a16="http://schemas.microsoft.com/office/drawing/2014/main" xmlns="" id="{3A22B194-448A-46EE-BC7E-5460EEA7EF82}"/>
+                <a16:creationId xmlns="" xmlns:a16="http://schemas.microsoft.com/office/drawing/2014/main" id="{3A22B194-448A-46EE-BC7E-5460EEA7EF82}"/>
               </a:ext>
             </a:extLst>
           </p:cNvPr>
@@ -17259,7 +17271,7 @@
           <p:cNvPr id="31" name="椭圆 30">
             <a:extLst>
               <a:ext uri="{FF2B5EF4-FFF2-40B4-BE49-F238E27FC236}">
-                <a16:creationId xmlns:a16="http://schemas.microsoft.com/office/drawing/2014/main" xmlns="" id="{3B07899A-BEFE-411B-80F0-B1F1203CAF79}"/>
+                <a16:creationId xmlns="" xmlns:a16="http://schemas.microsoft.com/office/drawing/2014/main" id="{3B07899A-BEFE-411B-80F0-B1F1203CAF79}"/>
               </a:ext>
             </a:extLst>
           </p:cNvPr>
@@ -17313,7 +17325,7 @@
           <p:cNvPr id="32" name="椭圆 31">
             <a:extLst>
               <a:ext uri="{FF2B5EF4-FFF2-40B4-BE49-F238E27FC236}">
-                <a16:creationId xmlns:a16="http://schemas.microsoft.com/office/drawing/2014/main" xmlns="" id="{8E146F45-5E79-431F-AE2D-E8D938E2AE30}"/>
+                <a16:creationId xmlns="" xmlns:a16="http://schemas.microsoft.com/office/drawing/2014/main" id="{8E146F45-5E79-431F-AE2D-E8D938E2AE30}"/>
               </a:ext>
             </a:extLst>
           </p:cNvPr>
@@ -17367,7 +17379,7 @@
           <p:cNvPr id="33" name="椭圆 32">
             <a:extLst>
               <a:ext uri="{FF2B5EF4-FFF2-40B4-BE49-F238E27FC236}">
-                <a16:creationId xmlns:a16="http://schemas.microsoft.com/office/drawing/2014/main" xmlns="" id="{67D28EC8-FAC6-4D9C-A689-EC09A31595AF}"/>
+                <a16:creationId xmlns="" xmlns:a16="http://schemas.microsoft.com/office/drawing/2014/main" id="{67D28EC8-FAC6-4D9C-A689-EC09A31595AF}"/>
               </a:ext>
             </a:extLst>
           </p:cNvPr>
@@ -17424,7 +17436,7 @@
           <p:cNvPr id="34" name="椭圆 33">
             <a:extLst>
               <a:ext uri="{FF2B5EF4-FFF2-40B4-BE49-F238E27FC236}">
-                <a16:creationId xmlns:a16="http://schemas.microsoft.com/office/drawing/2014/main" xmlns="" id="{9F3AFC74-0413-4D11-B73A-701636BA1C2F}"/>
+                <a16:creationId xmlns="" xmlns:a16="http://schemas.microsoft.com/office/drawing/2014/main" id="{9F3AFC74-0413-4D11-B73A-701636BA1C2F}"/>
               </a:ext>
             </a:extLst>
           </p:cNvPr>
@@ -17478,7 +17490,7 @@
           <p:cNvPr id="35" name="椭圆 34">
             <a:extLst>
               <a:ext uri="{FF2B5EF4-FFF2-40B4-BE49-F238E27FC236}">
-                <a16:creationId xmlns:a16="http://schemas.microsoft.com/office/drawing/2014/main" xmlns="" id="{492C6DC1-98AC-4C5B-873B-0FE63529C580}"/>
+                <a16:creationId xmlns="" xmlns:a16="http://schemas.microsoft.com/office/drawing/2014/main" id="{492C6DC1-98AC-4C5B-873B-0FE63529C580}"/>
               </a:ext>
             </a:extLst>
           </p:cNvPr>
@@ -17532,7 +17544,7 @@
           <p:cNvPr id="36" name="直接连接符 35">
             <a:extLst>
               <a:ext uri="{FF2B5EF4-FFF2-40B4-BE49-F238E27FC236}">
-                <a16:creationId xmlns:a16="http://schemas.microsoft.com/office/drawing/2014/main" xmlns="" id="{6971B428-D479-4672-BD8B-7F5D077D5D86}"/>
+                <a16:creationId xmlns="" xmlns:a16="http://schemas.microsoft.com/office/drawing/2014/main" id="{6971B428-D479-4672-BD8B-7F5D077D5D86}"/>
               </a:ext>
             </a:extLst>
           </p:cNvPr>
@@ -17576,7 +17588,7 @@
           <p:cNvPr id="37" name="椭圆 36">
             <a:extLst>
               <a:ext uri="{FF2B5EF4-FFF2-40B4-BE49-F238E27FC236}">
-                <a16:creationId xmlns:a16="http://schemas.microsoft.com/office/drawing/2014/main" xmlns="" id="{E40A54E8-E57E-4BE0-B84A-69974F4EA85A}"/>
+                <a16:creationId xmlns="" xmlns:a16="http://schemas.microsoft.com/office/drawing/2014/main" id="{E40A54E8-E57E-4BE0-B84A-69974F4EA85A}"/>
               </a:ext>
             </a:extLst>
           </p:cNvPr>
@@ -17630,7 +17642,7 @@
           <p:cNvPr id="38" name="直接连接符 37">
             <a:extLst>
               <a:ext uri="{FF2B5EF4-FFF2-40B4-BE49-F238E27FC236}">
-                <a16:creationId xmlns:a16="http://schemas.microsoft.com/office/drawing/2014/main" xmlns="" id="{DF7F0649-3C32-4EE4-9DC6-342077B0E1D8}"/>
+                <a16:creationId xmlns="" xmlns:a16="http://schemas.microsoft.com/office/drawing/2014/main" id="{DF7F0649-3C32-4EE4-9DC6-342077B0E1D8}"/>
               </a:ext>
             </a:extLst>
           </p:cNvPr>
@@ -17674,7 +17686,7 @@
           <p:cNvPr id="39" name="直接连接符 38">
             <a:extLst>
               <a:ext uri="{FF2B5EF4-FFF2-40B4-BE49-F238E27FC236}">
-                <a16:creationId xmlns:a16="http://schemas.microsoft.com/office/drawing/2014/main" xmlns="" id="{093EB3FB-ADF0-474A-B234-EF349901DC15}"/>
+                <a16:creationId xmlns="" xmlns:a16="http://schemas.microsoft.com/office/drawing/2014/main" id="{093EB3FB-ADF0-474A-B234-EF349901DC15}"/>
               </a:ext>
             </a:extLst>
           </p:cNvPr>
@@ -17718,7 +17730,7 @@
           <p:cNvPr id="40" name="椭圆 39">
             <a:extLst>
               <a:ext uri="{FF2B5EF4-FFF2-40B4-BE49-F238E27FC236}">
-                <a16:creationId xmlns:a16="http://schemas.microsoft.com/office/drawing/2014/main" xmlns="" id="{F13CD393-9278-4D9E-926E-A8B9B27E49C8}"/>
+                <a16:creationId xmlns="" xmlns:a16="http://schemas.microsoft.com/office/drawing/2014/main" id="{F13CD393-9278-4D9E-926E-A8B9B27E49C8}"/>
               </a:ext>
             </a:extLst>
           </p:cNvPr>
@@ -17775,7 +17787,7 @@
           <p:cNvPr id="41" name="直接连接符 40">
             <a:extLst>
               <a:ext uri="{FF2B5EF4-FFF2-40B4-BE49-F238E27FC236}">
-                <a16:creationId xmlns:a16="http://schemas.microsoft.com/office/drawing/2014/main" xmlns="" id="{192A6EEE-8490-42FF-8026-D3D66BD75940}"/>
+                <a16:creationId xmlns="" xmlns:a16="http://schemas.microsoft.com/office/drawing/2014/main" id="{192A6EEE-8490-42FF-8026-D3D66BD75940}"/>
               </a:ext>
             </a:extLst>
           </p:cNvPr>
@@ -17819,7 +17831,7 @@
           <p:cNvPr id="42" name="椭圆 41">
             <a:extLst>
               <a:ext uri="{FF2B5EF4-FFF2-40B4-BE49-F238E27FC236}">
-                <a16:creationId xmlns:a16="http://schemas.microsoft.com/office/drawing/2014/main" xmlns="" id="{B5136ACA-AD87-4183-ADB5-428C41FA7777}"/>
+                <a16:creationId xmlns="" xmlns:a16="http://schemas.microsoft.com/office/drawing/2014/main" id="{B5136ACA-AD87-4183-ADB5-428C41FA7777}"/>
               </a:ext>
             </a:extLst>
           </p:cNvPr>
@@ -17873,7 +17885,7 @@
           <p:cNvPr id="43" name="直接连接符 42">
             <a:extLst>
               <a:ext uri="{FF2B5EF4-FFF2-40B4-BE49-F238E27FC236}">
-                <a16:creationId xmlns:a16="http://schemas.microsoft.com/office/drawing/2014/main" xmlns="" id="{272C11AD-11A2-49C8-9292-7533203E68DD}"/>
+                <a16:creationId xmlns="" xmlns:a16="http://schemas.microsoft.com/office/drawing/2014/main" id="{272C11AD-11A2-49C8-9292-7533203E68DD}"/>
               </a:ext>
             </a:extLst>
           </p:cNvPr>
@@ -17917,7 +17929,7 @@
           <p:cNvPr id="44" name="椭圆 43">
             <a:extLst>
               <a:ext uri="{FF2B5EF4-FFF2-40B4-BE49-F238E27FC236}">
-                <a16:creationId xmlns:a16="http://schemas.microsoft.com/office/drawing/2014/main" xmlns="" id="{411E286E-649A-4CC9-A79E-B785F1A457EA}"/>
+                <a16:creationId xmlns="" xmlns:a16="http://schemas.microsoft.com/office/drawing/2014/main" id="{411E286E-649A-4CC9-A79E-B785F1A457EA}"/>
               </a:ext>
             </a:extLst>
           </p:cNvPr>
@@ -17974,7 +17986,7 @@
           <p:cNvPr id="45" name="直接连接符 44">
             <a:extLst>
               <a:ext uri="{FF2B5EF4-FFF2-40B4-BE49-F238E27FC236}">
-                <a16:creationId xmlns:a16="http://schemas.microsoft.com/office/drawing/2014/main" xmlns="" id="{4642B35E-2738-4B10-B77A-A1D1B45ED76B}"/>
+                <a16:creationId xmlns="" xmlns:a16="http://schemas.microsoft.com/office/drawing/2014/main" id="{4642B35E-2738-4B10-B77A-A1D1B45ED76B}"/>
               </a:ext>
             </a:extLst>
           </p:cNvPr>
@@ -18018,7 +18030,7 @@
           <p:cNvPr id="46" name="直接连接符 45">
             <a:extLst>
               <a:ext uri="{FF2B5EF4-FFF2-40B4-BE49-F238E27FC236}">
-                <a16:creationId xmlns:a16="http://schemas.microsoft.com/office/drawing/2014/main" xmlns="" id="{D9581555-6A2E-4C22-B026-C640417AD0E5}"/>
+                <a16:creationId xmlns="" xmlns:a16="http://schemas.microsoft.com/office/drawing/2014/main" id="{D9581555-6A2E-4C22-B026-C640417AD0E5}"/>
               </a:ext>
             </a:extLst>
           </p:cNvPr>
@@ -18062,7 +18074,7 @@
           <p:cNvPr id="47" name="直接连接符 46">
             <a:extLst>
               <a:ext uri="{FF2B5EF4-FFF2-40B4-BE49-F238E27FC236}">
-                <a16:creationId xmlns:a16="http://schemas.microsoft.com/office/drawing/2014/main" xmlns="" id="{BFDADB2E-A848-4A30-A321-0A9EF72DEE7A}"/>
+                <a16:creationId xmlns="" xmlns:a16="http://schemas.microsoft.com/office/drawing/2014/main" id="{BFDADB2E-A848-4A30-A321-0A9EF72DEE7A}"/>
               </a:ext>
             </a:extLst>
           </p:cNvPr>
@@ -18226,31 +18238,7 @@
                 </a:solidFill>
                 <a:latin typeface="+mn-ea"/>
               </a:rPr>
-              <a:t>外观。分为：</a:t>
-            </a:r>
-            <a:r>
-              <a:rPr lang="zh-CN" altLang="en-US" dirty="0" smtClean="0">
-                <a:solidFill>
-                  <a:schemeClr val="tx1">
-                    <a:lumMod val="75000"/>
-                    <a:lumOff val="25000"/>
-                  </a:schemeClr>
-                </a:solidFill>
-                <a:latin typeface="+mn-ea"/>
-              </a:rPr>
-              <a:t>点</a:t>
-            </a:r>
-            <a:r>
-              <a:rPr lang="zh-CN" altLang="en-US" dirty="0" smtClean="0">
-                <a:solidFill>
-                  <a:schemeClr val="tx1">
-                    <a:lumMod val="75000"/>
-                    <a:lumOff val="25000"/>
-                  </a:schemeClr>
-                </a:solidFill>
-                <a:latin typeface="+mn-ea"/>
-              </a:rPr>
-              <a:t>材质、线材质、网格材质、阴影材质等</a:t>
+              <a:t>外观。分为：点材质、线材质、网格材质、阴影材质等</a:t>
             </a:r>
             <a:endParaRPr lang="en-US" altLang="zh-CN" dirty="0" smtClean="0">
               <a:solidFill>
@@ -18459,20 +18447,7 @@
                 <a:latin typeface="+mn-ea"/>
                 <a:hlinkClick r:id="rId3"/>
               </a:rPr>
-              <a:t>     </a:t>
-            </a:r>
-            <a:r>
-              <a:rPr lang="en-US" altLang="zh-CN" dirty="0" smtClean="0">
-                <a:solidFill>
-                  <a:schemeClr val="tx1">
-                    <a:lumMod val="75000"/>
-                    <a:lumOff val="25000"/>
-                  </a:schemeClr>
-                </a:solidFill>
-                <a:latin typeface="+mn-ea"/>
-                <a:hlinkClick r:id="rId3"/>
-              </a:rPr>
-              <a:t>       </a:t>
+              <a:t>            </a:t>
             </a:r>
             <a:r>
               <a:rPr lang="en-US" altLang="zh-CN" dirty="0" smtClean="0">
@@ -18823,7 +18798,7 @@
           </a:ln>
           <a:extLst>
             <a:ext uri="{C572A759-6A51-4108-AA02-DFA0A04FC94B}">
-              <ma14:wrappingTextBoxFlag xmlns:ma14="http://schemas.microsoft.com/office/mac/drawingml/2011/main" xmlns="" val="1"/>
+              <ma14:wrappingTextBoxFlag xmlns="" xmlns:ma14="http://schemas.microsoft.com/office/mac/drawingml/2011/main" val="1"/>
             </a:ext>
           </a:extLst>
         </p:spPr>
@@ -18891,7 +18866,7 @@
           </a:ln>
           <a:extLst>
             <a:ext uri="{C572A759-6A51-4108-AA02-DFA0A04FC94B}">
-              <ma14:wrappingTextBoxFlag xmlns:ma14="http://schemas.microsoft.com/office/mac/drawingml/2011/main" xmlns="" val="1"/>
+              <ma14:wrappingTextBoxFlag xmlns="" xmlns:ma14="http://schemas.microsoft.com/office/mac/drawingml/2011/main" val="1"/>
             </a:ext>
           </a:extLst>
         </p:spPr>
@@ -18953,7 +18928,7 @@
           <p:cNvPr id="17" name="组合 16">
             <a:extLst>
               <a:ext uri="{FF2B5EF4-FFF2-40B4-BE49-F238E27FC236}">
-                <a16:creationId xmlns:a16="http://schemas.microsoft.com/office/drawing/2014/main" xmlns="" id="{37C933BA-2473-4CDC-A5E4-A44C629C23D8}"/>
+                <a16:creationId xmlns="" xmlns:a16="http://schemas.microsoft.com/office/drawing/2014/main" id="{37C933BA-2473-4CDC-A5E4-A44C629C23D8}"/>
               </a:ext>
             </a:extLst>
           </p:cNvPr>
@@ -18973,7 +18948,7 @@
             <p:cNvPr id="18" name="文本框 17">
               <a:extLst>
                 <a:ext uri="{FF2B5EF4-FFF2-40B4-BE49-F238E27FC236}">
-                  <a16:creationId xmlns:a16="http://schemas.microsoft.com/office/drawing/2014/main" xmlns="" id="{16DA8A1E-64FC-4810-80E3-D177285D8773}"/>
+                  <a16:creationId xmlns="" xmlns:a16="http://schemas.microsoft.com/office/drawing/2014/main" id="{16DA8A1E-64FC-4810-80E3-D177285D8773}"/>
                 </a:ext>
               </a:extLst>
             </p:cNvPr>
@@ -19034,7 +19009,7 @@
             <p:cNvPr id="19" name="文本框 18">
               <a:extLst>
                 <a:ext uri="{FF2B5EF4-FFF2-40B4-BE49-F238E27FC236}">
-                  <a16:creationId xmlns:a16="http://schemas.microsoft.com/office/drawing/2014/main" xmlns="" id="{D028F3A2-F8BE-4FF3-AA43-1781C286E3E6}"/>
+                  <a16:creationId xmlns="" xmlns:a16="http://schemas.microsoft.com/office/drawing/2014/main" id="{D028F3A2-F8BE-4FF3-AA43-1781C286E3E6}"/>
                 </a:ext>
               </a:extLst>
             </p:cNvPr>
@@ -19102,7 +19077,7 @@
             <p:cNvPr id="20" name="矩形: 圆角 19">
               <a:extLst>
                 <a:ext uri="{FF2B5EF4-FFF2-40B4-BE49-F238E27FC236}">
-                  <a16:creationId xmlns:a16="http://schemas.microsoft.com/office/drawing/2014/main" xmlns="" id="{D155FC09-937B-45E9-9445-19C2930961C1}"/>
+                  <a16:creationId xmlns="" xmlns:a16="http://schemas.microsoft.com/office/drawing/2014/main" id="{D155FC09-937B-45E9-9445-19C2930961C1}"/>
                 </a:ext>
               </a:extLst>
             </p:cNvPr>
@@ -19175,7 +19150,7 @@
           <p:cNvPr id="22" name="文本框 21">
             <a:extLst>
               <a:ext uri="{FF2B5EF4-FFF2-40B4-BE49-F238E27FC236}">
-                <a16:creationId xmlns:a16="http://schemas.microsoft.com/office/drawing/2014/main" xmlns="" id="{3A22B194-448A-46EE-BC7E-5460EEA7EF82}"/>
+                <a16:creationId xmlns="" xmlns:a16="http://schemas.microsoft.com/office/drawing/2014/main" id="{3A22B194-448A-46EE-BC7E-5460EEA7EF82}"/>
               </a:ext>
             </a:extLst>
           </p:cNvPr>
@@ -19226,7 +19201,7 @@
           <p:cNvPr id="31" name="椭圆 30">
             <a:extLst>
               <a:ext uri="{FF2B5EF4-FFF2-40B4-BE49-F238E27FC236}">
-                <a16:creationId xmlns:a16="http://schemas.microsoft.com/office/drawing/2014/main" xmlns="" id="{3B07899A-BEFE-411B-80F0-B1F1203CAF79}"/>
+                <a16:creationId xmlns="" xmlns:a16="http://schemas.microsoft.com/office/drawing/2014/main" id="{3B07899A-BEFE-411B-80F0-B1F1203CAF79}"/>
               </a:ext>
             </a:extLst>
           </p:cNvPr>
@@ -19280,7 +19255,7 @@
           <p:cNvPr id="32" name="椭圆 31">
             <a:extLst>
               <a:ext uri="{FF2B5EF4-FFF2-40B4-BE49-F238E27FC236}">
-                <a16:creationId xmlns:a16="http://schemas.microsoft.com/office/drawing/2014/main" xmlns="" id="{8E146F45-5E79-431F-AE2D-E8D938E2AE30}"/>
+                <a16:creationId xmlns="" xmlns:a16="http://schemas.microsoft.com/office/drawing/2014/main" id="{8E146F45-5E79-431F-AE2D-E8D938E2AE30}"/>
               </a:ext>
             </a:extLst>
           </p:cNvPr>
@@ -19334,7 +19309,7 @@
           <p:cNvPr id="33" name="椭圆 32">
             <a:extLst>
               <a:ext uri="{FF2B5EF4-FFF2-40B4-BE49-F238E27FC236}">
-                <a16:creationId xmlns:a16="http://schemas.microsoft.com/office/drawing/2014/main" xmlns="" id="{67D28EC8-FAC6-4D9C-A689-EC09A31595AF}"/>
+                <a16:creationId xmlns="" xmlns:a16="http://schemas.microsoft.com/office/drawing/2014/main" id="{67D28EC8-FAC6-4D9C-A689-EC09A31595AF}"/>
               </a:ext>
             </a:extLst>
           </p:cNvPr>
@@ -19391,7 +19366,7 @@
           <p:cNvPr id="34" name="椭圆 33">
             <a:extLst>
               <a:ext uri="{FF2B5EF4-FFF2-40B4-BE49-F238E27FC236}">
-                <a16:creationId xmlns:a16="http://schemas.microsoft.com/office/drawing/2014/main" xmlns="" id="{9F3AFC74-0413-4D11-B73A-701636BA1C2F}"/>
+                <a16:creationId xmlns="" xmlns:a16="http://schemas.microsoft.com/office/drawing/2014/main" id="{9F3AFC74-0413-4D11-B73A-701636BA1C2F}"/>
               </a:ext>
             </a:extLst>
           </p:cNvPr>
@@ -19445,7 +19420,7 @@
           <p:cNvPr id="35" name="椭圆 34">
             <a:extLst>
               <a:ext uri="{FF2B5EF4-FFF2-40B4-BE49-F238E27FC236}">
-                <a16:creationId xmlns:a16="http://schemas.microsoft.com/office/drawing/2014/main" xmlns="" id="{492C6DC1-98AC-4C5B-873B-0FE63529C580}"/>
+                <a16:creationId xmlns="" xmlns:a16="http://schemas.microsoft.com/office/drawing/2014/main" id="{492C6DC1-98AC-4C5B-873B-0FE63529C580}"/>
               </a:ext>
             </a:extLst>
           </p:cNvPr>
@@ -19499,7 +19474,7 @@
           <p:cNvPr id="36" name="直接连接符 35">
             <a:extLst>
               <a:ext uri="{FF2B5EF4-FFF2-40B4-BE49-F238E27FC236}">
-                <a16:creationId xmlns:a16="http://schemas.microsoft.com/office/drawing/2014/main" xmlns="" id="{6971B428-D479-4672-BD8B-7F5D077D5D86}"/>
+                <a16:creationId xmlns="" xmlns:a16="http://schemas.microsoft.com/office/drawing/2014/main" id="{6971B428-D479-4672-BD8B-7F5D077D5D86}"/>
               </a:ext>
             </a:extLst>
           </p:cNvPr>
@@ -19543,7 +19518,7 @@
           <p:cNvPr id="37" name="椭圆 36">
             <a:extLst>
               <a:ext uri="{FF2B5EF4-FFF2-40B4-BE49-F238E27FC236}">
-                <a16:creationId xmlns:a16="http://schemas.microsoft.com/office/drawing/2014/main" xmlns="" id="{E40A54E8-E57E-4BE0-B84A-69974F4EA85A}"/>
+                <a16:creationId xmlns="" xmlns:a16="http://schemas.microsoft.com/office/drawing/2014/main" id="{E40A54E8-E57E-4BE0-B84A-69974F4EA85A}"/>
               </a:ext>
             </a:extLst>
           </p:cNvPr>
@@ -19597,7 +19572,7 @@
           <p:cNvPr id="38" name="直接连接符 37">
             <a:extLst>
               <a:ext uri="{FF2B5EF4-FFF2-40B4-BE49-F238E27FC236}">
-                <a16:creationId xmlns:a16="http://schemas.microsoft.com/office/drawing/2014/main" xmlns="" id="{DF7F0649-3C32-4EE4-9DC6-342077B0E1D8}"/>
+                <a16:creationId xmlns="" xmlns:a16="http://schemas.microsoft.com/office/drawing/2014/main" id="{DF7F0649-3C32-4EE4-9DC6-342077B0E1D8}"/>
               </a:ext>
             </a:extLst>
           </p:cNvPr>
@@ -19641,7 +19616,7 @@
           <p:cNvPr id="39" name="直接连接符 38">
             <a:extLst>
               <a:ext uri="{FF2B5EF4-FFF2-40B4-BE49-F238E27FC236}">
-                <a16:creationId xmlns:a16="http://schemas.microsoft.com/office/drawing/2014/main" xmlns="" id="{093EB3FB-ADF0-474A-B234-EF349901DC15}"/>
+                <a16:creationId xmlns="" xmlns:a16="http://schemas.microsoft.com/office/drawing/2014/main" id="{093EB3FB-ADF0-474A-B234-EF349901DC15}"/>
               </a:ext>
             </a:extLst>
           </p:cNvPr>
@@ -19685,7 +19660,7 @@
           <p:cNvPr id="40" name="椭圆 39">
             <a:extLst>
               <a:ext uri="{FF2B5EF4-FFF2-40B4-BE49-F238E27FC236}">
-                <a16:creationId xmlns:a16="http://schemas.microsoft.com/office/drawing/2014/main" xmlns="" id="{F13CD393-9278-4D9E-926E-A8B9B27E49C8}"/>
+                <a16:creationId xmlns="" xmlns:a16="http://schemas.microsoft.com/office/drawing/2014/main" id="{F13CD393-9278-4D9E-926E-A8B9B27E49C8}"/>
               </a:ext>
             </a:extLst>
           </p:cNvPr>
@@ -19742,7 +19717,7 @@
           <p:cNvPr id="41" name="直接连接符 40">
             <a:extLst>
               <a:ext uri="{FF2B5EF4-FFF2-40B4-BE49-F238E27FC236}">
-                <a16:creationId xmlns:a16="http://schemas.microsoft.com/office/drawing/2014/main" xmlns="" id="{192A6EEE-8490-42FF-8026-D3D66BD75940}"/>
+                <a16:creationId xmlns="" xmlns:a16="http://schemas.microsoft.com/office/drawing/2014/main" id="{192A6EEE-8490-42FF-8026-D3D66BD75940}"/>
               </a:ext>
             </a:extLst>
           </p:cNvPr>
@@ -19786,7 +19761,7 @@
           <p:cNvPr id="42" name="椭圆 41">
             <a:extLst>
               <a:ext uri="{FF2B5EF4-FFF2-40B4-BE49-F238E27FC236}">
-                <a16:creationId xmlns:a16="http://schemas.microsoft.com/office/drawing/2014/main" xmlns="" id="{B5136ACA-AD87-4183-ADB5-428C41FA7777}"/>
+                <a16:creationId xmlns="" xmlns:a16="http://schemas.microsoft.com/office/drawing/2014/main" id="{B5136ACA-AD87-4183-ADB5-428C41FA7777}"/>
               </a:ext>
             </a:extLst>
           </p:cNvPr>
@@ -19840,7 +19815,7 @@
           <p:cNvPr id="43" name="直接连接符 42">
             <a:extLst>
               <a:ext uri="{FF2B5EF4-FFF2-40B4-BE49-F238E27FC236}">
-                <a16:creationId xmlns:a16="http://schemas.microsoft.com/office/drawing/2014/main" xmlns="" id="{272C11AD-11A2-49C8-9292-7533203E68DD}"/>
+                <a16:creationId xmlns="" xmlns:a16="http://schemas.microsoft.com/office/drawing/2014/main" id="{272C11AD-11A2-49C8-9292-7533203E68DD}"/>
               </a:ext>
             </a:extLst>
           </p:cNvPr>
@@ -19884,7 +19859,7 @@
           <p:cNvPr id="44" name="椭圆 43">
             <a:extLst>
               <a:ext uri="{FF2B5EF4-FFF2-40B4-BE49-F238E27FC236}">
-                <a16:creationId xmlns:a16="http://schemas.microsoft.com/office/drawing/2014/main" xmlns="" id="{411E286E-649A-4CC9-A79E-B785F1A457EA}"/>
+                <a16:creationId xmlns="" xmlns:a16="http://schemas.microsoft.com/office/drawing/2014/main" id="{411E286E-649A-4CC9-A79E-B785F1A457EA}"/>
               </a:ext>
             </a:extLst>
           </p:cNvPr>
@@ -19941,7 +19916,7 @@
           <p:cNvPr id="45" name="直接连接符 44">
             <a:extLst>
               <a:ext uri="{FF2B5EF4-FFF2-40B4-BE49-F238E27FC236}">
-                <a16:creationId xmlns:a16="http://schemas.microsoft.com/office/drawing/2014/main" xmlns="" id="{4642B35E-2738-4B10-B77A-A1D1B45ED76B}"/>
+                <a16:creationId xmlns="" xmlns:a16="http://schemas.microsoft.com/office/drawing/2014/main" id="{4642B35E-2738-4B10-B77A-A1D1B45ED76B}"/>
               </a:ext>
             </a:extLst>
           </p:cNvPr>
@@ -19985,7 +19960,7 @@
           <p:cNvPr id="46" name="直接连接符 45">
             <a:extLst>
               <a:ext uri="{FF2B5EF4-FFF2-40B4-BE49-F238E27FC236}">
-                <a16:creationId xmlns:a16="http://schemas.microsoft.com/office/drawing/2014/main" xmlns="" id="{D9581555-6A2E-4C22-B026-C640417AD0E5}"/>
+                <a16:creationId xmlns="" xmlns:a16="http://schemas.microsoft.com/office/drawing/2014/main" id="{D9581555-6A2E-4C22-B026-C640417AD0E5}"/>
               </a:ext>
             </a:extLst>
           </p:cNvPr>
@@ -20029,7 +20004,7 @@
           <p:cNvPr id="47" name="直接连接符 46">
             <a:extLst>
               <a:ext uri="{FF2B5EF4-FFF2-40B4-BE49-F238E27FC236}">
-                <a16:creationId xmlns:a16="http://schemas.microsoft.com/office/drawing/2014/main" xmlns="" id="{BFDADB2E-A848-4A30-A321-0A9EF72DEE7A}"/>
+                <a16:creationId xmlns="" xmlns:a16="http://schemas.microsoft.com/office/drawing/2014/main" id="{BFDADB2E-A848-4A30-A321-0A9EF72DEE7A}"/>
               </a:ext>
             </a:extLst>
           </p:cNvPr>
@@ -20215,31 +20190,7 @@
                 </a:solidFill>
                 <a:latin typeface="+mn-ea"/>
               </a:rPr>
-              <a:t>平面几何</a:t>
-            </a:r>
-            <a:r>
-              <a:rPr lang="zh-CN" altLang="en-US" dirty="0" smtClean="0">
-                <a:solidFill>
-                  <a:schemeClr val="tx1">
-                    <a:lumMod val="75000"/>
-                    <a:lumOff val="25000"/>
-                  </a:schemeClr>
-                </a:solidFill>
-                <a:latin typeface="+mn-ea"/>
-              </a:rPr>
-              <a:t>（圆形、平面、环形、形状（不规则形</a:t>
-            </a:r>
-            <a:r>
-              <a:rPr lang="zh-CN" altLang="en-US" dirty="0" smtClean="0">
-                <a:solidFill>
-                  <a:schemeClr val="tx1">
-                    <a:lumMod val="75000"/>
-                    <a:lumOff val="25000"/>
-                  </a:schemeClr>
-                </a:solidFill>
-                <a:latin typeface="+mn-ea"/>
-              </a:rPr>
-              <a:t>））</a:t>
+              <a:t>平面几何（圆形、平面、环形、形状（不规则形））</a:t>
             </a:r>
             <a:endParaRPr lang="en-US" altLang="zh-CN" dirty="0" smtClean="0">
               <a:solidFill>
@@ -20285,19 +20236,7 @@
                 </a:solidFill>
                 <a:latin typeface="+mn-ea"/>
               </a:rPr>
-              <a:t>立体几何（立方体、圆锥体、圆柱体、球体、圆环、四面体、八面体、十二面体、二十面体</a:t>
-            </a:r>
-            <a:r>
-              <a:rPr lang="zh-CN" altLang="en-US" dirty="0" smtClean="0">
-                <a:solidFill>
-                  <a:schemeClr val="tx1">
-                    <a:lumMod val="75000"/>
-                    <a:lumOff val="25000"/>
-                  </a:schemeClr>
-                </a:solidFill>
-                <a:latin typeface="+mn-ea"/>
-              </a:rPr>
-              <a:t>）</a:t>
+              <a:t>立体几何（立方体、圆锥体、圆柱体、球体、圆环、四面体、八面体、十二面体、二十面体）</a:t>
             </a:r>
             <a:endParaRPr lang="en-US" altLang="zh-CN" dirty="0" smtClean="0">
               <a:solidFill>
@@ -20755,7 +20694,7 @@
           </a:ln>
           <a:extLst>
             <a:ext uri="{C572A759-6A51-4108-AA02-DFA0A04FC94B}">
-              <ma14:wrappingTextBoxFlag xmlns:ma14="http://schemas.microsoft.com/office/mac/drawingml/2011/main" xmlns="" val="1"/>
+              <ma14:wrappingTextBoxFlag xmlns="" xmlns:ma14="http://schemas.microsoft.com/office/mac/drawingml/2011/main" val="1"/>
             </a:ext>
           </a:extLst>
         </p:spPr>
@@ -20823,7 +20762,7 @@
           </a:ln>
           <a:extLst>
             <a:ext uri="{C572A759-6A51-4108-AA02-DFA0A04FC94B}">
-              <ma14:wrappingTextBoxFlag xmlns:ma14="http://schemas.microsoft.com/office/mac/drawingml/2011/main" xmlns="" val="1"/>
+              <ma14:wrappingTextBoxFlag xmlns="" xmlns:ma14="http://schemas.microsoft.com/office/mac/drawingml/2011/main" val="1"/>
             </a:ext>
           </a:extLst>
         </p:spPr>
@@ -20885,7 +20824,7 @@
           <p:cNvPr id="17" name="组合 16">
             <a:extLst>
               <a:ext uri="{FF2B5EF4-FFF2-40B4-BE49-F238E27FC236}">
-                <a16:creationId xmlns:a16="http://schemas.microsoft.com/office/drawing/2014/main" xmlns="" id="{37C933BA-2473-4CDC-A5E4-A44C629C23D8}"/>
+                <a16:creationId xmlns="" xmlns:a16="http://schemas.microsoft.com/office/drawing/2014/main" id="{37C933BA-2473-4CDC-A5E4-A44C629C23D8}"/>
               </a:ext>
             </a:extLst>
           </p:cNvPr>
@@ -20905,7 +20844,7 @@
             <p:cNvPr id="18" name="文本框 17">
               <a:extLst>
                 <a:ext uri="{FF2B5EF4-FFF2-40B4-BE49-F238E27FC236}">
-                  <a16:creationId xmlns:a16="http://schemas.microsoft.com/office/drawing/2014/main" xmlns="" id="{16DA8A1E-64FC-4810-80E3-D177285D8773}"/>
+                  <a16:creationId xmlns="" xmlns:a16="http://schemas.microsoft.com/office/drawing/2014/main" id="{16DA8A1E-64FC-4810-80E3-D177285D8773}"/>
                 </a:ext>
               </a:extLst>
             </p:cNvPr>
@@ -20966,7 +20905,7 @@
             <p:cNvPr id="19" name="文本框 18">
               <a:extLst>
                 <a:ext uri="{FF2B5EF4-FFF2-40B4-BE49-F238E27FC236}">
-                  <a16:creationId xmlns:a16="http://schemas.microsoft.com/office/drawing/2014/main" xmlns="" id="{D028F3A2-F8BE-4FF3-AA43-1781C286E3E6}"/>
+                  <a16:creationId xmlns="" xmlns:a16="http://schemas.microsoft.com/office/drawing/2014/main" id="{D028F3A2-F8BE-4FF3-AA43-1781C286E3E6}"/>
                 </a:ext>
               </a:extLst>
             </p:cNvPr>
@@ -21034,7 +20973,7 @@
             <p:cNvPr id="20" name="矩形: 圆角 19">
               <a:extLst>
                 <a:ext uri="{FF2B5EF4-FFF2-40B4-BE49-F238E27FC236}">
-                  <a16:creationId xmlns:a16="http://schemas.microsoft.com/office/drawing/2014/main" xmlns="" id="{D155FC09-937B-45E9-9445-19C2930961C1}"/>
+                  <a16:creationId xmlns="" xmlns:a16="http://schemas.microsoft.com/office/drawing/2014/main" id="{D155FC09-937B-45E9-9445-19C2930961C1}"/>
                 </a:ext>
               </a:extLst>
             </p:cNvPr>
@@ -21107,7 +21046,7 @@
           <p:cNvPr id="22" name="文本框 21">
             <a:extLst>
               <a:ext uri="{FF2B5EF4-FFF2-40B4-BE49-F238E27FC236}">
-                <a16:creationId xmlns:a16="http://schemas.microsoft.com/office/drawing/2014/main" xmlns="" id="{3A22B194-448A-46EE-BC7E-5460EEA7EF82}"/>
+                <a16:creationId xmlns="" xmlns:a16="http://schemas.microsoft.com/office/drawing/2014/main" id="{3A22B194-448A-46EE-BC7E-5460EEA7EF82}"/>
               </a:ext>
             </a:extLst>
           </p:cNvPr>
@@ -21158,7 +21097,7 @@
           <p:cNvPr id="31" name="椭圆 30">
             <a:extLst>
               <a:ext uri="{FF2B5EF4-FFF2-40B4-BE49-F238E27FC236}">
-                <a16:creationId xmlns:a16="http://schemas.microsoft.com/office/drawing/2014/main" xmlns="" id="{3B07899A-BEFE-411B-80F0-B1F1203CAF79}"/>
+                <a16:creationId xmlns="" xmlns:a16="http://schemas.microsoft.com/office/drawing/2014/main" id="{3B07899A-BEFE-411B-80F0-B1F1203CAF79}"/>
               </a:ext>
             </a:extLst>
           </p:cNvPr>
@@ -21212,7 +21151,7 @@
           <p:cNvPr id="32" name="椭圆 31">
             <a:extLst>
               <a:ext uri="{FF2B5EF4-FFF2-40B4-BE49-F238E27FC236}">
-                <a16:creationId xmlns:a16="http://schemas.microsoft.com/office/drawing/2014/main" xmlns="" id="{8E146F45-5E79-431F-AE2D-E8D938E2AE30}"/>
+                <a16:creationId xmlns="" xmlns:a16="http://schemas.microsoft.com/office/drawing/2014/main" id="{8E146F45-5E79-431F-AE2D-E8D938E2AE30}"/>
               </a:ext>
             </a:extLst>
           </p:cNvPr>
@@ -21266,7 +21205,7 @@
           <p:cNvPr id="33" name="椭圆 32">
             <a:extLst>
               <a:ext uri="{FF2B5EF4-FFF2-40B4-BE49-F238E27FC236}">
-                <a16:creationId xmlns:a16="http://schemas.microsoft.com/office/drawing/2014/main" xmlns="" id="{67D28EC8-FAC6-4D9C-A689-EC09A31595AF}"/>
+                <a16:creationId xmlns="" xmlns:a16="http://schemas.microsoft.com/office/drawing/2014/main" id="{67D28EC8-FAC6-4D9C-A689-EC09A31595AF}"/>
               </a:ext>
             </a:extLst>
           </p:cNvPr>
@@ -21323,7 +21262,7 @@
           <p:cNvPr id="34" name="椭圆 33">
             <a:extLst>
               <a:ext uri="{FF2B5EF4-FFF2-40B4-BE49-F238E27FC236}">
-                <a16:creationId xmlns:a16="http://schemas.microsoft.com/office/drawing/2014/main" xmlns="" id="{9F3AFC74-0413-4D11-B73A-701636BA1C2F}"/>
+                <a16:creationId xmlns="" xmlns:a16="http://schemas.microsoft.com/office/drawing/2014/main" id="{9F3AFC74-0413-4D11-B73A-701636BA1C2F}"/>
               </a:ext>
             </a:extLst>
           </p:cNvPr>
@@ -21377,7 +21316,7 @@
           <p:cNvPr id="35" name="椭圆 34">
             <a:extLst>
               <a:ext uri="{FF2B5EF4-FFF2-40B4-BE49-F238E27FC236}">
-                <a16:creationId xmlns:a16="http://schemas.microsoft.com/office/drawing/2014/main" xmlns="" id="{492C6DC1-98AC-4C5B-873B-0FE63529C580}"/>
+                <a16:creationId xmlns="" xmlns:a16="http://schemas.microsoft.com/office/drawing/2014/main" id="{492C6DC1-98AC-4C5B-873B-0FE63529C580}"/>
               </a:ext>
             </a:extLst>
           </p:cNvPr>
@@ -21431,7 +21370,7 @@
           <p:cNvPr id="36" name="直接连接符 35">
             <a:extLst>
               <a:ext uri="{FF2B5EF4-FFF2-40B4-BE49-F238E27FC236}">
-                <a16:creationId xmlns:a16="http://schemas.microsoft.com/office/drawing/2014/main" xmlns="" id="{6971B428-D479-4672-BD8B-7F5D077D5D86}"/>
+                <a16:creationId xmlns="" xmlns:a16="http://schemas.microsoft.com/office/drawing/2014/main" id="{6971B428-D479-4672-BD8B-7F5D077D5D86}"/>
               </a:ext>
             </a:extLst>
           </p:cNvPr>
@@ -21475,7 +21414,7 @@
           <p:cNvPr id="37" name="椭圆 36">
             <a:extLst>
               <a:ext uri="{FF2B5EF4-FFF2-40B4-BE49-F238E27FC236}">
-                <a16:creationId xmlns:a16="http://schemas.microsoft.com/office/drawing/2014/main" xmlns="" id="{E40A54E8-E57E-4BE0-B84A-69974F4EA85A}"/>
+                <a16:creationId xmlns="" xmlns:a16="http://schemas.microsoft.com/office/drawing/2014/main" id="{E40A54E8-E57E-4BE0-B84A-69974F4EA85A}"/>
               </a:ext>
             </a:extLst>
           </p:cNvPr>
@@ -21529,7 +21468,7 @@
           <p:cNvPr id="38" name="直接连接符 37">
             <a:extLst>
               <a:ext uri="{FF2B5EF4-FFF2-40B4-BE49-F238E27FC236}">
-                <a16:creationId xmlns:a16="http://schemas.microsoft.com/office/drawing/2014/main" xmlns="" id="{DF7F0649-3C32-4EE4-9DC6-342077B0E1D8}"/>
+                <a16:creationId xmlns="" xmlns:a16="http://schemas.microsoft.com/office/drawing/2014/main" id="{DF7F0649-3C32-4EE4-9DC6-342077B0E1D8}"/>
               </a:ext>
             </a:extLst>
           </p:cNvPr>
@@ -21573,7 +21512,7 @@
           <p:cNvPr id="39" name="直接连接符 38">
             <a:extLst>
               <a:ext uri="{FF2B5EF4-FFF2-40B4-BE49-F238E27FC236}">
-                <a16:creationId xmlns:a16="http://schemas.microsoft.com/office/drawing/2014/main" xmlns="" id="{093EB3FB-ADF0-474A-B234-EF349901DC15}"/>
+                <a16:creationId xmlns="" xmlns:a16="http://schemas.microsoft.com/office/drawing/2014/main" id="{093EB3FB-ADF0-474A-B234-EF349901DC15}"/>
               </a:ext>
             </a:extLst>
           </p:cNvPr>
@@ -21617,7 +21556,7 @@
           <p:cNvPr id="40" name="椭圆 39">
             <a:extLst>
               <a:ext uri="{FF2B5EF4-FFF2-40B4-BE49-F238E27FC236}">
-                <a16:creationId xmlns:a16="http://schemas.microsoft.com/office/drawing/2014/main" xmlns="" id="{F13CD393-9278-4D9E-926E-A8B9B27E49C8}"/>
+                <a16:creationId xmlns="" xmlns:a16="http://schemas.microsoft.com/office/drawing/2014/main" id="{F13CD393-9278-4D9E-926E-A8B9B27E49C8}"/>
               </a:ext>
             </a:extLst>
           </p:cNvPr>
@@ -21674,7 +21613,7 @@
           <p:cNvPr id="41" name="直接连接符 40">
             <a:extLst>
               <a:ext uri="{FF2B5EF4-FFF2-40B4-BE49-F238E27FC236}">
-                <a16:creationId xmlns:a16="http://schemas.microsoft.com/office/drawing/2014/main" xmlns="" id="{192A6EEE-8490-42FF-8026-D3D66BD75940}"/>
+                <a16:creationId xmlns="" xmlns:a16="http://schemas.microsoft.com/office/drawing/2014/main" id="{192A6EEE-8490-42FF-8026-D3D66BD75940}"/>
               </a:ext>
             </a:extLst>
           </p:cNvPr>
@@ -21718,7 +21657,7 @@
           <p:cNvPr id="42" name="椭圆 41">
             <a:extLst>
               <a:ext uri="{FF2B5EF4-FFF2-40B4-BE49-F238E27FC236}">
-                <a16:creationId xmlns:a16="http://schemas.microsoft.com/office/drawing/2014/main" xmlns="" id="{B5136ACA-AD87-4183-ADB5-428C41FA7777}"/>
+                <a16:creationId xmlns="" xmlns:a16="http://schemas.microsoft.com/office/drawing/2014/main" id="{B5136ACA-AD87-4183-ADB5-428C41FA7777}"/>
               </a:ext>
             </a:extLst>
           </p:cNvPr>
@@ -21772,7 +21711,7 @@
           <p:cNvPr id="43" name="直接连接符 42">
             <a:extLst>
               <a:ext uri="{FF2B5EF4-FFF2-40B4-BE49-F238E27FC236}">
-                <a16:creationId xmlns:a16="http://schemas.microsoft.com/office/drawing/2014/main" xmlns="" id="{272C11AD-11A2-49C8-9292-7533203E68DD}"/>
+                <a16:creationId xmlns="" xmlns:a16="http://schemas.microsoft.com/office/drawing/2014/main" id="{272C11AD-11A2-49C8-9292-7533203E68DD}"/>
               </a:ext>
             </a:extLst>
           </p:cNvPr>
@@ -21816,7 +21755,7 @@
           <p:cNvPr id="44" name="椭圆 43">
             <a:extLst>
               <a:ext uri="{FF2B5EF4-FFF2-40B4-BE49-F238E27FC236}">
-                <a16:creationId xmlns:a16="http://schemas.microsoft.com/office/drawing/2014/main" xmlns="" id="{411E286E-649A-4CC9-A79E-B785F1A457EA}"/>
+                <a16:creationId xmlns="" xmlns:a16="http://schemas.microsoft.com/office/drawing/2014/main" id="{411E286E-649A-4CC9-A79E-B785F1A457EA}"/>
               </a:ext>
             </a:extLst>
           </p:cNvPr>
@@ -21873,7 +21812,7 @@
           <p:cNvPr id="45" name="直接连接符 44">
             <a:extLst>
               <a:ext uri="{FF2B5EF4-FFF2-40B4-BE49-F238E27FC236}">
-                <a16:creationId xmlns:a16="http://schemas.microsoft.com/office/drawing/2014/main" xmlns="" id="{4642B35E-2738-4B10-B77A-A1D1B45ED76B}"/>
+                <a16:creationId xmlns="" xmlns:a16="http://schemas.microsoft.com/office/drawing/2014/main" id="{4642B35E-2738-4B10-B77A-A1D1B45ED76B}"/>
               </a:ext>
             </a:extLst>
           </p:cNvPr>
@@ -21917,7 +21856,7 @@
           <p:cNvPr id="46" name="直接连接符 45">
             <a:extLst>
               <a:ext uri="{FF2B5EF4-FFF2-40B4-BE49-F238E27FC236}">
-                <a16:creationId xmlns:a16="http://schemas.microsoft.com/office/drawing/2014/main" xmlns="" id="{D9581555-6A2E-4C22-B026-C640417AD0E5}"/>
+                <a16:creationId xmlns="" xmlns:a16="http://schemas.microsoft.com/office/drawing/2014/main" id="{D9581555-6A2E-4C22-B026-C640417AD0E5}"/>
               </a:ext>
             </a:extLst>
           </p:cNvPr>
@@ -21961,7 +21900,7 @@
           <p:cNvPr id="47" name="直接连接符 46">
             <a:extLst>
               <a:ext uri="{FF2B5EF4-FFF2-40B4-BE49-F238E27FC236}">
-                <a16:creationId xmlns:a16="http://schemas.microsoft.com/office/drawing/2014/main" xmlns="" id="{BFDADB2E-A848-4A30-A321-0A9EF72DEE7A}"/>
+                <a16:creationId xmlns="" xmlns:a16="http://schemas.microsoft.com/office/drawing/2014/main" id="{BFDADB2E-A848-4A30-A321-0A9EF72DEE7A}"/>
               </a:ext>
             </a:extLst>
           </p:cNvPr>
@@ -22588,7 +22527,7 @@
           <p:cNvPr id="6" name="图片 5" descr="图片包含 户外艺术系列&#10;&#10;已生成高可信度的说明">
             <a:extLst>
               <a:ext uri="{FF2B5EF4-FFF2-40B4-BE49-F238E27FC236}">
-                <a16:creationId xmlns:a16="http://schemas.microsoft.com/office/drawing/2014/main" xmlns="" id="{89D524ED-F1C6-411C-BF82-1FE0C3CECFC7}"/>
+                <a16:creationId xmlns="" xmlns:a16="http://schemas.microsoft.com/office/drawing/2014/main" id="{89D524ED-F1C6-411C-BF82-1FE0C3CECFC7}"/>
               </a:ext>
             </a:extLst>
           </p:cNvPr>
@@ -22624,7 +22563,7 @@
           <p:cNvPr id="11" name="矩形: 圆角 10">
             <a:extLst>
               <a:ext uri="{FF2B5EF4-FFF2-40B4-BE49-F238E27FC236}">
-                <a16:creationId xmlns:a16="http://schemas.microsoft.com/office/drawing/2014/main" xmlns="" id="{6BCFDEB3-66BB-40C4-8D11-4501056B03A6}"/>
+                <a16:creationId xmlns="" xmlns:a16="http://schemas.microsoft.com/office/drawing/2014/main" id="{6BCFDEB3-66BB-40C4-8D11-4501056B03A6}"/>
               </a:ext>
             </a:extLst>
           </p:cNvPr>
@@ -22685,7 +22624,7 @@
           <p:cNvPr id="2" name="文本框 1">
             <a:extLst>
               <a:ext uri="{FF2B5EF4-FFF2-40B4-BE49-F238E27FC236}">
-                <a16:creationId xmlns:a16="http://schemas.microsoft.com/office/drawing/2014/main" xmlns="" id="{F78FF481-D5DD-4D63-B7A7-27E254D01BB4}"/>
+                <a16:creationId xmlns="" xmlns:a16="http://schemas.microsoft.com/office/drawing/2014/main" id="{F78FF481-D5DD-4D63-B7A7-27E254D01BB4}"/>
               </a:ext>
             </a:extLst>
           </p:cNvPr>
@@ -22728,7 +22667,7 @@
           <p:cNvPr id="3" name="文本框 2">
             <a:extLst>
               <a:ext uri="{FF2B5EF4-FFF2-40B4-BE49-F238E27FC236}">
-                <a16:creationId xmlns:a16="http://schemas.microsoft.com/office/drawing/2014/main" xmlns="" id="{2A4B6A67-80A8-491C-9B75-F838BAA24AB8}"/>
+                <a16:creationId xmlns="" xmlns:a16="http://schemas.microsoft.com/office/drawing/2014/main" id="{2A4B6A67-80A8-491C-9B75-F838BAA24AB8}"/>
               </a:ext>
             </a:extLst>
           </p:cNvPr>
@@ -22769,7 +22708,7 @@
           <p:cNvPr id="4" name="文本框 3">
             <a:extLst>
               <a:ext uri="{FF2B5EF4-FFF2-40B4-BE49-F238E27FC236}">
-                <a16:creationId xmlns:a16="http://schemas.microsoft.com/office/drawing/2014/main" xmlns="" id="{D0EF4BBF-C2CD-4EB3-A920-99A3D31601CD}"/>
+                <a16:creationId xmlns="" xmlns:a16="http://schemas.microsoft.com/office/drawing/2014/main" id="{D0EF4BBF-C2CD-4EB3-A920-99A3D31601CD}"/>
               </a:ext>
             </a:extLst>
           </p:cNvPr>
@@ -22830,7 +22769,7 @@
           <p:cNvPr id="7" name="直接连接符 6">
             <a:extLst>
               <a:ext uri="{FF2B5EF4-FFF2-40B4-BE49-F238E27FC236}">
-                <a16:creationId xmlns:a16="http://schemas.microsoft.com/office/drawing/2014/main" xmlns="" id="{4000AD3B-46B8-4302-97C7-6AB34A88DFA6}"/>
+                <a16:creationId xmlns="" xmlns:a16="http://schemas.microsoft.com/office/drawing/2014/main" id="{4000AD3B-46B8-4302-97C7-6AB34A88DFA6}"/>
               </a:ext>
             </a:extLst>
           </p:cNvPr>
@@ -22873,7 +22812,7 @@
           <p:cNvPr id="10" name="组合 9">
             <a:extLst>
               <a:ext uri="{FF2B5EF4-FFF2-40B4-BE49-F238E27FC236}">
-                <a16:creationId xmlns:a16="http://schemas.microsoft.com/office/drawing/2014/main" xmlns="" id="{0A179309-4274-4AFB-96A6-CDF4D9704354}"/>
+                <a16:creationId xmlns="" xmlns:a16="http://schemas.microsoft.com/office/drawing/2014/main" id="{0A179309-4274-4AFB-96A6-CDF4D9704354}"/>
               </a:ext>
             </a:extLst>
           </p:cNvPr>
@@ -22893,7 +22832,7 @@
             <p:cNvPr id="13" name="直接连接符 12">
               <a:extLst>
                 <a:ext uri="{FF2B5EF4-FFF2-40B4-BE49-F238E27FC236}">
-                  <a16:creationId xmlns:a16="http://schemas.microsoft.com/office/drawing/2014/main" xmlns="" id="{3E1E71E1-150B-4EBB-ACA2-3809BDB92488}"/>
+                  <a16:creationId xmlns="" xmlns:a16="http://schemas.microsoft.com/office/drawing/2014/main" id="{3E1E71E1-150B-4EBB-ACA2-3809BDB92488}"/>
                 </a:ext>
               </a:extLst>
             </p:cNvPr>
@@ -22936,7 +22875,7 @@
             <p:cNvPr id="14" name="直接连接符 13">
               <a:extLst>
                 <a:ext uri="{FF2B5EF4-FFF2-40B4-BE49-F238E27FC236}">
-                  <a16:creationId xmlns:a16="http://schemas.microsoft.com/office/drawing/2014/main" xmlns="" id="{3644F1BB-7050-437B-A0D9-2C5C16232620}"/>
+                  <a16:creationId xmlns="" xmlns:a16="http://schemas.microsoft.com/office/drawing/2014/main" id="{3644F1BB-7050-437B-A0D9-2C5C16232620}"/>
                 </a:ext>
               </a:extLst>
             </p:cNvPr>
@@ -22979,7 +22918,7 @@
             <p:cNvPr id="15" name="直接连接符 14">
               <a:extLst>
                 <a:ext uri="{FF2B5EF4-FFF2-40B4-BE49-F238E27FC236}">
-                  <a16:creationId xmlns:a16="http://schemas.microsoft.com/office/drawing/2014/main" xmlns="" id="{A58349CB-A746-42FE-B196-071D1F66F4A6}"/>
+                  <a16:creationId xmlns="" xmlns:a16="http://schemas.microsoft.com/office/drawing/2014/main" id="{A58349CB-A746-42FE-B196-071D1F66F4A6}"/>
                 </a:ext>
               </a:extLst>
             </p:cNvPr>
@@ -23022,7 +22961,7 @@
             <p:cNvPr id="16" name="椭圆 15">
               <a:extLst>
                 <a:ext uri="{FF2B5EF4-FFF2-40B4-BE49-F238E27FC236}">
-                  <a16:creationId xmlns:a16="http://schemas.microsoft.com/office/drawing/2014/main" xmlns="" id="{1EA2E525-99FB-4DC3-85D4-E58FF0F0D4CB}"/>
+                  <a16:creationId xmlns="" xmlns:a16="http://schemas.microsoft.com/office/drawing/2014/main" id="{1EA2E525-99FB-4DC3-85D4-E58FF0F0D4CB}"/>
                 </a:ext>
               </a:extLst>
             </p:cNvPr>
@@ -23077,7 +23016,7 @@
             <p:cNvPr id="17" name="椭圆 16">
               <a:extLst>
                 <a:ext uri="{FF2B5EF4-FFF2-40B4-BE49-F238E27FC236}">
-                  <a16:creationId xmlns:a16="http://schemas.microsoft.com/office/drawing/2014/main" xmlns="" id="{3DA1CB48-5631-4E05-8CE8-88FAC410BB1B}"/>
+                  <a16:creationId xmlns="" xmlns:a16="http://schemas.microsoft.com/office/drawing/2014/main" id="{3DA1CB48-5631-4E05-8CE8-88FAC410BB1B}"/>
                 </a:ext>
               </a:extLst>
             </p:cNvPr>
@@ -23131,7 +23070,7 @@
             <p:cNvPr id="18" name="椭圆 17">
               <a:extLst>
                 <a:ext uri="{FF2B5EF4-FFF2-40B4-BE49-F238E27FC236}">
-                  <a16:creationId xmlns:a16="http://schemas.microsoft.com/office/drawing/2014/main" xmlns="" id="{292A36A2-19F3-40B6-80DB-E53E8B94E159}"/>
+                  <a16:creationId xmlns="" xmlns:a16="http://schemas.microsoft.com/office/drawing/2014/main" id="{292A36A2-19F3-40B6-80DB-E53E8B94E159}"/>
                 </a:ext>
               </a:extLst>
             </p:cNvPr>
@@ -23188,7 +23127,7 @@
           <p:cNvPr id="19" name="组合 18">
             <a:extLst>
               <a:ext uri="{FF2B5EF4-FFF2-40B4-BE49-F238E27FC236}">
-                <a16:creationId xmlns:a16="http://schemas.microsoft.com/office/drawing/2014/main" xmlns="" id="{54F5DAC7-1D40-43F9-9CFA-72281B05A6C2}"/>
+                <a16:creationId xmlns="" xmlns:a16="http://schemas.microsoft.com/office/drawing/2014/main" id="{54F5DAC7-1D40-43F9-9CFA-72281B05A6C2}"/>
               </a:ext>
             </a:extLst>
           </p:cNvPr>
@@ -23208,7 +23147,7 @@
             <p:cNvPr id="20" name="直接连接符 19">
               <a:extLst>
                 <a:ext uri="{FF2B5EF4-FFF2-40B4-BE49-F238E27FC236}">
-                  <a16:creationId xmlns:a16="http://schemas.microsoft.com/office/drawing/2014/main" xmlns="" id="{33C9463E-892C-4B04-92A8-B5F992BCAF1B}"/>
+                  <a16:creationId xmlns="" xmlns:a16="http://schemas.microsoft.com/office/drawing/2014/main" id="{33C9463E-892C-4B04-92A8-B5F992BCAF1B}"/>
                 </a:ext>
               </a:extLst>
             </p:cNvPr>
@@ -23251,7 +23190,7 @@
             <p:cNvPr id="21" name="直接连接符 20">
               <a:extLst>
                 <a:ext uri="{FF2B5EF4-FFF2-40B4-BE49-F238E27FC236}">
-                  <a16:creationId xmlns:a16="http://schemas.microsoft.com/office/drawing/2014/main" xmlns="" id="{DF8A5D8A-C7AA-4520-9F05-4E3EAB9A8BB5}"/>
+                  <a16:creationId xmlns="" xmlns:a16="http://schemas.microsoft.com/office/drawing/2014/main" id="{DF8A5D8A-C7AA-4520-9F05-4E3EAB9A8BB5}"/>
                 </a:ext>
               </a:extLst>
             </p:cNvPr>
@@ -23294,7 +23233,7 @@
             <p:cNvPr id="22" name="直接连接符 21">
               <a:extLst>
                 <a:ext uri="{FF2B5EF4-FFF2-40B4-BE49-F238E27FC236}">
-                  <a16:creationId xmlns:a16="http://schemas.microsoft.com/office/drawing/2014/main" xmlns="" id="{9997A725-A58B-4628-A8C3-E026E0A2203D}"/>
+                  <a16:creationId xmlns="" xmlns:a16="http://schemas.microsoft.com/office/drawing/2014/main" id="{9997A725-A58B-4628-A8C3-E026E0A2203D}"/>
                 </a:ext>
               </a:extLst>
             </p:cNvPr>
@@ -23337,7 +23276,7 @@
             <p:cNvPr id="23" name="椭圆 22">
               <a:extLst>
                 <a:ext uri="{FF2B5EF4-FFF2-40B4-BE49-F238E27FC236}">
-                  <a16:creationId xmlns:a16="http://schemas.microsoft.com/office/drawing/2014/main" xmlns="" id="{E4229617-E9A0-435F-BCAF-7E25DFAF9586}"/>
+                  <a16:creationId xmlns="" xmlns:a16="http://schemas.microsoft.com/office/drawing/2014/main" id="{E4229617-E9A0-435F-BCAF-7E25DFAF9586}"/>
                 </a:ext>
               </a:extLst>
             </p:cNvPr>
@@ -23392,7 +23331,7 @@
             <p:cNvPr id="24" name="椭圆 23">
               <a:extLst>
                 <a:ext uri="{FF2B5EF4-FFF2-40B4-BE49-F238E27FC236}">
-                  <a16:creationId xmlns:a16="http://schemas.microsoft.com/office/drawing/2014/main" xmlns="" id="{A93BFD55-5477-402D-8578-F79D81368B6D}"/>
+                  <a16:creationId xmlns="" xmlns:a16="http://schemas.microsoft.com/office/drawing/2014/main" id="{A93BFD55-5477-402D-8578-F79D81368B6D}"/>
                 </a:ext>
               </a:extLst>
             </p:cNvPr>
@@ -23446,7 +23385,7 @@
             <p:cNvPr id="25" name="椭圆 24">
               <a:extLst>
                 <a:ext uri="{FF2B5EF4-FFF2-40B4-BE49-F238E27FC236}">
-                  <a16:creationId xmlns:a16="http://schemas.microsoft.com/office/drawing/2014/main" xmlns="" id="{C5B85F38-CF17-4884-9D3E-DDDB8A7614DB}"/>
+                  <a16:creationId xmlns="" xmlns:a16="http://schemas.microsoft.com/office/drawing/2014/main" id="{C5B85F38-CF17-4884-9D3E-DDDB8A7614DB}"/>
                 </a:ext>
               </a:extLst>
             </p:cNvPr>
@@ -23503,7 +23442,7 @@
           <p:cNvPr id="26" name="组合 25">
             <a:extLst>
               <a:ext uri="{FF2B5EF4-FFF2-40B4-BE49-F238E27FC236}">
-                <a16:creationId xmlns:a16="http://schemas.microsoft.com/office/drawing/2014/main" xmlns="" id="{431F0BD9-69CB-4CCC-B8E7-0B7E6E6DEAEA}"/>
+                <a16:creationId xmlns="" xmlns:a16="http://schemas.microsoft.com/office/drawing/2014/main" id="{431F0BD9-69CB-4CCC-B8E7-0B7E6E6DEAEA}"/>
               </a:ext>
             </a:extLst>
           </p:cNvPr>
@@ -23523,7 +23462,7 @@
             <p:cNvPr id="27" name="直接连接符 26">
               <a:extLst>
                 <a:ext uri="{FF2B5EF4-FFF2-40B4-BE49-F238E27FC236}">
-                  <a16:creationId xmlns:a16="http://schemas.microsoft.com/office/drawing/2014/main" xmlns="" id="{2936E32B-E9DC-4E8A-B75F-1EED6707F551}"/>
+                  <a16:creationId xmlns="" xmlns:a16="http://schemas.microsoft.com/office/drawing/2014/main" id="{2936E32B-E9DC-4E8A-B75F-1EED6707F551}"/>
                 </a:ext>
               </a:extLst>
             </p:cNvPr>
@@ -23566,7 +23505,7 @@
             <p:cNvPr id="28" name="直接连接符 27">
               <a:extLst>
                 <a:ext uri="{FF2B5EF4-FFF2-40B4-BE49-F238E27FC236}">
-                  <a16:creationId xmlns:a16="http://schemas.microsoft.com/office/drawing/2014/main" xmlns="" id="{5BD51EE2-2913-4585-A666-E12E7B7BCDD3}"/>
+                  <a16:creationId xmlns="" xmlns:a16="http://schemas.microsoft.com/office/drawing/2014/main" id="{5BD51EE2-2913-4585-A666-E12E7B7BCDD3}"/>
                 </a:ext>
               </a:extLst>
             </p:cNvPr>
@@ -23609,7 +23548,7 @@
             <p:cNvPr id="29" name="直接连接符 28">
               <a:extLst>
                 <a:ext uri="{FF2B5EF4-FFF2-40B4-BE49-F238E27FC236}">
-                  <a16:creationId xmlns:a16="http://schemas.microsoft.com/office/drawing/2014/main" xmlns="" id="{26C1BA9E-834D-4534-8020-5E0F4B8ED7C2}"/>
+                  <a16:creationId xmlns="" xmlns:a16="http://schemas.microsoft.com/office/drawing/2014/main" id="{26C1BA9E-834D-4534-8020-5E0F4B8ED7C2}"/>
                 </a:ext>
               </a:extLst>
             </p:cNvPr>
@@ -23652,7 +23591,7 @@
             <p:cNvPr id="30" name="椭圆 29">
               <a:extLst>
                 <a:ext uri="{FF2B5EF4-FFF2-40B4-BE49-F238E27FC236}">
-                  <a16:creationId xmlns:a16="http://schemas.microsoft.com/office/drawing/2014/main" xmlns="" id="{9FFC6E8B-50CB-438D-8A6D-D449E71BB9CA}"/>
+                  <a16:creationId xmlns="" xmlns:a16="http://schemas.microsoft.com/office/drawing/2014/main" id="{9FFC6E8B-50CB-438D-8A6D-D449E71BB9CA}"/>
                 </a:ext>
               </a:extLst>
             </p:cNvPr>
@@ -23707,7 +23646,7 @@
             <p:cNvPr id="31" name="椭圆 30">
               <a:extLst>
                 <a:ext uri="{FF2B5EF4-FFF2-40B4-BE49-F238E27FC236}">
-                  <a16:creationId xmlns:a16="http://schemas.microsoft.com/office/drawing/2014/main" xmlns="" id="{D4744B69-2504-4E39-B7BE-7ED83650C6CE}"/>
+                  <a16:creationId xmlns="" xmlns:a16="http://schemas.microsoft.com/office/drawing/2014/main" id="{D4744B69-2504-4E39-B7BE-7ED83650C6CE}"/>
                 </a:ext>
               </a:extLst>
             </p:cNvPr>
@@ -23761,7 +23700,7 @@
             <p:cNvPr id="32" name="椭圆 31">
               <a:extLst>
                 <a:ext uri="{FF2B5EF4-FFF2-40B4-BE49-F238E27FC236}">
-                  <a16:creationId xmlns:a16="http://schemas.microsoft.com/office/drawing/2014/main" xmlns="" id="{FC9A2361-C803-4CB7-93E4-70AD38516113}"/>
+                  <a16:creationId xmlns="" xmlns:a16="http://schemas.microsoft.com/office/drawing/2014/main" id="{FC9A2361-C803-4CB7-93E4-70AD38516113}"/>
                 </a:ext>
               </a:extLst>
             </p:cNvPr>
@@ -23865,7 +23804,7 @@
           </a:ln>
           <a:extLst>
             <a:ext uri="{C572A759-6A51-4108-AA02-DFA0A04FC94B}">
-              <ma14:wrappingTextBoxFlag xmlns:ma14="http://schemas.microsoft.com/office/mac/drawingml/2011/main" xmlns="" val="1"/>
+              <ma14:wrappingTextBoxFlag xmlns="" xmlns:ma14="http://schemas.microsoft.com/office/mac/drawingml/2011/main" val="1"/>
             </a:ext>
           </a:extLst>
         </p:spPr>
@@ -23933,7 +23872,7 @@
           </a:ln>
           <a:extLst>
             <a:ext uri="{C572A759-6A51-4108-AA02-DFA0A04FC94B}">
-              <ma14:wrappingTextBoxFlag xmlns:ma14="http://schemas.microsoft.com/office/mac/drawingml/2011/main" xmlns="" val="1"/>
+              <ma14:wrappingTextBoxFlag xmlns="" xmlns:ma14="http://schemas.microsoft.com/office/mac/drawingml/2011/main" val="1"/>
             </a:ext>
           </a:extLst>
         </p:spPr>
@@ -23995,7 +23934,7 @@
           <p:cNvPr id="17" name="组合 16">
             <a:extLst>
               <a:ext uri="{FF2B5EF4-FFF2-40B4-BE49-F238E27FC236}">
-                <a16:creationId xmlns:a16="http://schemas.microsoft.com/office/drawing/2014/main" xmlns="" id="{37C933BA-2473-4CDC-A5E4-A44C629C23D8}"/>
+                <a16:creationId xmlns="" xmlns:a16="http://schemas.microsoft.com/office/drawing/2014/main" id="{37C933BA-2473-4CDC-A5E4-A44C629C23D8}"/>
               </a:ext>
             </a:extLst>
           </p:cNvPr>
@@ -24015,7 +23954,7 @@
             <p:cNvPr id="18" name="文本框 17">
               <a:extLst>
                 <a:ext uri="{FF2B5EF4-FFF2-40B4-BE49-F238E27FC236}">
-                  <a16:creationId xmlns:a16="http://schemas.microsoft.com/office/drawing/2014/main" xmlns="" id="{16DA8A1E-64FC-4810-80E3-D177285D8773}"/>
+                  <a16:creationId xmlns="" xmlns:a16="http://schemas.microsoft.com/office/drawing/2014/main" id="{16DA8A1E-64FC-4810-80E3-D177285D8773}"/>
                 </a:ext>
               </a:extLst>
             </p:cNvPr>
@@ -24119,7 +24058,7 @@
             <p:cNvPr id="19" name="文本框 18">
               <a:extLst>
                 <a:ext uri="{FF2B5EF4-FFF2-40B4-BE49-F238E27FC236}">
-                  <a16:creationId xmlns:a16="http://schemas.microsoft.com/office/drawing/2014/main" xmlns="" id="{D028F3A2-F8BE-4FF3-AA43-1781C286E3E6}"/>
+                  <a16:creationId xmlns="" xmlns:a16="http://schemas.microsoft.com/office/drawing/2014/main" id="{D028F3A2-F8BE-4FF3-AA43-1781C286E3E6}"/>
                 </a:ext>
               </a:extLst>
             </p:cNvPr>
@@ -24187,7 +24126,7 @@
             <p:cNvPr id="20" name="矩形: 圆角 19">
               <a:extLst>
                 <a:ext uri="{FF2B5EF4-FFF2-40B4-BE49-F238E27FC236}">
-                  <a16:creationId xmlns:a16="http://schemas.microsoft.com/office/drawing/2014/main" xmlns="" id="{D155FC09-937B-45E9-9445-19C2930961C1}"/>
+                  <a16:creationId xmlns="" xmlns:a16="http://schemas.microsoft.com/office/drawing/2014/main" id="{D155FC09-937B-45E9-9445-19C2930961C1}"/>
                 </a:ext>
               </a:extLst>
             </p:cNvPr>
@@ -24260,7 +24199,7 @@
           <p:cNvPr id="22" name="文本框 21">
             <a:extLst>
               <a:ext uri="{FF2B5EF4-FFF2-40B4-BE49-F238E27FC236}">
-                <a16:creationId xmlns:a16="http://schemas.microsoft.com/office/drawing/2014/main" xmlns="" id="{3A22B194-448A-46EE-BC7E-5460EEA7EF82}"/>
+                <a16:creationId xmlns="" xmlns:a16="http://schemas.microsoft.com/office/drawing/2014/main" id="{3A22B194-448A-46EE-BC7E-5460EEA7EF82}"/>
               </a:ext>
             </a:extLst>
           </p:cNvPr>
@@ -24311,7 +24250,7 @@
           <p:cNvPr id="31" name="椭圆 30">
             <a:extLst>
               <a:ext uri="{FF2B5EF4-FFF2-40B4-BE49-F238E27FC236}">
-                <a16:creationId xmlns:a16="http://schemas.microsoft.com/office/drawing/2014/main" xmlns="" id="{3B07899A-BEFE-411B-80F0-B1F1203CAF79}"/>
+                <a16:creationId xmlns="" xmlns:a16="http://schemas.microsoft.com/office/drawing/2014/main" id="{3B07899A-BEFE-411B-80F0-B1F1203CAF79}"/>
               </a:ext>
             </a:extLst>
           </p:cNvPr>
@@ -24365,7 +24304,7 @@
           <p:cNvPr id="32" name="椭圆 31">
             <a:extLst>
               <a:ext uri="{FF2B5EF4-FFF2-40B4-BE49-F238E27FC236}">
-                <a16:creationId xmlns:a16="http://schemas.microsoft.com/office/drawing/2014/main" xmlns="" id="{8E146F45-5E79-431F-AE2D-E8D938E2AE30}"/>
+                <a16:creationId xmlns="" xmlns:a16="http://schemas.microsoft.com/office/drawing/2014/main" id="{8E146F45-5E79-431F-AE2D-E8D938E2AE30}"/>
               </a:ext>
             </a:extLst>
           </p:cNvPr>
@@ -24419,7 +24358,7 @@
           <p:cNvPr id="33" name="椭圆 32">
             <a:extLst>
               <a:ext uri="{FF2B5EF4-FFF2-40B4-BE49-F238E27FC236}">
-                <a16:creationId xmlns:a16="http://schemas.microsoft.com/office/drawing/2014/main" xmlns="" id="{67D28EC8-FAC6-4D9C-A689-EC09A31595AF}"/>
+                <a16:creationId xmlns="" xmlns:a16="http://schemas.microsoft.com/office/drawing/2014/main" id="{67D28EC8-FAC6-4D9C-A689-EC09A31595AF}"/>
               </a:ext>
             </a:extLst>
           </p:cNvPr>
@@ -24476,7 +24415,7 @@
           <p:cNvPr id="34" name="椭圆 33">
             <a:extLst>
               <a:ext uri="{FF2B5EF4-FFF2-40B4-BE49-F238E27FC236}">
-                <a16:creationId xmlns:a16="http://schemas.microsoft.com/office/drawing/2014/main" xmlns="" id="{9F3AFC74-0413-4D11-B73A-701636BA1C2F}"/>
+                <a16:creationId xmlns="" xmlns:a16="http://schemas.microsoft.com/office/drawing/2014/main" id="{9F3AFC74-0413-4D11-B73A-701636BA1C2F}"/>
               </a:ext>
             </a:extLst>
           </p:cNvPr>
@@ -24530,7 +24469,7 @@
           <p:cNvPr id="35" name="椭圆 34">
             <a:extLst>
               <a:ext uri="{FF2B5EF4-FFF2-40B4-BE49-F238E27FC236}">
-                <a16:creationId xmlns:a16="http://schemas.microsoft.com/office/drawing/2014/main" xmlns="" id="{492C6DC1-98AC-4C5B-873B-0FE63529C580}"/>
+                <a16:creationId xmlns="" xmlns:a16="http://schemas.microsoft.com/office/drawing/2014/main" id="{492C6DC1-98AC-4C5B-873B-0FE63529C580}"/>
               </a:ext>
             </a:extLst>
           </p:cNvPr>
@@ -24584,7 +24523,7 @@
           <p:cNvPr id="36" name="直接连接符 35">
             <a:extLst>
               <a:ext uri="{FF2B5EF4-FFF2-40B4-BE49-F238E27FC236}">
-                <a16:creationId xmlns:a16="http://schemas.microsoft.com/office/drawing/2014/main" xmlns="" id="{6971B428-D479-4672-BD8B-7F5D077D5D86}"/>
+                <a16:creationId xmlns="" xmlns:a16="http://schemas.microsoft.com/office/drawing/2014/main" id="{6971B428-D479-4672-BD8B-7F5D077D5D86}"/>
               </a:ext>
             </a:extLst>
           </p:cNvPr>
@@ -24628,7 +24567,7 @@
           <p:cNvPr id="37" name="椭圆 36">
             <a:extLst>
               <a:ext uri="{FF2B5EF4-FFF2-40B4-BE49-F238E27FC236}">
-                <a16:creationId xmlns:a16="http://schemas.microsoft.com/office/drawing/2014/main" xmlns="" id="{E40A54E8-E57E-4BE0-B84A-69974F4EA85A}"/>
+                <a16:creationId xmlns="" xmlns:a16="http://schemas.microsoft.com/office/drawing/2014/main" id="{E40A54E8-E57E-4BE0-B84A-69974F4EA85A}"/>
               </a:ext>
             </a:extLst>
           </p:cNvPr>
@@ -24682,7 +24621,7 @@
           <p:cNvPr id="38" name="直接连接符 37">
             <a:extLst>
               <a:ext uri="{FF2B5EF4-FFF2-40B4-BE49-F238E27FC236}">
-                <a16:creationId xmlns:a16="http://schemas.microsoft.com/office/drawing/2014/main" xmlns="" id="{DF7F0649-3C32-4EE4-9DC6-342077B0E1D8}"/>
+                <a16:creationId xmlns="" xmlns:a16="http://schemas.microsoft.com/office/drawing/2014/main" id="{DF7F0649-3C32-4EE4-9DC6-342077B0E1D8}"/>
               </a:ext>
             </a:extLst>
           </p:cNvPr>
@@ -24726,7 +24665,7 @@
           <p:cNvPr id="39" name="直接连接符 38">
             <a:extLst>
               <a:ext uri="{FF2B5EF4-FFF2-40B4-BE49-F238E27FC236}">
-                <a16:creationId xmlns:a16="http://schemas.microsoft.com/office/drawing/2014/main" xmlns="" id="{093EB3FB-ADF0-474A-B234-EF349901DC15}"/>
+                <a16:creationId xmlns="" xmlns:a16="http://schemas.microsoft.com/office/drawing/2014/main" id="{093EB3FB-ADF0-474A-B234-EF349901DC15}"/>
               </a:ext>
             </a:extLst>
           </p:cNvPr>
@@ -24770,7 +24709,7 @@
           <p:cNvPr id="40" name="椭圆 39">
             <a:extLst>
               <a:ext uri="{FF2B5EF4-FFF2-40B4-BE49-F238E27FC236}">
-                <a16:creationId xmlns:a16="http://schemas.microsoft.com/office/drawing/2014/main" xmlns="" id="{F13CD393-9278-4D9E-926E-A8B9B27E49C8}"/>
+                <a16:creationId xmlns="" xmlns:a16="http://schemas.microsoft.com/office/drawing/2014/main" id="{F13CD393-9278-4D9E-926E-A8B9B27E49C8}"/>
               </a:ext>
             </a:extLst>
           </p:cNvPr>
@@ -24827,7 +24766,7 @@
           <p:cNvPr id="41" name="直接连接符 40">
             <a:extLst>
               <a:ext uri="{FF2B5EF4-FFF2-40B4-BE49-F238E27FC236}">
-                <a16:creationId xmlns:a16="http://schemas.microsoft.com/office/drawing/2014/main" xmlns="" id="{192A6EEE-8490-42FF-8026-D3D66BD75940}"/>
+                <a16:creationId xmlns="" xmlns:a16="http://schemas.microsoft.com/office/drawing/2014/main" id="{192A6EEE-8490-42FF-8026-D3D66BD75940}"/>
               </a:ext>
             </a:extLst>
           </p:cNvPr>
@@ -24871,7 +24810,7 @@
           <p:cNvPr id="42" name="椭圆 41">
             <a:extLst>
               <a:ext uri="{FF2B5EF4-FFF2-40B4-BE49-F238E27FC236}">
-                <a16:creationId xmlns:a16="http://schemas.microsoft.com/office/drawing/2014/main" xmlns="" id="{B5136ACA-AD87-4183-ADB5-428C41FA7777}"/>
+                <a16:creationId xmlns="" xmlns:a16="http://schemas.microsoft.com/office/drawing/2014/main" id="{B5136ACA-AD87-4183-ADB5-428C41FA7777}"/>
               </a:ext>
             </a:extLst>
           </p:cNvPr>
@@ -24925,7 +24864,7 @@
           <p:cNvPr id="43" name="直接连接符 42">
             <a:extLst>
               <a:ext uri="{FF2B5EF4-FFF2-40B4-BE49-F238E27FC236}">
-                <a16:creationId xmlns:a16="http://schemas.microsoft.com/office/drawing/2014/main" xmlns="" id="{272C11AD-11A2-49C8-9292-7533203E68DD}"/>
+                <a16:creationId xmlns="" xmlns:a16="http://schemas.microsoft.com/office/drawing/2014/main" id="{272C11AD-11A2-49C8-9292-7533203E68DD}"/>
               </a:ext>
             </a:extLst>
           </p:cNvPr>
@@ -24969,7 +24908,7 @@
           <p:cNvPr id="44" name="椭圆 43">
             <a:extLst>
               <a:ext uri="{FF2B5EF4-FFF2-40B4-BE49-F238E27FC236}">
-                <a16:creationId xmlns:a16="http://schemas.microsoft.com/office/drawing/2014/main" xmlns="" id="{411E286E-649A-4CC9-A79E-B785F1A457EA}"/>
+                <a16:creationId xmlns="" xmlns:a16="http://schemas.microsoft.com/office/drawing/2014/main" id="{411E286E-649A-4CC9-A79E-B785F1A457EA}"/>
               </a:ext>
             </a:extLst>
           </p:cNvPr>
@@ -25026,7 +24965,7 @@
           <p:cNvPr id="45" name="直接连接符 44">
             <a:extLst>
               <a:ext uri="{FF2B5EF4-FFF2-40B4-BE49-F238E27FC236}">
-                <a16:creationId xmlns:a16="http://schemas.microsoft.com/office/drawing/2014/main" xmlns="" id="{4642B35E-2738-4B10-B77A-A1D1B45ED76B}"/>
+                <a16:creationId xmlns="" xmlns:a16="http://schemas.microsoft.com/office/drawing/2014/main" id="{4642B35E-2738-4B10-B77A-A1D1B45ED76B}"/>
               </a:ext>
             </a:extLst>
           </p:cNvPr>
@@ -25070,7 +25009,7 @@
           <p:cNvPr id="46" name="直接连接符 45">
             <a:extLst>
               <a:ext uri="{FF2B5EF4-FFF2-40B4-BE49-F238E27FC236}">
-                <a16:creationId xmlns:a16="http://schemas.microsoft.com/office/drawing/2014/main" xmlns="" id="{D9581555-6A2E-4C22-B026-C640417AD0E5}"/>
+                <a16:creationId xmlns="" xmlns:a16="http://schemas.microsoft.com/office/drawing/2014/main" id="{D9581555-6A2E-4C22-B026-C640417AD0E5}"/>
               </a:ext>
             </a:extLst>
           </p:cNvPr>
@@ -25114,7 +25053,7 @@
           <p:cNvPr id="47" name="直接连接符 46">
             <a:extLst>
               <a:ext uri="{FF2B5EF4-FFF2-40B4-BE49-F238E27FC236}">
-                <a16:creationId xmlns:a16="http://schemas.microsoft.com/office/drawing/2014/main" xmlns="" id="{BFDADB2E-A848-4A30-A321-0A9EF72DEE7A}"/>
+                <a16:creationId xmlns="" xmlns:a16="http://schemas.microsoft.com/office/drawing/2014/main" id="{BFDADB2E-A848-4A30-A321-0A9EF72DEE7A}"/>
               </a:ext>
             </a:extLst>
           </p:cNvPr>
@@ -25544,7 +25483,7 @@
           </a:ln>
           <a:extLst>
             <a:ext uri="{C572A759-6A51-4108-AA02-DFA0A04FC94B}">
-              <ma14:wrappingTextBoxFlag xmlns:ma14="http://schemas.microsoft.com/office/mac/drawingml/2011/main" xmlns="" val="1"/>
+              <ma14:wrappingTextBoxFlag xmlns="" xmlns:ma14="http://schemas.microsoft.com/office/mac/drawingml/2011/main" val="1"/>
             </a:ext>
           </a:extLst>
         </p:spPr>
@@ -25612,7 +25551,7 @@
           </a:ln>
           <a:extLst>
             <a:ext uri="{C572A759-6A51-4108-AA02-DFA0A04FC94B}">
-              <ma14:wrappingTextBoxFlag xmlns:ma14="http://schemas.microsoft.com/office/mac/drawingml/2011/main" xmlns="" val="1"/>
+              <ma14:wrappingTextBoxFlag xmlns="" xmlns:ma14="http://schemas.microsoft.com/office/mac/drawingml/2011/main" val="1"/>
             </a:ext>
           </a:extLst>
         </p:spPr>
@@ -25674,7 +25613,7 @@
           <p:cNvPr id="17" name="组合 16">
             <a:extLst>
               <a:ext uri="{FF2B5EF4-FFF2-40B4-BE49-F238E27FC236}">
-                <a16:creationId xmlns:a16="http://schemas.microsoft.com/office/drawing/2014/main" xmlns="" id="{37C933BA-2473-4CDC-A5E4-A44C629C23D8}"/>
+                <a16:creationId xmlns="" xmlns:a16="http://schemas.microsoft.com/office/drawing/2014/main" id="{37C933BA-2473-4CDC-A5E4-A44C629C23D8}"/>
               </a:ext>
             </a:extLst>
           </p:cNvPr>
@@ -25694,7 +25633,7 @@
             <p:cNvPr id="18" name="文本框 17">
               <a:extLst>
                 <a:ext uri="{FF2B5EF4-FFF2-40B4-BE49-F238E27FC236}">
-                  <a16:creationId xmlns:a16="http://schemas.microsoft.com/office/drawing/2014/main" xmlns="" id="{16DA8A1E-64FC-4810-80E3-D177285D8773}"/>
+                  <a16:creationId xmlns="" xmlns:a16="http://schemas.microsoft.com/office/drawing/2014/main" id="{16DA8A1E-64FC-4810-80E3-D177285D8773}"/>
                 </a:ext>
               </a:extLst>
             </p:cNvPr>
@@ -25798,7 +25737,7 @@
             <p:cNvPr id="19" name="文本框 18">
               <a:extLst>
                 <a:ext uri="{FF2B5EF4-FFF2-40B4-BE49-F238E27FC236}">
-                  <a16:creationId xmlns:a16="http://schemas.microsoft.com/office/drawing/2014/main" xmlns="" id="{D028F3A2-F8BE-4FF3-AA43-1781C286E3E6}"/>
+                  <a16:creationId xmlns="" xmlns:a16="http://schemas.microsoft.com/office/drawing/2014/main" id="{D028F3A2-F8BE-4FF3-AA43-1781C286E3E6}"/>
                 </a:ext>
               </a:extLst>
             </p:cNvPr>
@@ -25866,7 +25805,7 @@
             <p:cNvPr id="20" name="矩形: 圆角 19">
               <a:extLst>
                 <a:ext uri="{FF2B5EF4-FFF2-40B4-BE49-F238E27FC236}">
-                  <a16:creationId xmlns:a16="http://schemas.microsoft.com/office/drawing/2014/main" xmlns="" id="{D155FC09-937B-45E9-9445-19C2930961C1}"/>
+                  <a16:creationId xmlns="" xmlns:a16="http://schemas.microsoft.com/office/drawing/2014/main" id="{D155FC09-937B-45E9-9445-19C2930961C1}"/>
                 </a:ext>
               </a:extLst>
             </p:cNvPr>
@@ -25939,7 +25878,7 @@
           <p:cNvPr id="22" name="文本框 21">
             <a:extLst>
               <a:ext uri="{FF2B5EF4-FFF2-40B4-BE49-F238E27FC236}">
-                <a16:creationId xmlns:a16="http://schemas.microsoft.com/office/drawing/2014/main" xmlns="" id="{3A22B194-448A-46EE-BC7E-5460EEA7EF82}"/>
+                <a16:creationId xmlns="" xmlns:a16="http://schemas.microsoft.com/office/drawing/2014/main" id="{3A22B194-448A-46EE-BC7E-5460EEA7EF82}"/>
               </a:ext>
             </a:extLst>
           </p:cNvPr>
@@ -25990,7 +25929,7 @@
           <p:cNvPr id="31" name="椭圆 30">
             <a:extLst>
               <a:ext uri="{FF2B5EF4-FFF2-40B4-BE49-F238E27FC236}">
-                <a16:creationId xmlns:a16="http://schemas.microsoft.com/office/drawing/2014/main" xmlns="" id="{3B07899A-BEFE-411B-80F0-B1F1203CAF79}"/>
+                <a16:creationId xmlns="" xmlns:a16="http://schemas.microsoft.com/office/drawing/2014/main" id="{3B07899A-BEFE-411B-80F0-B1F1203CAF79}"/>
               </a:ext>
             </a:extLst>
           </p:cNvPr>
@@ -26044,7 +25983,7 @@
           <p:cNvPr id="32" name="椭圆 31">
             <a:extLst>
               <a:ext uri="{FF2B5EF4-FFF2-40B4-BE49-F238E27FC236}">
-                <a16:creationId xmlns:a16="http://schemas.microsoft.com/office/drawing/2014/main" xmlns="" id="{8E146F45-5E79-431F-AE2D-E8D938E2AE30}"/>
+                <a16:creationId xmlns="" xmlns:a16="http://schemas.microsoft.com/office/drawing/2014/main" id="{8E146F45-5E79-431F-AE2D-E8D938E2AE30}"/>
               </a:ext>
             </a:extLst>
           </p:cNvPr>
@@ -26098,7 +26037,7 @@
           <p:cNvPr id="33" name="椭圆 32">
             <a:extLst>
               <a:ext uri="{FF2B5EF4-FFF2-40B4-BE49-F238E27FC236}">
-                <a16:creationId xmlns:a16="http://schemas.microsoft.com/office/drawing/2014/main" xmlns="" id="{67D28EC8-FAC6-4D9C-A689-EC09A31595AF}"/>
+                <a16:creationId xmlns="" xmlns:a16="http://schemas.microsoft.com/office/drawing/2014/main" id="{67D28EC8-FAC6-4D9C-A689-EC09A31595AF}"/>
               </a:ext>
             </a:extLst>
           </p:cNvPr>
@@ -26155,7 +26094,7 @@
           <p:cNvPr id="34" name="椭圆 33">
             <a:extLst>
               <a:ext uri="{FF2B5EF4-FFF2-40B4-BE49-F238E27FC236}">
-                <a16:creationId xmlns:a16="http://schemas.microsoft.com/office/drawing/2014/main" xmlns="" id="{9F3AFC74-0413-4D11-B73A-701636BA1C2F}"/>
+                <a16:creationId xmlns="" xmlns:a16="http://schemas.microsoft.com/office/drawing/2014/main" id="{9F3AFC74-0413-4D11-B73A-701636BA1C2F}"/>
               </a:ext>
             </a:extLst>
           </p:cNvPr>
@@ -26209,7 +26148,7 @@
           <p:cNvPr id="35" name="椭圆 34">
             <a:extLst>
               <a:ext uri="{FF2B5EF4-FFF2-40B4-BE49-F238E27FC236}">
-                <a16:creationId xmlns:a16="http://schemas.microsoft.com/office/drawing/2014/main" xmlns="" id="{492C6DC1-98AC-4C5B-873B-0FE63529C580}"/>
+                <a16:creationId xmlns="" xmlns:a16="http://schemas.microsoft.com/office/drawing/2014/main" id="{492C6DC1-98AC-4C5B-873B-0FE63529C580}"/>
               </a:ext>
             </a:extLst>
           </p:cNvPr>
@@ -26263,7 +26202,7 @@
           <p:cNvPr id="36" name="直接连接符 35">
             <a:extLst>
               <a:ext uri="{FF2B5EF4-FFF2-40B4-BE49-F238E27FC236}">
-                <a16:creationId xmlns:a16="http://schemas.microsoft.com/office/drawing/2014/main" xmlns="" id="{6971B428-D479-4672-BD8B-7F5D077D5D86}"/>
+                <a16:creationId xmlns="" xmlns:a16="http://schemas.microsoft.com/office/drawing/2014/main" id="{6971B428-D479-4672-BD8B-7F5D077D5D86}"/>
               </a:ext>
             </a:extLst>
           </p:cNvPr>
@@ -26307,7 +26246,7 @@
           <p:cNvPr id="37" name="椭圆 36">
             <a:extLst>
               <a:ext uri="{FF2B5EF4-FFF2-40B4-BE49-F238E27FC236}">
-                <a16:creationId xmlns:a16="http://schemas.microsoft.com/office/drawing/2014/main" xmlns="" id="{E40A54E8-E57E-4BE0-B84A-69974F4EA85A}"/>
+                <a16:creationId xmlns="" xmlns:a16="http://schemas.microsoft.com/office/drawing/2014/main" id="{E40A54E8-E57E-4BE0-B84A-69974F4EA85A}"/>
               </a:ext>
             </a:extLst>
           </p:cNvPr>
@@ -26361,7 +26300,7 @@
           <p:cNvPr id="38" name="直接连接符 37">
             <a:extLst>
               <a:ext uri="{FF2B5EF4-FFF2-40B4-BE49-F238E27FC236}">
-                <a16:creationId xmlns:a16="http://schemas.microsoft.com/office/drawing/2014/main" xmlns="" id="{DF7F0649-3C32-4EE4-9DC6-342077B0E1D8}"/>
+                <a16:creationId xmlns="" xmlns:a16="http://schemas.microsoft.com/office/drawing/2014/main" id="{DF7F0649-3C32-4EE4-9DC6-342077B0E1D8}"/>
               </a:ext>
             </a:extLst>
           </p:cNvPr>
@@ -26405,7 +26344,7 @@
           <p:cNvPr id="39" name="直接连接符 38">
             <a:extLst>
               <a:ext uri="{FF2B5EF4-FFF2-40B4-BE49-F238E27FC236}">
-                <a16:creationId xmlns:a16="http://schemas.microsoft.com/office/drawing/2014/main" xmlns="" id="{093EB3FB-ADF0-474A-B234-EF349901DC15}"/>
+                <a16:creationId xmlns="" xmlns:a16="http://schemas.microsoft.com/office/drawing/2014/main" id="{093EB3FB-ADF0-474A-B234-EF349901DC15}"/>
               </a:ext>
             </a:extLst>
           </p:cNvPr>
@@ -26449,7 +26388,7 @@
           <p:cNvPr id="40" name="椭圆 39">
             <a:extLst>
               <a:ext uri="{FF2B5EF4-FFF2-40B4-BE49-F238E27FC236}">
-                <a16:creationId xmlns:a16="http://schemas.microsoft.com/office/drawing/2014/main" xmlns="" id="{F13CD393-9278-4D9E-926E-A8B9B27E49C8}"/>
+                <a16:creationId xmlns="" xmlns:a16="http://schemas.microsoft.com/office/drawing/2014/main" id="{F13CD393-9278-4D9E-926E-A8B9B27E49C8}"/>
               </a:ext>
             </a:extLst>
           </p:cNvPr>
@@ -26506,7 +26445,7 @@
           <p:cNvPr id="41" name="直接连接符 40">
             <a:extLst>
               <a:ext uri="{FF2B5EF4-FFF2-40B4-BE49-F238E27FC236}">
-                <a16:creationId xmlns:a16="http://schemas.microsoft.com/office/drawing/2014/main" xmlns="" id="{192A6EEE-8490-42FF-8026-D3D66BD75940}"/>
+                <a16:creationId xmlns="" xmlns:a16="http://schemas.microsoft.com/office/drawing/2014/main" id="{192A6EEE-8490-42FF-8026-D3D66BD75940}"/>
               </a:ext>
             </a:extLst>
           </p:cNvPr>
@@ -26550,7 +26489,7 @@
           <p:cNvPr id="42" name="椭圆 41">
             <a:extLst>
               <a:ext uri="{FF2B5EF4-FFF2-40B4-BE49-F238E27FC236}">
-                <a16:creationId xmlns:a16="http://schemas.microsoft.com/office/drawing/2014/main" xmlns="" id="{B5136ACA-AD87-4183-ADB5-428C41FA7777}"/>
+                <a16:creationId xmlns="" xmlns:a16="http://schemas.microsoft.com/office/drawing/2014/main" id="{B5136ACA-AD87-4183-ADB5-428C41FA7777}"/>
               </a:ext>
             </a:extLst>
           </p:cNvPr>
@@ -26604,7 +26543,7 @@
           <p:cNvPr id="43" name="直接连接符 42">
             <a:extLst>
               <a:ext uri="{FF2B5EF4-FFF2-40B4-BE49-F238E27FC236}">
-                <a16:creationId xmlns:a16="http://schemas.microsoft.com/office/drawing/2014/main" xmlns="" id="{272C11AD-11A2-49C8-9292-7533203E68DD}"/>
+                <a16:creationId xmlns="" xmlns:a16="http://schemas.microsoft.com/office/drawing/2014/main" id="{272C11AD-11A2-49C8-9292-7533203E68DD}"/>
               </a:ext>
             </a:extLst>
           </p:cNvPr>
@@ -26648,7 +26587,7 @@
           <p:cNvPr id="44" name="椭圆 43">
             <a:extLst>
               <a:ext uri="{FF2B5EF4-FFF2-40B4-BE49-F238E27FC236}">
-                <a16:creationId xmlns:a16="http://schemas.microsoft.com/office/drawing/2014/main" xmlns="" id="{411E286E-649A-4CC9-A79E-B785F1A457EA}"/>
+                <a16:creationId xmlns="" xmlns:a16="http://schemas.microsoft.com/office/drawing/2014/main" id="{411E286E-649A-4CC9-A79E-B785F1A457EA}"/>
               </a:ext>
             </a:extLst>
           </p:cNvPr>
@@ -26705,7 +26644,7 @@
           <p:cNvPr id="45" name="直接连接符 44">
             <a:extLst>
               <a:ext uri="{FF2B5EF4-FFF2-40B4-BE49-F238E27FC236}">
-                <a16:creationId xmlns:a16="http://schemas.microsoft.com/office/drawing/2014/main" xmlns="" id="{4642B35E-2738-4B10-B77A-A1D1B45ED76B}"/>
+                <a16:creationId xmlns="" xmlns:a16="http://schemas.microsoft.com/office/drawing/2014/main" id="{4642B35E-2738-4B10-B77A-A1D1B45ED76B}"/>
               </a:ext>
             </a:extLst>
           </p:cNvPr>
@@ -26749,7 +26688,7 @@
           <p:cNvPr id="46" name="直接连接符 45">
             <a:extLst>
               <a:ext uri="{FF2B5EF4-FFF2-40B4-BE49-F238E27FC236}">
-                <a16:creationId xmlns:a16="http://schemas.microsoft.com/office/drawing/2014/main" xmlns="" id="{D9581555-6A2E-4C22-B026-C640417AD0E5}"/>
+                <a16:creationId xmlns="" xmlns:a16="http://schemas.microsoft.com/office/drawing/2014/main" id="{D9581555-6A2E-4C22-B026-C640417AD0E5}"/>
               </a:ext>
             </a:extLst>
           </p:cNvPr>
@@ -26793,7 +26732,7 @@
           <p:cNvPr id="47" name="直接连接符 46">
             <a:extLst>
               <a:ext uri="{FF2B5EF4-FFF2-40B4-BE49-F238E27FC236}">
-                <a16:creationId xmlns:a16="http://schemas.microsoft.com/office/drawing/2014/main" xmlns="" id="{BFDADB2E-A848-4A30-A321-0A9EF72DEE7A}"/>
+                <a16:creationId xmlns="" xmlns:a16="http://schemas.microsoft.com/office/drawing/2014/main" id="{BFDADB2E-A848-4A30-A321-0A9EF72DEE7A}"/>
               </a:ext>
             </a:extLst>
           </p:cNvPr>
@@ -27217,7 +27156,7 @@
           <p:cNvPr id="6" name="图片 5" descr="图片包含 户外艺术系列&#10;&#10;已生成高可信度的说明">
             <a:extLst>
               <a:ext uri="{FF2B5EF4-FFF2-40B4-BE49-F238E27FC236}">
-                <a16:creationId xmlns:a16="http://schemas.microsoft.com/office/drawing/2014/main" xmlns="" id="{89D524ED-F1C6-411C-BF82-1FE0C3CECFC7}"/>
+                <a16:creationId xmlns="" xmlns:a16="http://schemas.microsoft.com/office/drawing/2014/main" id="{89D524ED-F1C6-411C-BF82-1FE0C3CECFC7}"/>
               </a:ext>
             </a:extLst>
           </p:cNvPr>
@@ -27253,7 +27192,7 @@
           <p:cNvPr id="3" name="组合 2">
             <a:extLst>
               <a:ext uri="{FF2B5EF4-FFF2-40B4-BE49-F238E27FC236}">
-                <a16:creationId xmlns:a16="http://schemas.microsoft.com/office/drawing/2014/main" xmlns="" id="{54E81E20-9647-4114-9789-24000332A056}"/>
+                <a16:creationId xmlns="" xmlns:a16="http://schemas.microsoft.com/office/drawing/2014/main" id="{54E81E20-9647-4114-9789-24000332A056}"/>
               </a:ext>
             </a:extLst>
           </p:cNvPr>
@@ -27273,7 +27212,7 @@
             <p:cNvPr id="11" name="矩形: 圆角 10">
               <a:extLst>
                 <a:ext uri="{FF2B5EF4-FFF2-40B4-BE49-F238E27FC236}">
-                  <a16:creationId xmlns:a16="http://schemas.microsoft.com/office/drawing/2014/main" xmlns="" id="{6BCFDEB3-66BB-40C4-8D11-4501056B03A6}"/>
+                  <a16:creationId xmlns="" xmlns:a16="http://schemas.microsoft.com/office/drawing/2014/main" id="{6BCFDEB3-66BB-40C4-8D11-4501056B03A6}"/>
                 </a:ext>
               </a:extLst>
             </p:cNvPr>
@@ -27334,7 +27273,7 @@
             <p:cNvPr id="12" name="文本框 11">
               <a:extLst>
                 <a:ext uri="{FF2B5EF4-FFF2-40B4-BE49-F238E27FC236}">
-                  <a16:creationId xmlns:a16="http://schemas.microsoft.com/office/drawing/2014/main" xmlns="" id="{2C435717-89EF-43A4-A56D-C1E52D455097}"/>
+                  <a16:creationId xmlns="" xmlns:a16="http://schemas.microsoft.com/office/drawing/2014/main" id="{2C435717-89EF-43A4-A56D-C1E52D455097}"/>
                 </a:ext>
               </a:extLst>
             </p:cNvPr>
@@ -27371,7 +27310,7 @@
           <p:cNvPr id="28" name="组合 27">
             <a:extLst>
               <a:ext uri="{FF2B5EF4-FFF2-40B4-BE49-F238E27FC236}">
-                <a16:creationId xmlns:a16="http://schemas.microsoft.com/office/drawing/2014/main" xmlns="" id="{54F2F81F-1381-469A-BD99-91691ACB81AF}"/>
+                <a16:creationId xmlns="" xmlns:a16="http://schemas.microsoft.com/office/drawing/2014/main" id="{54F2F81F-1381-469A-BD99-91691ACB81AF}"/>
               </a:ext>
             </a:extLst>
           </p:cNvPr>
@@ -27391,7 +27330,7 @@
             <p:cNvPr id="29" name="直接连接符 28">
               <a:extLst>
                 <a:ext uri="{FF2B5EF4-FFF2-40B4-BE49-F238E27FC236}">
-                  <a16:creationId xmlns:a16="http://schemas.microsoft.com/office/drawing/2014/main" xmlns="" id="{41F92CAA-0EEE-4A21-824E-E86591EC6710}"/>
+                  <a16:creationId xmlns="" xmlns:a16="http://schemas.microsoft.com/office/drawing/2014/main" id="{41F92CAA-0EEE-4A21-824E-E86591EC6710}"/>
                 </a:ext>
               </a:extLst>
             </p:cNvPr>
@@ -27434,7 +27373,7 @@
             <p:cNvPr id="30" name="直接连接符 29">
               <a:extLst>
                 <a:ext uri="{FF2B5EF4-FFF2-40B4-BE49-F238E27FC236}">
-                  <a16:creationId xmlns:a16="http://schemas.microsoft.com/office/drawing/2014/main" xmlns="" id="{CBF5BCA0-516C-4CBE-B86F-F076C5F832C2}"/>
+                  <a16:creationId xmlns="" xmlns:a16="http://schemas.microsoft.com/office/drawing/2014/main" id="{CBF5BCA0-516C-4CBE-B86F-F076C5F832C2}"/>
                 </a:ext>
               </a:extLst>
             </p:cNvPr>
@@ -27477,7 +27416,7 @@
             <p:cNvPr id="31" name="直接连接符 30">
               <a:extLst>
                 <a:ext uri="{FF2B5EF4-FFF2-40B4-BE49-F238E27FC236}">
-                  <a16:creationId xmlns:a16="http://schemas.microsoft.com/office/drawing/2014/main" xmlns="" id="{B66D5DF7-83FB-440B-9B4A-646E25647069}"/>
+                  <a16:creationId xmlns="" xmlns:a16="http://schemas.microsoft.com/office/drawing/2014/main" id="{B66D5DF7-83FB-440B-9B4A-646E25647069}"/>
                 </a:ext>
               </a:extLst>
             </p:cNvPr>
@@ -27520,7 +27459,7 @@
             <p:cNvPr id="32" name="椭圆 31">
               <a:extLst>
                 <a:ext uri="{FF2B5EF4-FFF2-40B4-BE49-F238E27FC236}">
-                  <a16:creationId xmlns:a16="http://schemas.microsoft.com/office/drawing/2014/main" xmlns="" id="{B32C0FBF-40D5-4F15-929B-12992D1B0258}"/>
+                  <a16:creationId xmlns="" xmlns:a16="http://schemas.microsoft.com/office/drawing/2014/main" id="{B32C0FBF-40D5-4F15-929B-12992D1B0258}"/>
                 </a:ext>
               </a:extLst>
             </p:cNvPr>
@@ -27575,7 +27514,7 @@
             <p:cNvPr id="33" name="椭圆 32">
               <a:extLst>
                 <a:ext uri="{FF2B5EF4-FFF2-40B4-BE49-F238E27FC236}">
-                  <a16:creationId xmlns:a16="http://schemas.microsoft.com/office/drawing/2014/main" xmlns="" id="{1C1FB228-7770-45E5-8CCB-C84F42001401}"/>
+                  <a16:creationId xmlns="" xmlns:a16="http://schemas.microsoft.com/office/drawing/2014/main" id="{1C1FB228-7770-45E5-8CCB-C84F42001401}"/>
                 </a:ext>
               </a:extLst>
             </p:cNvPr>
@@ -27629,7 +27568,7 @@
             <p:cNvPr id="34" name="椭圆 33">
               <a:extLst>
                 <a:ext uri="{FF2B5EF4-FFF2-40B4-BE49-F238E27FC236}">
-                  <a16:creationId xmlns:a16="http://schemas.microsoft.com/office/drawing/2014/main" xmlns="" id="{09B17D62-FEEE-4C83-8D70-558FBA77107C}"/>
+                  <a16:creationId xmlns="" xmlns:a16="http://schemas.microsoft.com/office/drawing/2014/main" id="{09B17D62-FEEE-4C83-8D70-558FBA77107C}"/>
                 </a:ext>
               </a:extLst>
             </p:cNvPr>
@@ -27686,7 +27625,7 @@
           <p:cNvPr id="13" name="直接连接符 12">
             <a:extLst>
               <a:ext uri="{FF2B5EF4-FFF2-40B4-BE49-F238E27FC236}">
-                <a16:creationId xmlns:a16="http://schemas.microsoft.com/office/drawing/2014/main" xmlns="" id="{1BC85318-81BB-4E15-B5E5-701F08E348FF}"/>
+                <a16:creationId xmlns="" xmlns:a16="http://schemas.microsoft.com/office/drawing/2014/main" id="{1BC85318-81BB-4E15-B5E5-701F08E348FF}"/>
               </a:ext>
             </a:extLst>
           </p:cNvPr>
@@ -27731,7 +27670,7 @@
           <p:cNvPr id="14" name="椭圆 13">
             <a:extLst>
               <a:ext uri="{FF2B5EF4-FFF2-40B4-BE49-F238E27FC236}">
-                <a16:creationId xmlns:a16="http://schemas.microsoft.com/office/drawing/2014/main" xmlns="" id="{15160783-0C33-4392-B05E-B2A60C407C2F}"/>
+                <a16:creationId xmlns="" xmlns:a16="http://schemas.microsoft.com/office/drawing/2014/main" id="{15160783-0C33-4392-B05E-B2A60C407C2F}"/>
               </a:ext>
             </a:extLst>
           </p:cNvPr>
@@ -27793,7 +27732,7 @@
           <p:cNvPr id="15" name="椭圆 14">
             <a:extLst>
               <a:ext uri="{FF2B5EF4-FFF2-40B4-BE49-F238E27FC236}">
-                <a16:creationId xmlns:a16="http://schemas.microsoft.com/office/drawing/2014/main" xmlns="" id="{6BFC3652-6CB1-4822-862C-95F6B24737CB}"/>
+                <a16:creationId xmlns="" xmlns:a16="http://schemas.microsoft.com/office/drawing/2014/main" id="{6BFC3652-6CB1-4822-862C-95F6B24737CB}"/>
               </a:ext>
             </a:extLst>
           </p:cNvPr>
@@ -27853,7 +27792,7 @@
           <p:cNvPr id="16" name="椭圆 15">
             <a:extLst>
               <a:ext uri="{FF2B5EF4-FFF2-40B4-BE49-F238E27FC236}">
-                <a16:creationId xmlns:a16="http://schemas.microsoft.com/office/drawing/2014/main" xmlns="" id="{A1736F28-A0B3-49C1-805C-6C7BE686201E}"/>
+                <a16:creationId xmlns="" xmlns:a16="http://schemas.microsoft.com/office/drawing/2014/main" id="{A1736F28-A0B3-49C1-805C-6C7BE686201E}"/>
               </a:ext>
             </a:extLst>
           </p:cNvPr>
@@ -27915,7 +27854,7 @@
           <p:cNvPr id="17" name="椭圆 16">
             <a:extLst>
               <a:ext uri="{FF2B5EF4-FFF2-40B4-BE49-F238E27FC236}">
-                <a16:creationId xmlns:a16="http://schemas.microsoft.com/office/drawing/2014/main" xmlns="" id="{AA810E51-BA1E-4A94-90E7-DBAF51E8FF66}"/>
+                <a16:creationId xmlns="" xmlns:a16="http://schemas.microsoft.com/office/drawing/2014/main" id="{AA810E51-BA1E-4A94-90E7-DBAF51E8FF66}"/>
               </a:ext>
             </a:extLst>
           </p:cNvPr>
@@ -27977,7 +27916,7 @@
           <p:cNvPr id="18" name="椭圆 17">
             <a:extLst>
               <a:ext uri="{FF2B5EF4-FFF2-40B4-BE49-F238E27FC236}">
-                <a16:creationId xmlns:a16="http://schemas.microsoft.com/office/drawing/2014/main" xmlns="" id="{3E44D1F1-CD3E-45AA-96E2-EAD0F3855D09}"/>
+                <a16:creationId xmlns="" xmlns:a16="http://schemas.microsoft.com/office/drawing/2014/main" id="{3E44D1F1-CD3E-45AA-96E2-EAD0F3855D09}"/>
               </a:ext>
             </a:extLst>
           </p:cNvPr>
@@ -28037,7 +27976,7 @@
           <p:cNvPr id="19" name="椭圆 18">
             <a:extLst>
               <a:ext uri="{FF2B5EF4-FFF2-40B4-BE49-F238E27FC236}">
-                <a16:creationId xmlns:a16="http://schemas.microsoft.com/office/drawing/2014/main" xmlns="" id="{C6BA0FA7-BB3D-40B6-AF0C-14D2BFA65BAF}"/>
+                <a16:creationId xmlns="" xmlns:a16="http://schemas.microsoft.com/office/drawing/2014/main" id="{C6BA0FA7-BB3D-40B6-AF0C-14D2BFA65BAF}"/>
               </a:ext>
             </a:extLst>
           </p:cNvPr>
@@ -28099,7 +28038,7 @@
           <p:cNvPr id="20" name="椭圆 19">
             <a:extLst>
               <a:ext uri="{FF2B5EF4-FFF2-40B4-BE49-F238E27FC236}">
-                <a16:creationId xmlns:a16="http://schemas.microsoft.com/office/drawing/2014/main" xmlns="" id="{EDE55611-AC48-489F-88C9-ADECAF634AE9}"/>
+                <a16:creationId xmlns="" xmlns:a16="http://schemas.microsoft.com/office/drawing/2014/main" id="{EDE55611-AC48-489F-88C9-ADECAF634AE9}"/>
               </a:ext>
             </a:extLst>
           </p:cNvPr>
@@ -28161,7 +28100,7 @@
           <p:cNvPr id="21" name="椭圆 20">
             <a:extLst>
               <a:ext uri="{FF2B5EF4-FFF2-40B4-BE49-F238E27FC236}">
-                <a16:creationId xmlns:a16="http://schemas.microsoft.com/office/drawing/2014/main" xmlns="" id="{574CF35B-304D-440E-8696-3347F57E03F7}"/>
+                <a16:creationId xmlns="" xmlns:a16="http://schemas.microsoft.com/office/drawing/2014/main" id="{574CF35B-304D-440E-8696-3347F57E03F7}"/>
               </a:ext>
             </a:extLst>
           </p:cNvPr>
@@ -28223,7 +28162,7 @@
           <p:cNvPr id="22" name="直接连接符 21">
             <a:extLst>
               <a:ext uri="{FF2B5EF4-FFF2-40B4-BE49-F238E27FC236}">
-                <a16:creationId xmlns:a16="http://schemas.microsoft.com/office/drawing/2014/main" xmlns="" id="{ACDC2FA0-8FFA-4A8B-9625-BF3DE3F3F236}"/>
+                <a16:creationId xmlns="" xmlns:a16="http://schemas.microsoft.com/office/drawing/2014/main" id="{ACDC2FA0-8FFA-4A8B-9625-BF3DE3F3F236}"/>
               </a:ext>
             </a:extLst>
           </p:cNvPr>
@@ -28270,7 +28209,7 @@
           <p:cNvPr id="23" name="直接连接符 22">
             <a:extLst>
               <a:ext uri="{FF2B5EF4-FFF2-40B4-BE49-F238E27FC236}">
-                <a16:creationId xmlns:a16="http://schemas.microsoft.com/office/drawing/2014/main" xmlns="" id="{FE397710-2C59-45CA-83DE-96E833FA1926}"/>
+                <a16:creationId xmlns="" xmlns:a16="http://schemas.microsoft.com/office/drawing/2014/main" id="{FE397710-2C59-45CA-83DE-96E833FA1926}"/>
               </a:ext>
             </a:extLst>
           </p:cNvPr>
@@ -28317,7 +28256,7 @@
           <p:cNvPr id="24" name="直接连接符 23">
             <a:extLst>
               <a:ext uri="{FF2B5EF4-FFF2-40B4-BE49-F238E27FC236}">
-                <a16:creationId xmlns:a16="http://schemas.microsoft.com/office/drawing/2014/main" xmlns="" id="{A48B29B9-11D2-4B61-8AC6-ECC2227DE6D6}"/>
+                <a16:creationId xmlns="" xmlns:a16="http://schemas.microsoft.com/office/drawing/2014/main" id="{A48B29B9-11D2-4B61-8AC6-ECC2227DE6D6}"/>
               </a:ext>
             </a:extLst>
           </p:cNvPr>
@@ -28365,7 +28304,7 @@
           <p:cNvPr id="25" name="直接连接符 24">
             <a:extLst>
               <a:ext uri="{FF2B5EF4-FFF2-40B4-BE49-F238E27FC236}">
-                <a16:creationId xmlns:a16="http://schemas.microsoft.com/office/drawing/2014/main" xmlns="" id="{36A9EAEF-0CB1-4BDB-9D3B-AE96B25EE8E6}"/>
+                <a16:creationId xmlns="" xmlns:a16="http://schemas.microsoft.com/office/drawing/2014/main" id="{36A9EAEF-0CB1-4BDB-9D3B-AE96B25EE8E6}"/>
               </a:ext>
             </a:extLst>
           </p:cNvPr>
@@ -28413,7 +28352,7 @@
           <p:cNvPr id="26" name="椭圆 25">
             <a:extLst>
               <a:ext uri="{FF2B5EF4-FFF2-40B4-BE49-F238E27FC236}">
-                <a16:creationId xmlns:a16="http://schemas.microsoft.com/office/drawing/2014/main" xmlns="" id="{89BE66EF-194E-4079-B6B6-E1D715E8DFC4}"/>
+                <a16:creationId xmlns="" xmlns:a16="http://schemas.microsoft.com/office/drawing/2014/main" id="{89BE66EF-194E-4079-B6B6-E1D715E8DFC4}"/>
               </a:ext>
             </a:extLst>
           </p:cNvPr>
@@ -28473,7 +28412,7 @@
           <p:cNvPr id="27" name="直接连接符 26">
             <a:extLst>
               <a:ext uri="{FF2B5EF4-FFF2-40B4-BE49-F238E27FC236}">
-                <a16:creationId xmlns:a16="http://schemas.microsoft.com/office/drawing/2014/main" xmlns="" id="{427DAE5D-2DB7-4785-B59A-0FF8D90F5ABD}"/>
+                <a16:creationId xmlns="" xmlns:a16="http://schemas.microsoft.com/office/drawing/2014/main" id="{427DAE5D-2DB7-4785-B59A-0FF8D90F5ABD}"/>
               </a:ext>
             </a:extLst>
           </p:cNvPr>
@@ -28518,7 +28457,7 @@
           <p:cNvPr id="35" name="直接连接符 34">
             <a:extLst>
               <a:ext uri="{FF2B5EF4-FFF2-40B4-BE49-F238E27FC236}">
-                <a16:creationId xmlns:a16="http://schemas.microsoft.com/office/drawing/2014/main" xmlns="" id="{F9FF47DA-A4DB-4D19-9B3C-B316B706B69A}"/>
+                <a16:creationId xmlns="" xmlns:a16="http://schemas.microsoft.com/office/drawing/2014/main" id="{F9FF47DA-A4DB-4D19-9B3C-B316B706B69A}"/>
               </a:ext>
             </a:extLst>
           </p:cNvPr>
@@ -28565,7 +28504,7 @@
           <p:cNvPr id="36" name="椭圆 35">
             <a:extLst>
               <a:ext uri="{FF2B5EF4-FFF2-40B4-BE49-F238E27FC236}">
-                <a16:creationId xmlns:a16="http://schemas.microsoft.com/office/drawing/2014/main" xmlns="" id="{53E3C46C-BBE4-4629-A986-BD57A4788DA9}"/>
+                <a16:creationId xmlns="" xmlns:a16="http://schemas.microsoft.com/office/drawing/2014/main" id="{53E3C46C-BBE4-4629-A986-BD57A4788DA9}"/>
               </a:ext>
             </a:extLst>
           </p:cNvPr>
@@ -28627,7 +28566,7 @@
           <p:cNvPr id="37" name="直接连接符 36">
             <a:extLst>
               <a:ext uri="{FF2B5EF4-FFF2-40B4-BE49-F238E27FC236}">
-                <a16:creationId xmlns:a16="http://schemas.microsoft.com/office/drawing/2014/main" xmlns="" id="{5E13BB9F-7355-44C4-91B1-CEB9E6F0E802}"/>
+                <a16:creationId xmlns="" xmlns:a16="http://schemas.microsoft.com/office/drawing/2014/main" id="{5E13BB9F-7355-44C4-91B1-CEB9E6F0E802}"/>
               </a:ext>
             </a:extLst>
           </p:cNvPr>
@@ -28672,7 +28611,7 @@
           <p:cNvPr id="38" name="直接连接符 37">
             <a:extLst>
               <a:ext uri="{FF2B5EF4-FFF2-40B4-BE49-F238E27FC236}">
-                <a16:creationId xmlns:a16="http://schemas.microsoft.com/office/drawing/2014/main" xmlns="" id="{C3174898-DFEC-4F37-9AB8-81B7A08FCE7E}"/>
+                <a16:creationId xmlns="" xmlns:a16="http://schemas.microsoft.com/office/drawing/2014/main" id="{C3174898-DFEC-4F37-9AB8-81B7A08FCE7E}"/>
               </a:ext>
             </a:extLst>
           </p:cNvPr>
@@ -28719,7 +28658,7 @@
           <p:cNvPr id="39" name="椭圆 38">
             <a:extLst>
               <a:ext uri="{FF2B5EF4-FFF2-40B4-BE49-F238E27FC236}">
-                <a16:creationId xmlns:a16="http://schemas.microsoft.com/office/drawing/2014/main" xmlns="" id="{B485D709-6F59-45D3-AC66-2F925B7DD3D9}"/>
+                <a16:creationId xmlns="" xmlns:a16="http://schemas.microsoft.com/office/drawing/2014/main" id="{B485D709-6F59-45D3-AC66-2F925B7DD3D9}"/>
               </a:ext>
             </a:extLst>
           </p:cNvPr>
@@ -28781,7 +28720,7 @@
           <p:cNvPr id="40" name="直接连接符 39">
             <a:extLst>
               <a:ext uri="{FF2B5EF4-FFF2-40B4-BE49-F238E27FC236}">
-                <a16:creationId xmlns:a16="http://schemas.microsoft.com/office/drawing/2014/main" xmlns="" id="{FC1E047A-336B-4A08-9880-8585EE36BDFD}"/>
+                <a16:creationId xmlns="" xmlns:a16="http://schemas.microsoft.com/office/drawing/2014/main" id="{FC1E047A-336B-4A08-9880-8585EE36BDFD}"/>
               </a:ext>
             </a:extLst>
           </p:cNvPr>
@@ -28826,7 +28765,7 @@
           <p:cNvPr id="41" name="直接连接符 40">
             <a:extLst>
               <a:ext uri="{FF2B5EF4-FFF2-40B4-BE49-F238E27FC236}">
-                <a16:creationId xmlns:a16="http://schemas.microsoft.com/office/drawing/2014/main" xmlns="" id="{1F78A761-35EE-441D-BC7F-00EB0361FDB5}"/>
+                <a16:creationId xmlns="" xmlns:a16="http://schemas.microsoft.com/office/drawing/2014/main" id="{1F78A761-35EE-441D-BC7F-00EB0361FDB5}"/>
               </a:ext>
             </a:extLst>
           </p:cNvPr>
@@ -28873,7 +28812,7 @@
           <p:cNvPr id="42" name="椭圆 41">
             <a:extLst>
               <a:ext uri="{FF2B5EF4-FFF2-40B4-BE49-F238E27FC236}">
-                <a16:creationId xmlns:a16="http://schemas.microsoft.com/office/drawing/2014/main" xmlns="" id="{78CDA8A6-25D2-4CEF-8566-85DDE2FAB506}"/>
+                <a16:creationId xmlns="" xmlns:a16="http://schemas.microsoft.com/office/drawing/2014/main" id="{78CDA8A6-25D2-4CEF-8566-85DDE2FAB506}"/>
               </a:ext>
             </a:extLst>
           </p:cNvPr>
@@ -28933,7 +28872,7 @@
           <p:cNvPr id="43" name="直接连接符 42">
             <a:extLst>
               <a:ext uri="{FF2B5EF4-FFF2-40B4-BE49-F238E27FC236}">
-                <a16:creationId xmlns:a16="http://schemas.microsoft.com/office/drawing/2014/main" xmlns="" id="{F3DD0849-9C05-435C-A9F2-7CA8361FEFCE}"/>
+                <a16:creationId xmlns="" xmlns:a16="http://schemas.microsoft.com/office/drawing/2014/main" id="{F3DD0849-9C05-435C-A9F2-7CA8361FEFCE}"/>
               </a:ext>
             </a:extLst>
           </p:cNvPr>
@@ -28980,7 +28919,7 @@
           <p:cNvPr id="44" name="直接连接符 43">
             <a:extLst>
               <a:ext uri="{FF2B5EF4-FFF2-40B4-BE49-F238E27FC236}">
-                <a16:creationId xmlns:a16="http://schemas.microsoft.com/office/drawing/2014/main" xmlns="" id="{60EE8AC9-FBEF-429A-A8D2-690EFCB81F34}"/>
+                <a16:creationId xmlns="" xmlns:a16="http://schemas.microsoft.com/office/drawing/2014/main" id="{60EE8AC9-FBEF-429A-A8D2-690EFCB81F34}"/>
               </a:ext>
             </a:extLst>
           </p:cNvPr>
@@ -29028,7 +28967,7 @@
           <p:cNvPr id="45" name="文本框 44">
             <a:extLst>
               <a:ext uri="{FF2B5EF4-FFF2-40B4-BE49-F238E27FC236}">
-                <a16:creationId xmlns:a16="http://schemas.microsoft.com/office/drawing/2014/main" xmlns="" id="{0B7F80FD-A0ED-4C15-9265-6A60A74FFC4C}"/>
+                <a16:creationId xmlns="" xmlns:a16="http://schemas.microsoft.com/office/drawing/2014/main" id="{0B7F80FD-A0ED-4C15-9265-6A60A74FFC4C}"/>
               </a:ext>
             </a:extLst>
           </p:cNvPr>
@@ -29080,7 +29019,7 @@
           <p:cNvPr id="46" name="文本框 45">
             <a:extLst>
               <a:ext uri="{FF2B5EF4-FFF2-40B4-BE49-F238E27FC236}">
-                <a16:creationId xmlns:a16="http://schemas.microsoft.com/office/drawing/2014/main" xmlns="" id="{50C96D59-40E1-4C9F-BC22-E6BA401A2A5F}"/>
+                <a16:creationId xmlns="" xmlns:a16="http://schemas.microsoft.com/office/drawing/2014/main" id="{50C96D59-40E1-4C9F-BC22-E6BA401A2A5F}"/>
               </a:ext>
             </a:extLst>
           </p:cNvPr>
@@ -29132,7 +29071,7 @@
           <p:cNvPr id="47" name="文本框 46">
             <a:extLst>
               <a:ext uri="{FF2B5EF4-FFF2-40B4-BE49-F238E27FC236}">
-                <a16:creationId xmlns:a16="http://schemas.microsoft.com/office/drawing/2014/main" xmlns="" id="{78470B80-6880-4E85-A61F-A4211770AAE6}"/>
+                <a16:creationId xmlns="" xmlns:a16="http://schemas.microsoft.com/office/drawing/2014/main" id="{78470B80-6880-4E85-A61F-A4211770AAE6}"/>
               </a:ext>
             </a:extLst>
           </p:cNvPr>
@@ -29196,7 +29135,7 @@
           <p:cNvPr id="48" name="文本框 47">
             <a:extLst>
               <a:ext uri="{FF2B5EF4-FFF2-40B4-BE49-F238E27FC236}">
-                <a16:creationId xmlns:a16="http://schemas.microsoft.com/office/drawing/2014/main" xmlns="" id="{B25C554B-DA8F-4BC9-800B-8DD4C1C1B465}"/>
+                <a16:creationId xmlns="" xmlns:a16="http://schemas.microsoft.com/office/drawing/2014/main" id="{B25C554B-DA8F-4BC9-800B-8DD4C1C1B465}"/>
               </a:ext>
             </a:extLst>
           </p:cNvPr>
@@ -29260,7 +29199,7 @@
           <p:cNvPr id="49" name="矩形 48">
             <a:extLst>
               <a:ext uri="{FF2B5EF4-FFF2-40B4-BE49-F238E27FC236}">
-                <a16:creationId xmlns:a16="http://schemas.microsoft.com/office/drawing/2014/main" xmlns="" id="{9F790E0B-E40F-4E15-B32B-0BE17B3718E5}"/>
+                <a16:creationId xmlns="" xmlns:a16="http://schemas.microsoft.com/office/drawing/2014/main" id="{9F790E0B-E40F-4E15-B32B-0BE17B3718E5}"/>
               </a:ext>
             </a:extLst>
           </p:cNvPr>
@@ -29317,7 +29256,7 @@
           <p:cNvPr id="50" name="矩形 49">
             <a:extLst>
               <a:ext uri="{FF2B5EF4-FFF2-40B4-BE49-F238E27FC236}">
-                <a16:creationId xmlns:a16="http://schemas.microsoft.com/office/drawing/2014/main" xmlns="" id="{FA3E83C1-AD43-4EBA-9F88-E61EF5C4AD8F}"/>
+                <a16:creationId xmlns="" xmlns:a16="http://schemas.microsoft.com/office/drawing/2014/main" id="{FA3E83C1-AD43-4EBA-9F88-E61EF5C4AD8F}"/>
               </a:ext>
             </a:extLst>
           </p:cNvPr>
@@ -29340,7 +29279,7 @@
           <a:lstStyle/>
           <a:p>
             <a:r>
-              <a:rPr lang="zh-CN" altLang="en-US" sz="2000" spc="300" dirty="0" smtClean="0">
+              <a:rPr lang="zh-CN" altLang="en-US" sz="2000" spc="300" smtClean="0">
                 <a:solidFill>
                   <a:schemeClr val="bg1">
                     <a:lumMod val="50000"/>
@@ -29411,7 +29350,7 @@
           </a:ln>
           <a:extLst>
             <a:ext uri="{C572A759-6A51-4108-AA02-DFA0A04FC94B}">
-              <ma14:wrappingTextBoxFlag xmlns:ma14="http://schemas.microsoft.com/office/mac/drawingml/2011/main" xmlns="" val="1"/>
+              <ma14:wrappingTextBoxFlag xmlns="" xmlns:ma14="http://schemas.microsoft.com/office/mac/drawingml/2011/main" val="1"/>
             </a:ext>
           </a:extLst>
         </p:spPr>
@@ -29479,7 +29418,7 @@
           </a:ln>
           <a:extLst>
             <a:ext uri="{C572A759-6A51-4108-AA02-DFA0A04FC94B}">
-              <ma14:wrappingTextBoxFlag xmlns:ma14="http://schemas.microsoft.com/office/mac/drawingml/2011/main" xmlns="" val="1"/>
+              <ma14:wrappingTextBoxFlag xmlns="" xmlns:ma14="http://schemas.microsoft.com/office/mac/drawingml/2011/main" val="1"/>
             </a:ext>
           </a:extLst>
         </p:spPr>
@@ -29541,7 +29480,7 @@
           <p:cNvPr id="17" name="组合 16">
             <a:extLst>
               <a:ext uri="{FF2B5EF4-FFF2-40B4-BE49-F238E27FC236}">
-                <a16:creationId xmlns:a16="http://schemas.microsoft.com/office/drawing/2014/main" xmlns="" id="{37C933BA-2473-4CDC-A5E4-A44C629C23D8}"/>
+                <a16:creationId xmlns="" xmlns:a16="http://schemas.microsoft.com/office/drawing/2014/main" id="{37C933BA-2473-4CDC-A5E4-A44C629C23D8}"/>
               </a:ext>
             </a:extLst>
           </p:cNvPr>
@@ -29561,7 +29500,7 @@
             <p:cNvPr id="18" name="文本框 17">
               <a:extLst>
                 <a:ext uri="{FF2B5EF4-FFF2-40B4-BE49-F238E27FC236}">
-                  <a16:creationId xmlns:a16="http://schemas.microsoft.com/office/drawing/2014/main" xmlns="" id="{16DA8A1E-64FC-4810-80E3-D177285D8773}"/>
+                  <a16:creationId xmlns="" xmlns:a16="http://schemas.microsoft.com/office/drawing/2014/main" id="{16DA8A1E-64FC-4810-80E3-D177285D8773}"/>
                 </a:ext>
               </a:extLst>
             </p:cNvPr>
@@ -29665,7 +29604,7 @@
             <p:cNvPr id="19" name="文本框 18">
               <a:extLst>
                 <a:ext uri="{FF2B5EF4-FFF2-40B4-BE49-F238E27FC236}">
-                  <a16:creationId xmlns:a16="http://schemas.microsoft.com/office/drawing/2014/main" xmlns="" id="{D028F3A2-F8BE-4FF3-AA43-1781C286E3E6}"/>
+                  <a16:creationId xmlns="" xmlns:a16="http://schemas.microsoft.com/office/drawing/2014/main" id="{D028F3A2-F8BE-4FF3-AA43-1781C286E3E6}"/>
                 </a:ext>
               </a:extLst>
             </p:cNvPr>
@@ -29733,7 +29672,7 @@
             <p:cNvPr id="20" name="矩形: 圆角 19">
               <a:extLst>
                 <a:ext uri="{FF2B5EF4-FFF2-40B4-BE49-F238E27FC236}">
-                  <a16:creationId xmlns:a16="http://schemas.microsoft.com/office/drawing/2014/main" xmlns="" id="{D155FC09-937B-45E9-9445-19C2930961C1}"/>
+                  <a16:creationId xmlns="" xmlns:a16="http://schemas.microsoft.com/office/drawing/2014/main" id="{D155FC09-937B-45E9-9445-19C2930961C1}"/>
                 </a:ext>
               </a:extLst>
             </p:cNvPr>
@@ -29806,7 +29745,7 @@
           <p:cNvPr id="22" name="文本框 21">
             <a:extLst>
               <a:ext uri="{FF2B5EF4-FFF2-40B4-BE49-F238E27FC236}">
-                <a16:creationId xmlns:a16="http://schemas.microsoft.com/office/drawing/2014/main" xmlns="" id="{3A22B194-448A-46EE-BC7E-5460EEA7EF82}"/>
+                <a16:creationId xmlns="" xmlns:a16="http://schemas.microsoft.com/office/drawing/2014/main" id="{3A22B194-448A-46EE-BC7E-5460EEA7EF82}"/>
               </a:ext>
             </a:extLst>
           </p:cNvPr>
@@ -29867,7 +29806,7 @@
           <p:cNvPr id="31" name="椭圆 30">
             <a:extLst>
               <a:ext uri="{FF2B5EF4-FFF2-40B4-BE49-F238E27FC236}">
-                <a16:creationId xmlns:a16="http://schemas.microsoft.com/office/drawing/2014/main" xmlns="" id="{3B07899A-BEFE-411B-80F0-B1F1203CAF79}"/>
+                <a16:creationId xmlns="" xmlns:a16="http://schemas.microsoft.com/office/drawing/2014/main" id="{3B07899A-BEFE-411B-80F0-B1F1203CAF79}"/>
               </a:ext>
             </a:extLst>
           </p:cNvPr>
@@ -29921,7 +29860,7 @@
           <p:cNvPr id="32" name="椭圆 31">
             <a:extLst>
               <a:ext uri="{FF2B5EF4-FFF2-40B4-BE49-F238E27FC236}">
-                <a16:creationId xmlns:a16="http://schemas.microsoft.com/office/drawing/2014/main" xmlns="" id="{8E146F45-5E79-431F-AE2D-E8D938E2AE30}"/>
+                <a16:creationId xmlns="" xmlns:a16="http://schemas.microsoft.com/office/drawing/2014/main" id="{8E146F45-5E79-431F-AE2D-E8D938E2AE30}"/>
               </a:ext>
             </a:extLst>
           </p:cNvPr>
@@ -29975,7 +29914,7 @@
           <p:cNvPr id="33" name="椭圆 32">
             <a:extLst>
               <a:ext uri="{FF2B5EF4-FFF2-40B4-BE49-F238E27FC236}">
-                <a16:creationId xmlns:a16="http://schemas.microsoft.com/office/drawing/2014/main" xmlns="" id="{67D28EC8-FAC6-4D9C-A689-EC09A31595AF}"/>
+                <a16:creationId xmlns="" xmlns:a16="http://schemas.microsoft.com/office/drawing/2014/main" id="{67D28EC8-FAC6-4D9C-A689-EC09A31595AF}"/>
               </a:ext>
             </a:extLst>
           </p:cNvPr>
@@ -30032,7 +29971,7 @@
           <p:cNvPr id="34" name="椭圆 33">
             <a:extLst>
               <a:ext uri="{FF2B5EF4-FFF2-40B4-BE49-F238E27FC236}">
-                <a16:creationId xmlns:a16="http://schemas.microsoft.com/office/drawing/2014/main" xmlns="" id="{9F3AFC74-0413-4D11-B73A-701636BA1C2F}"/>
+                <a16:creationId xmlns="" xmlns:a16="http://schemas.microsoft.com/office/drawing/2014/main" id="{9F3AFC74-0413-4D11-B73A-701636BA1C2F}"/>
               </a:ext>
             </a:extLst>
           </p:cNvPr>
@@ -30086,7 +30025,7 @@
           <p:cNvPr id="35" name="椭圆 34">
             <a:extLst>
               <a:ext uri="{FF2B5EF4-FFF2-40B4-BE49-F238E27FC236}">
-                <a16:creationId xmlns:a16="http://schemas.microsoft.com/office/drawing/2014/main" xmlns="" id="{492C6DC1-98AC-4C5B-873B-0FE63529C580}"/>
+                <a16:creationId xmlns="" xmlns:a16="http://schemas.microsoft.com/office/drawing/2014/main" id="{492C6DC1-98AC-4C5B-873B-0FE63529C580}"/>
               </a:ext>
             </a:extLst>
           </p:cNvPr>
@@ -30140,7 +30079,7 @@
           <p:cNvPr id="36" name="直接连接符 35">
             <a:extLst>
               <a:ext uri="{FF2B5EF4-FFF2-40B4-BE49-F238E27FC236}">
-                <a16:creationId xmlns:a16="http://schemas.microsoft.com/office/drawing/2014/main" xmlns="" id="{6971B428-D479-4672-BD8B-7F5D077D5D86}"/>
+                <a16:creationId xmlns="" xmlns:a16="http://schemas.microsoft.com/office/drawing/2014/main" id="{6971B428-D479-4672-BD8B-7F5D077D5D86}"/>
               </a:ext>
             </a:extLst>
           </p:cNvPr>
@@ -30184,7 +30123,7 @@
           <p:cNvPr id="37" name="椭圆 36">
             <a:extLst>
               <a:ext uri="{FF2B5EF4-FFF2-40B4-BE49-F238E27FC236}">
-                <a16:creationId xmlns:a16="http://schemas.microsoft.com/office/drawing/2014/main" xmlns="" id="{E40A54E8-E57E-4BE0-B84A-69974F4EA85A}"/>
+                <a16:creationId xmlns="" xmlns:a16="http://schemas.microsoft.com/office/drawing/2014/main" id="{E40A54E8-E57E-4BE0-B84A-69974F4EA85A}"/>
               </a:ext>
             </a:extLst>
           </p:cNvPr>
@@ -30238,7 +30177,7 @@
           <p:cNvPr id="38" name="直接连接符 37">
             <a:extLst>
               <a:ext uri="{FF2B5EF4-FFF2-40B4-BE49-F238E27FC236}">
-                <a16:creationId xmlns:a16="http://schemas.microsoft.com/office/drawing/2014/main" xmlns="" id="{DF7F0649-3C32-4EE4-9DC6-342077B0E1D8}"/>
+                <a16:creationId xmlns="" xmlns:a16="http://schemas.microsoft.com/office/drawing/2014/main" id="{DF7F0649-3C32-4EE4-9DC6-342077B0E1D8}"/>
               </a:ext>
             </a:extLst>
           </p:cNvPr>
@@ -30282,7 +30221,7 @@
           <p:cNvPr id="39" name="直接连接符 38">
             <a:extLst>
               <a:ext uri="{FF2B5EF4-FFF2-40B4-BE49-F238E27FC236}">
-                <a16:creationId xmlns:a16="http://schemas.microsoft.com/office/drawing/2014/main" xmlns="" id="{093EB3FB-ADF0-474A-B234-EF349901DC15}"/>
+                <a16:creationId xmlns="" xmlns:a16="http://schemas.microsoft.com/office/drawing/2014/main" id="{093EB3FB-ADF0-474A-B234-EF349901DC15}"/>
               </a:ext>
             </a:extLst>
           </p:cNvPr>
@@ -30326,7 +30265,7 @@
           <p:cNvPr id="40" name="椭圆 39">
             <a:extLst>
               <a:ext uri="{FF2B5EF4-FFF2-40B4-BE49-F238E27FC236}">
-                <a16:creationId xmlns:a16="http://schemas.microsoft.com/office/drawing/2014/main" xmlns="" id="{F13CD393-9278-4D9E-926E-A8B9B27E49C8}"/>
+                <a16:creationId xmlns="" xmlns:a16="http://schemas.microsoft.com/office/drawing/2014/main" id="{F13CD393-9278-4D9E-926E-A8B9B27E49C8}"/>
               </a:ext>
             </a:extLst>
           </p:cNvPr>
@@ -30383,7 +30322,7 @@
           <p:cNvPr id="41" name="直接连接符 40">
             <a:extLst>
               <a:ext uri="{FF2B5EF4-FFF2-40B4-BE49-F238E27FC236}">
-                <a16:creationId xmlns:a16="http://schemas.microsoft.com/office/drawing/2014/main" xmlns="" id="{192A6EEE-8490-42FF-8026-D3D66BD75940}"/>
+                <a16:creationId xmlns="" xmlns:a16="http://schemas.microsoft.com/office/drawing/2014/main" id="{192A6EEE-8490-42FF-8026-D3D66BD75940}"/>
               </a:ext>
             </a:extLst>
           </p:cNvPr>
@@ -30427,7 +30366,7 @@
           <p:cNvPr id="42" name="椭圆 41">
             <a:extLst>
               <a:ext uri="{FF2B5EF4-FFF2-40B4-BE49-F238E27FC236}">
-                <a16:creationId xmlns:a16="http://schemas.microsoft.com/office/drawing/2014/main" xmlns="" id="{B5136ACA-AD87-4183-ADB5-428C41FA7777}"/>
+                <a16:creationId xmlns="" xmlns:a16="http://schemas.microsoft.com/office/drawing/2014/main" id="{B5136ACA-AD87-4183-ADB5-428C41FA7777}"/>
               </a:ext>
             </a:extLst>
           </p:cNvPr>
@@ -30481,7 +30420,7 @@
           <p:cNvPr id="43" name="直接连接符 42">
             <a:extLst>
               <a:ext uri="{FF2B5EF4-FFF2-40B4-BE49-F238E27FC236}">
-                <a16:creationId xmlns:a16="http://schemas.microsoft.com/office/drawing/2014/main" xmlns="" id="{272C11AD-11A2-49C8-9292-7533203E68DD}"/>
+                <a16:creationId xmlns="" xmlns:a16="http://schemas.microsoft.com/office/drawing/2014/main" id="{272C11AD-11A2-49C8-9292-7533203E68DD}"/>
               </a:ext>
             </a:extLst>
           </p:cNvPr>
@@ -30525,7 +30464,7 @@
           <p:cNvPr id="44" name="椭圆 43">
             <a:extLst>
               <a:ext uri="{FF2B5EF4-FFF2-40B4-BE49-F238E27FC236}">
-                <a16:creationId xmlns:a16="http://schemas.microsoft.com/office/drawing/2014/main" xmlns="" id="{411E286E-649A-4CC9-A79E-B785F1A457EA}"/>
+                <a16:creationId xmlns="" xmlns:a16="http://schemas.microsoft.com/office/drawing/2014/main" id="{411E286E-649A-4CC9-A79E-B785F1A457EA}"/>
               </a:ext>
             </a:extLst>
           </p:cNvPr>
@@ -30582,7 +30521,7 @@
           <p:cNvPr id="45" name="直接连接符 44">
             <a:extLst>
               <a:ext uri="{FF2B5EF4-FFF2-40B4-BE49-F238E27FC236}">
-                <a16:creationId xmlns:a16="http://schemas.microsoft.com/office/drawing/2014/main" xmlns="" id="{4642B35E-2738-4B10-B77A-A1D1B45ED76B}"/>
+                <a16:creationId xmlns="" xmlns:a16="http://schemas.microsoft.com/office/drawing/2014/main" id="{4642B35E-2738-4B10-B77A-A1D1B45ED76B}"/>
               </a:ext>
             </a:extLst>
           </p:cNvPr>
@@ -30626,7 +30565,7 @@
           <p:cNvPr id="46" name="直接连接符 45">
             <a:extLst>
               <a:ext uri="{FF2B5EF4-FFF2-40B4-BE49-F238E27FC236}">
-                <a16:creationId xmlns:a16="http://schemas.microsoft.com/office/drawing/2014/main" xmlns="" id="{D9581555-6A2E-4C22-B026-C640417AD0E5}"/>
+                <a16:creationId xmlns="" xmlns:a16="http://schemas.microsoft.com/office/drawing/2014/main" id="{D9581555-6A2E-4C22-B026-C640417AD0E5}"/>
               </a:ext>
             </a:extLst>
           </p:cNvPr>
@@ -30670,7 +30609,7 @@
           <p:cNvPr id="47" name="直接连接符 46">
             <a:extLst>
               <a:ext uri="{FF2B5EF4-FFF2-40B4-BE49-F238E27FC236}">
-                <a16:creationId xmlns:a16="http://schemas.microsoft.com/office/drawing/2014/main" xmlns="" id="{BFDADB2E-A848-4A30-A321-0A9EF72DEE7A}"/>
+                <a16:creationId xmlns="" xmlns:a16="http://schemas.microsoft.com/office/drawing/2014/main" id="{BFDADB2E-A848-4A30-A321-0A9EF72DEE7A}"/>
               </a:ext>
             </a:extLst>
           </p:cNvPr>
@@ -30753,7 +30692,7 @@
           <a:lstStyle/>
           <a:p>
             <a:r>
-              <a:rPr lang="en-US" altLang="zh-CN" dirty="0" err="1">
+              <a:rPr lang="zh-CN" altLang="en-US" dirty="0" smtClean="0">
                 <a:solidFill>
                   <a:schemeClr val="tx1">
                     <a:lumMod val="75000"/>
@@ -30762,10 +30701,10 @@
                 </a:solidFill>
                 <a:latin typeface="+mn-ea"/>
               </a:rPr>
-              <a:t>Threejs</a:t>
-            </a:r>
-            <a:r>
-              <a:rPr lang="zh-CN" altLang="en-US" dirty="0">
+              <a:t>成品展示：</a:t>
+            </a:r>
+            <a:r>
+              <a:rPr lang="en-US" altLang="zh-CN" dirty="0">
                 <a:solidFill>
                   <a:schemeClr val="tx1">
                     <a:lumMod val="75000"/>
@@ -30773,11 +30712,12 @@
                   </a:schemeClr>
                 </a:solidFill>
                 <a:latin typeface="+mn-ea"/>
+                <a:hlinkClick r:id="rId2"/>
               </a:rPr>
-              <a:t>中文</a:t>
-            </a:r>
-            <a:r>
-              <a:rPr lang="zh-CN" altLang="en-US" dirty="0" smtClean="0">
+              <a:t>http://</a:t>
+            </a:r>
+            <a:r>
+              <a:rPr lang="en-US" altLang="zh-CN" dirty="0" smtClean="0">
                 <a:solidFill>
                   <a:schemeClr val="tx1">
                     <a:lumMod val="75000"/>
@@ -30785,11 +30725,34 @@
                   </a:schemeClr>
                 </a:solidFill>
                 <a:latin typeface="+mn-ea"/>
+                <a:hlinkClick r:id="rId2"/>
               </a:rPr>
-              <a:t>文档</a:t>
-            </a:r>
-            <a:r>
-              <a:rPr lang="en-US" altLang="zh-CN" dirty="0" smtClean="0">
+              <a:t>www.yanhuangxueyuan.com/3D/liangcang/index.html</a:t>
+            </a:r>
+            <a:endParaRPr lang="en-US" altLang="zh-CN" dirty="0" smtClean="0">
+              <a:solidFill>
+                <a:schemeClr val="tx1">
+                  <a:lumMod val="75000"/>
+                  <a:lumOff val="25000"/>
+                </a:schemeClr>
+              </a:solidFill>
+              <a:latin typeface="+mn-ea"/>
+            </a:endParaRPr>
+          </a:p>
+          <a:p>
+            <a:endParaRPr lang="en-US" altLang="zh-CN" dirty="0">
+              <a:solidFill>
+                <a:schemeClr val="tx1">
+                  <a:lumMod val="75000"/>
+                  <a:lumOff val="25000"/>
+                </a:schemeClr>
+              </a:solidFill>
+              <a:latin typeface="+mn-ea"/>
+            </a:endParaRPr>
+          </a:p>
+          <a:p>
+            <a:r>
+              <a:rPr lang="en-US" altLang="zh-CN" dirty="0" err="1" smtClean="0">
                 <a:solidFill>
                   <a:schemeClr val="tx1">
                     <a:lumMod val="75000"/>
@@ -30798,23 +30761,56 @@
                 </a:solidFill>
                 <a:latin typeface="+mn-ea"/>
               </a:rPr>
+              <a:t>Threejs</a:t>
+            </a:r>
+            <a:r>
+              <a:rPr lang="zh-CN" altLang="en-US" dirty="0">
+                <a:solidFill>
+                  <a:schemeClr val="tx1">
+                    <a:lumMod val="75000"/>
+                    <a:lumOff val="25000"/>
+                  </a:schemeClr>
+                </a:solidFill>
+                <a:latin typeface="+mn-ea"/>
+              </a:rPr>
+              <a:t>中文</a:t>
+            </a:r>
+            <a:r>
+              <a:rPr lang="zh-CN" altLang="en-US" dirty="0" smtClean="0">
+                <a:solidFill>
+                  <a:schemeClr val="tx1">
+                    <a:lumMod val="75000"/>
+                    <a:lumOff val="25000"/>
+                  </a:schemeClr>
+                </a:solidFill>
+                <a:latin typeface="+mn-ea"/>
+              </a:rPr>
+              <a:t>文档</a:t>
+            </a:r>
+            <a:r>
+              <a:rPr lang="en-US" altLang="zh-CN" dirty="0" smtClean="0">
+                <a:solidFill>
+                  <a:schemeClr val="tx1">
+                    <a:lumMod val="75000"/>
+                    <a:lumOff val="25000"/>
+                  </a:schemeClr>
+                </a:solidFill>
+                <a:latin typeface="+mn-ea"/>
+              </a:rPr>
               <a:t>: </a:t>
             </a:r>
             <a:r>
               <a:rPr lang="en-US" altLang="zh-CN" dirty="0">
-                <a:hlinkClick r:id="rId2"/>
+                <a:hlinkClick r:id="rId3"/>
               </a:rPr>
               <a:t>http://</a:t>
             </a:r>
             <a:r>
               <a:rPr lang="en-US" altLang="zh-CN" dirty="0" smtClean="0">
-                <a:hlinkClick r:id="rId2"/>
+                <a:hlinkClick r:id="rId3"/>
               </a:rPr>
               <a:t>www.yanhuangxueyuan.com/threejs/docs/index.html</a:t>
             </a:r>
-            <a:endParaRPr lang="en-US" altLang="zh-CN" dirty="0" smtClean="0"/>
-          </a:p>
-          <a:p>
             <a:endParaRPr lang="en-US" altLang="zh-CN" b="1" dirty="0" smtClean="0"/>
           </a:p>
           <a:p>
@@ -30831,13 +30827,13 @@
           <a:p>
             <a:r>
               <a:rPr lang="en-US" altLang="zh-CN" dirty="0">
-                <a:hlinkClick r:id="rId3"/>
+                <a:hlinkClick r:id="rId4"/>
               </a:rPr>
               <a:t>T</a:t>
             </a:r>
             <a:r>
               <a:rPr lang="en-US" altLang="zh-CN" dirty="0" smtClean="0">
-                <a:hlinkClick r:id="rId3"/>
+                <a:hlinkClick r:id="rId4"/>
               </a:rPr>
               <a:t>hree.js</a:t>
             </a:r>
@@ -30865,7 +30861,7 @@
             </a:r>
             <a:r>
               <a:rPr lang="en-US" altLang="zh-CN" dirty="0">
-                <a:hlinkClick r:id="rId4"/>
+                <a:hlinkClick r:id="rId5"/>
               </a:rPr>
               <a:t>http://www.yanhuangxueyuan.com/Three.js/</a:t>
             </a:r>
@@ -31139,7 +31135,7 @@
           <p:cNvPr id="9" name="矩形 8">
             <a:extLst>
               <a:ext uri="{FF2B5EF4-FFF2-40B4-BE49-F238E27FC236}">
-                <a16:creationId xmlns:a16="http://schemas.microsoft.com/office/drawing/2014/main" xmlns="" id="{82023C5A-002A-4D55-B6D9-BA77213D77D2}"/>
+                <a16:creationId xmlns="" xmlns:a16="http://schemas.microsoft.com/office/drawing/2014/main" id="{82023C5A-002A-4D55-B6D9-BA77213D77D2}"/>
               </a:ext>
             </a:extLst>
           </p:cNvPr>
@@ -31244,7 +31240,7 @@
           <p:cNvPr id="4" name="组合 3">
             <a:extLst>
               <a:ext uri="{FF2B5EF4-FFF2-40B4-BE49-F238E27FC236}">
-                <a16:creationId xmlns:a16="http://schemas.microsoft.com/office/drawing/2014/main" xmlns="" id="{6492F762-B648-4C6A-BCCD-DE814C95A84A}"/>
+                <a16:creationId xmlns="" xmlns:a16="http://schemas.microsoft.com/office/drawing/2014/main" id="{6492F762-B648-4C6A-BCCD-DE814C95A84A}"/>
               </a:ext>
             </a:extLst>
           </p:cNvPr>
@@ -31523,7 +31519,7 @@
           <p:cNvPr id="5" name="组合 4">
             <a:extLst>
               <a:ext uri="{FF2B5EF4-FFF2-40B4-BE49-F238E27FC236}">
-                <a16:creationId xmlns:a16="http://schemas.microsoft.com/office/drawing/2014/main" xmlns="" id="{B3B54D5C-DF23-4320-80C7-D5FDCC31C73E}"/>
+                <a16:creationId xmlns="" xmlns:a16="http://schemas.microsoft.com/office/drawing/2014/main" id="{B3B54D5C-DF23-4320-80C7-D5FDCC31C73E}"/>
               </a:ext>
             </a:extLst>
           </p:cNvPr>
@@ -31804,7 +31800,7 @@
           <p:cNvPr id="3" name="图片 2" descr="图片包含 户外艺术系列&#10;&#10;已生成高可信度的说明">
             <a:extLst>
               <a:ext uri="{FF2B5EF4-FFF2-40B4-BE49-F238E27FC236}">
-                <a16:creationId xmlns:a16="http://schemas.microsoft.com/office/drawing/2014/main" xmlns="" id="{ABA7B7BC-2EA9-4B48-9EC2-D10CCCF93649}"/>
+                <a16:creationId xmlns="" xmlns:a16="http://schemas.microsoft.com/office/drawing/2014/main" id="{ABA7B7BC-2EA9-4B48-9EC2-D10CCCF93649}"/>
               </a:ext>
             </a:extLst>
           </p:cNvPr>
@@ -31839,7 +31835,7 @@
           <p:cNvPr id="122" name="图片 121" descr="图片包含 户外艺术系列&#10;&#10;已生成高可信度的说明">
             <a:extLst>
               <a:ext uri="{FF2B5EF4-FFF2-40B4-BE49-F238E27FC236}">
-                <a16:creationId xmlns:a16="http://schemas.microsoft.com/office/drawing/2014/main" xmlns="" id="{3EA6A347-BDFB-419C-B6F7-63BF6CC4CAFC}"/>
+                <a16:creationId xmlns="" xmlns:a16="http://schemas.microsoft.com/office/drawing/2014/main" id="{3EA6A347-BDFB-419C-B6F7-63BF6CC4CAFC}"/>
               </a:ext>
             </a:extLst>
           </p:cNvPr>
@@ -31874,7 +31870,7 @@
           <p:cNvPr id="7" name="直接连接符 6">
             <a:extLst>
               <a:ext uri="{FF2B5EF4-FFF2-40B4-BE49-F238E27FC236}">
-                <a16:creationId xmlns:a16="http://schemas.microsoft.com/office/drawing/2014/main" xmlns="" id="{6A700B99-6065-4865-8C68-803D5763C6AA}"/>
+                <a16:creationId xmlns="" xmlns:a16="http://schemas.microsoft.com/office/drawing/2014/main" id="{6A700B99-6065-4865-8C68-803D5763C6AA}"/>
               </a:ext>
             </a:extLst>
           </p:cNvPr>
@@ -31958,7 +31954,7 @@
           <p:cNvPr id="6" name="图片 5" descr="图片包含 户外艺术系列&#10;&#10;已生成高可信度的说明">
             <a:extLst>
               <a:ext uri="{FF2B5EF4-FFF2-40B4-BE49-F238E27FC236}">
-                <a16:creationId xmlns:a16="http://schemas.microsoft.com/office/drawing/2014/main" xmlns="" id="{89D524ED-F1C6-411C-BF82-1FE0C3CECFC7}"/>
+                <a16:creationId xmlns="" xmlns:a16="http://schemas.microsoft.com/office/drawing/2014/main" id="{89D524ED-F1C6-411C-BF82-1FE0C3CECFC7}"/>
               </a:ext>
             </a:extLst>
           </p:cNvPr>
@@ -31994,7 +31990,7 @@
           <p:cNvPr id="11" name="矩形: 圆角 10">
             <a:extLst>
               <a:ext uri="{FF2B5EF4-FFF2-40B4-BE49-F238E27FC236}">
-                <a16:creationId xmlns:a16="http://schemas.microsoft.com/office/drawing/2014/main" xmlns="" id="{6BCFDEB3-66BB-40C4-8D11-4501056B03A6}"/>
+                <a16:creationId xmlns="" xmlns:a16="http://schemas.microsoft.com/office/drawing/2014/main" id="{6BCFDEB3-66BB-40C4-8D11-4501056B03A6}"/>
               </a:ext>
             </a:extLst>
           </p:cNvPr>
@@ -32055,7 +32051,7 @@
           <p:cNvPr id="2" name="文本框 1">
             <a:extLst>
               <a:ext uri="{FF2B5EF4-FFF2-40B4-BE49-F238E27FC236}">
-                <a16:creationId xmlns:a16="http://schemas.microsoft.com/office/drawing/2014/main" xmlns="" id="{F78FF481-D5DD-4D63-B7A7-27E254D01BB4}"/>
+                <a16:creationId xmlns="" xmlns:a16="http://schemas.microsoft.com/office/drawing/2014/main" id="{F78FF481-D5DD-4D63-B7A7-27E254D01BB4}"/>
               </a:ext>
             </a:extLst>
           </p:cNvPr>
@@ -32098,7 +32094,7 @@
           <p:cNvPr id="3" name="文本框 2">
             <a:extLst>
               <a:ext uri="{FF2B5EF4-FFF2-40B4-BE49-F238E27FC236}">
-                <a16:creationId xmlns:a16="http://schemas.microsoft.com/office/drawing/2014/main" xmlns="" id="{2A4B6A67-80A8-491C-9B75-F838BAA24AB8}"/>
+                <a16:creationId xmlns="" xmlns:a16="http://schemas.microsoft.com/office/drawing/2014/main" id="{2A4B6A67-80A8-491C-9B75-F838BAA24AB8}"/>
               </a:ext>
             </a:extLst>
           </p:cNvPr>
@@ -32139,7 +32135,7 @@
           <p:cNvPr id="4" name="文本框 3">
             <a:extLst>
               <a:ext uri="{FF2B5EF4-FFF2-40B4-BE49-F238E27FC236}">
-                <a16:creationId xmlns:a16="http://schemas.microsoft.com/office/drawing/2014/main" xmlns="" id="{D0EF4BBF-C2CD-4EB3-A920-99A3D31601CD}"/>
+                <a16:creationId xmlns="" xmlns:a16="http://schemas.microsoft.com/office/drawing/2014/main" id="{D0EF4BBF-C2CD-4EB3-A920-99A3D31601CD}"/>
               </a:ext>
             </a:extLst>
           </p:cNvPr>
@@ -32200,7 +32196,7 @@
           <p:cNvPr id="7" name="直接连接符 6">
             <a:extLst>
               <a:ext uri="{FF2B5EF4-FFF2-40B4-BE49-F238E27FC236}">
-                <a16:creationId xmlns:a16="http://schemas.microsoft.com/office/drawing/2014/main" xmlns="" id="{4000AD3B-46B8-4302-97C7-6AB34A88DFA6}"/>
+                <a16:creationId xmlns="" xmlns:a16="http://schemas.microsoft.com/office/drawing/2014/main" id="{4000AD3B-46B8-4302-97C7-6AB34A88DFA6}"/>
               </a:ext>
             </a:extLst>
           </p:cNvPr>
@@ -32243,7 +32239,7 @@
           <p:cNvPr id="10" name="组合 9">
             <a:extLst>
               <a:ext uri="{FF2B5EF4-FFF2-40B4-BE49-F238E27FC236}">
-                <a16:creationId xmlns:a16="http://schemas.microsoft.com/office/drawing/2014/main" xmlns="" id="{0A179309-4274-4AFB-96A6-CDF4D9704354}"/>
+                <a16:creationId xmlns="" xmlns:a16="http://schemas.microsoft.com/office/drawing/2014/main" id="{0A179309-4274-4AFB-96A6-CDF4D9704354}"/>
               </a:ext>
             </a:extLst>
           </p:cNvPr>
@@ -32263,7 +32259,7 @@
             <p:cNvPr id="13" name="直接连接符 12">
               <a:extLst>
                 <a:ext uri="{FF2B5EF4-FFF2-40B4-BE49-F238E27FC236}">
-                  <a16:creationId xmlns:a16="http://schemas.microsoft.com/office/drawing/2014/main" xmlns="" id="{3E1E71E1-150B-4EBB-ACA2-3809BDB92488}"/>
+                  <a16:creationId xmlns="" xmlns:a16="http://schemas.microsoft.com/office/drawing/2014/main" id="{3E1E71E1-150B-4EBB-ACA2-3809BDB92488}"/>
                 </a:ext>
               </a:extLst>
             </p:cNvPr>
@@ -32306,7 +32302,7 @@
             <p:cNvPr id="14" name="直接连接符 13">
               <a:extLst>
                 <a:ext uri="{FF2B5EF4-FFF2-40B4-BE49-F238E27FC236}">
-                  <a16:creationId xmlns:a16="http://schemas.microsoft.com/office/drawing/2014/main" xmlns="" id="{3644F1BB-7050-437B-A0D9-2C5C16232620}"/>
+                  <a16:creationId xmlns="" xmlns:a16="http://schemas.microsoft.com/office/drawing/2014/main" id="{3644F1BB-7050-437B-A0D9-2C5C16232620}"/>
                 </a:ext>
               </a:extLst>
             </p:cNvPr>
@@ -32349,7 +32345,7 @@
             <p:cNvPr id="15" name="直接连接符 14">
               <a:extLst>
                 <a:ext uri="{FF2B5EF4-FFF2-40B4-BE49-F238E27FC236}">
-                  <a16:creationId xmlns:a16="http://schemas.microsoft.com/office/drawing/2014/main" xmlns="" id="{A58349CB-A746-42FE-B196-071D1F66F4A6}"/>
+                  <a16:creationId xmlns="" xmlns:a16="http://schemas.microsoft.com/office/drawing/2014/main" id="{A58349CB-A746-42FE-B196-071D1F66F4A6}"/>
                 </a:ext>
               </a:extLst>
             </p:cNvPr>
@@ -32392,7 +32388,7 @@
             <p:cNvPr id="16" name="椭圆 15">
               <a:extLst>
                 <a:ext uri="{FF2B5EF4-FFF2-40B4-BE49-F238E27FC236}">
-                  <a16:creationId xmlns:a16="http://schemas.microsoft.com/office/drawing/2014/main" xmlns="" id="{1EA2E525-99FB-4DC3-85D4-E58FF0F0D4CB}"/>
+                  <a16:creationId xmlns="" xmlns:a16="http://schemas.microsoft.com/office/drawing/2014/main" id="{1EA2E525-99FB-4DC3-85D4-E58FF0F0D4CB}"/>
                 </a:ext>
               </a:extLst>
             </p:cNvPr>
@@ -32447,7 +32443,7 @@
             <p:cNvPr id="17" name="椭圆 16">
               <a:extLst>
                 <a:ext uri="{FF2B5EF4-FFF2-40B4-BE49-F238E27FC236}">
-                  <a16:creationId xmlns:a16="http://schemas.microsoft.com/office/drawing/2014/main" xmlns="" id="{3DA1CB48-5631-4E05-8CE8-88FAC410BB1B}"/>
+                  <a16:creationId xmlns="" xmlns:a16="http://schemas.microsoft.com/office/drawing/2014/main" id="{3DA1CB48-5631-4E05-8CE8-88FAC410BB1B}"/>
                 </a:ext>
               </a:extLst>
             </p:cNvPr>
@@ -32501,7 +32497,7 @@
             <p:cNvPr id="18" name="椭圆 17">
               <a:extLst>
                 <a:ext uri="{FF2B5EF4-FFF2-40B4-BE49-F238E27FC236}">
-                  <a16:creationId xmlns:a16="http://schemas.microsoft.com/office/drawing/2014/main" xmlns="" id="{292A36A2-19F3-40B6-80DB-E53E8B94E159}"/>
+                  <a16:creationId xmlns="" xmlns:a16="http://schemas.microsoft.com/office/drawing/2014/main" id="{292A36A2-19F3-40B6-80DB-E53E8B94E159}"/>
                 </a:ext>
               </a:extLst>
             </p:cNvPr>
@@ -32558,7 +32554,7 @@
           <p:cNvPr id="19" name="组合 18">
             <a:extLst>
               <a:ext uri="{FF2B5EF4-FFF2-40B4-BE49-F238E27FC236}">
-                <a16:creationId xmlns:a16="http://schemas.microsoft.com/office/drawing/2014/main" xmlns="" id="{54F5DAC7-1D40-43F9-9CFA-72281B05A6C2}"/>
+                <a16:creationId xmlns="" xmlns:a16="http://schemas.microsoft.com/office/drawing/2014/main" id="{54F5DAC7-1D40-43F9-9CFA-72281B05A6C2}"/>
               </a:ext>
             </a:extLst>
           </p:cNvPr>
@@ -32578,7 +32574,7 @@
             <p:cNvPr id="20" name="直接连接符 19">
               <a:extLst>
                 <a:ext uri="{FF2B5EF4-FFF2-40B4-BE49-F238E27FC236}">
-                  <a16:creationId xmlns:a16="http://schemas.microsoft.com/office/drawing/2014/main" xmlns="" id="{33C9463E-892C-4B04-92A8-B5F992BCAF1B}"/>
+                  <a16:creationId xmlns="" xmlns:a16="http://schemas.microsoft.com/office/drawing/2014/main" id="{33C9463E-892C-4B04-92A8-B5F992BCAF1B}"/>
                 </a:ext>
               </a:extLst>
             </p:cNvPr>
@@ -32621,7 +32617,7 @@
             <p:cNvPr id="21" name="直接连接符 20">
               <a:extLst>
                 <a:ext uri="{FF2B5EF4-FFF2-40B4-BE49-F238E27FC236}">
-                  <a16:creationId xmlns:a16="http://schemas.microsoft.com/office/drawing/2014/main" xmlns="" id="{DF8A5D8A-C7AA-4520-9F05-4E3EAB9A8BB5}"/>
+                  <a16:creationId xmlns="" xmlns:a16="http://schemas.microsoft.com/office/drawing/2014/main" id="{DF8A5D8A-C7AA-4520-9F05-4E3EAB9A8BB5}"/>
                 </a:ext>
               </a:extLst>
             </p:cNvPr>
@@ -32664,7 +32660,7 @@
             <p:cNvPr id="22" name="直接连接符 21">
               <a:extLst>
                 <a:ext uri="{FF2B5EF4-FFF2-40B4-BE49-F238E27FC236}">
-                  <a16:creationId xmlns:a16="http://schemas.microsoft.com/office/drawing/2014/main" xmlns="" id="{9997A725-A58B-4628-A8C3-E026E0A2203D}"/>
+                  <a16:creationId xmlns="" xmlns:a16="http://schemas.microsoft.com/office/drawing/2014/main" id="{9997A725-A58B-4628-A8C3-E026E0A2203D}"/>
                 </a:ext>
               </a:extLst>
             </p:cNvPr>
@@ -32707,7 +32703,7 @@
             <p:cNvPr id="23" name="椭圆 22">
               <a:extLst>
                 <a:ext uri="{FF2B5EF4-FFF2-40B4-BE49-F238E27FC236}">
-                  <a16:creationId xmlns:a16="http://schemas.microsoft.com/office/drawing/2014/main" xmlns="" id="{E4229617-E9A0-435F-BCAF-7E25DFAF9586}"/>
+                  <a16:creationId xmlns="" xmlns:a16="http://schemas.microsoft.com/office/drawing/2014/main" id="{E4229617-E9A0-435F-BCAF-7E25DFAF9586}"/>
                 </a:ext>
               </a:extLst>
             </p:cNvPr>
@@ -32762,7 +32758,7 @@
             <p:cNvPr id="24" name="椭圆 23">
               <a:extLst>
                 <a:ext uri="{FF2B5EF4-FFF2-40B4-BE49-F238E27FC236}">
-                  <a16:creationId xmlns:a16="http://schemas.microsoft.com/office/drawing/2014/main" xmlns="" id="{A93BFD55-5477-402D-8578-F79D81368B6D}"/>
+                  <a16:creationId xmlns="" xmlns:a16="http://schemas.microsoft.com/office/drawing/2014/main" id="{A93BFD55-5477-402D-8578-F79D81368B6D}"/>
                 </a:ext>
               </a:extLst>
             </p:cNvPr>
@@ -32816,7 +32812,7 @@
             <p:cNvPr id="25" name="椭圆 24">
               <a:extLst>
                 <a:ext uri="{FF2B5EF4-FFF2-40B4-BE49-F238E27FC236}">
-                  <a16:creationId xmlns:a16="http://schemas.microsoft.com/office/drawing/2014/main" xmlns="" id="{C5B85F38-CF17-4884-9D3E-DDDB8A7614DB}"/>
+                  <a16:creationId xmlns="" xmlns:a16="http://schemas.microsoft.com/office/drawing/2014/main" id="{C5B85F38-CF17-4884-9D3E-DDDB8A7614DB}"/>
                 </a:ext>
               </a:extLst>
             </p:cNvPr>
@@ -32873,7 +32869,7 @@
           <p:cNvPr id="26" name="组合 25">
             <a:extLst>
               <a:ext uri="{FF2B5EF4-FFF2-40B4-BE49-F238E27FC236}">
-                <a16:creationId xmlns:a16="http://schemas.microsoft.com/office/drawing/2014/main" xmlns="" id="{431F0BD9-69CB-4CCC-B8E7-0B7E6E6DEAEA}"/>
+                <a16:creationId xmlns="" xmlns:a16="http://schemas.microsoft.com/office/drawing/2014/main" id="{431F0BD9-69CB-4CCC-B8E7-0B7E6E6DEAEA}"/>
               </a:ext>
             </a:extLst>
           </p:cNvPr>
@@ -32893,7 +32889,7 @@
             <p:cNvPr id="27" name="直接连接符 26">
               <a:extLst>
                 <a:ext uri="{FF2B5EF4-FFF2-40B4-BE49-F238E27FC236}">
-                  <a16:creationId xmlns:a16="http://schemas.microsoft.com/office/drawing/2014/main" xmlns="" id="{2936E32B-E9DC-4E8A-B75F-1EED6707F551}"/>
+                  <a16:creationId xmlns="" xmlns:a16="http://schemas.microsoft.com/office/drawing/2014/main" id="{2936E32B-E9DC-4E8A-B75F-1EED6707F551}"/>
                 </a:ext>
               </a:extLst>
             </p:cNvPr>
@@ -32936,7 +32932,7 @@
             <p:cNvPr id="28" name="直接连接符 27">
               <a:extLst>
                 <a:ext uri="{FF2B5EF4-FFF2-40B4-BE49-F238E27FC236}">
-                  <a16:creationId xmlns:a16="http://schemas.microsoft.com/office/drawing/2014/main" xmlns="" id="{5BD51EE2-2913-4585-A666-E12E7B7BCDD3}"/>
+                  <a16:creationId xmlns="" xmlns:a16="http://schemas.microsoft.com/office/drawing/2014/main" id="{5BD51EE2-2913-4585-A666-E12E7B7BCDD3}"/>
                 </a:ext>
               </a:extLst>
             </p:cNvPr>
@@ -32979,7 +32975,7 @@
             <p:cNvPr id="29" name="直接连接符 28">
               <a:extLst>
                 <a:ext uri="{FF2B5EF4-FFF2-40B4-BE49-F238E27FC236}">
-                  <a16:creationId xmlns:a16="http://schemas.microsoft.com/office/drawing/2014/main" xmlns="" id="{26C1BA9E-834D-4534-8020-5E0F4B8ED7C2}"/>
+                  <a16:creationId xmlns="" xmlns:a16="http://schemas.microsoft.com/office/drawing/2014/main" id="{26C1BA9E-834D-4534-8020-5E0F4B8ED7C2}"/>
                 </a:ext>
               </a:extLst>
             </p:cNvPr>
@@ -33022,7 +33018,7 @@
             <p:cNvPr id="30" name="椭圆 29">
               <a:extLst>
                 <a:ext uri="{FF2B5EF4-FFF2-40B4-BE49-F238E27FC236}">
-                  <a16:creationId xmlns:a16="http://schemas.microsoft.com/office/drawing/2014/main" xmlns="" id="{9FFC6E8B-50CB-438D-8A6D-D449E71BB9CA}"/>
+                  <a16:creationId xmlns="" xmlns:a16="http://schemas.microsoft.com/office/drawing/2014/main" id="{9FFC6E8B-50CB-438D-8A6D-D449E71BB9CA}"/>
                 </a:ext>
               </a:extLst>
             </p:cNvPr>
@@ -33077,7 +33073,7 @@
             <p:cNvPr id="31" name="椭圆 30">
               <a:extLst>
                 <a:ext uri="{FF2B5EF4-FFF2-40B4-BE49-F238E27FC236}">
-                  <a16:creationId xmlns:a16="http://schemas.microsoft.com/office/drawing/2014/main" xmlns="" id="{D4744B69-2504-4E39-B7BE-7ED83650C6CE}"/>
+                  <a16:creationId xmlns="" xmlns:a16="http://schemas.microsoft.com/office/drawing/2014/main" id="{D4744B69-2504-4E39-B7BE-7ED83650C6CE}"/>
                 </a:ext>
               </a:extLst>
             </p:cNvPr>
@@ -33131,7 +33127,7 @@
             <p:cNvPr id="32" name="椭圆 31">
               <a:extLst>
                 <a:ext uri="{FF2B5EF4-FFF2-40B4-BE49-F238E27FC236}">
-                  <a16:creationId xmlns:a16="http://schemas.microsoft.com/office/drawing/2014/main" xmlns="" id="{FC9A2361-C803-4CB7-93E4-70AD38516113}"/>
+                  <a16:creationId xmlns="" xmlns:a16="http://schemas.microsoft.com/office/drawing/2014/main" id="{FC9A2361-C803-4CB7-93E4-70AD38516113}"/>
                 </a:ext>
               </a:extLst>
             </p:cNvPr>
@@ -33235,7 +33231,7 @@
           </a:ln>
           <a:extLst>
             <a:ext uri="{C572A759-6A51-4108-AA02-DFA0A04FC94B}">
-              <ma14:wrappingTextBoxFlag xmlns:ma14="http://schemas.microsoft.com/office/mac/drawingml/2011/main" xmlns="" val="1"/>
+              <ma14:wrappingTextBoxFlag xmlns="" xmlns:ma14="http://schemas.microsoft.com/office/mac/drawingml/2011/main" val="1"/>
             </a:ext>
           </a:extLst>
         </p:spPr>
@@ -33303,7 +33299,7 @@
           </a:ln>
           <a:extLst>
             <a:ext uri="{C572A759-6A51-4108-AA02-DFA0A04FC94B}">
-              <ma14:wrappingTextBoxFlag xmlns:ma14="http://schemas.microsoft.com/office/mac/drawingml/2011/main" xmlns="" val="1"/>
+              <ma14:wrappingTextBoxFlag xmlns="" xmlns:ma14="http://schemas.microsoft.com/office/mac/drawingml/2011/main" val="1"/>
             </a:ext>
           </a:extLst>
         </p:spPr>
@@ -33365,7 +33361,7 @@
           <p:cNvPr id="17" name="组合 16">
             <a:extLst>
               <a:ext uri="{FF2B5EF4-FFF2-40B4-BE49-F238E27FC236}">
-                <a16:creationId xmlns:a16="http://schemas.microsoft.com/office/drawing/2014/main" xmlns="" id="{37C933BA-2473-4CDC-A5E4-A44C629C23D8}"/>
+                <a16:creationId xmlns="" xmlns:a16="http://schemas.microsoft.com/office/drawing/2014/main" id="{37C933BA-2473-4CDC-A5E4-A44C629C23D8}"/>
               </a:ext>
             </a:extLst>
           </p:cNvPr>
@@ -33385,7 +33381,7 @@
             <p:cNvPr id="18" name="文本框 17">
               <a:extLst>
                 <a:ext uri="{FF2B5EF4-FFF2-40B4-BE49-F238E27FC236}">
-                  <a16:creationId xmlns:a16="http://schemas.microsoft.com/office/drawing/2014/main" xmlns="" id="{16DA8A1E-64FC-4810-80E3-D177285D8773}"/>
+                  <a16:creationId xmlns="" xmlns:a16="http://schemas.microsoft.com/office/drawing/2014/main" id="{16DA8A1E-64FC-4810-80E3-D177285D8773}"/>
                 </a:ext>
               </a:extLst>
             </p:cNvPr>
@@ -33489,7 +33485,7 @@
             <p:cNvPr id="19" name="文本框 18">
               <a:extLst>
                 <a:ext uri="{FF2B5EF4-FFF2-40B4-BE49-F238E27FC236}">
-                  <a16:creationId xmlns:a16="http://schemas.microsoft.com/office/drawing/2014/main" xmlns="" id="{D028F3A2-F8BE-4FF3-AA43-1781C286E3E6}"/>
+                  <a16:creationId xmlns="" xmlns:a16="http://schemas.microsoft.com/office/drawing/2014/main" id="{D028F3A2-F8BE-4FF3-AA43-1781C286E3E6}"/>
                 </a:ext>
               </a:extLst>
             </p:cNvPr>
@@ -33557,7 +33553,7 @@
             <p:cNvPr id="20" name="矩形: 圆角 19">
               <a:extLst>
                 <a:ext uri="{FF2B5EF4-FFF2-40B4-BE49-F238E27FC236}">
-                  <a16:creationId xmlns:a16="http://schemas.microsoft.com/office/drawing/2014/main" xmlns="" id="{D155FC09-937B-45E9-9445-19C2930961C1}"/>
+                  <a16:creationId xmlns="" xmlns:a16="http://schemas.microsoft.com/office/drawing/2014/main" id="{D155FC09-937B-45E9-9445-19C2930961C1}"/>
                 </a:ext>
               </a:extLst>
             </p:cNvPr>
@@ -33630,7 +33626,7 @@
           <p:cNvPr id="22" name="文本框 21">
             <a:extLst>
               <a:ext uri="{FF2B5EF4-FFF2-40B4-BE49-F238E27FC236}">
-                <a16:creationId xmlns:a16="http://schemas.microsoft.com/office/drawing/2014/main" xmlns="" id="{3A22B194-448A-46EE-BC7E-5460EEA7EF82}"/>
+                <a16:creationId xmlns="" xmlns:a16="http://schemas.microsoft.com/office/drawing/2014/main" id="{3A22B194-448A-46EE-BC7E-5460EEA7EF82}"/>
               </a:ext>
             </a:extLst>
           </p:cNvPr>
@@ -33681,7 +33677,7 @@
           <p:cNvPr id="31" name="椭圆 30">
             <a:extLst>
               <a:ext uri="{FF2B5EF4-FFF2-40B4-BE49-F238E27FC236}">
-                <a16:creationId xmlns:a16="http://schemas.microsoft.com/office/drawing/2014/main" xmlns="" id="{3B07899A-BEFE-411B-80F0-B1F1203CAF79}"/>
+                <a16:creationId xmlns="" xmlns:a16="http://schemas.microsoft.com/office/drawing/2014/main" id="{3B07899A-BEFE-411B-80F0-B1F1203CAF79}"/>
               </a:ext>
             </a:extLst>
           </p:cNvPr>
@@ -33735,7 +33731,7 @@
           <p:cNvPr id="32" name="椭圆 31">
             <a:extLst>
               <a:ext uri="{FF2B5EF4-FFF2-40B4-BE49-F238E27FC236}">
-                <a16:creationId xmlns:a16="http://schemas.microsoft.com/office/drawing/2014/main" xmlns="" id="{8E146F45-5E79-431F-AE2D-E8D938E2AE30}"/>
+                <a16:creationId xmlns="" xmlns:a16="http://schemas.microsoft.com/office/drawing/2014/main" id="{8E146F45-5E79-431F-AE2D-E8D938E2AE30}"/>
               </a:ext>
             </a:extLst>
           </p:cNvPr>
@@ -33789,7 +33785,7 @@
           <p:cNvPr id="33" name="椭圆 32">
             <a:extLst>
               <a:ext uri="{FF2B5EF4-FFF2-40B4-BE49-F238E27FC236}">
-                <a16:creationId xmlns:a16="http://schemas.microsoft.com/office/drawing/2014/main" xmlns="" id="{67D28EC8-FAC6-4D9C-A689-EC09A31595AF}"/>
+                <a16:creationId xmlns="" xmlns:a16="http://schemas.microsoft.com/office/drawing/2014/main" id="{67D28EC8-FAC6-4D9C-A689-EC09A31595AF}"/>
               </a:ext>
             </a:extLst>
           </p:cNvPr>
@@ -33846,7 +33842,7 @@
           <p:cNvPr id="34" name="椭圆 33">
             <a:extLst>
               <a:ext uri="{FF2B5EF4-FFF2-40B4-BE49-F238E27FC236}">
-                <a16:creationId xmlns:a16="http://schemas.microsoft.com/office/drawing/2014/main" xmlns="" id="{9F3AFC74-0413-4D11-B73A-701636BA1C2F}"/>
+                <a16:creationId xmlns="" xmlns:a16="http://schemas.microsoft.com/office/drawing/2014/main" id="{9F3AFC74-0413-4D11-B73A-701636BA1C2F}"/>
               </a:ext>
             </a:extLst>
           </p:cNvPr>
@@ -33900,7 +33896,7 @@
           <p:cNvPr id="35" name="椭圆 34">
             <a:extLst>
               <a:ext uri="{FF2B5EF4-FFF2-40B4-BE49-F238E27FC236}">
-                <a16:creationId xmlns:a16="http://schemas.microsoft.com/office/drawing/2014/main" xmlns="" id="{492C6DC1-98AC-4C5B-873B-0FE63529C580}"/>
+                <a16:creationId xmlns="" xmlns:a16="http://schemas.microsoft.com/office/drawing/2014/main" id="{492C6DC1-98AC-4C5B-873B-0FE63529C580}"/>
               </a:ext>
             </a:extLst>
           </p:cNvPr>
@@ -33954,7 +33950,7 @@
           <p:cNvPr id="36" name="直接连接符 35">
             <a:extLst>
               <a:ext uri="{FF2B5EF4-FFF2-40B4-BE49-F238E27FC236}">
-                <a16:creationId xmlns:a16="http://schemas.microsoft.com/office/drawing/2014/main" xmlns="" id="{6971B428-D479-4672-BD8B-7F5D077D5D86}"/>
+                <a16:creationId xmlns="" xmlns:a16="http://schemas.microsoft.com/office/drawing/2014/main" id="{6971B428-D479-4672-BD8B-7F5D077D5D86}"/>
               </a:ext>
             </a:extLst>
           </p:cNvPr>
@@ -33998,7 +33994,7 @@
           <p:cNvPr id="37" name="椭圆 36">
             <a:extLst>
               <a:ext uri="{FF2B5EF4-FFF2-40B4-BE49-F238E27FC236}">
-                <a16:creationId xmlns:a16="http://schemas.microsoft.com/office/drawing/2014/main" xmlns="" id="{E40A54E8-E57E-4BE0-B84A-69974F4EA85A}"/>
+                <a16:creationId xmlns="" xmlns:a16="http://schemas.microsoft.com/office/drawing/2014/main" id="{E40A54E8-E57E-4BE0-B84A-69974F4EA85A}"/>
               </a:ext>
             </a:extLst>
           </p:cNvPr>
@@ -34052,7 +34048,7 @@
           <p:cNvPr id="38" name="直接连接符 37">
             <a:extLst>
               <a:ext uri="{FF2B5EF4-FFF2-40B4-BE49-F238E27FC236}">
-                <a16:creationId xmlns:a16="http://schemas.microsoft.com/office/drawing/2014/main" xmlns="" id="{DF7F0649-3C32-4EE4-9DC6-342077B0E1D8}"/>
+                <a16:creationId xmlns="" xmlns:a16="http://schemas.microsoft.com/office/drawing/2014/main" id="{DF7F0649-3C32-4EE4-9DC6-342077B0E1D8}"/>
               </a:ext>
             </a:extLst>
           </p:cNvPr>
@@ -34096,7 +34092,7 @@
           <p:cNvPr id="39" name="直接连接符 38">
             <a:extLst>
               <a:ext uri="{FF2B5EF4-FFF2-40B4-BE49-F238E27FC236}">
-                <a16:creationId xmlns:a16="http://schemas.microsoft.com/office/drawing/2014/main" xmlns="" id="{093EB3FB-ADF0-474A-B234-EF349901DC15}"/>
+                <a16:creationId xmlns="" xmlns:a16="http://schemas.microsoft.com/office/drawing/2014/main" id="{093EB3FB-ADF0-474A-B234-EF349901DC15}"/>
               </a:ext>
             </a:extLst>
           </p:cNvPr>
@@ -34140,7 +34136,7 @@
           <p:cNvPr id="40" name="椭圆 39">
             <a:extLst>
               <a:ext uri="{FF2B5EF4-FFF2-40B4-BE49-F238E27FC236}">
-                <a16:creationId xmlns:a16="http://schemas.microsoft.com/office/drawing/2014/main" xmlns="" id="{F13CD393-9278-4D9E-926E-A8B9B27E49C8}"/>
+                <a16:creationId xmlns="" xmlns:a16="http://schemas.microsoft.com/office/drawing/2014/main" id="{F13CD393-9278-4D9E-926E-A8B9B27E49C8}"/>
               </a:ext>
             </a:extLst>
           </p:cNvPr>
@@ -34197,7 +34193,7 @@
           <p:cNvPr id="41" name="直接连接符 40">
             <a:extLst>
               <a:ext uri="{FF2B5EF4-FFF2-40B4-BE49-F238E27FC236}">
-                <a16:creationId xmlns:a16="http://schemas.microsoft.com/office/drawing/2014/main" xmlns="" id="{192A6EEE-8490-42FF-8026-D3D66BD75940}"/>
+                <a16:creationId xmlns="" xmlns:a16="http://schemas.microsoft.com/office/drawing/2014/main" id="{192A6EEE-8490-42FF-8026-D3D66BD75940}"/>
               </a:ext>
             </a:extLst>
           </p:cNvPr>
@@ -34241,7 +34237,7 @@
           <p:cNvPr id="42" name="椭圆 41">
             <a:extLst>
               <a:ext uri="{FF2B5EF4-FFF2-40B4-BE49-F238E27FC236}">
-                <a16:creationId xmlns:a16="http://schemas.microsoft.com/office/drawing/2014/main" xmlns="" id="{B5136ACA-AD87-4183-ADB5-428C41FA7777}"/>
+                <a16:creationId xmlns="" xmlns:a16="http://schemas.microsoft.com/office/drawing/2014/main" id="{B5136ACA-AD87-4183-ADB5-428C41FA7777}"/>
               </a:ext>
             </a:extLst>
           </p:cNvPr>
@@ -34295,7 +34291,7 @@
           <p:cNvPr id="43" name="直接连接符 42">
             <a:extLst>
               <a:ext uri="{FF2B5EF4-FFF2-40B4-BE49-F238E27FC236}">
-                <a16:creationId xmlns:a16="http://schemas.microsoft.com/office/drawing/2014/main" xmlns="" id="{272C11AD-11A2-49C8-9292-7533203E68DD}"/>
+                <a16:creationId xmlns="" xmlns:a16="http://schemas.microsoft.com/office/drawing/2014/main" id="{272C11AD-11A2-49C8-9292-7533203E68DD}"/>
               </a:ext>
             </a:extLst>
           </p:cNvPr>
@@ -34339,7 +34335,7 @@
           <p:cNvPr id="44" name="椭圆 43">
             <a:extLst>
               <a:ext uri="{FF2B5EF4-FFF2-40B4-BE49-F238E27FC236}">
-                <a16:creationId xmlns:a16="http://schemas.microsoft.com/office/drawing/2014/main" xmlns="" id="{411E286E-649A-4CC9-A79E-B785F1A457EA}"/>
+                <a16:creationId xmlns="" xmlns:a16="http://schemas.microsoft.com/office/drawing/2014/main" id="{411E286E-649A-4CC9-A79E-B785F1A457EA}"/>
               </a:ext>
             </a:extLst>
           </p:cNvPr>
@@ -34396,7 +34392,7 @@
           <p:cNvPr id="45" name="直接连接符 44">
             <a:extLst>
               <a:ext uri="{FF2B5EF4-FFF2-40B4-BE49-F238E27FC236}">
-                <a16:creationId xmlns:a16="http://schemas.microsoft.com/office/drawing/2014/main" xmlns="" id="{4642B35E-2738-4B10-B77A-A1D1B45ED76B}"/>
+                <a16:creationId xmlns="" xmlns:a16="http://schemas.microsoft.com/office/drawing/2014/main" id="{4642B35E-2738-4B10-B77A-A1D1B45ED76B}"/>
               </a:ext>
             </a:extLst>
           </p:cNvPr>
@@ -34440,7 +34436,7 @@
           <p:cNvPr id="46" name="直接连接符 45">
             <a:extLst>
               <a:ext uri="{FF2B5EF4-FFF2-40B4-BE49-F238E27FC236}">
-                <a16:creationId xmlns:a16="http://schemas.microsoft.com/office/drawing/2014/main" xmlns="" id="{D9581555-6A2E-4C22-B026-C640417AD0E5}"/>
+                <a16:creationId xmlns="" xmlns:a16="http://schemas.microsoft.com/office/drawing/2014/main" id="{D9581555-6A2E-4C22-B026-C640417AD0E5}"/>
               </a:ext>
             </a:extLst>
           </p:cNvPr>
@@ -34484,7 +34480,7 @@
           <p:cNvPr id="47" name="直接连接符 46">
             <a:extLst>
               <a:ext uri="{FF2B5EF4-FFF2-40B4-BE49-F238E27FC236}">
-                <a16:creationId xmlns:a16="http://schemas.microsoft.com/office/drawing/2014/main" xmlns="" id="{BFDADB2E-A848-4A30-A321-0A9EF72DEE7A}"/>
+                <a16:creationId xmlns="" xmlns:a16="http://schemas.microsoft.com/office/drawing/2014/main" id="{BFDADB2E-A848-4A30-A321-0A9EF72DEE7A}"/>
               </a:ext>
             </a:extLst>
           </p:cNvPr>
@@ -34531,7 +34527,7 @@
         </p:nvSpPr>
         <p:spPr>
           <a:xfrm>
-            <a:off x="1017536" y="2364258"/>
+            <a:off x="1052298" y="2343489"/>
             <a:ext cx="9765793" cy="2388973"/>
           </a:xfrm>
           <a:prstGeom prst="rect">
@@ -34566,9 +34562,8 @@
           <a:bodyPr rtlCol="0" anchor="ctr"/>
           <a:lstStyle/>
           <a:p>
-            <a:pPr algn="ctr"/>
-            <a:r>
-              <a:rPr lang="en-US" altLang="zh-CN" dirty="0">
+            <a:r>
+              <a:rPr lang="en-US" altLang="zh-CN" dirty="0" smtClean="0">
                 <a:solidFill>
                   <a:schemeClr val="tx1">
                     <a:lumMod val="75000"/>
@@ -34580,7 +34575,7 @@
               <a:t>OpenGL</a:t>
             </a:r>
             <a:r>
-              <a:rPr lang="zh-CN" altLang="en-US" dirty="0">
+              <a:rPr lang="zh-CN" altLang="en-US" dirty="0" smtClean="0">
                 <a:solidFill>
                   <a:schemeClr val="tx1">
                     <a:lumMod val="75000"/>
@@ -34589,10 +34584,10 @@
                 </a:solidFill>
                 <a:latin typeface="+mn-ea"/>
               </a:rPr>
-              <a:t>（英语：</a:t>
-            </a:r>
-            <a:r>
-              <a:rPr lang="en-US" altLang="zh-CN" i="1" dirty="0">
+              <a:t>（</a:t>
+            </a:r>
+            <a:r>
+              <a:rPr lang="zh-CN" altLang="en-US" dirty="0">
                 <a:solidFill>
                   <a:schemeClr val="tx1">
                     <a:lumMod val="75000"/>
@@ -34601,10 +34596,10 @@
                 </a:solidFill>
                 <a:latin typeface="+mn-ea"/>
               </a:rPr>
-              <a:t>Open Graphics Library</a:t>
-            </a:r>
-            <a:r>
-              <a:rPr lang="zh-CN" altLang="en-US" dirty="0">
+              <a:t>英语：</a:t>
+            </a:r>
+            <a:r>
+              <a:rPr lang="en-US" altLang="zh-CN" i="1" dirty="0">
                 <a:solidFill>
                   <a:schemeClr val="tx1">
                     <a:lumMod val="75000"/>
@@ -34613,7 +34608,7 @@
                 </a:solidFill>
                 <a:latin typeface="+mn-ea"/>
               </a:rPr>
-              <a:t>，译名：开放图形库或者“开放式图形库”）是用于</a:t>
+              <a:t>Open Graphics Library</a:t>
             </a:r>
             <a:r>
               <a:rPr lang="zh-CN" altLang="en-US" dirty="0">
@@ -34624,12 +34619,11 @@
                   </a:schemeClr>
                 </a:solidFill>
                 <a:latin typeface="+mn-ea"/>
-                <a:hlinkClick r:id="rId2" tooltip="渲染"/>
               </a:rPr>
-              <a:t>渲染</a:t>
-            </a:r>
-            <a:r>
-              <a:rPr lang="en-US" altLang="zh-CN" dirty="0">
+              <a:t>，译名：开放图形库或者“开放式图形库”）是用于</a:t>
+            </a:r>
+            <a:r>
+              <a:rPr lang="zh-CN" altLang="en-US" dirty="0">
                 <a:solidFill>
                   <a:schemeClr val="tx1">
                     <a:lumMod val="75000"/>
@@ -34637,12 +34631,12 @@
                   </a:schemeClr>
                 </a:solidFill>
                 <a:latin typeface="+mn-ea"/>
-                <a:hlinkClick r:id="rId3" tooltip="二维计算机图形"/>
+                <a:hlinkClick r:id="rId2" tooltip="渲染"/>
               </a:rPr>
-              <a:t>2D</a:t>
-            </a:r>
-            <a:r>
-              <a:rPr lang="zh-CN" altLang="en-US" dirty="0">
+              <a:t>渲染</a:t>
+            </a:r>
+            <a:r>
+              <a:rPr lang="en-US" altLang="zh-CN" dirty="0">
                 <a:solidFill>
                   <a:schemeClr val="tx1">
                     <a:lumMod val="75000"/>
@@ -34650,11 +34644,12 @@
                   </a:schemeClr>
                 </a:solidFill>
                 <a:latin typeface="+mn-ea"/>
+                <a:hlinkClick r:id="rId3" tooltip="二维计算机图形"/>
               </a:rPr>
-              <a:t>、</a:t>
-            </a:r>
-            <a:r>
-              <a:rPr lang="en-US" altLang="zh-CN" dirty="0">
+              <a:t>2D</a:t>
+            </a:r>
+            <a:r>
+              <a:rPr lang="zh-CN" altLang="en-US" dirty="0">
                 <a:solidFill>
                   <a:schemeClr val="tx1">
                     <a:lumMod val="75000"/>
@@ -34662,12 +34657,11 @@
                   </a:schemeClr>
                 </a:solidFill>
                 <a:latin typeface="+mn-ea"/>
-                <a:hlinkClick r:id="rId4" tooltip="三维计算机图形"/>
               </a:rPr>
-              <a:t>3D</a:t>
-            </a:r>
-            <a:r>
-              <a:rPr lang="zh-CN" altLang="en-US" dirty="0">
+              <a:t>、</a:t>
+            </a:r>
+            <a:r>
+              <a:rPr lang="en-US" altLang="zh-CN" dirty="0">
                 <a:solidFill>
                   <a:schemeClr val="tx1">
                     <a:lumMod val="75000"/>
@@ -34675,9 +34669,9 @@
                   </a:schemeClr>
                 </a:solidFill>
                 <a:latin typeface="+mn-ea"/>
-                <a:hlinkClick r:id="rId5" tooltip="矢量图形"/>
+                <a:hlinkClick r:id="rId4" tooltip="三维计算机图形"/>
               </a:rPr>
-              <a:t>矢量图形</a:t>
+              <a:t>3D</a:t>
             </a:r>
             <a:r>
               <a:rPr lang="zh-CN" altLang="en-US" dirty="0">
@@ -34688,11 +34682,12 @@
                   </a:schemeClr>
                 </a:solidFill>
                 <a:latin typeface="+mn-ea"/>
+                <a:hlinkClick r:id="rId5" tooltip="矢量图形"/>
               </a:rPr>
-              <a:t>的跨</a:t>
-            </a:r>
-            <a:r>
-              <a:rPr lang="zh-CN" altLang="en-US" u="sng" dirty="0">
+              <a:t>矢量图形</a:t>
+            </a:r>
+            <a:r>
+              <a:rPr lang="zh-CN" altLang="en-US" dirty="0">
                 <a:solidFill>
                   <a:schemeClr val="tx1">
                     <a:lumMod val="75000"/>
@@ -34700,12 +34695,11 @@
                   </a:schemeClr>
                 </a:solidFill>
                 <a:latin typeface="+mn-ea"/>
-                <a:hlinkClick r:id="rId6" tooltip="编程语言"/>
               </a:rPr>
-              <a:t>语言</a:t>
-            </a:r>
-            <a:r>
-              <a:rPr lang="zh-CN" altLang="en-US" dirty="0">
+              <a:t>的跨</a:t>
+            </a:r>
+            <a:r>
+              <a:rPr lang="zh-CN" altLang="en-US" u="sng" dirty="0" smtClean="0">
                 <a:solidFill>
                   <a:schemeClr val="tx1">
                     <a:lumMod val="75000"/>
@@ -34713,11 +34707,12 @@
                   </a:schemeClr>
                 </a:solidFill>
                 <a:latin typeface="+mn-ea"/>
+                <a:hlinkClick r:id="rId6" tooltip="编程语言"/>
               </a:rPr>
-              <a:t>、</a:t>
-            </a:r>
-            <a:r>
-              <a:rPr lang="zh-CN" altLang="en-US" dirty="0">
+              <a:t>语言</a:t>
+            </a:r>
+            <a:r>
+              <a:rPr lang="zh-CN" altLang="en-US" u="sng" dirty="0" smtClean="0">
                 <a:solidFill>
                   <a:schemeClr val="tx1">
                     <a:lumMod val="75000"/>
@@ -34725,12 +34720,11 @@
                   </a:schemeClr>
                 </a:solidFill>
                 <a:latin typeface="+mn-ea"/>
-                <a:hlinkClick r:id="rId7" tooltip="跨平台"/>
               </a:rPr>
-              <a:t>跨平台</a:t>
-            </a:r>
-            <a:r>
-              <a:rPr lang="zh-CN" altLang="en-US" dirty="0">
+              <a:t>的</a:t>
+            </a:r>
+            <a:r>
+              <a:rPr lang="zh-CN" altLang="en-US" dirty="0" smtClean="0">
                 <a:solidFill>
                   <a:schemeClr val="tx1">
                     <a:lumMod val="75000"/>
@@ -34739,7 +34733,7 @@
                 </a:solidFill>
                 <a:latin typeface="+mn-ea"/>
               </a:rPr>
-              <a:t>的</a:t>
+              <a:t>、</a:t>
             </a:r>
             <a:r>
               <a:rPr lang="zh-CN" altLang="en-US" dirty="0">
@@ -34750,9 +34744,9 @@
                   </a:schemeClr>
                 </a:solidFill>
                 <a:latin typeface="+mn-ea"/>
-                <a:hlinkClick r:id="rId8" tooltip="应用程序编程接口"/>
+                <a:hlinkClick r:id="rId7" tooltip="跨平台"/>
               </a:rPr>
-              <a:t>应用程序编程接口</a:t>
+              <a:t>跨平台</a:t>
             </a:r>
             <a:r>
               <a:rPr lang="zh-CN" altLang="en-US" dirty="0">
@@ -34764,10 +34758,10 @@
                 </a:solidFill>
                 <a:latin typeface="+mn-ea"/>
               </a:rPr>
-              <a:t>（</a:t>
-            </a:r>
-            <a:r>
-              <a:rPr lang="en-US" altLang="zh-CN" dirty="0">
+              <a:t>的</a:t>
+            </a:r>
+            <a:r>
+              <a:rPr lang="zh-CN" altLang="en-US" dirty="0">
                 <a:solidFill>
                   <a:schemeClr val="tx1">
                     <a:lumMod val="75000"/>
@@ -34775,11 +34769,12 @@
                   </a:schemeClr>
                 </a:solidFill>
                 <a:latin typeface="+mn-ea"/>
+                <a:hlinkClick r:id="rId8" tooltip="应用程序编程接口"/>
               </a:rPr>
-              <a:t>API</a:t>
-            </a:r>
-            <a:r>
-              <a:rPr lang="zh-CN" altLang="en-US" dirty="0" smtClean="0">
+              <a:t>应用程序编程接口</a:t>
+            </a:r>
+            <a:r>
+              <a:rPr lang="zh-CN" altLang="en-US" dirty="0">
                 <a:solidFill>
                   <a:schemeClr val="tx1">
                     <a:lumMod val="75000"/>
@@ -34788,10 +34783,10 @@
                 </a:solidFill>
                 <a:latin typeface="+mn-ea"/>
               </a:rPr>
-              <a:t>），用来</a:t>
-            </a:r>
-            <a:r>
-              <a:rPr lang="zh-CN" altLang="en-US" dirty="0">
+              <a:t>（</a:t>
+            </a:r>
+            <a:r>
+              <a:rPr lang="en-US" altLang="zh-CN" dirty="0">
                 <a:solidFill>
                   <a:schemeClr val="tx1">
                     <a:lumMod val="75000"/>
@@ -34800,7 +34795,67 @@
                 </a:solidFill>
                 <a:latin typeface="+mn-ea"/>
               </a:rPr>
-              <a:t>从简单的图形比特绘制复杂的三维景象。</a:t>
+              <a:t>API</a:t>
+            </a:r>
+            <a:r>
+              <a:rPr lang="zh-CN" altLang="en-US" dirty="0">
+                <a:solidFill>
+                  <a:schemeClr val="tx1">
+                    <a:lumMod val="75000"/>
+                    <a:lumOff val="25000"/>
+                  </a:schemeClr>
+                </a:solidFill>
+                <a:latin typeface="+mn-ea"/>
+              </a:rPr>
+              <a:t>），这种接口通常用来与图形处理单元</a:t>
+            </a:r>
+            <a:r>
+              <a:rPr lang="en-US" altLang="zh-CN" dirty="0">
+                <a:solidFill>
+                  <a:schemeClr val="tx1">
+                    <a:lumMod val="75000"/>
+                    <a:lumOff val="25000"/>
+                  </a:schemeClr>
+                </a:solidFill>
+                <a:latin typeface="+mn-ea"/>
+              </a:rPr>
+              <a:t>(GPU)</a:t>
+            </a:r>
+            <a:r>
+              <a:rPr lang="zh-CN" altLang="en-US" dirty="0">
+                <a:solidFill>
+                  <a:schemeClr val="tx1">
+                    <a:lumMod val="75000"/>
+                    <a:lumOff val="25000"/>
+                  </a:schemeClr>
+                </a:solidFill>
+                <a:latin typeface="+mn-ea"/>
+              </a:rPr>
+              <a:t>交互</a:t>
+            </a:r>
+            <a:r>
+              <a:rPr lang="en-US" altLang="zh-CN" dirty="0">
+                <a:solidFill>
+                  <a:schemeClr val="tx1">
+                    <a:lumMod val="75000"/>
+                    <a:lumOff val="25000"/>
+                  </a:schemeClr>
+                </a:solidFill>
+                <a:latin typeface="+mn-ea"/>
+              </a:rPr>
+              <a:t>, </a:t>
+            </a:r>
+            <a:r>
+              <a:rPr lang="zh-CN" altLang="en-US" dirty="0">
+                <a:solidFill>
+                  <a:schemeClr val="tx1">
+                    <a:lumMod val="75000"/>
+                    <a:lumOff val="25000"/>
+                  </a:schemeClr>
+                </a:solidFill>
+                <a:latin typeface="+mn-ea"/>
+              </a:rPr>
+              <a:t>来达到硬件加速渲染的目的。</a:t>
             </a:r>
           </a:p>
         </p:txBody>
@@ -34855,7 +34910,7 @@
           </a:ln>
           <a:extLst>
             <a:ext uri="{C572A759-6A51-4108-AA02-DFA0A04FC94B}">
-              <ma14:wrappingTextBoxFlag xmlns:ma14="http://schemas.microsoft.com/office/mac/drawingml/2011/main" xmlns="" val="1"/>
+              <ma14:wrappingTextBoxFlag xmlns="" xmlns:ma14="http://schemas.microsoft.com/office/mac/drawingml/2011/main" val="1"/>
             </a:ext>
           </a:extLst>
         </p:spPr>
@@ -34923,7 +34978,7 @@
           </a:ln>
           <a:extLst>
             <a:ext uri="{C572A759-6A51-4108-AA02-DFA0A04FC94B}">
-              <ma14:wrappingTextBoxFlag xmlns:ma14="http://schemas.microsoft.com/office/mac/drawingml/2011/main" xmlns="" val="1"/>
+              <ma14:wrappingTextBoxFlag xmlns="" xmlns:ma14="http://schemas.microsoft.com/office/mac/drawingml/2011/main" val="1"/>
             </a:ext>
           </a:extLst>
         </p:spPr>
@@ -34985,7 +35040,7 @@
           <p:cNvPr id="17" name="组合 16">
             <a:extLst>
               <a:ext uri="{FF2B5EF4-FFF2-40B4-BE49-F238E27FC236}">
-                <a16:creationId xmlns:a16="http://schemas.microsoft.com/office/drawing/2014/main" xmlns="" id="{37C933BA-2473-4CDC-A5E4-A44C629C23D8}"/>
+                <a16:creationId xmlns="" xmlns:a16="http://schemas.microsoft.com/office/drawing/2014/main" id="{37C933BA-2473-4CDC-A5E4-A44C629C23D8}"/>
               </a:ext>
             </a:extLst>
           </p:cNvPr>
@@ -35005,7 +35060,7 @@
             <p:cNvPr id="18" name="文本框 17">
               <a:extLst>
                 <a:ext uri="{FF2B5EF4-FFF2-40B4-BE49-F238E27FC236}">
-                  <a16:creationId xmlns:a16="http://schemas.microsoft.com/office/drawing/2014/main" xmlns="" id="{16DA8A1E-64FC-4810-80E3-D177285D8773}"/>
+                  <a16:creationId xmlns="" xmlns:a16="http://schemas.microsoft.com/office/drawing/2014/main" id="{16DA8A1E-64FC-4810-80E3-D177285D8773}"/>
                 </a:ext>
               </a:extLst>
             </p:cNvPr>
@@ -35109,7 +35164,7 @@
             <p:cNvPr id="19" name="文本框 18">
               <a:extLst>
                 <a:ext uri="{FF2B5EF4-FFF2-40B4-BE49-F238E27FC236}">
-                  <a16:creationId xmlns:a16="http://schemas.microsoft.com/office/drawing/2014/main" xmlns="" id="{D028F3A2-F8BE-4FF3-AA43-1781C286E3E6}"/>
+                  <a16:creationId xmlns="" xmlns:a16="http://schemas.microsoft.com/office/drawing/2014/main" id="{D028F3A2-F8BE-4FF3-AA43-1781C286E3E6}"/>
                 </a:ext>
               </a:extLst>
             </p:cNvPr>
@@ -35177,7 +35232,7 @@
             <p:cNvPr id="20" name="矩形: 圆角 19">
               <a:extLst>
                 <a:ext uri="{FF2B5EF4-FFF2-40B4-BE49-F238E27FC236}">
-                  <a16:creationId xmlns:a16="http://schemas.microsoft.com/office/drawing/2014/main" xmlns="" id="{D155FC09-937B-45E9-9445-19C2930961C1}"/>
+                  <a16:creationId xmlns="" xmlns:a16="http://schemas.microsoft.com/office/drawing/2014/main" id="{D155FC09-937B-45E9-9445-19C2930961C1}"/>
                 </a:ext>
               </a:extLst>
             </p:cNvPr>
@@ -35250,7 +35305,7 @@
           <p:cNvPr id="22" name="文本框 21">
             <a:extLst>
               <a:ext uri="{FF2B5EF4-FFF2-40B4-BE49-F238E27FC236}">
-                <a16:creationId xmlns:a16="http://schemas.microsoft.com/office/drawing/2014/main" xmlns="" id="{3A22B194-448A-46EE-BC7E-5460EEA7EF82}"/>
+                <a16:creationId xmlns="" xmlns:a16="http://schemas.microsoft.com/office/drawing/2014/main" id="{3A22B194-448A-46EE-BC7E-5460EEA7EF82}"/>
               </a:ext>
             </a:extLst>
           </p:cNvPr>
@@ -35301,7 +35356,7 @@
           <p:cNvPr id="31" name="椭圆 30">
             <a:extLst>
               <a:ext uri="{FF2B5EF4-FFF2-40B4-BE49-F238E27FC236}">
-                <a16:creationId xmlns:a16="http://schemas.microsoft.com/office/drawing/2014/main" xmlns="" id="{3B07899A-BEFE-411B-80F0-B1F1203CAF79}"/>
+                <a16:creationId xmlns="" xmlns:a16="http://schemas.microsoft.com/office/drawing/2014/main" id="{3B07899A-BEFE-411B-80F0-B1F1203CAF79}"/>
               </a:ext>
             </a:extLst>
           </p:cNvPr>
@@ -35355,7 +35410,7 @@
           <p:cNvPr id="32" name="椭圆 31">
             <a:extLst>
               <a:ext uri="{FF2B5EF4-FFF2-40B4-BE49-F238E27FC236}">
-                <a16:creationId xmlns:a16="http://schemas.microsoft.com/office/drawing/2014/main" xmlns="" id="{8E146F45-5E79-431F-AE2D-E8D938E2AE30}"/>
+                <a16:creationId xmlns="" xmlns:a16="http://schemas.microsoft.com/office/drawing/2014/main" id="{8E146F45-5E79-431F-AE2D-E8D938E2AE30}"/>
               </a:ext>
             </a:extLst>
           </p:cNvPr>
@@ -35409,7 +35464,7 @@
           <p:cNvPr id="33" name="椭圆 32">
             <a:extLst>
               <a:ext uri="{FF2B5EF4-FFF2-40B4-BE49-F238E27FC236}">
-                <a16:creationId xmlns:a16="http://schemas.microsoft.com/office/drawing/2014/main" xmlns="" id="{67D28EC8-FAC6-4D9C-A689-EC09A31595AF}"/>
+                <a16:creationId xmlns="" xmlns:a16="http://schemas.microsoft.com/office/drawing/2014/main" id="{67D28EC8-FAC6-4D9C-A689-EC09A31595AF}"/>
               </a:ext>
             </a:extLst>
           </p:cNvPr>
@@ -35466,7 +35521,7 @@
           <p:cNvPr id="34" name="椭圆 33">
             <a:extLst>
               <a:ext uri="{FF2B5EF4-FFF2-40B4-BE49-F238E27FC236}">
-                <a16:creationId xmlns:a16="http://schemas.microsoft.com/office/drawing/2014/main" xmlns="" id="{9F3AFC74-0413-4D11-B73A-701636BA1C2F}"/>
+                <a16:creationId xmlns="" xmlns:a16="http://schemas.microsoft.com/office/drawing/2014/main" id="{9F3AFC74-0413-4D11-B73A-701636BA1C2F}"/>
               </a:ext>
             </a:extLst>
           </p:cNvPr>
@@ -35520,7 +35575,7 @@
           <p:cNvPr id="35" name="椭圆 34">
             <a:extLst>
               <a:ext uri="{FF2B5EF4-FFF2-40B4-BE49-F238E27FC236}">
-                <a16:creationId xmlns:a16="http://schemas.microsoft.com/office/drawing/2014/main" xmlns="" id="{492C6DC1-98AC-4C5B-873B-0FE63529C580}"/>
+                <a16:creationId xmlns="" xmlns:a16="http://schemas.microsoft.com/office/drawing/2014/main" id="{492C6DC1-98AC-4C5B-873B-0FE63529C580}"/>
               </a:ext>
             </a:extLst>
           </p:cNvPr>
@@ -35574,7 +35629,7 @@
           <p:cNvPr id="36" name="直接连接符 35">
             <a:extLst>
               <a:ext uri="{FF2B5EF4-FFF2-40B4-BE49-F238E27FC236}">
-                <a16:creationId xmlns:a16="http://schemas.microsoft.com/office/drawing/2014/main" xmlns="" id="{6971B428-D479-4672-BD8B-7F5D077D5D86}"/>
+                <a16:creationId xmlns="" xmlns:a16="http://schemas.microsoft.com/office/drawing/2014/main" id="{6971B428-D479-4672-BD8B-7F5D077D5D86}"/>
               </a:ext>
             </a:extLst>
           </p:cNvPr>
@@ -35618,7 +35673,7 @@
           <p:cNvPr id="37" name="椭圆 36">
             <a:extLst>
               <a:ext uri="{FF2B5EF4-FFF2-40B4-BE49-F238E27FC236}">
-                <a16:creationId xmlns:a16="http://schemas.microsoft.com/office/drawing/2014/main" xmlns="" id="{E40A54E8-E57E-4BE0-B84A-69974F4EA85A}"/>
+                <a16:creationId xmlns="" xmlns:a16="http://schemas.microsoft.com/office/drawing/2014/main" id="{E40A54E8-E57E-4BE0-B84A-69974F4EA85A}"/>
               </a:ext>
             </a:extLst>
           </p:cNvPr>
@@ -35672,7 +35727,7 @@
           <p:cNvPr id="38" name="直接连接符 37">
             <a:extLst>
               <a:ext uri="{FF2B5EF4-FFF2-40B4-BE49-F238E27FC236}">
-                <a16:creationId xmlns:a16="http://schemas.microsoft.com/office/drawing/2014/main" xmlns="" id="{DF7F0649-3C32-4EE4-9DC6-342077B0E1D8}"/>
+                <a16:creationId xmlns="" xmlns:a16="http://schemas.microsoft.com/office/drawing/2014/main" id="{DF7F0649-3C32-4EE4-9DC6-342077B0E1D8}"/>
               </a:ext>
             </a:extLst>
           </p:cNvPr>
@@ -35716,7 +35771,7 @@
           <p:cNvPr id="39" name="直接连接符 38">
             <a:extLst>
               <a:ext uri="{FF2B5EF4-FFF2-40B4-BE49-F238E27FC236}">
-                <a16:creationId xmlns:a16="http://schemas.microsoft.com/office/drawing/2014/main" xmlns="" id="{093EB3FB-ADF0-474A-B234-EF349901DC15}"/>
+                <a16:creationId xmlns="" xmlns:a16="http://schemas.microsoft.com/office/drawing/2014/main" id="{093EB3FB-ADF0-474A-B234-EF349901DC15}"/>
               </a:ext>
             </a:extLst>
           </p:cNvPr>
@@ -35760,7 +35815,7 @@
           <p:cNvPr id="40" name="椭圆 39">
             <a:extLst>
               <a:ext uri="{FF2B5EF4-FFF2-40B4-BE49-F238E27FC236}">
-                <a16:creationId xmlns:a16="http://schemas.microsoft.com/office/drawing/2014/main" xmlns="" id="{F13CD393-9278-4D9E-926E-A8B9B27E49C8}"/>
+                <a16:creationId xmlns="" xmlns:a16="http://schemas.microsoft.com/office/drawing/2014/main" id="{F13CD393-9278-4D9E-926E-A8B9B27E49C8}"/>
               </a:ext>
             </a:extLst>
           </p:cNvPr>
@@ -35817,7 +35872,7 @@
           <p:cNvPr id="41" name="直接连接符 40">
             <a:extLst>
               <a:ext uri="{FF2B5EF4-FFF2-40B4-BE49-F238E27FC236}">
-                <a16:creationId xmlns:a16="http://schemas.microsoft.com/office/drawing/2014/main" xmlns="" id="{192A6EEE-8490-42FF-8026-D3D66BD75940}"/>
+                <a16:creationId xmlns="" xmlns:a16="http://schemas.microsoft.com/office/drawing/2014/main" id="{192A6EEE-8490-42FF-8026-D3D66BD75940}"/>
               </a:ext>
             </a:extLst>
           </p:cNvPr>
@@ -35861,7 +35916,7 @@
           <p:cNvPr id="42" name="椭圆 41">
             <a:extLst>
               <a:ext uri="{FF2B5EF4-FFF2-40B4-BE49-F238E27FC236}">
-                <a16:creationId xmlns:a16="http://schemas.microsoft.com/office/drawing/2014/main" xmlns="" id="{B5136ACA-AD87-4183-ADB5-428C41FA7777}"/>
+                <a16:creationId xmlns="" xmlns:a16="http://schemas.microsoft.com/office/drawing/2014/main" id="{B5136ACA-AD87-4183-ADB5-428C41FA7777}"/>
               </a:ext>
             </a:extLst>
           </p:cNvPr>
@@ -35915,7 +35970,7 @@
           <p:cNvPr id="43" name="直接连接符 42">
             <a:extLst>
               <a:ext uri="{FF2B5EF4-FFF2-40B4-BE49-F238E27FC236}">
-                <a16:creationId xmlns:a16="http://schemas.microsoft.com/office/drawing/2014/main" xmlns="" id="{272C11AD-11A2-49C8-9292-7533203E68DD}"/>
+                <a16:creationId xmlns="" xmlns:a16="http://schemas.microsoft.com/office/drawing/2014/main" id="{272C11AD-11A2-49C8-9292-7533203E68DD}"/>
               </a:ext>
             </a:extLst>
           </p:cNvPr>
@@ -35959,7 +36014,7 @@
           <p:cNvPr id="44" name="椭圆 43">
             <a:extLst>
               <a:ext uri="{FF2B5EF4-FFF2-40B4-BE49-F238E27FC236}">
-                <a16:creationId xmlns:a16="http://schemas.microsoft.com/office/drawing/2014/main" xmlns="" id="{411E286E-649A-4CC9-A79E-B785F1A457EA}"/>
+                <a16:creationId xmlns="" xmlns:a16="http://schemas.microsoft.com/office/drawing/2014/main" id="{411E286E-649A-4CC9-A79E-B785F1A457EA}"/>
               </a:ext>
             </a:extLst>
           </p:cNvPr>
@@ -36016,7 +36071,7 @@
           <p:cNvPr id="45" name="直接连接符 44">
             <a:extLst>
               <a:ext uri="{FF2B5EF4-FFF2-40B4-BE49-F238E27FC236}">
-                <a16:creationId xmlns:a16="http://schemas.microsoft.com/office/drawing/2014/main" xmlns="" id="{4642B35E-2738-4B10-B77A-A1D1B45ED76B}"/>
+                <a16:creationId xmlns="" xmlns:a16="http://schemas.microsoft.com/office/drawing/2014/main" id="{4642B35E-2738-4B10-B77A-A1D1B45ED76B}"/>
               </a:ext>
             </a:extLst>
           </p:cNvPr>
@@ -36060,7 +36115,7 @@
           <p:cNvPr id="46" name="直接连接符 45">
             <a:extLst>
               <a:ext uri="{FF2B5EF4-FFF2-40B4-BE49-F238E27FC236}">
-                <a16:creationId xmlns:a16="http://schemas.microsoft.com/office/drawing/2014/main" xmlns="" id="{D9581555-6A2E-4C22-B026-C640417AD0E5}"/>
+                <a16:creationId xmlns="" xmlns:a16="http://schemas.microsoft.com/office/drawing/2014/main" id="{D9581555-6A2E-4C22-B026-C640417AD0E5}"/>
               </a:ext>
             </a:extLst>
           </p:cNvPr>
@@ -36104,7 +36159,7 @@
           <p:cNvPr id="47" name="直接连接符 46">
             <a:extLst>
               <a:ext uri="{FF2B5EF4-FFF2-40B4-BE49-F238E27FC236}">
-                <a16:creationId xmlns:a16="http://schemas.microsoft.com/office/drawing/2014/main" xmlns="" id="{BFDADB2E-A848-4A30-A321-0A9EF72DEE7A}"/>
+                <a16:creationId xmlns="" xmlns:a16="http://schemas.microsoft.com/office/drawing/2014/main" id="{BFDADB2E-A848-4A30-A321-0A9EF72DEE7A}"/>
               </a:ext>
             </a:extLst>
           </p:cNvPr>
@@ -36356,6 +36411,247 @@
                 </a:solidFill>
               </a:rPr>
               <a:t>元素中使用，提供硬件加速渲染。</a:t>
+            </a:r>
+            <a:endParaRPr lang="en-US" altLang="zh-CN" dirty="0" smtClean="0">
+              <a:solidFill>
+                <a:schemeClr val="tx1">
+                  <a:lumMod val="75000"/>
+                  <a:lumOff val="25000"/>
+                </a:schemeClr>
+              </a:solidFill>
+            </a:endParaRPr>
+          </a:p>
+          <a:p>
+            <a:r>
+              <a:rPr lang="en-US" altLang="zh-CN" dirty="0">
+                <a:solidFill>
+                  <a:schemeClr val="tx1">
+                    <a:lumMod val="75000"/>
+                    <a:lumOff val="25000"/>
+                  </a:schemeClr>
+                </a:solidFill>
+              </a:rPr>
+              <a:t> </a:t>
+            </a:r>
+            <a:r>
+              <a:rPr lang="en-US" altLang="zh-CN" dirty="0" smtClean="0">
+                <a:solidFill>
+                  <a:schemeClr val="tx1">
+                    <a:lumMod val="75000"/>
+                    <a:lumOff val="25000"/>
+                  </a:schemeClr>
+                </a:solidFill>
+              </a:rPr>
+              <a:t>     </a:t>
+            </a:r>
+            <a:r>
+              <a:rPr lang="zh-CN" altLang="en-US" dirty="0" smtClean="0">
+                <a:solidFill>
+                  <a:schemeClr val="tx1">
+                    <a:lumMod val="75000"/>
+                    <a:lumOff val="25000"/>
+                  </a:schemeClr>
+                </a:solidFill>
+              </a:rPr>
+              <a:t>类似的语言绑定还有</a:t>
+            </a:r>
+            <a:r>
+              <a:rPr lang="en-US" altLang="zh-CN" dirty="0" smtClean="0">
+                <a:solidFill>
+                  <a:schemeClr val="tx1">
+                    <a:lumMod val="75000"/>
+                    <a:lumOff val="25000"/>
+                  </a:schemeClr>
+                </a:solidFill>
+              </a:rPr>
+              <a:t>C</a:t>
+            </a:r>
+            <a:r>
+              <a:rPr lang="zh-CN" altLang="en-US" dirty="0" smtClean="0">
+                <a:solidFill>
+                  <a:schemeClr val="tx1">
+                    <a:lumMod val="75000"/>
+                    <a:lumOff val="25000"/>
+                  </a:schemeClr>
+                </a:solidFill>
+              </a:rPr>
+              <a:t>绑定的</a:t>
+            </a:r>
+            <a:r>
+              <a:rPr lang="en-US" altLang="zh-CN" dirty="0" smtClean="0">
+                <a:solidFill>
+                  <a:schemeClr val="tx1">
+                    <a:lumMod val="75000"/>
+                    <a:lumOff val="25000"/>
+                  </a:schemeClr>
+                </a:solidFill>
+              </a:rPr>
+              <a:t>WGL</a:t>
+            </a:r>
+            <a:r>
+              <a:rPr lang="zh-CN" altLang="en-US" dirty="0" smtClean="0">
+                <a:solidFill>
+                  <a:schemeClr val="tx1">
+                    <a:lumMod val="75000"/>
+                    <a:lumOff val="25000"/>
+                  </a:schemeClr>
+                </a:solidFill>
+              </a:rPr>
+              <a:t>，</a:t>
+            </a:r>
+            <a:r>
+              <a:rPr lang="en-US" altLang="zh-CN" dirty="0" smtClean="0">
+                <a:solidFill>
+                  <a:schemeClr val="tx1">
+                    <a:lumMod val="75000"/>
+                    <a:lumOff val="25000"/>
+                  </a:schemeClr>
+                </a:solidFill>
+              </a:rPr>
+              <a:t>GLX</a:t>
+            </a:r>
+            <a:r>
+              <a:rPr lang="zh-CN" altLang="en-US" dirty="0" smtClean="0">
+                <a:solidFill>
+                  <a:schemeClr val="tx1">
+                    <a:lumMod val="75000"/>
+                    <a:lumOff val="25000"/>
+                  </a:schemeClr>
+                </a:solidFill>
+              </a:rPr>
+              <a:t>和</a:t>
+            </a:r>
+            <a:r>
+              <a:rPr lang="en-US" altLang="zh-CN" dirty="0" smtClean="0">
+                <a:solidFill>
+                  <a:schemeClr val="tx1">
+                    <a:lumMod val="75000"/>
+                    <a:lumOff val="25000"/>
+                  </a:schemeClr>
+                </a:solidFill>
+              </a:rPr>
+              <a:t>CGL</a:t>
+            </a:r>
+            <a:r>
+              <a:rPr lang="zh-CN" altLang="en-US" dirty="0" smtClean="0">
+                <a:solidFill>
+                  <a:schemeClr val="tx1">
+                    <a:lumMod val="75000"/>
+                    <a:lumOff val="25000"/>
+                  </a:schemeClr>
+                </a:solidFill>
+              </a:rPr>
+              <a:t>。</a:t>
+            </a:r>
+            <a:r>
+              <a:rPr lang="en-US" altLang="zh-CN" dirty="0" smtClean="0">
+                <a:solidFill>
+                  <a:schemeClr val="tx1">
+                    <a:lumMod val="75000"/>
+                    <a:lumOff val="25000"/>
+                  </a:schemeClr>
+                </a:solidFill>
+              </a:rPr>
+              <a:t>iOS </a:t>
+            </a:r>
+            <a:r>
+              <a:rPr lang="zh-CN" altLang="en-US" dirty="0" smtClean="0">
+                <a:solidFill>
+                  <a:schemeClr val="tx1">
+                    <a:lumMod val="75000"/>
+                    <a:lumOff val="25000"/>
+                  </a:schemeClr>
+                </a:solidFill>
+              </a:rPr>
+              <a:t>提供的</a:t>
+            </a:r>
+            <a:r>
+              <a:rPr lang="en-US" altLang="zh-CN" dirty="0" smtClean="0">
+                <a:solidFill>
+                  <a:schemeClr val="tx1">
+                    <a:lumMod val="75000"/>
+                    <a:lumOff val="25000"/>
+                  </a:schemeClr>
+                </a:solidFill>
+              </a:rPr>
+              <a:t>C</a:t>
+            </a:r>
+            <a:r>
+              <a:rPr lang="zh-CN" altLang="en-US" dirty="0" smtClean="0">
+                <a:solidFill>
+                  <a:schemeClr val="tx1">
+                    <a:lumMod val="75000"/>
+                    <a:lumOff val="25000"/>
+                  </a:schemeClr>
+                </a:solidFill>
+              </a:rPr>
+              <a:t>绑定，</a:t>
+            </a:r>
+            <a:r>
+              <a:rPr lang="en-US" altLang="zh-CN" dirty="0" smtClean="0">
+                <a:solidFill>
+                  <a:schemeClr val="tx1">
+                    <a:lumMod val="75000"/>
+                    <a:lumOff val="25000"/>
+                  </a:schemeClr>
+                </a:solidFill>
+              </a:rPr>
+              <a:t>Android</a:t>
+            </a:r>
+            <a:r>
+              <a:rPr lang="zh-CN" altLang="en-US" dirty="0" smtClean="0">
+                <a:solidFill>
+                  <a:schemeClr val="tx1">
+                    <a:lumMod val="75000"/>
+                    <a:lumOff val="25000"/>
+                  </a:schemeClr>
+                </a:solidFill>
+              </a:rPr>
+              <a:t>提供的</a:t>
+            </a:r>
+            <a:r>
+              <a:rPr lang="en-US" altLang="zh-CN" dirty="0" smtClean="0">
+                <a:solidFill>
+                  <a:schemeClr val="tx1">
+                    <a:lumMod val="75000"/>
+                    <a:lumOff val="25000"/>
+                  </a:schemeClr>
+                </a:solidFill>
+              </a:rPr>
+              <a:t>java</a:t>
+            </a:r>
+            <a:r>
+              <a:rPr lang="zh-CN" altLang="en-US" dirty="0" smtClean="0">
+                <a:solidFill>
+                  <a:schemeClr val="tx1">
+                    <a:lumMod val="75000"/>
+                    <a:lumOff val="25000"/>
+                  </a:schemeClr>
+                </a:solidFill>
+              </a:rPr>
+              <a:t>和</a:t>
+            </a:r>
+            <a:r>
+              <a:rPr lang="en-US" altLang="zh-CN" dirty="0" smtClean="0">
+                <a:solidFill>
+                  <a:schemeClr val="tx1">
+                    <a:lumMod val="75000"/>
+                    <a:lumOff val="25000"/>
+                  </a:schemeClr>
+                </a:solidFill>
+              </a:rPr>
+              <a:t>C</a:t>
+            </a:r>
+            <a:r>
+              <a:rPr lang="zh-CN" altLang="en-US" dirty="0" smtClean="0">
+                <a:solidFill>
+                  <a:schemeClr val="tx1">
+                    <a:lumMod val="75000"/>
+                    <a:lumOff val="25000"/>
+                  </a:schemeClr>
+                </a:solidFill>
+              </a:rPr>
+              <a:t>绑定。</a:t>
             </a:r>
             <a:endParaRPr lang="en-US" altLang="zh-CN" dirty="0" smtClean="0">
               <a:solidFill>
@@ -36429,7 +36725,7 @@
           </a:ln>
           <a:extLst>
             <a:ext uri="{C572A759-6A51-4108-AA02-DFA0A04FC94B}">
-              <ma14:wrappingTextBoxFlag xmlns:ma14="http://schemas.microsoft.com/office/mac/drawingml/2011/main" xmlns="" val="1"/>
+              <ma14:wrappingTextBoxFlag xmlns="" xmlns:ma14="http://schemas.microsoft.com/office/mac/drawingml/2011/main" val="1"/>
             </a:ext>
           </a:extLst>
         </p:spPr>
@@ -36497,7 +36793,7 @@
           </a:ln>
           <a:extLst>
             <a:ext uri="{C572A759-6A51-4108-AA02-DFA0A04FC94B}">
-              <ma14:wrappingTextBoxFlag xmlns:ma14="http://schemas.microsoft.com/office/mac/drawingml/2011/main" xmlns="" val="1"/>
+              <ma14:wrappingTextBoxFlag xmlns="" xmlns:ma14="http://schemas.microsoft.com/office/mac/drawingml/2011/main" val="1"/>
             </a:ext>
           </a:extLst>
         </p:spPr>
@@ -36559,7 +36855,7 @@
           <p:cNvPr id="17" name="组合 16">
             <a:extLst>
               <a:ext uri="{FF2B5EF4-FFF2-40B4-BE49-F238E27FC236}">
-                <a16:creationId xmlns:a16="http://schemas.microsoft.com/office/drawing/2014/main" xmlns="" id="{37C933BA-2473-4CDC-A5E4-A44C629C23D8}"/>
+                <a16:creationId xmlns="" xmlns:a16="http://schemas.microsoft.com/office/drawing/2014/main" id="{37C933BA-2473-4CDC-A5E4-A44C629C23D8}"/>
               </a:ext>
             </a:extLst>
           </p:cNvPr>
@@ -36579,7 +36875,7 @@
             <p:cNvPr id="18" name="文本框 17">
               <a:extLst>
                 <a:ext uri="{FF2B5EF4-FFF2-40B4-BE49-F238E27FC236}">
-                  <a16:creationId xmlns:a16="http://schemas.microsoft.com/office/drawing/2014/main" xmlns="" id="{16DA8A1E-64FC-4810-80E3-D177285D8773}"/>
+                  <a16:creationId xmlns="" xmlns:a16="http://schemas.microsoft.com/office/drawing/2014/main" id="{16DA8A1E-64FC-4810-80E3-D177285D8773}"/>
                 </a:ext>
               </a:extLst>
             </p:cNvPr>
@@ -36683,7 +36979,7 @@
             <p:cNvPr id="19" name="文本框 18">
               <a:extLst>
                 <a:ext uri="{FF2B5EF4-FFF2-40B4-BE49-F238E27FC236}">
-                  <a16:creationId xmlns:a16="http://schemas.microsoft.com/office/drawing/2014/main" xmlns="" id="{D028F3A2-F8BE-4FF3-AA43-1781C286E3E6}"/>
+                  <a16:creationId xmlns="" xmlns:a16="http://schemas.microsoft.com/office/drawing/2014/main" id="{D028F3A2-F8BE-4FF3-AA43-1781C286E3E6}"/>
                 </a:ext>
               </a:extLst>
             </p:cNvPr>
@@ -36751,7 +37047,7 @@
             <p:cNvPr id="20" name="矩形: 圆角 19">
               <a:extLst>
                 <a:ext uri="{FF2B5EF4-FFF2-40B4-BE49-F238E27FC236}">
-                  <a16:creationId xmlns:a16="http://schemas.microsoft.com/office/drawing/2014/main" xmlns="" id="{D155FC09-937B-45E9-9445-19C2930961C1}"/>
+                  <a16:creationId xmlns="" xmlns:a16="http://schemas.microsoft.com/office/drawing/2014/main" id="{D155FC09-937B-45E9-9445-19C2930961C1}"/>
                 </a:ext>
               </a:extLst>
             </p:cNvPr>
@@ -36824,7 +37120,7 @@
           <p:cNvPr id="22" name="文本框 21">
             <a:extLst>
               <a:ext uri="{FF2B5EF4-FFF2-40B4-BE49-F238E27FC236}">
-                <a16:creationId xmlns:a16="http://schemas.microsoft.com/office/drawing/2014/main" xmlns="" id="{3A22B194-448A-46EE-BC7E-5460EEA7EF82}"/>
+                <a16:creationId xmlns="" xmlns:a16="http://schemas.microsoft.com/office/drawing/2014/main" id="{3A22B194-448A-46EE-BC7E-5460EEA7EF82}"/>
               </a:ext>
             </a:extLst>
           </p:cNvPr>
@@ -36875,7 +37171,7 @@
           <p:cNvPr id="31" name="椭圆 30">
             <a:extLst>
               <a:ext uri="{FF2B5EF4-FFF2-40B4-BE49-F238E27FC236}">
-                <a16:creationId xmlns:a16="http://schemas.microsoft.com/office/drawing/2014/main" xmlns="" id="{3B07899A-BEFE-411B-80F0-B1F1203CAF79}"/>
+                <a16:creationId xmlns="" xmlns:a16="http://schemas.microsoft.com/office/drawing/2014/main" id="{3B07899A-BEFE-411B-80F0-B1F1203CAF79}"/>
               </a:ext>
             </a:extLst>
           </p:cNvPr>
@@ -36929,7 +37225,7 @@
           <p:cNvPr id="32" name="椭圆 31">
             <a:extLst>
               <a:ext uri="{FF2B5EF4-FFF2-40B4-BE49-F238E27FC236}">
-                <a16:creationId xmlns:a16="http://schemas.microsoft.com/office/drawing/2014/main" xmlns="" id="{8E146F45-5E79-431F-AE2D-E8D938E2AE30}"/>
+                <a16:creationId xmlns="" xmlns:a16="http://schemas.microsoft.com/office/drawing/2014/main" id="{8E146F45-5E79-431F-AE2D-E8D938E2AE30}"/>
               </a:ext>
             </a:extLst>
           </p:cNvPr>
@@ -36983,7 +37279,7 @@
           <p:cNvPr id="33" name="椭圆 32">
             <a:extLst>
               <a:ext uri="{FF2B5EF4-FFF2-40B4-BE49-F238E27FC236}">
-                <a16:creationId xmlns:a16="http://schemas.microsoft.com/office/drawing/2014/main" xmlns="" id="{67D28EC8-FAC6-4D9C-A689-EC09A31595AF}"/>
+                <a16:creationId xmlns="" xmlns:a16="http://schemas.microsoft.com/office/drawing/2014/main" id="{67D28EC8-FAC6-4D9C-A689-EC09A31595AF}"/>
               </a:ext>
             </a:extLst>
           </p:cNvPr>
@@ -37040,7 +37336,7 @@
           <p:cNvPr id="34" name="椭圆 33">
             <a:extLst>
               <a:ext uri="{FF2B5EF4-FFF2-40B4-BE49-F238E27FC236}">
-                <a16:creationId xmlns:a16="http://schemas.microsoft.com/office/drawing/2014/main" xmlns="" id="{9F3AFC74-0413-4D11-B73A-701636BA1C2F}"/>
+                <a16:creationId xmlns="" xmlns:a16="http://schemas.microsoft.com/office/drawing/2014/main" id="{9F3AFC74-0413-4D11-B73A-701636BA1C2F}"/>
               </a:ext>
             </a:extLst>
           </p:cNvPr>
@@ -37094,7 +37390,7 @@
           <p:cNvPr id="35" name="椭圆 34">
             <a:extLst>
               <a:ext uri="{FF2B5EF4-FFF2-40B4-BE49-F238E27FC236}">
-                <a16:creationId xmlns:a16="http://schemas.microsoft.com/office/drawing/2014/main" xmlns="" id="{492C6DC1-98AC-4C5B-873B-0FE63529C580}"/>
+                <a16:creationId xmlns="" xmlns:a16="http://schemas.microsoft.com/office/drawing/2014/main" id="{492C6DC1-98AC-4C5B-873B-0FE63529C580}"/>
               </a:ext>
             </a:extLst>
           </p:cNvPr>
@@ -37148,7 +37444,7 @@
           <p:cNvPr id="36" name="直接连接符 35">
             <a:extLst>
               <a:ext uri="{FF2B5EF4-FFF2-40B4-BE49-F238E27FC236}">
-                <a16:creationId xmlns:a16="http://schemas.microsoft.com/office/drawing/2014/main" xmlns="" id="{6971B428-D479-4672-BD8B-7F5D077D5D86}"/>
+                <a16:creationId xmlns="" xmlns:a16="http://schemas.microsoft.com/office/drawing/2014/main" id="{6971B428-D479-4672-BD8B-7F5D077D5D86}"/>
               </a:ext>
             </a:extLst>
           </p:cNvPr>
@@ -37192,7 +37488,7 @@
           <p:cNvPr id="37" name="椭圆 36">
             <a:extLst>
               <a:ext uri="{FF2B5EF4-FFF2-40B4-BE49-F238E27FC236}">
-                <a16:creationId xmlns:a16="http://schemas.microsoft.com/office/drawing/2014/main" xmlns="" id="{E40A54E8-E57E-4BE0-B84A-69974F4EA85A}"/>
+                <a16:creationId xmlns="" xmlns:a16="http://schemas.microsoft.com/office/drawing/2014/main" id="{E40A54E8-E57E-4BE0-B84A-69974F4EA85A}"/>
               </a:ext>
             </a:extLst>
           </p:cNvPr>
@@ -37246,7 +37542,7 @@
           <p:cNvPr id="38" name="直接连接符 37">
             <a:extLst>
               <a:ext uri="{FF2B5EF4-FFF2-40B4-BE49-F238E27FC236}">
-                <a16:creationId xmlns:a16="http://schemas.microsoft.com/office/drawing/2014/main" xmlns="" id="{DF7F0649-3C32-4EE4-9DC6-342077B0E1D8}"/>
+                <a16:creationId xmlns="" xmlns:a16="http://schemas.microsoft.com/office/drawing/2014/main" id="{DF7F0649-3C32-4EE4-9DC6-342077B0E1D8}"/>
               </a:ext>
             </a:extLst>
           </p:cNvPr>
@@ -37290,7 +37586,7 @@
           <p:cNvPr id="39" name="直接连接符 38">
             <a:extLst>
               <a:ext uri="{FF2B5EF4-FFF2-40B4-BE49-F238E27FC236}">
-                <a16:creationId xmlns:a16="http://schemas.microsoft.com/office/drawing/2014/main" xmlns="" id="{093EB3FB-ADF0-474A-B234-EF349901DC15}"/>
+                <a16:creationId xmlns="" xmlns:a16="http://schemas.microsoft.com/office/drawing/2014/main" id="{093EB3FB-ADF0-474A-B234-EF349901DC15}"/>
               </a:ext>
             </a:extLst>
           </p:cNvPr>
@@ -37334,7 +37630,7 @@
           <p:cNvPr id="40" name="椭圆 39">
             <a:extLst>
               <a:ext uri="{FF2B5EF4-FFF2-40B4-BE49-F238E27FC236}">
-                <a16:creationId xmlns:a16="http://schemas.microsoft.com/office/drawing/2014/main" xmlns="" id="{F13CD393-9278-4D9E-926E-A8B9B27E49C8}"/>
+                <a16:creationId xmlns="" xmlns:a16="http://schemas.microsoft.com/office/drawing/2014/main" id="{F13CD393-9278-4D9E-926E-A8B9B27E49C8}"/>
               </a:ext>
             </a:extLst>
           </p:cNvPr>
@@ -37391,7 +37687,7 @@
           <p:cNvPr id="41" name="直接连接符 40">
             <a:extLst>
               <a:ext uri="{FF2B5EF4-FFF2-40B4-BE49-F238E27FC236}">
-                <a16:creationId xmlns:a16="http://schemas.microsoft.com/office/drawing/2014/main" xmlns="" id="{192A6EEE-8490-42FF-8026-D3D66BD75940}"/>
+                <a16:creationId xmlns="" xmlns:a16="http://schemas.microsoft.com/office/drawing/2014/main" id="{192A6EEE-8490-42FF-8026-D3D66BD75940}"/>
               </a:ext>
             </a:extLst>
           </p:cNvPr>
@@ -37435,7 +37731,7 @@
           <p:cNvPr id="42" name="椭圆 41">
             <a:extLst>
               <a:ext uri="{FF2B5EF4-FFF2-40B4-BE49-F238E27FC236}">
-                <a16:creationId xmlns:a16="http://schemas.microsoft.com/office/drawing/2014/main" xmlns="" id="{B5136ACA-AD87-4183-ADB5-428C41FA7777}"/>
+                <a16:creationId xmlns="" xmlns:a16="http://schemas.microsoft.com/office/drawing/2014/main" id="{B5136ACA-AD87-4183-ADB5-428C41FA7777}"/>
               </a:ext>
             </a:extLst>
           </p:cNvPr>
@@ -37489,7 +37785,7 @@
           <p:cNvPr id="43" name="直接连接符 42">
             <a:extLst>
               <a:ext uri="{FF2B5EF4-FFF2-40B4-BE49-F238E27FC236}">
-                <a16:creationId xmlns:a16="http://schemas.microsoft.com/office/drawing/2014/main" xmlns="" id="{272C11AD-11A2-49C8-9292-7533203E68DD}"/>
+                <a16:creationId xmlns="" xmlns:a16="http://schemas.microsoft.com/office/drawing/2014/main" id="{272C11AD-11A2-49C8-9292-7533203E68DD}"/>
               </a:ext>
             </a:extLst>
           </p:cNvPr>
@@ -37533,7 +37829,7 @@
           <p:cNvPr id="44" name="椭圆 43">
             <a:extLst>
               <a:ext uri="{FF2B5EF4-FFF2-40B4-BE49-F238E27FC236}">
-                <a16:creationId xmlns:a16="http://schemas.microsoft.com/office/drawing/2014/main" xmlns="" id="{411E286E-649A-4CC9-A79E-B785F1A457EA}"/>
+                <a16:creationId xmlns="" xmlns:a16="http://schemas.microsoft.com/office/drawing/2014/main" id="{411E286E-649A-4CC9-A79E-B785F1A457EA}"/>
               </a:ext>
             </a:extLst>
           </p:cNvPr>
@@ -37590,7 +37886,7 @@
           <p:cNvPr id="45" name="直接连接符 44">
             <a:extLst>
               <a:ext uri="{FF2B5EF4-FFF2-40B4-BE49-F238E27FC236}">
-                <a16:creationId xmlns:a16="http://schemas.microsoft.com/office/drawing/2014/main" xmlns="" id="{4642B35E-2738-4B10-B77A-A1D1B45ED76B}"/>
+                <a16:creationId xmlns="" xmlns:a16="http://schemas.microsoft.com/office/drawing/2014/main" id="{4642B35E-2738-4B10-B77A-A1D1B45ED76B}"/>
               </a:ext>
             </a:extLst>
           </p:cNvPr>
@@ -37634,7 +37930,7 @@
           <p:cNvPr id="46" name="直接连接符 45">
             <a:extLst>
               <a:ext uri="{FF2B5EF4-FFF2-40B4-BE49-F238E27FC236}">
-                <a16:creationId xmlns:a16="http://schemas.microsoft.com/office/drawing/2014/main" xmlns="" id="{D9581555-6A2E-4C22-B026-C640417AD0E5}"/>
+                <a16:creationId xmlns="" xmlns:a16="http://schemas.microsoft.com/office/drawing/2014/main" id="{D9581555-6A2E-4C22-B026-C640417AD0E5}"/>
               </a:ext>
             </a:extLst>
           </p:cNvPr>
@@ -37678,7 +37974,7 @@
           <p:cNvPr id="47" name="直接连接符 46">
             <a:extLst>
               <a:ext uri="{FF2B5EF4-FFF2-40B4-BE49-F238E27FC236}">
-                <a16:creationId xmlns:a16="http://schemas.microsoft.com/office/drawing/2014/main" xmlns="" id="{BFDADB2E-A848-4A30-A321-0A9EF72DEE7A}"/>
+                <a16:creationId xmlns="" xmlns:a16="http://schemas.microsoft.com/office/drawing/2014/main" id="{BFDADB2E-A848-4A30-A321-0A9EF72DEE7A}"/>
               </a:ext>
             </a:extLst>
           </p:cNvPr>
@@ -37725,8 +38021,8 @@
         </p:nvSpPr>
         <p:spPr>
           <a:xfrm>
-            <a:off x="992396" y="2313541"/>
-            <a:ext cx="9765793" cy="2388973"/>
+            <a:off x="876640" y="2313541"/>
+            <a:ext cx="10543728" cy="3672508"/>
           </a:xfrm>
           <a:prstGeom prst="rect">
             <a:avLst/>
@@ -37818,29 +38114,57 @@
                 </a:solidFill>
                 <a:latin typeface="+mn-ea"/>
               </a:rPr>
-              <a:t>的渲染引擎，类似的还有</a:t>
-            </a:r>
-            <a:r>
-              <a:rPr lang="en-US" altLang="zh-CN" dirty="0" err="1" smtClean="0">
+              <a:t>的渲染引擎</a:t>
+            </a:r>
+            <a:endParaRPr lang="en-US" altLang="zh-CN" dirty="0" smtClean="0">
+              <a:solidFill>
+                <a:schemeClr val="tx1">
+                  <a:lumMod val="75000"/>
+                  <a:lumOff val="25000"/>
+                </a:schemeClr>
+              </a:solidFill>
+              <a:latin typeface="+mn-ea"/>
+            </a:endParaRPr>
+          </a:p>
+          <a:p>
+            <a:endParaRPr lang="en-US" altLang="zh-CN" dirty="0" smtClean="0">
+              <a:solidFill>
+                <a:schemeClr val="tx1">
+                  <a:lumMod val="75000"/>
+                  <a:lumOff val="25000"/>
+                </a:schemeClr>
+              </a:solidFill>
+            </a:endParaRPr>
+          </a:p>
+          <a:p>
+            <a:pPr>
+              <a:lnSpc>
+                <a:spcPct val="150000"/>
+              </a:lnSpc>
+            </a:pPr>
+            <a:r>
+              <a:rPr lang="en-US" altLang="zh-CN" dirty="0" smtClean="0">
                 <a:solidFill>
                   <a:schemeClr val="tx1">
                     <a:lumMod val="75000"/>
                     <a:lumOff val="25000"/>
                   </a:schemeClr>
                 </a:solidFill>
+                <a:latin typeface="+mn-ea"/>
               </a:rPr>
-              <a:t>BabylonJS</a:t>
-            </a:r>
-            <a:r>
-              <a:rPr lang="en-US" altLang="zh-CN" dirty="0" smtClean="0">
+              <a:t>        </a:t>
+            </a:r>
+            <a:r>
+              <a:rPr lang="en-US" altLang="zh-CN" dirty="0" err="1" smtClean="0">
                 <a:solidFill>
                   <a:schemeClr val="tx1">
                     <a:lumMod val="75000"/>
                     <a:lumOff val="25000"/>
                   </a:schemeClr>
                 </a:solidFill>
+                <a:latin typeface="+mn-ea"/>
               </a:rPr>
-              <a:t> </a:t>
+              <a:t>WebGL</a:t>
             </a:r>
             <a:r>
               <a:rPr lang="zh-CN" altLang="en-US" dirty="0" smtClean="0">
@@ -37850,9 +38174,26 @@
                     <a:lumOff val="25000"/>
                   </a:schemeClr>
                 </a:solidFill>
+                <a:latin typeface="+mn-ea"/>
               </a:rPr>
-              <a:t>、</a:t>
-            </a:r>
+              <a:t>框架和引擎按照定位可分成三类</a:t>
+            </a:r>
+            <a:endParaRPr lang="en-US" altLang="zh-CN" dirty="0" smtClean="0">
+              <a:solidFill>
+                <a:schemeClr val="tx1">
+                  <a:lumMod val="75000"/>
+                  <a:lumOff val="25000"/>
+                </a:schemeClr>
+              </a:solidFill>
+              <a:latin typeface="+mn-ea"/>
+            </a:endParaRPr>
+          </a:p>
+          <a:p>
+            <a:pPr>
+              <a:lnSpc>
+                <a:spcPct val="150000"/>
+              </a:lnSpc>
+            </a:pPr>
             <a:r>
               <a:rPr lang="en-US" altLang="zh-CN" dirty="0" smtClean="0">
                 <a:solidFill>
@@ -37861,9 +38202,9 @@
                     <a:lumOff val="25000"/>
                   </a:schemeClr>
                 </a:solidFill>
-                <a:hlinkClick r:id="rId2"/>
+                <a:latin typeface="+mn-ea"/>
               </a:rPr>
-              <a:t>egret3d</a:t>
+              <a:t>	1</a:t>
             </a:r>
             <a:r>
               <a:rPr lang="zh-CN" altLang="en-US" dirty="0" smtClean="0">
@@ -37873,8 +38214,329 @@
                     <a:lumOff val="25000"/>
                   </a:schemeClr>
                 </a:solidFill>
+                <a:latin typeface="+mn-ea"/>
               </a:rPr>
-              <a:t>等</a:t>
+              <a:t>、</a:t>
+            </a:r>
+            <a:r>
+              <a:rPr lang="en-US" altLang="zh-CN" dirty="0" err="1" smtClean="0">
+                <a:solidFill>
+                  <a:schemeClr val="tx1">
+                    <a:lumMod val="75000"/>
+                    <a:lumOff val="25000"/>
+                  </a:schemeClr>
+                </a:solidFill>
+                <a:latin typeface="+mn-ea"/>
+              </a:rPr>
+              <a:t>WebGL</a:t>
+            </a:r>
+            <a:r>
+              <a:rPr lang="zh-CN" altLang="en-US" dirty="0" smtClean="0">
+                <a:solidFill>
+                  <a:schemeClr val="tx1">
+                    <a:lumMod val="75000"/>
+                    <a:lumOff val="25000"/>
+                  </a:schemeClr>
+                </a:solidFill>
+                <a:latin typeface="+mn-ea"/>
+              </a:rPr>
+              <a:t>封装  简化</a:t>
+            </a:r>
+            <a:r>
+              <a:rPr lang="en-US" altLang="zh-CN" dirty="0" err="1" smtClean="0">
+                <a:solidFill>
+                  <a:schemeClr val="tx1">
+                    <a:lumMod val="75000"/>
+                    <a:lumOff val="25000"/>
+                  </a:schemeClr>
+                </a:solidFill>
+                <a:latin typeface="+mn-ea"/>
+              </a:rPr>
+              <a:t>WebGL</a:t>
+            </a:r>
+            <a:r>
+              <a:rPr lang="zh-CN" altLang="en-US" dirty="0" smtClean="0">
+                <a:solidFill>
+                  <a:schemeClr val="tx1">
+                    <a:lumMod val="75000"/>
+                    <a:lumOff val="25000"/>
+                  </a:schemeClr>
+                </a:solidFill>
+                <a:latin typeface="+mn-ea"/>
+              </a:rPr>
+              <a:t>的</a:t>
+            </a:r>
+            <a:r>
+              <a:rPr lang="en-US" altLang="zh-CN" dirty="0" smtClean="0">
+                <a:solidFill>
+                  <a:schemeClr val="tx1">
+                    <a:lumMod val="75000"/>
+                    <a:lumOff val="25000"/>
+                  </a:schemeClr>
+                </a:solidFill>
+                <a:latin typeface="+mn-ea"/>
+              </a:rPr>
+              <a:t>API </a:t>
+            </a:r>
+            <a:r>
+              <a:rPr lang="zh-CN" altLang="en-US" dirty="0" smtClean="0">
+                <a:solidFill>
+                  <a:schemeClr val="tx1">
+                    <a:lumMod val="75000"/>
+                    <a:lumOff val="25000"/>
+                  </a:schemeClr>
+                </a:solidFill>
+                <a:latin typeface="+mn-ea"/>
+              </a:rPr>
+              <a:t>（需要自己写</a:t>
+            </a:r>
+            <a:r>
+              <a:rPr lang="en-US" altLang="zh-CN" dirty="0" smtClean="0">
+                <a:solidFill>
+                  <a:schemeClr val="tx1">
+                    <a:lumMod val="75000"/>
+                    <a:lumOff val="25000"/>
+                  </a:schemeClr>
+                </a:solidFill>
+                <a:latin typeface="+mn-ea"/>
+              </a:rPr>
+              <a:t>GLSL</a:t>
+            </a:r>
+            <a:r>
+              <a:rPr lang="zh-CN" altLang="en-US" dirty="0" smtClean="0">
+                <a:solidFill>
+                  <a:schemeClr val="tx1">
+                    <a:lumMod val="75000"/>
+                    <a:lumOff val="25000"/>
+                  </a:schemeClr>
+                </a:solidFill>
+                <a:latin typeface="+mn-ea"/>
+              </a:rPr>
+              <a:t>（着色器）  例子 </a:t>
+            </a:r>
+            <a:r>
+              <a:rPr lang="en-US" altLang="zh-CN" dirty="0" smtClean="0">
+                <a:solidFill>
+                  <a:schemeClr val="tx1">
+                    <a:lumMod val="75000"/>
+                    <a:lumOff val="25000"/>
+                  </a:schemeClr>
+                </a:solidFill>
+                <a:latin typeface="+mn-ea"/>
+              </a:rPr>
+              <a:t>twgl.js</a:t>
+            </a:r>
+            <a:r>
+              <a:rPr lang="zh-CN" altLang="en-US" dirty="0" smtClean="0">
+                <a:solidFill>
+                  <a:schemeClr val="tx1">
+                    <a:lumMod val="75000"/>
+                    <a:lumOff val="25000"/>
+                  </a:schemeClr>
+                </a:solidFill>
+                <a:latin typeface="+mn-ea"/>
+              </a:rPr>
+              <a:t>、</a:t>
+            </a:r>
+            <a:r>
+              <a:rPr lang="en-US" altLang="zh-CN" dirty="0" err="1" smtClean="0">
+                <a:solidFill>
+                  <a:schemeClr val="tx1">
+                    <a:lumMod val="75000"/>
+                    <a:lumOff val="25000"/>
+                  </a:schemeClr>
+                </a:solidFill>
+                <a:latin typeface="+mn-ea"/>
+              </a:rPr>
+              <a:t>regl</a:t>
+            </a:r>
+            <a:endParaRPr lang="en-US" altLang="zh-CN" dirty="0" smtClean="0">
+              <a:solidFill>
+                <a:schemeClr val="tx1">
+                  <a:lumMod val="75000"/>
+                  <a:lumOff val="25000"/>
+                </a:schemeClr>
+              </a:solidFill>
+              <a:latin typeface="+mn-ea"/>
+            </a:endParaRPr>
+          </a:p>
+          <a:p>
+            <a:pPr>
+              <a:lnSpc>
+                <a:spcPct val="150000"/>
+              </a:lnSpc>
+            </a:pPr>
+            <a:r>
+              <a:rPr lang="en-US" altLang="zh-CN" dirty="0" smtClean="0">
+                <a:solidFill>
+                  <a:schemeClr val="tx1">
+                    <a:lumMod val="75000"/>
+                    <a:lumOff val="25000"/>
+                  </a:schemeClr>
+                </a:solidFill>
+                <a:latin typeface="+mn-ea"/>
+              </a:rPr>
+              <a:t>	2</a:t>
+            </a:r>
+            <a:r>
+              <a:rPr lang="zh-CN" altLang="en-US" dirty="0" smtClean="0">
+                <a:solidFill>
+                  <a:schemeClr val="tx1">
+                    <a:lumMod val="75000"/>
+                    <a:lumOff val="25000"/>
+                  </a:schemeClr>
+                </a:solidFill>
+                <a:latin typeface="+mn-ea"/>
+              </a:rPr>
+              <a:t>、渲染引擎   将矩阵变化封装 运行时自动生成</a:t>
+            </a:r>
+            <a:r>
+              <a:rPr lang="en-US" altLang="zh-CN" dirty="0" smtClean="0">
+                <a:solidFill>
+                  <a:schemeClr val="tx1">
+                    <a:lumMod val="75000"/>
+                    <a:lumOff val="25000"/>
+                  </a:schemeClr>
+                </a:solidFill>
+                <a:latin typeface="+mn-ea"/>
+              </a:rPr>
+              <a:t>GLSL  </a:t>
+            </a:r>
+            <a:r>
+              <a:rPr lang="zh-CN" altLang="en-US" dirty="0" smtClean="0">
+                <a:solidFill>
+                  <a:schemeClr val="tx1">
+                    <a:lumMod val="75000"/>
+                    <a:lumOff val="25000"/>
+                  </a:schemeClr>
+                </a:solidFill>
+                <a:latin typeface="+mn-ea"/>
+              </a:rPr>
+              <a:t>例子</a:t>
+            </a:r>
+            <a:r>
+              <a:rPr lang="en-US" altLang="zh-CN" dirty="0" err="1">
+                <a:solidFill>
+                  <a:schemeClr val="tx1">
+                    <a:lumMod val="75000"/>
+                    <a:lumOff val="25000"/>
+                  </a:schemeClr>
+                </a:solidFill>
+                <a:latin typeface="+mn-ea"/>
+              </a:rPr>
+              <a:t>Claygl</a:t>
+            </a:r>
+            <a:r>
+              <a:rPr lang="zh-CN" altLang="en-US" dirty="0" smtClean="0">
+                <a:solidFill>
+                  <a:schemeClr val="tx1">
+                    <a:lumMod val="75000"/>
+                    <a:lumOff val="25000"/>
+                  </a:schemeClr>
+                </a:solidFill>
+                <a:latin typeface="+mn-ea"/>
+              </a:rPr>
+              <a:t> </a:t>
+            </a:r>
+            <a:endParaRPr lang="en-US" altLang="zh-CN" dirty="0" smtClean="0">
+              <a:solidFill>
+                <a:schemeClr val="tx1">
+                  <a:lumMod val="75000"/>
+                  <a:lumOff val="25000"/>
+                </a:schemeClr>
+              </a:solidFill>
+              <a:latin typeface="+mn-ea"/>
+            </a:endParaRPr>
+          </a:p>
+          <a:p>
+            <a:pPr>
+              <a:lnSpc>
+                <a:spcPct val="150000"/>
+              </a:lnSpc>
+            </a:pPr>
+            <a:r>
+              <a:rPr lang="en-US" altLang="zh-CN" dirty="0" smtClean="0">
+                <a:solidFill>
+                  <a:schemeClr val="tx1">
+                    <a:lumMod val="75000"/>
+                    <a:lumOff val="25000"/>
+                  </a:schemeClr>
+                </a:solidFill>
+                <a:latin typeface="+mn-ea"/>
+              </a:rPr>
+              <a:t>	3</a:t>
+            </a:r>
+            <a:r>
+              <a:rPr lang="zh-CN" altLang="en-US" dirty="0" smtClean="0">
+                <a:solidFill>
+                  <a:schemeClr val="tx1">
+                    <a:lumMod val="75000"/>
+                    <a:lumOff val="25000"/>
+                  </a:schemeClr>
+                </a:solidFill>
+                <a:latin typeface="+mn-ea"/>
+              </a:rPr>
+              <a:t>、游戏引擎   在渲染器基础上增加面向游戏开发的功能   例子</a:t>
+            </a:r>
+            <a:r>
+              <a:rPr lang="en-US" altLang="zh-CN" dirty="0" err="1" smtClean="0">
+                <a:solidFill>
+                  <a:schemeClr val="tx1">
+                    <a:lumMod val="75000"/>
+                    <a:lumOff val="25000"/>
+                  </a:schemeClr>
+                </a:solidFill>
+                <a:latin typeface="+mn-ea"/>
+              </a:rPr>
+              <a:t>threeJS</a:t>
+            </a:r>
+            <a:r>
+              <a:rPr lang="zh-CN" altLang="en-US" dirty="0" smtClean="0">
+                <a:solidFill>
+                  <a:schemeClr val="tx1">
+                    <a:lumMod val="75000"/>
+                    <a:lumOff val="25000"/>
+                  </a:schemeClr>
+                </a:solidFill>
+                <a:latin typeface="+mn-ea"/>
+              </a:rPr>
+              <a:t>、</a:t>
+            </a:r>
+            <a:r>
+              <a:rPr lang="en-US" altLang="zh-CN" dirty="0" err="1" smtClean="0">
+                <a:solidFill>
+                  <a:schemeClr val="tx1">
+                    <a:lumMod val="75000"/>
+                    <a:lumOff val="25000"/>
+                  </a:schemeClr>
+                </a:solidFill>
+                <a:latin typeface="+mn-ea"/>
+              </a:rPr>
+              <a:t>BabylonJS</a:t>
+            </a:r>
+            <a:r>
+              <a:rPr lang="zh-CN" altLang="en-US" dirty="0" smtClean="0">
+                <a:solidFill>
+                  <a:schemeClr val="tx1">
+                    <a:lumMod val="75000"/>
+                    <a:lumOff val="25000"/>
+                  </a:schemeClr>
+                </a:solidFill>
+                <a:latin typeface="+mn-ea"/>
+              </a:rPr>
+              <a:t>、</a:t>
+            </a:r>
+            <a:r>
+              <a:rPr lang="en-US" altLang="zh-CN" dirty="0" err="1" smtClean="0">
+                <a:solidFill>
+                  <a:schemeClr val="tx1">
+                    <a:lumMod val="75000"/>
+                    <a:lumOff val="25000"/>
+                  </a:schemeClr>
+                </a:solidFill>
+                <a:latin typeface="+mn-ea"/>
+              </a:rPr>
+              <a:t>layaAir</a:t>
             </a:r>
             <a:endParaRPr lang="zh-CN" altLang="en-US" dirty="0">
               <a:solidFill>
@@ -38146,7 +38808,7 @@
           <p:cNvPr id="6" name="图片 5" descr="图片包含 户外艺术系列&#10;&#10;已生成高可信度的说明">
             <a:extLst>
               <a:ext uri="{FF2B5EF4-FFF2-40B4-BE49-F238E27FC236}">
-                <a16:creationId xmlns:a16="http://schemas.microsoft.com/office/drawing/2014/main" xmlns="" id="{89D524ED-F1C6-411C-BF82-1FE0C3CECFC7}"/>
+                <a16:creationId xmlns="" xmlns:a16="http://schemas.microsoft.com/office/drawing/2014/main" id="{89D524ED-F1C6-411C-BF82-1FE0C3CECFC7}"/>
               </a:ext>
             </a:extLst>
           </p:cNvPr>
@@ -38182,7 +38844,7 @@
           <p:cNvPr id="11" name="矩形: 圆角 10">
             <a:extLst>
               <a:ext uri="{FF2B5EF4-FFF2-40B4-BE49-F238E27FC236}">
-                <a16:creationId xmlns:a16="http://schemas.microsoft.com/office/drawing/2014/main" xmlns="" id="{6BCFDEB3-66BB-40C4-8D11-4501056B03A6}"/>
+                <a16:creationId xmlns="" xmlns:a16="http://schemas.microsoft.com/office/drawing/2014/main" id="{6BCFDEB3-66BB-40C4-8D11-4501056B03A6}"/>
               </a:ext>
             </a:extLst>
           </p:cNvPr>
@@ -38243,7 +38905,7 @@
           <p:cNvPr id="2" name="文本框 1">
             <a:extLst>
               <a:ext uri="{FF2B5EF4-FFF2-40B4-BE49-F238E27FC236}">
-                <a16:creationId xmlns:a16="http://schemas.microsoft.com/office/drawing/2014/main" xmlns="" id="{F78FF481-D5DD-4D63-B7A7-27E254D01BB4}"/>
+                <a16:creationId xmlns="" xmlns:a16="http://schemas.microsoft.com/office/drawing/2014/main" id="{F78FF481-D5DD-4D63-B7A7-27E254D01BB4}"/>
               </a:ext>
             </a:extLst>
           </p:cNvPr>
@@ -38286,7 +38948,7 @@
           <p:cNvPr id="3" name="文本框 2">
             <a:extLst>
               <a:ext uri="{FF2B5EF4-FFF2-40B4-BE49-F238E27FC236}">
-                <a16:creationId xmlns:a16="http://schemas.microsoft.com/office/drawing/2014/main" xmlns="" id="{2A4B6A67-80A8-491C-9B75-F838BAA24AB8}"/>
+                <a16:creationId xmlns="" xmlns:a16="http://schemas.microsoft.com/office/drawing/2014/main" id="{2A4B6A67-80A8-491C-9B75-F838BAA24AB8}"/>
               </a:ext>
             </a:extLst>
           </p:cNvPr>
@@ -38327,7 +38989,7 @@
           <p:cNvPr id="4" name="文本框 3">
             <a:extLst>
               <a:ext uri="{FF2B5EF4-FFF2-40B4-BE49-F238E27FC236}">
-                <a16:creationId xmlns:a16="http://schemas.microsoft.com/office/drawing/2014/main" xmlns="" id="{D0EF4BBF-C2CD-4EB3-A920-99A3D31601CD}"/>
+                <a16:creationId xmlns="" xmlns:a16="http://schemas.microsoft.com/office/drawing/2014/main" id="{D0EF4BBF-C2CD-4EB3-A920-99A3D31601CD}"/>
               </a:ext>
             </a:extLst>
           </p:cNvPr>
@@ -38388,7 +39050,7 @@
           <p:cNvPr id="7" name="直接连接符 6">
             <a:extLst>
               <a:ext uri="{FF2B5EF4-FFF2-40B4-BE49-F238E27FC236}">
-                <a16:creationId xmlns:a16="http://schemas.microsoft.com/office/drawing/2014/main" xmlns="" id="{4000AD3B-46B8-4302-97C7-6AB34A88DFA6}"/>
+                <a16:creationId xmlns="" xmlns:a16="http://schemas.microsoft.com/office/drawing/2014/main" id="{4000AD3B-46B8-4302-97C7-6AB34A88DFA6}"/>
               </a:ext>
             </a:extLst>
           </p:cNvPr>
@@ -38431,7 +39093,7 @@
           <p:cNvPr id="10" name="组合 9">
             <a:extLst>
               <a:ext uri="{FF2B5EF4-FFF2-40B4-BE49-F238E27FC236}">
-                <a16:creationId xmlns:a16="http://schemas.microsoft.com/office/drawing/2014/main" xmlns="" id="{0A179309-4274-4AFB-96A6-CDF4D9704354}"/>
+                <a16:creationId xmlns="" xmlns:a16="http://schemas.microsoft.com/office/drawing/2014/main" id="{0A179309-4274-4AFB-96A6-CDF4D9704354}"/>
               </a:ext>
             </a:extLst>
           </p:cNvPr>
@@ -38451,7 +39113,7 @@
             <p:cNvPr id="13" name="直接连接符 12">
               <a:extLst>
                 <a:ext uri="{FF2B5EF4-FFF2-40B4-BE49-F238E27FC236}">
-                  <a16:creationId xmlns:a16="http://schemas.microsoft.com/office/drawing/2014/main" xmlns="" id="{3E1E71E1-150B-4EBB-ACA2-3809BDB92488}"/>
+                  <a16:creationId xmlns="" xmlns:a16="http://schemas.microsoft.com/office/drawing/2014/main" id="{3E1E71E1-150B-4EBB-ACA2-3809BDB92488}"/>
                 </a:ext>
               </a:extLst>
             </p:cNvPr>
@@ -38494,7 +39156,7 @@
             <p:cNvPr id="14" name="直接连接符 13">
               <a:extLst>
                 <a:ext uri="{FF2B5EF4-FFF2-40B4-BE49-F238E27FC236}">
-                  <a16:creationId xmlns:a16="http://schemas.microsoft.com/office/drawing/2014/main" xmlns="" id="{3644F1BB-7050-437B-A0D9-2C5C16232620}"/>
+                  <a16:creationId xmlns="" xmlns:a16="http://schemas.microsoft.com/office/drawing/2014/main" id="{3644F1BB-7050-437B-A0D9-2C5C16232620}"/>
                 </a:ext>
               </a:extLst>
             </p:cNvPr>
@@ -38537,7 +39199,7 @@
             <p:cNvPr id="15" name="直接连接符 14">
               <a:extLst>
                 <a:ext uri="{FF2B5EF4-FFF2-40B4-BE49-F238E27FC236}">
-                  <a16:creationId xmlns:a16="http://schemas.microsoft.com/office/drawing/2014/main" xmlns="" id="{A58349CB-A746-42FE-B196-071D1F66F4A6}"/>
+                  <a16:creationId xmlns="" xmlns:a16="http://schemas.microsoft.com/office/drawing/2014/main" id="{A58349CB-A746-42FE-B196-071D1F66F4A6}"/>
                 </a:ext>
               </a:extLst>
             </p:cNvPr>
@@ -38580,7 +39242,7 @@
             <p:cNvPr id="16" name="椭圆 15">
               <a:extLst>
                 <a:ext uri="{FF2B5EF4-FFF2-40B4-BE49-F238E27FC236}">
-                  <a16:creationId xmlns:a16="http://schemas.microsoft.com/office/drawing/2014/main" xmlns="" id="{1EA2E525-99FB-4DC3-85D4-E58FF0F0D4CB}"/>
+                  <a16:creationId xmlns="" xmlns:a16="http://schemas.microsoft.com/office/drawing/2014/main" id="{1EA2E525-99FB-4DC3-85D4-E58FF0F0D4CB}"/>
                 </a:ext>
               </a:extLst>
             </p:cNvPr>
@@ -38635,7 +39297,7 @@
             <p:cNvPr id="17" name="椭圆 16">
               <a:extLst>
                 <a:ext uri="{FF2B5EF4-FFF2-40B4-BE49-F238E27FC236}">
-                  <a16:creationId xmlns:a16="http://schemas.microsoft.com/office/drawing/2014/main" xmlns="" id="{3DA1CB48-5631-4E05-8CE8-88FAC410BB1B}"/>
+                  <a16:creationId xmlns="" xmlns:a16="http://schemas.microsoft.com/office/drawing/2014/main" id="{3DA1CB48-5631-4E05-8CE8-88FAC410BB1B}"/>
                 </a:ext>
               </a:extLst>
             </p:cNvPr>
@@ -38689,7 +39351,7 @@
             <p:cNvPr id="18" name="椭圆 17">
               <a:extLst>
                 <a:ext uri="{FF2B5EF4-FFF2-40B4-BE49-F238E27FC236}">
-                  <a16:creationId xmlns:a16="http://schemas.microsoft.com/office/drawing/2014/main" xmlns="" id="{292A36A2-19F3-40B6-80DB-E53E8B94E159}"/>
+                  <a16:creationId xmlns="" xmlns:a16="http://schemas.microsoft.com/office/drawing/2014/main" id="{292A36A2-19F3-40B6-80DB-E53E8B94E159}"/>
                 </a:ext>
               </a:extLst>
             </p:cNvPr>
@@ -38746,7 +39408,7 @@
           <p:cNvPr id="19" name="组合 18">
             <a:extLst>
               <a:ext uri="{FF2B5EF4-FFF2-40B4-BE49-F238E27FC236}">
-                <a16:creationId xmlns:a16="http://schemas.microsoft.com/office/drawing/2014/main" xmlns="" id="{54F5DAC7-1D40-43F9-9CFA-72281B05A6C2}"/>
+                <a16:creationId xmlns="" xmlns:a16="http://schemas.microsoft.com/office/drawing/2014/main" id="{54F5DAC7-1D40-43F9-9CFA-72281B05A6C2}"/>
               </a:ext>
             </a:extLst>
           </p:cNvPr>
@@ -38766,7 +39428,7 @@
             <p:cNvPr id="20" name="直接连接符 19">
               <a:extLst>
                 <a:ext uri="{FF2B5EF4-FFF2-40B4-BE49-F238E27FC236}">
-                  <a16:creationId xmlns:a16="http://schemas.microsoft.com/office/drawing/2014/main" xmlns="" id="{33C9463E-892C-4B04-92A8-B5F992BCAF1B}"/>
+                  <a16:creationId xmlns="" xmlns:a16="http://schemas.microsoft.com/office/drawing/2014/main" id="{33C9463E-892C-4B04-92A8-B5F992BCAF1B}"/>
                 </a:ext>
               </a:extLst>
             </p:cNvPr>
@@ -38809,7 +39471,7 @@
             <p:cNvPr id="21" name="直接连接符 20">
               <a:extLst>
                 <a:ext uri="{FF2B5EF4-FFF2-40B4-BE49-F238E27FC236}">
-                  <a16:creationId xmlns:a16="http://schemas.microsoft.com/office/drawing/2014/main" xmlns="" id="{DF8A5D8A-C7AA-4520-9F05-4E3EAB9A8BB5}"/>
+                  <a16:creationId xmlns="" xmlns:a16="http://schemas.microsoft.com/office/drawing/2014/main" id="{DF8A5D8A-C7AA-4520-9F05-4E3EAB9A8BB5}"/>
                 </a:ext>
               </a:extLst>
             </p:cNvPr>
@@ -38852,7 +39514,7 @@
             <p:cNvPr id="22" name="直接连接符 21">
               <a:extLst>
                 <a:ext uri="{FF2B5EF4-FFF2-40B4-BE49-F238E27FC236}">
-                  <a16:creationId xmlns:a16="http://schemas.microsoft.com/office/drawing/2014/main" xmlns="" id="{9997A725-A58B-4628-A8C3-E026E0A2203D}"/>
+                  <a16:creationId xmlns="" xmlns:a16="http://schemas.microsoft.com/office/drawing/2014/main" id="{9997A725-A58B-4628-A8C3-E026E0A2203D}"/>
                 </a:ext>
               </a:extLst>
             </p:cNvPr>
@@ -38895,7 +39557,7 @@
             <p:cNvPr id="23" name="椭圆 22">
               <a:extLst>
                 <a:ext uri="{FF2B5EF4-FFF2-40B4-BE49-F238E27FC236}">
-                  <a16:creationId xmlns:a16="http://schemas.microsoft.com/office/drawing/2014/main" xmlns="" id="{E4229617-E9A0-435F-BCAF-7E25DFAF9586}"/>
+                  <a16:creationId xmlns="" xmlns:a16="http://schemas.microsoft.com/office/drawing/2014/main" id="{E4229617-E9A0-435F-BCAF-7E25DFAF9586}"/>
                 </a:ext>
               </a:extLst>
             </p:cNvPr>
@@ -38950,7 +39612,7 @@
             <p:cNvPr id="24" name="椭圆 23">
               <a:extLst>
                 <a:ext uri="{FF2B5EF4-FFF2-40B4-BE49-F238E27FC236}">
-                  <a16:creationId xmlns:a16="http://schemas.microsoft.com/office/drawing/2014/main" xmlns="" id="{A93BFD55-5477-402D-8578-F79D81368B6D}"/>
+                  <a16:creationId xmlns="" xmlns:a16="http://schemas.microsoft.com/office/drawing/2014/main" id="{A93BFD55-5477-402D-8578-F79D81368B6D}"/>
                 </a:ext>
               </a:extLst>
             </p:cNvPr>
@@ -39004,7 +39666,7 @@
             <p:cNvPr id="25" name="椭圆 24">
               <a:extLst>
                 <a:ext uri="{FF2B5EF4-FFF2-40B4-BE49-F238E27FC236}">
-                  <a16:creationId xmlns:a16="http://schemas.microsoft.com/office/drawing/2014/main" xmlns="" id="{C5B85F38-CF17-4884-9D3E-DDDB8A7614DB}"/>
+                  <a16:creationId xmlns="" xmlns:a16="http://schemas.microsoft.com/office/drawing/2014/main" id="{C5B85F38-CF17-4884-9D3E-DDDB8A7614DB}"/>
                 </a:ext>
               </a:extLst>
             </p:cNvPr>
@@ -39061,7 +39723,7 @@
           <p:cNvPr id="26" name="组合 25">
             <a:extLst>
               <a:ext uri="{FF2B5EF4-FFF2-40B4-BE49-F238E27FC236}">
-                <a16:creationId xmlns:a16="http://schemas.microsoft.com/office/drawing/2014/main" xmlns="" id="{431F0BD9-69CB-4CCC-B8E7-0B7E6E6DEAEA}"/>
+                <a16:creationId xmlns="" xmlns:a16="http://schemas.microsoft.com/office/drawing/2014/main" id="{431F0BD9-69CB-4CCC-B8E7-0B7E6E6DEAEA}"/>
               </a:ext>
             </a:extLst>
           </p:cNvPr>
@@ -39081,7 +39743,7 @@
             <p:cNvPr id="27" name="直接连接符 26">
               <a:extLst>
                 <a:ext uri="{FF2B5EF4-FFF2-40B4-BE49-F238E27FC236}">
-                  <a16:creationId xmlns:a16="http://schemas.microsoft.com/office/drawing/2014/main" xmlns="" id="{2936E32B-E9DC-4E8A-B75F-1EED6707F551}"/>
+                  <a16:creationId xmlns="" xmlns:a16="http://schemas.microsoft.com/office/drawing/2014/main" id="{2936E32B-E9DC-4E8A-B75F-1EED6707F551}"/>
                 </a:ext>
               </a:extLst>
             </p:cNvPr>
@@ -39124,7 +39786,7 @@
             <p:cNvPr id="28" name="直接连接符 27">
               <a:extLst>
                 <a:ext uri="{FF2B5EF4-FFF2-40B4-BE49-F238E27FC236}">
-                  <a16:creationId xmlns:a16="http://schemas.microsoft.com/office/drawing/2014/main" xmlns="" id="{5BD51EE2-2913-4585-A666-E12E7B7BCDD3}"/>
+                  <a16:creationId xmlns="" xmlns:a16="http://schemas.microsoft.com/office/drawing/2014/main" id="{5BD51EE2-2913-4585-A666-E12E7B7BCDD3}"/>
                 </a:ext>
               </a:extLst>
             </p:cNvPr>
@@ -39167,7 +39829,7 @@
             <p:cNvPr id="29" name="直接连接符 28">
               <a:extLst>
                 <a:ext uri="{FF2B5EF4-FFF2-40B4-BE49-F238E27FC236}">
-                  <a16:creationId xmlns:a16="http://schemas.microsoft.com/office/drawing/2014/main" xmlns="" id="{26C1BA9E-834D-4534-8020-5E0F4B8ED7C2}"/>
+                  <a16:creationId xmlns="" xmlns:a16="http://schemas.microsoft.com/office/drawing/2014/main" id="{26C1BA9E-834D-4534-8020-5E0F4B8ED7C2}"/>
                 </a:ext>
               </a:extLst>
             </p:cNvPr>
@@ -39210,7 +39872,7 @@
             <p:cNvPr id="30" name="椭圆 29">
               <a:extLst>
                 <a:ext uri="{FF2B5EF4-FFF2-40B4-BE49-F238E27FC236}">
-                  <a16:creationId xmlns:a16="http://schemas.microsoft.com/office/drawing/2014/main" xmlns="" id="{9FFC6E8B-50CB-438D-8A6D-D449E71BB9CA}"/>
+                  <a16:creationId xmlns="" xmlns:a16="http://schemas.microsoft.com/office/drawing/2014/main" id="{9FFC6E8B-50CB-438D-8A6D-D449E71BB9CA}"/>
                 </a:ext>
               </a:extLst>
             </p:cNvPr>
@@ -39265,7 +39927,7 @@
             <p:cNvPr id="31" name="椭圆 30">
               <a:extLst>
                 <a:ext uri="{FF2B5EF4-FFF2-40B4-BE49-F238E27FC236}">
-                  <a16:creationId xmlns:a16="http://schemas.microsoft.com/office/drawing/2014/main" xmlns="" id="{D4744B69-2504-4E39-B7BE-7ED83650C6CE}"/>
+                  <a16:creationId xmlns="" xmlns:a16="http://schemas.microsoft.com/office/drawing/2014/main" id="{D4744B69-2504-4E39-B7BE-7ED83650C6CE}"/>
                 </a:ext>
               </a:extLst>
             </p:cNvPr>
@@ -39319,7 +39981,7 @@
             <p:cNvPr id="32" name="椭圆 31">
               <a:extLst>
                 <a:ext uri="{FF2B5EF4-FFF2-40B4-BE49-F238E27FC236}">
-                  <a16:creationId xmlns:a16="http://schemas.microsoft.com/office/drawing/2014/main" xmlns="" id="{FC9A2361-C803-4CB7-93E4-70AD38516113}"/>
+                  <a16:creationId xmlns="" xmlns:a16="http://schemas.microsoft.com/office/drawing/2014/main" id="{FC9A2361-C803-4CB7-93E4-70AD38516113}"/>
                 </a:ext>
               </a:extLst>
             </p:cNvPr>
@@ -39423,7 +40085,7 @@
           </a:ln>
           <a:extLst>
             <a:ext uri="{C572A759-6A51-4108-AA02-DFA0A04FC94B}">
-              <ma14:wrappingTextBoxFlag xmlns:ma14="http://schemas.microsoft.com/office/mac/drawingml/2011/main" xmlns="" val="1"/>
+              <ma14:wrappingTextBoxFlag xmlns="" xmlns:ma14="http://schemas.microsoft.com/office/mac/drawingml/2011/main" val="1"/>
             </a:ext>
           </a:extLst>
         </p:spPr>
@@ -39491,7 +40153,7 @@
           </a:ln>
           <a:extLst>
             <a:ext uri="{C572A759-6A51-4108-AA02-DFA0A04FC94B}">
-              <ma14:wrappingTextBoxFlag xmlns:ma14="http://schemas.microsoft.com/office/mac/drawingml/2011/main" xmlns="" val="1"/>
+              <ma14:wrappingTextBoxFlag xmlns="" xmlns:ma14="http://schemas.microsoft.com/office/mac/drawingml/2011/main" val="1"/>
             </a:ext>
           </a:extLst>
         </p:spPr>
@@ -39553,7 +40215,7 @@
           <p:cNvPr id="17" name="组合 16">
             <a:extLst>
               <a:ext uri="{FF2B5EF4-FFF2-40B4-BE49-F238E27FC236}">
-                <a16:creationId xmlns:a16="http://schemas.microsoft.com/office/drawing/2014/main" xmlns="" id="{37C933BA-2473-4CDC-A5E4-A44C629C23D8}"/>
+                <a16:creationId xmlns="" xmlns:a16="http://schemas.microsoft.com/office/drawing/2014/main" id="{37C933BA-2473-4CDC-A5E4-A44C629C23D8}"/>
               </a:ext>
             </a:extLst>
           </p:cNvPr>
@@ -39573,7 +40235,7 @@
             <p:cNvPr id="18" name="文本框 17">
               <a:extLst>
                 <a:ext uri="{FF2B5EF4-FFF2-40B4-BE49-F238E27FC236}">
-                  <a16:creationId xmlns:a16="http://schemas.microsoft.com/office/drawing/2014/main" xmlns="" id="{16DA8A1E-64FC-4810-80E3-D177285D8773}"/>
+                  <a16:creationId xmlns="" xmlns:a16="http://schemas.microsoft.com/office/drawing/2014/main" id="{16DA8A1E-64FC-4810-80E3-D177285D8773}"/>
                 </a:ext>
               </a:extLst>
             </p:cNvPr>
@@ -39677,7 +40339,7 @@
             <p:cNvPr id="19" name="文本框 18">
               <a:extLst>
                 <a:ext uri="{FF2B5EF4-FFF2-40B4-BE49-F238E27FC236}">
-                  <a16:creationId xmlns:a16="http://schemas.microsoft.com/office/drawing/2014/main" xmlns="" id="{D028F3A2-F8BE-4FF3-AA43-1781C286E3E6}"/>
+                  <a16:creationId xmlns="" xmlns:a16="http://schemas.microsoft.com/office/drawing/2014/main" id="{D028F3A2-F8BE-4FF3-AA43-1781C286E3E6}"/>
                 </a:ext>
               </a:extLst>
             </p:cNvPr>
@@ -39745,7 +40407,7 @@
             <p:cNvPr id="20" name="矩形: 圆角 19">
               <a:extLst>
                 <a:ext uri="{FF2B5EF4-FFF2-40B4-BE49-F238E27FC236}">
-                  <a16:creationId xmlns:a16="http://schemas.microsoft.com/office/drawing/2014/main" xmlns="" id="{D155FC09-937B-45E9-9445-19C2930961C1}"/>
+                  <a16:creationId xmlns="" xmlns:a16="http://schemas.microsoft.com/office/drawing/2014/main" id="{D155FC09-937B-45E9-9445-19C2930961C1}"/>
                 </a:ext>
               </a:extLst>
             </p:cNvPr>
@@ -39818,7 +40480,7 @@
           <p:cNvPr id="22" name="文本框 21">
             <a:extLst>
               <a:ext uri="{FF2B5EF4-FFF2-40B4-BE49-F238E27FC236}">
-                <a16:creationId xmlns:a16="http://schemas.microsoft.com/office/drawing/2014/main" xmlns="" id="{3A22B194-448A-46EE-BC7E-5460EEA7EF82}"/>
+                <a16:creationId xmlns="" xmlns:a16="http://schemas.microsoft.com/office/drawing/2014/main" id="{3A22B194-448A-46EE-BC7E-5460EEA7EF82}"/>
               </a:ext>
             </a:extLst>
           </p:cNvPr>
@@ -39869,7 +40531,7 @@
           <p:cNvPr id="31" name="椭圆 30">
             <a:extLst>
               <a:ext uri="{FF2B5EF4-FFF2-40B4-BE49-F238E27FC236}">
-                <a16:creationId xmlns:a16="http://schemas.microsoft.com/office/drawing/2014/main" xmlns="" id="{3B07899A-BEFE-411B-80F0-B1F1203CAF79}"/>
+                <a16:creationId xmlns="" xmlns:a16="http://schemas.microsoft.com/office/drawing/2014/main" id="{3B07899A-BEFE-411B-80F0-B1F1203CAF79}"/>
               </a:ext>
             </a:extLst>
           </p:cNvPr>
@@ -39923,7 +40585,7 @@
           <p:cNvPr id="32" name="椭圆 31">
             <a:extLst>
               <a:ext uri="{FF2B5EF4-FFF2-40B4-BE49-F238E27FC236}">
-                <a16:creationId xmlns:a16="http://schemas.microsoft.com/office/drawing/2014/main" xmlns="" id="{8E146F45-5E79-431F-AE2D-E8D938E2AE30}"/>
+                <a16:creationId xmlns="" xmlns:a16="http://schemas.microsoft.com/office/drawing/2014/main" id="{8E146F45-5E79-431F-AE2D-E8D938E2AE30}"/>
               </a:ext>
             </a:extLst>
           </p:cNvPr>
@@ -39977,7 +40639,7 @@
           <p:cNvPr id="33" name="椭圆 32">
             <a:extLst>
               <a:ext uri="{FF2B5EF4-FFF2-40B4-BE49-F238E27FC236}">
-                <a16:creationId xmlns:a16="http://schemas.microsoft.com/office/drawing/2014/main" xmlns="" id="{67D28EC8-FAC6-4D9C-A689-EC09A31595AF}"/>
+                <a16:creationId xmlns="" xmlns:a16="http://schemas.microsoft.com/office/drawing/2014/main" id="{67D28EC8-FAC6-4D9C-A689-EC09A31595AF}"/>
               </a:ext>
             </a:extLst>
           </p:cNvPr>
@@ -40034,7 +40696,7 @@
           <p:cNvPr id="34" name="椭圆 33">
             <a:extLst>
               <a:ext uri="{FF2B5EF4-FFF2-40B4-BE49-F238E27FC236}">
-                <a16:creationId xmlns:a16="http://schemas.microsoft.com/office/drawing/2014/main" xmlns="" id="{9F3AFC74-0413-4D11-B73A-701636BA1C2F}"/>
+                <a16:creationId xmlns="" xmlns:a16="http://schemas.microsoft.com/office/drawing/2014/main" id="{9F3AFC74-0413-4D11-B73A-701636BA1C2F}"/>
               </a:ext>
             </a:extLst>
           </p:cNvPr>
@@ -40088,7 +40750,7 @@
           <p:cNvPr id="35" name="椭圆 34">
             <a:extLst>
               <a:ext uri="{FF2B5EF4-FFF2-40B4-BE49-F238E27FC236}">
-                <a16:creationId xmlns:a16="http://schemas.microsoft.com/office/drawing/2014/main" xmlns="" id="{492C6DC1-98AC-4C5B-873B-0FE63529C580}"/>
+                <a16:creationId xmlns="" xmlns:a16="http://schemas.microsoft.com/office/drawing/2014/main" id="{492C6DC1-98AC-4C5B-873B-0FE63529C580}"/>
               </a:ext>
             </a:extLst>
           </p:cNvPr>
@@ -40142,7 +40804,7 @@
           <p:cNvPr id="36" name="直接连接符 35">
             <a:extLst>
               <a:ext uri="{FF2B5EF4-FFF2-40B4-BE49-F238E27FC236}">
-                <a16:creationId xmlns:a16="http://schemas.microsoft.com/office/drawing/2014/main" xmlns="" id="{6971B428-D479-4672-BD8B-7F5D077D5D86}"/>
+                <a16:creationId xmlns="" xmlns:a16="http://schemas.microsoft.com/office/drawing/2014/main" id="{6971B428-D479-4672-BD8B-7F5D077D5D86}"/>
               </a:ext>
             </a:extLst>
           </p:cNvPr>
@@ -40186,7 +40848,7 @@
           <p:cNvPr id="37" name="椭圆 36">
             <a:extLst>
               <a:ext uri="{FF2B5EF4-FFF2-40B4-BE49-F238E27FC236}">
-                <a16:creationId xmlns:a16="http://schemas.microsoft.com/office/drawing/2014/main" xmlns="" id="{E40A54E8-E57E-4BE0-B84A-69974F4EA85A}"/>
+                <a16:creationId xmlns="" xmlns:a16="http://schemas.microsoft.com/office/drawing/2014/main" id="{E40A54E8-E57E-4BE0-B84A-69974F4EA85A}"/>
               </a:ext>
             </a:extLst>
           </p:cNvPr>
@@ -40240,7 +40902,7 @@
           <p:cNvPr id="38" name="直接连接符 37">
             <a:extLst>
               <a:ext uri="{FF2B5EF4-FFF2-40B4-BE49-F238E27FC236}">
-                <a16:creationId xmlns:a16="http://schemas.microsoft.com/office/drawing/2014/main" xmlns="" id="{DF7F0649-3C32-4EE4-9DC6-342077B0E1D8}"/>
+                <a16:creationId xmlns="" xmlns:a16="http://schemas.microsoft.com/office/drawing/2014/main" id="{DF7F0649-3C32-4EE4-9DC6-342077B0E1D8}"/>
               </a:ext>
             </a:extLst>
           </p:cNvPr>
@@ -40284,7 +40946,7 @@
           <p:cNvPr id="39" name="直接连接符 38">
             <a:extLst>
               <a:ext uri="{FF2B5EF4-FFF2-40B4-BE49-F238E27FC236}">
-                <a16:creationId xmlns:a16="http://schemas.microsoft.com/office/drawing/2014/main" xmlns="" id="{093EB3FB-ADF0-474A-B234-EF349901DC15}"/>
+                <a16:creationId xmlns="" xmlns:a16="http://schemas.microsoft.com/office/drawing/2014/main" id="{093EB3FB-ADF0-474A-B234-EF349901DC15}"/>
               </a:ext>
             </a:extLst>
           </p:cNvPr>
@@ -40328,7 +40990,7 @@
           <p:cNvPr id="40" name="椭圆 39">
             <a:extLst>
               <a:ext uri="{FF2B5EF4-FFF2-40B4-BE49-F238E27FC236}">
-                <a16:creationId xmlns:a16="http://schemas.microsoft.com/office/drawing/2014/main" xmlns="" id="{F13CD393-9278-4D9E-926E-A8B9B27E49C8}"/>
+                <a16:creationId xmlns="" xmlns:a16="http://schemas.microsoft.com/office/drawing/2014/main" id="{F13CD393-9278-4D9E-926E-A8B9B27E49C8}"/>
               </a:ext>
             </a:extLst>
           </p:cNvPr>
@@ -40385,7 +41047,7 @@
           <p:cNvPr id="41" name="直接连接符 40">
             <a:extLst>
               <a:ext uri="{FF2B5EF4-FFF2-40B4-BE49-F238E27FC236}">
-                <a16:creationId xmlns:a16="http://schemas.microsoft.com/office/drawing/2014/main" xmlns="" id="{192A6EEE-8490-42FF-8026-D3D66BD75940}"/>
+                <a16:creationId xmlns="" xmlns:a16="http://schemas.microsoft.com/office/drawing/2014/main" id="{192A6EEE-8490-42FF-8026-D3D66BD75940}"/>
               </a:ext>
             </a:extLst>
           </p:cNvPr>
@@ -40429,7 +41091,7 @@
           <p:cNvPr id="42" name="椭圆 41">
             <a:extLst>
               <a:ext uri="{FF2B5EF4-FFF2-40B4-BE49-F238E27FC236}">
-                <a16:creationId xmlns:a16="http://schemas.microsoft.com/office/drawing/2014/main" xmlns="" id="{B5136ACA-AD87-4183-ADB5-428C41FA7777}"/>
+                <a16:creationId xmlns="" xmlns:a16="http://schemas.microsoft.com/office/drawing/2014/main" id="{B5136ACA-AD87-4183-ADB5-428C41FA7777}"/>
               </a:ext>
             </a:extLst>
           </p:cNvPr>
@@ -40483,7 +41145,7 @@
           <p:cNvPr id="43" name="直接连接符 42">
             <a:extLst>
               <a:ext uri="{FF2B5EF4-FFF2-40B4-BE49-F238E27FC236}">
-                <a16:creationId xmlns:a16="http://schemas.microsoft.com/office/drawing/2014/main" xmlns="" id="{272C11AD-11A2-49C8-9292-7533203E68DD}"/>
+                <a16:creationId xmlns="" xmlns:a16="http://schemas.microsoft.com/office/drawing/2014/main" id="{272C11AD-11A2-49C8-9292-7533203E68DD}"/>
               </a:ext>
             </a:extLst>
           </p:cNvPr>
@@ -40527,7 +41189,7 @@
           <p:cNvPr id="44" name="椭圆 43">
             <a:extLst>
               <a:ext uri="{FF2B5EF4-FFF2-40B4-BE49-F238E27FC236}">
-                <a16:creationId xmlns:a16="http://schemas.microsoft.com/office/drawing/2014/main" xmlns="" id="{411E286E-649A-4CC9-A79E-B785F1A457EA}"/>
+                <a16:creationId xmlns="" xmlns:a16="http://schemas.microsoft.com/office/drawing/2014/main" id="{411E286E-649A-4CC9-A79E-B785F1A457EA}"/>
               </a:ext>
             </a:extLst>
           </p:cNvPr>
@@ -40584,7 +41246,7 @@
           <p:cNvPr id="45" name="直接连接符 44">
             <a:extLst>
               <a:ext uri="{FF2B5EF4-FFF2-40B4-BE49-F238E27FC236}">
-                <a16:creationId xmlns:a16="http://schemas.microsoft.com/office/drawing/2014/main" xmlns="" id="{4642B35E-2738-4B10-B77A-A1D1B45ED76B}"/>
+                <a16:creationId xmlns="" xmlns:a16="http://schemas.microsoft.com/office/drawing/2014/main" id="{4642B35E-2738-4B10-B77A-A1D1B45ED76B}"/>
               </a:ext>
             </a:extLst>
           </p:cNvPr>
@@ -40628,7 +41290,7 @@
           <p:cNvPr id="46" name="直接连接符 45">
             <a:extLst>
               <a:ext uri="{FF2B5EF4-FFF2-40B4-BE49-F238E27FC236}">
-                <a16:creationId xmlns:a16="http://schemas.microsoft.com/office/drawing/2014/main" xmlns="" id="{D9581555-6A2E-4C22-B026-C640417AD0E5}"/>
+                <a16:creationId xmlns="" xmlns:a16="http://schemas.microsoft.com/office/drawing/2014/main" id="{D9581555-6A2E-4C22-B026-C640417AD0E5}"/>
               </a:ext>
             </a:extLst>
           </p:cNvPr>
@@ -40672,7 +41334,7 @@
           <p:cNvPr id="47" name="直接连接符 46">
             <a:extLst>
               <a:ext uri="{FF2B5EF4-FFF2-40B4-BE49-F238E27FC236}">
-                <a16:creationId xmlns:a16="http://schemas.microsoft.com/office/drawing/2014/main" xmlns="" id="{BFDADB2E-A848-4A30-A321-0A9EF72DEE7A}"/>
+                <a16:creationId xmlns="" xmlns:a16="http://schemas.microsoft.com/office/drawing/2014/main" id="{BFDADB2E-A848-4A30-A321-0A9EF72DEE7A}"/>
               </a:ext>
             </a:extLst>
           </p:cNvPr>
@@ -40719,8 +41381,8 @@
         </p:nvSpPr>
         <p:spPr>
           <a:xfrm>
-            <a:off x="992396" y="2313541"/>
-            <a:ext cx="9765793" cy="2388973"/>
+            <a:off x="944030" y="2343489"/>
+            <a:ext cx="9765793" cy="3789759"/>
           </a:xfrm>
           <a:prstGeom prst="rect">
             <a:avLst/>
@@ -40754,6 +41416,11 @@
           <a:bodyPr rtlCol="0" anchor="ctr"/>
           <a:lstStyle/>
           <a:p>
+            <a:pPr>
+              <a:lnSpc>
+                <a:spcPct val="150000"/>
+              </a:lnSpc>
+            </a:pPr>
             <a:r>
               <a:rPr lang="en-US" altLang="zh-CN" dirty="0" smtClean="0">
                 <a:solidFill>
@@ -40800,7 +41467,31 @@
                 </a:solidFill>
                 <a:latin typeface="+mn-ea"/>
               </a:rPr>
-              <a:t>）是摆放所有物体的地方。主要涉及功能：运行时添加、删除对象，雾</a:t>
+              <a:t>）是摆放所有物体的地方。允许你在什么地方、摆放什么东西来交给</a:t>
+            </a:r>
+            <a:r>
+              <a:rPr lang="en-US" altLang="zh-CN" dirty="0" err="1" smtClean="0">
+                <a:solidFill>
+                  <a:schemeClr val="tx1">
+                    <a:lumMod val="75000"/>
+                    <a:lumOff val="25000"/>
+                  </a:schemeClr>
+                </a:solidFill>
+                <a:latin typeface="+mn-ea"/>
+              </a:rPr>
+              <a:t>threejs</a:t>
+            </a:r>
+            <a:r>
+              <a:rPr lang="zh-CN" altLang="en-US" dirty="0" smtClean="0">
+                <a:solidFill>
+                  <a:schemeClr val="tx1">
+                    <a:lumMod val="75000"/>
+                    <a:lumOff val="25000"/>
+                  </a:schemeClr>
+                </a:solidFill>
+                <a:latin typeface="+mn-ea"/>
+              </a:rPr>
+              <a:t>渲染。主要涉及功能：运行时添加、删除对象，雾</a:t>
             </a:r>
             <a:endParaRPr lang="en-US" altLang="zh-CN" dirty="0" smtClean="0">
               <a:solidFill>
@@ -40813,6 +41504,11 @@
             </a:endParaRPr>
           </a:p>
           <a:p>
+            <a:pPr>
+              <a:lnSpc>
+                <a:spcPct val="150000"/>
+              </a:lnSpc>
+            </a:pPr>
             <a:r>
               <a:rPr lang="en-US" altLang="zh-CN" dirty="0" smtClean="0">
                 <a:solidFill>
@@ -40827,6 +41523,11 @@
             </a:r>
           </a:p>
           <a:p>
+            <a:pPr>
+              <a:lnSpc>
+                <a:spcPct val="150000"/>
+              </a:lnSpc>
+            </a:pPr>
             <a:r>
               <a:rPr lang="en-US" altLang="zh-CN" dirty="0">
                 <a:solidFill>
@@ -40861,49 +41562,134 @@
                 </a:solidFill>
                 <a:latin typeface="+mn-ea"/>
               </a:rPr>
-              <a:t>链接  </a:t>
-            </a:r>
+              <a:t>：  </a:t>
+            </a:r>
+            <a:r>
+              <a:rPr lang="en-US" altLang="zh-CN" dirty="0" smtClean="0">
+                <a:solidFill>
+                  <a:schemeClr val="tx1">
+                    <a:lumMod val="75000"/>
+                    <a:lumOff val="25000"/>
+                  </a:schemeClr>
+                </a:solidFill>
+                <a:latin typeface="+mn-ea"/>
+              </a:rPr>
+              <a:t>1</a:t>
+            </a:r>
+            <a:r>
+              <a:rPr lang="zh-CN" altLang="en-US" dirty="0" smtClean="0">
+                <a:solidFill>
+                  <a:schemeClr val="tx1">
+                    <a:lumMod val="75000"/>
+                    <a:lumOff val="25000"/>
+                  </a:schemeClr>
+                </a:solidFill>
+                <a:latin typeface="+mn-ea"/>
+              </a:rPr>
+              <a:t>、</a:t>
+            </a:r>
+            <a:r>
+              <a:rPr lang="en-US" altLang="zh-CN" u="sng" dirty="0" smtClean="0">
+                <a:solidFill>
+                  <a:schemeClr val="tx1"/>
+                </a:solidFill>
+              </a:rPr>
+              <a:t>http</a:t>
+            </a:r>
+            <a:r>
+              <a:rPr lang="en-US" altLang="zh-CN" u="sng" dirty="0">
+                <a:solidFill>
+                  <a:schemeClr val="tx1"/>
+                </a:solidFill>
+              </a:rPr>
+              <a:t>://</a:t>
+            </a:r>
+            <a:r>
+              <a:rPr lang="en-US" altLang="zh-CN" u="sng" dirty="0" smtClean="0">
+                <a:solidFill>
+                  <a:schemeClr val="tx1"/>
+                </a:solidFill>
+              </a:rPr>
+              <a:t>lyww1992.gitee.io/three-test/006-overrideMaterial.html</a:t>
+            </a:r>
+            <a:r>
+              <a:rPr lang="zh-CN" altLang="en-US" u="sng" dirty="0">
+                <a:solidFill>
+                  <a:schemeClr val="tx1"/>
+                </a:solidFill>
+                <a:latin typeface="+mn-ea"/>
+              </a:rPr>
+              <a:t> </a:t>
+            </a:r>
+            <a:endParaRPr lang="en-US" altLang="zh-CN" u="sng" dirty="0" smtClean="0">
+              <a:solidFill>
+                <a:schemeClr val="tx1"/>
+              </a:solidFill>
+              <a:latin typeface="+mn-ea"/>
+            </a:endParaRPr>
+          </a:p>
+          <a:p>
+            <a:pPr>
+              <a:lnSpc>
+                <a:spcPct val="150000"/>
+              </a:lnSpc>
+            </a:pPr>
+            <a:endParaRPr lang="en-US" altLang="zh-CN" u="sng" dirty="0" smtClean="0">
+              <a:solidFill>
+                <a:schemeClr val="tx1"/>
+              </a:solidFill>
+              <a:latin typeface="+mn-ea"/>
+            </a:endParaRPr>
+          </a:p>
+          <a:p>
+            <a:pPr>
+              <a:lnSpc>
+                <a:spcPct val="150000"/>
+              </a:lnSpc>
+            </a:pPr>
             <a:r>
               <a:rPr lang="en-US" altLang="zh-CN" dirty="0">
-                <a:hlinkClick r:id="rId2"/>
+                <a:solidFill>
+                  <a:schemeClr val="tx1">
+                    <a:lumMod val="75000"/>
+                    <a:lumOff val="25000"/>
+                  </a:schemeClr>
+                </a:solidFill>
+                <a:latin typeface="+mn-ea"/>
               </a:rPr>
-              <a:t>http://</a:t>
+              <a:t>		</a:t>
+            </a:r>
+            <a:r>
+              <a:rPr lang="en-US" altLang="zh-CN" dirty="0" smtClean="0">
+                <a:solidFill>
+                  <a:schemeClr val="tx1">
+                    <a:lumMod val="75000"/>
+                    <a:lumOff val="25000"/>
+                  </a:schemeClr>
+                </a:solidFill>
+                <a:latin typeface="+mn-ea"/>
+              </a:rPr>
+              <a:t>  2</a:t>
+            </a:r>
+            <a:r>
+              <a:rPr lang="zh-CN" altLang="en-US" dirty="0" smtClean="0">
+                <a:solidFill>
+                  <a:schemeClr val="tx1">
+                    <a:lumMod val="75000"/>
+                    <a:lumOff val="25000"/>
+                  </a:schemeClr>
+                </a:solidFill>
+                <a:latin typeface="+mn-ea"/>
+              </a:rPr>
+              <a:t>、</a:t>
             </a:r>
             <a:r>
               <a:rPr lang="en-US" altLang="zh-CN" dirty="0" smtClean="0">
                 <a:hlinkClick r:id="rId2"/>
               </a:rPr>
-              <a:t>lyww1992.gitee.io/three-test/051-scene.html</a:t>
+              <a:t>http://lyww1992.gitee.io/three-test/051-scene.html</a:t>
             </a:r>
             <a:endParaRPr lang="en-US" altLang="zh-CN" dirty="0" smtClean="0"/>
-          </a:p>
-          <a:p>
-            <a:r>
-              <a:rPr lang="en-US" altLang="zh-CN" dirty="0" smtClean="0"/>
-              <a:t/>
-            </a:r>
-            <a:br>
-              <a:rPr lang="en-US" altLang="zh-CN" dirty="0" smtClean="0"/>
-            </a:br>
-            <a:r>
-              <a:rPr lang="en-US" altLang="zh-CN" dirty="0" smtClean="0"/>
-              <a:t>		</a:t>
-            </a:r>
-            <a:r>
-              <a:rPr lang="en-US" altLang="zh-CN" dirty="0">
-                <a:hlinkClick r:id="rId3"/>
-              </a:rPr>
-              <a:t>http://lyww1992.gitee.io/three-test/006-overrideMaterial.html</a:t>
-            </a:r>
-            <a:endParaRPr lang="zh-CN" altLang="en-US" dirty="0">
-              <a:solidFill>
-                <a:schemeClr val="tx1">
-                  <a:lumMod val="75000"/>
-                  <a:lumOff val="25000"/>
-                </a:schemeClr>
-              </a:solidFill>
-              <a:latin typeface="+mn-ea"/>
-            </a:endParaRPr>
           </a:p>
         </p:txBody>
       </p:sp>
@@ -41179,7 +41965,7 @@
           </a:ln>
           <a:extLst>
             <a:ext uri="{C572A759-6A51-4108-AA02-DFA0A04FC94B}">
-              <ma14:wrappingTextBoxFlag xmlns:ma14="http://schemas.microsoft.com/office/mac/drawingml/2011/main" xmlns="" val="1"/>
+              <ma14:wrappingTextBoxFlag xmlns="" xmlns:ma14="http://schemas.microsoft.com/office/mac/drawingml/2011/main" val="1"/>
             </a:ext>
           </a:extLst>
         </p:spPr>
@@ -41247,7 +42033,7 @@
           </a:ln>
           <a:extLst>
             <a:ext uri="{C572A759-6A51-4108-AA02-DFA0A04FC94B}">
-              <ma14:wrappingTextBoxFlag xmlns:ma14="http://schemas.microsoft.com/office/mac/drawingml/2011/main" xmlns="" val="1"/>
+              <ma14:wrappingTextBoxFlag xmlns="" xmlns:ma14="http://schemas.microsoft.com/office/mac/drawingml/2011/main" val="1"/>
             </a:ext>
           </a:extLst>
         </p:spPr>
@@ -41309,7 +42095,7 @@
           <p:cNvPr id="17" name="组合 16">
             <a:extLst>
               <a:ext uri="{FF2B5EF4-FFF2-40B4-BE49-F238E27FC236}">
-                <a16:creationId xmlns:a16="http://schemas.microsoft.com/office/drawing/2014/main" xmlns="" id="{37C933BA-2473-4CDC-A5E4-A44C629C23D8}"/>
+                <a16:creationId xmlns="" xmlns:a16="http://schemas.microsoft.com/office/drawing/2014/main" id="{37C933BA-2473-4CDC-A5E4-A44C629C23D8}"/>
               </a:ext>
             </a:extLst>
           </p:cNvPr>
@@ -41329,7 +42115,7 @@
             <p:cNvPr id="18" name="文本框 17">
               <a:extLst>
                 <a:ext uri="{FF2B5EF4-FFF2-40B4-BE49-F238E27FC236}">
-                  <a16:creationId xmlns:a16="http://schemas.microsoft.com/office/drawing/2014/main" xmlns="" id="{16DA8A1E-64FC-4810-80E3-D177285D8773}"/>
+                  <a16:creationId xmlns="" xmlns:a16="http://schemas.microsoft.com/office/drawing/2014/main" id="{16DA8A1E-64FC-4810-80E3-D177285D8773}"/>
                 </a:ext>
               </a:extLst>
             </p:cNvPr>
@@ -41433,7 +42219,7 @@
             <p:cNvPr id="19" name="文本框 18">
               <a:extLst>
                 <a:ext uri="{FF2B5EF4-FFF2-40B4-BE49-F238E27FC236}">
-                  <a16:creationId xmlns:a16="http://schemas.microsoft.com/office/drawing/2014/main" xmlns="" id="{D028F3A2-F8BE-4FF3-AA43-1781C286E3E6}"/>
+                  <a16:creationId xmlns="" xmlns:a16="http://schemas.microsoft.com/office/drawing/2014/main" id="{D028F3A2-F8BE-4FF3-AA43-1781C286E3E6}"/>
                 </a:ext>
               </a:extLst>
             </p:cNvPr>
@@ -41501,7 +42287,7 @@
             <p:cNvPr id="20" name="矩形: 圆角 19">
               <a:extLst>
                 <a:ext uri="{FF2B5EF4-FFF2-40B4-BE49-F238E27FC236}">
-                  <a16:creationId xmlns:a16="http://schemas.microsoft.com/office/drawing/2014/main" xmlns="" id="{D155FC09-937B-45E9-9445-19C2930961C1}"/>
+                  <a16:creationId xmlns="" xmlns:a16="http://schemas.microsoft.com/office/drawing/2014/main" id="{D155FC09-937B-45E9-9445-19C2930961C1}"/>
                 </a:ext>
               </a:extLst>
             </p:cNvPr>
@@ -41574,7 +42360,7 @@
           <p:cNvPr id="22" name="文本框 21">
             <a:extLst>
               <a:ext uri="{FF2B5EF4-FFF2-40B4-BE49-F238E27FC236}">
-                <a16:creationId xmlns:a16="http://schemas.microsoft.com/office/drawing/2014/main" xmlns="" id="{3A22B194-448A-46EE-BC7E-5460EEA7EF82}"/>
+                <a16:creationId xmlns="" xmlns:a16="http://schemas.microsoft.com/office/drawing/2014/main" id="{3A22B194-448A-46EE-BC7E-5460EEA7EF82}"/>
               </a:ext>
             </a:extLst>
           </p:cNvPr>
@@ -41583,7 +42369,7 @@
         </p:nvSpPr>
         <p:spPr>
           <a:xfrm>
-            <a:off x="876640" y="1500223"/>
+            <a:off x="895676" y="1151565"/>
             <a:ext cx="1331101" cy="461665"/>
           </a:xfrm>
           <a:prstGeom prst="rect">
@@ -41625,7 +42411,7 @@
           <p:cNvPr id="31" name="椭圆 30">
             <a:extLst>
               <a:ext uri="{FF2B5EF4-FFF2-40B4-BE49-F238E27FC236}">
-                <a16:creationId xmlns:a16="http://schemas.microsoft.com/office/drawing/2014/main" xmlns="" id="{3B07899A-BEFE-411B-80F0-B1F1203CAF79}"/>
+                <a16:creationId xmlns="" xmlns:a16="http://schemas.microsoft.com/office/drawing/2014/main" id="{3B07899A-BEFE-411B-80F0-B1F1203CAF79}"/>
               </a:ext>
             </a:extLst>
           </p:cNvPr>
@@ -41679,7 +42465,7 @@
           <p:cNvPr id="32" name="椭圆 31">
             <a:extLst>
               <a:ext uri="{FF2B5EF4-FFF2-40B4-BE49-F238E27FC236}">
-                <a16:creationId xmlns:a16="http://schemas.microsoft.com/office/drawing/2014/main" xmlns="" id="{8E146F45-5E79-431F-AE2D-E8D938E2AE30}"/>
+                <a16:creationId xmlns="" xmlns:a16="http://schemas.microsoft.com/office/drawing/2014/main" id="{8E146F45-5E79-431F-AE2D-E8D938E2AE30}"/>
               </a:ext>
             </a:extLst>
           </p:cNvPr>
@@ -41733,7 +42519,7 @@
           <p:cNvPr id="33" name="椭圆 32">
             <a:extLst>
               <a:ext uri="{FF2B5EF4-FFF2-40B4-BE49-F238E27FC236}">
-                <a16:creationId xmlns:a16="http://schemas.microsoft.com/office/drawing/2014/main" xmlns="" id="{67D28EC8-FAC6-4D9C-A689-EC09A31595AF}"/>
+                <a16:creationId xmlns="" xmlns:a16="http://schemas.microsoft.com/office/drawing/2014/main" id="{67D28EC8-FAC6-4D9C-A689-EC09A31595AF}"/>
               </a:ext>
             </a:extLst>
           </p:cNvPr>
@@ -41790,7 +42576,7 @@
           <p:cNvPr id="34" name="椭圆 33">
             <a:extLst>
               <a:ext uri="{FF2B5EF4-FFF2-40B4-BE49-F238E27FC236}">
-                <a16:creationId xmlns:a16="http://schemas.microsoft.com/office/drawing/2014/main" xmlns="" id="{9F3AFC74-0413-4D11-B73A-701636BA1C2F}"/>
+                <a16:creationId xmlns="" xmlns:a16="http://schemas.microsoft.com/office/drawing/2014/main" id="{9F3AFC74-0413-4D11-B73A-701636BA1C2F}"/>
               </a:ext>
             </a:extLst>
           </p:cNvPr>
@@ -41844,7 +42630,7 @@
           <p:cNvPr id="35" name="椭圆 34">
             <a:extLst>
               <a:ext uri="{FF2B5EF4-FFF2-40B4-BE49-F238E27FC236}">
-                <a16:creationId xmlns:a16="http://schemas.microsoft.com/office/drawing/2014/main" xmlns="" id="{492C6DC1-98AC-4C5B-873B-0FE63529C580}"/>
+                <a16:creationId xmlns="" xmlns:a16="http://schemas.microsoft.com/office/drawing/2014/main" id="{492C6DC1-98AC-4C5B-873B-0FE63529C580}"/>
               </a:ext>
             </a:extLst>
           </p:cNvPr>
@@ -41898,7 +42684,7 @@
           <p:cNvPr id="36" name="直接连接符 35">
             <a:extLst>
               <a:ext uri="{FF2B5EF4-FFF2-40B4-BE49-F238E27FC236}">
-                <a16:creationId xmlns:a16="http://schemas.microsoft.com/office/drawing/2014/main" xmlns="" id="{6971B428-D479-4672-BD8B-7F5D077D5D86}"/>
+                <a16:creationId xmlns="" xmlns:a16="http://schemas.microsoft.com/office/drawing/2014/main" id="{6971B428-D479-4672-BD8B-7F5D077D5D86}"/>
               </a:ext>
             </a:extLst>
           </p:cNvPr>
@@ -41942,7 +42728,7 @@
           <p:cNvPr id="37" name="椭圆 36">
             <a:extLst>
               <a:ext uri="{FF2B5EF4-FFF2-40B4-BE49-F238E27FC236}">
-                <a16:creationId xmlns:a16="http://schemas.microsoft.com/office/drawing/2014/main" xmlns="" id="{E40A54E8-E57E-4BE0-B84A-69974F4EA85A}"/>
+                <a16:creationId xmlns="" xmlns:a16="http://schemas.microsoft.com/office/drawing/2014/main" id="{E40A54E8-E57E-4BE0-B84A-69974F4EA85A}"/>
               </a:ext>
             </a:extLst>
           </p:cNvPr>
@@ -41996,7 +42782,7 @@
           <p:cNvPr id="38" name="直接连接符 37">
             <a:extLst>
               <a:ext uri="{FF2B5EF4-FFF2-40B4-BE49-F238E27FC236}">
-                <a16:creationId xmlns:a16="http://schemas.microsoft.com/office/drawing/2014/main" xmlns="" id="{DF7F0649-3C32-4EE4-9DC6-342077B0E1D8}"/>
+                <a16:creationId xmlns="" xmlns:a16="http://schemas.microsoft.com/office/drawing/2014/main" id="{DF7F0649-3C32-4EE4-9DC6-342077B0E1D8}"/>
               </a:ext>
             </a:extLst>
           </p:cNvPr>
@@ -42040,7 +42826,7 @@
           <p:cNvPr id="39" name="直接连接符 38">
             <a:extLst>
               <a:ext uri="{FF2B5EF4-FFF2-40B4-BE49-F238E27FC236}">
-                <a16:creationId xmlns:a16="http://schemas.microsoft.com/office/drawing/2014/main" xmlns="" id="{093EB3FB-ADF0-474A-B234-EF349901DC15}"/>
+                <a16:creationId xmlns="" xmlns:a16="http://schemas.microsoft.com/office/drawing/2014/main" id="{093EB3FB-ADF0-474A-B234-EF349901DC15}"/>
               </a:ext>
             </a:extLst>
           </p:cNvPr>
@@ -42084,7 +42870,7 @@
           <p:cNvPr id="40" name="椭圆 39">
             <a:extLst>
               <a:ext uri="{FF2B5EF4-FFF2-40B4-BE49-F238E27FC236}">
-                <a16:creationId xmlns:a16="http://schemas.microsoft.com/office/drawing/2014/main" xmlns="" id="{F13CD393-9278-4D9E-926E-A8B9B27E49C8}"/>
+                <a16:creationId xmlns="" xmlns:a16="http://schemas.microsoft.com/office/drawing/2014/main" id="{F13CD393-9278-4D9E-926E-A8B9B27E49C8}"/>
               </a:ext>
             </a:extLst>
           </p:cNvPr>
@@ -42141,7 +42927,7 @@
           <p:cNvPr id="41" name="直接连接符 40">
             <a:extLst>
               <a:ext uri="{FF2B5EF4-FFF2-40B4-BE49-F238E27FC236}">
-                <a16:creationId xmlns:a16="http://schemas.microsoft.com/office/drawing/2014/main" xmlns="" id="{192A6EEE-8490-42FF-8026-D3D66BD75940}"/>
+                <a16:creationId xmlns="" xmlns:a16="http://schemas.microsoft.com/office/drawing/2014/main" id="{192A6EEE-8490-42FF-8026-D3D66BD75940}"/>
               </a:ext>
             </a:extLst>
           </p:cNvPr>
@@ -42185,7 +42971,7 @@
           <p:cNvPr id="42" name="椭圆 41">
             <a:extLst>
               <a:ext uri="{FF2B5EF4-FFF2-40B4-BE49-F238E27FC236}">
-                <a16:creationId xmlns:a16="http://schemas.microsoft.com/office/drawing/2014/main" xmlns="" id="{B5136ACA-AD87-4183-ADB5-428C41FA7777}"/>
+                <a16:creationId xmlns="" xmlns:a16="http://schemas.microsoft.com/office/drawing/2014/main" id="{B5136ACA-AD87-4183-ADB5-428C41FA7777}"/>
               </a:ext>
             </a:extLst>
           </p:cNvPr>
@@ -42239,7 +43025,7 @@
           <p:cNvPr id="43" name="直接连接符 42">
             <a:extLst>
               <a:ext uri="{FF2B5EF4-FFF2-40B4-BE49-F238E27FC236}">
-                <a16:creationId xmlns:a16="http://schemas.microsoft.com/office/drawing/2014/main" xmlns="" id="{272C11AD-11A2-49C8-9292-7533203E68DD}"/>
+                <a16:creationId xmlns="" xmlns:a16="http://schemas.microsoft.com/office/drawing/2014/main" id="{272C11AD-11A2-49C8-9292-7533203E68DD}"/>
               </a:ext>
             </a:extLst>
           </p:cNvPr>
@@ -42283,7 +43069,7 @@
           <p:cNvPr id="44" name="椭圆 43">
             <a:extLst>
               <a:ext uri="{FF2B5EF4-FFF2-40B4-BE49-F238E27FC236}">
-                <a16:creationId xmlns:a16="http://schemas.microsoft.com/office/drawing/2014/main" xmlns="" id="{411E286E-649A-4CC9-A79E-B785F1A457EA}"/>
+                <a16:creationId xmlns="" xmlns:a16="http://schemas.microsoft.com/office/drawing/2014/main" id="{411E286E-649A-4CC9-A79E-B785F1A457EA}"/>
               </a:ext>
             </a:extLst>
           </p:cNvPr>
@@ -42340,7 +43126,7 @@
           <p:cNvPr id="45" name="直接连接符 44">
             <a:extLst>
               <a:ext uri="{FF2B5EF4-FFF2-40B4-BE49-F238E27FC236}">
-                <a16:creationId xmlns:a16="http://schemas.microsoft.com/office/drawing/2014/main" xmlns="" id="{4642B35E-2738-4B10-B77A-A1D1B45ED76B}"/>
+                <a16:creationId xmlns="" xmlns:a16="http://schemas.microsoft.com/office/drawing/2014/main" id="{4642B35E-2738-4B10-B77A-A1D1B45ED76B}"/>
               </a:ext>
             </a:extLst>
           </p:cNvPr>
@@ -42384,7 +43170,7 @@
           <p:cNvPr id="46" name="直接连接符 45">
             <a:extLst>
               <a:ext uri="{FF2B5EF4-FFF2-40B4-BE49-F238E27FC236}">
-                <a16:creationId xmlns:a16="http://schemas.microsoft.com/office/drawing/2014/main" xmlns="" id="{D9581555-6A2E-4C22-B026-C640417AD0E5}"/>
+                <a16:creationId xmlns="" xmlns:a16="http://schemas.microsoft.com/office/drawing/2014/main" id="{D9581555-6A2E-4C22-B026-C640417AD0E5}"/>
               </a:ext>
             </a:extLst>
           </p:cNvPr>
@@ -42428,7 +43214,7 @@
           <p:cNvPr id="47" name="直接连接符 46">
             <a:extLst>
               <a:ext uri="{FF2B5EF4-FFF2-40B4-BE49-F238E27FC236}">
-                <a16:creationId xmlns:a16="http://schemas.microsoft.com/office/drawing/2014/main" xmlns="" id="{BFDADB2E-A848-4A30-A321-0A9EF72DEE7A}"/>
+                <a16:creationId xmlns="" xmlns:a16="http://schemas.microsoft.com/office/drawing/2014/main" id="{BFDADB2E-A848-4A30-A321-0A9EF72DEE7A}"/>
               </a:ext>
             </a:extLst>
           </p:cNvPr>
@@ -42475,8 +43261,8 @@
         </p:nvSpPr>
         <p:spPr>
           <a:xfrm>
-            <a:off x="992396" y="2313541"/>
-            <a:ext cx="9765793" cy="3477907"/>
+            <a:off x="992396" y="1717431"/>
+            <a:ext cx="9765793" cy="4074017"/>
           </a:xfrm>
           <a:prstGeom prst="rect">
             <a:avLst/>
@@ -42602,7 +43388,55 @@
                 </a:solidFill>
                 <a:latin typeface="+mn-ea"/>
               </a:rPr>
-              <a:t>常用摄像机分类：透视相机，正交相机。</a:t>
+              <a:t>常用摄像机分类：透视相机（</a:t>
+            </a:r>
+            <a:r>
+              <a:rPr lang="en-US" altLang="zh-CN" dirty="0" smtClean="0">
+                <a:solidFill>
+                  <a:schemeClr val="tx1">
+                    <a:lumMod val="75000"/>
+                    <a:lumOff val="25000"/>
+                  </a:schemeClr>
+                </a:solidFill>
+                <a:latin typeface="+mn-ea"/>
+              </a:rPr>
+              <a:t>O</a:t>
+            </a:r>
+            <a:r>
+              <a:rPr lang="zh-CN" altLang="en-US" dirty="0" smtClean="0">
+                <a:solidFill>
+                  <a:schemeClr val="tx1">
+                    <a:lumMod val="75000"/>
+                    <a:lumOff val="25000"/>
+                  </a:schemeClr>
+                </a:solidFill>
+                <a:latin typeface="+mn-ea"/>
+              </a:rPr>
+              <a:t>），正交相机（</a:t>
+            </a:r>
+            <a:r>
+              <a:rPr lang="en-US" altLang="zh-CN" dirty="0" smtClean="0">
+                <a:solidFill>
+                  <a:schemeClr val="tx1">
+                    <a:lumMod val="75000"/>
+                    <a:lumOff val="25000"/>
+                  </a:schemeClr>
+                </a:solidFill>
+                <a:latin typeface="+mn-ea"/>
+              </a:rPr>
+              <a:t>P</a:t>
+            </a:r>
+            <a:r>
+              <a:rPr lang="zh-CN" altLang="en-US" dirty="0" smtClean="0">
+                <a:solidFill>
+                  <a:schemeClr val="tx1">
+                    <a:lumMod val="75000"/>
+                    <a:lumOff val="25000"/>
+                  </a:schemeClr>
+                </a:solidFill>
+                <a:latin typeface="+mn-ea"/>
+              </a:rPr>
+              <a:t>）。</a:t>
             </a:r>
             <a:endParaRPr lang="en-US" altLang="zh-CN" dirty="0" smtClean="0">
               <a:solidFill>
@@ -42651,7 +43485,7 @@
                 </a:solidFill>
                 <a:latin typeface="+mn-ea"/>
               </a:rPr>
-              <a:t>相机控制  轨迹球控件 轨迹控件</a:t>
+              <a:t>相机控制   轨迹球控件 轨迹控件  </a:t>
             </a:r>
             <a:r>
               <a:rPr lang="en-US" altLang="zh-CN" dirty="0" smtClean="0">
@@ -42663,7 +43497,7 @@
                 </a:solidFill>
                 <a:latin typeface="+mn-ea"/>
               </a:rPr>
-              <a:t/>
+              <a:t>FPS</a:t>
             </a:r>
             <a:br>
               <a:rPr lang="en-US" altLang="zh-CN" dirty="0" smtClean="0">
@@ -42709,7 +43543,7 @@
                 </a:solidFill>
                 <a:latin typeface="+mn-ea"/>
               </a:rPr>
-              <a:t>      demo</a:t>
+              <a:t>      demo </a:t>
             </a:r>
             <a:r>
               <a:rPr lang="zh-CN" altLang="en-US" dirty="0" smtClean="0">
@@ -42721,23 +43555,8 @@
                 </a:solidFill>
                 <a:latin typeface="+mn-ea"/>
               </a:rPr>
-              <a:t>： </a:t>
-            </a:r>
-            <a:r>
-              <a:rPr lang="en-US" altLang="zh-CN" dirty="0">
-                <a:hlinkClick r:id="rId2"/>
-              </a:rPr>
-              <a:t>http://</a:t>
-            </a:r>
-            <a:r>
-              <a:rPr lang="en-US" altLang="zh-CN" dirty="0" smtClean="0">
-                <a:hlinkClick r:id="rId2"/>
-              </a:rPr>
-              <a:t>lyww1992.gitee.io/three-test/005-resize.html</a:t>
-            </a:r>
-            <a:endParaRPr lang="en-US" altLang="zh-CN" dirty="0" smtClean="0"/>
-          </a:p>
-          <a:p>
+              <a:t>：</a:t>
+            </a:r>
             <a:r>
               <a:rPr lang="en-US" altLang="zh-CN" dirty="0">
                 <a:solidFill>
@@ -42747,8 +43566,9 @@
                   </a:schemeClr>
                 </a:solidFill>
                 <a:latin typeface="+mn-ea"/>
+                <a:hlinkClick r:id="rId2"/>
               </a:rPr>
-              <a:t>	</a:t>
+              <a:t>http://www.yanhuangxueyuan.com/threejs/examples/#</a:t>
             </a:r>
             <a:r>
               <a:rPr lang="en-US" altLang="zh-CN" dirty="0" smtClean="0">
@@ -42759,13 +43579,34 @@
                   </a:schemeClr>
                 </a:solidFill>
                 <a:latin typeface="+mn-ea"/>
+                <a:hlinkClick r:id="rId2"/>
               </a:rPr>
-              <a:t>		</a:t>
-            </a:r>
-          </a:p>
-          <a:p>
-            <a:r>
-              <a:rPr lang="en-US" altLang="zh-CN" dirty="0">
+              <a:t>webgl_camera</a:t>
+            </a:r>
+            <a:endParaRPr lang="en-US" altLang="zh-CN" dirty="0" smtClean="0">
+              <a:solidFill>
+                <a:schemeClr val="tx1">
+                  <a:lumMod val="75000"/>
+                  <a:lumOff val="25000"/>
+                </a:schemeClr>
+              </a:solidFill>
+              <a:latin typeface="+mn-ea"/>
+            </a:endParaRPr>
+          </a:p>
+          <a:p>
+            <a:endParaRPr lang="en-US" altLang="zh-CN" dirty="0">
+              <a:solidFill>
+                <a:schemeClr val="tx1">
+                  <a:lumMod val="75000"/>
+                  <a:lumOff val="25000"/>
+                </a:schemeClr>
+              </a:solidFill>
+              <a:latin typeface="+mn-ea"/>
+            </a:endParaRPr>
+          </a:p>
+          <a:p>
+            <a:r>
+              <a:rPr lang="en-US" altLang="zh-CN" dirty="0" smtClean="0">
                 <a:solidFill>
                   <a:schemeClr val="tx1">
                     <a:lumMod val="75000"/>
@@ -42774,10 +43615,10 @@
                 </a:solidFill>
                 <a:latin typeface="+mn-ea"/>
               </a:rPr>
-              <a:t>	</a:t>
-            </a:r>
-            <a:r>
-              <a:rPr lang="en-US" altLang="zh-CN" dirty="0" smtClean="0">
+              <a:t>	     </a:t>
+            </a:r>
+            <a:r>
+              <a:rPr lang="zh-CN" altLang="en-US" dirty="0" smtClean="0">
                 <a:solidFill>
                   <a:schemeClr val="tx1">
                     <a:lumMod val="75000"/>
@@ -42786,11 +43627,82 @@
                 </a:solidFill>
                 <a:latin typeface="+mn-ea"/>
               </a:rPr>
-              <a:t>      </a:t>
+              <a:t> </a:t>
+            </a:r>
+            <a:r>
+              <a:rPr lang="en-US" altLang="zh-CN" dirty="0" smtClean="0">
+                <a:hlinkClick r:id="rId3"/>
+              </a:rPr>
+              <a:t>http</a:t>
             </a:r>
             <a:r>
               <a:rPr lang="en-US" altLang="zh-CN" dirty="0">
                 <a:hlinkClick r:id="rId3"/>
+              </a:rPr>
+              <a:t>://</a:t>
+            </a:r>
+            <a:r>
+              <a:rPr lang="en-US" altLang="zh-CN" dirty="0" smtClean="0">
+                <a:hlinkClick r:id="rId3"/>
+              </a:rPr>
+              <a:t>lyww1992.gitee.io/three-test/005-resize.html</a:t>
+            </a:r>
+            <a:endParaRPr lang="en-US" altLang="zh-CN" dirty="0" smtClean="0"/>
+          </a:p>
+          <a:p>
+            <a:r>
+              <a:rPr lang="en-US" altLang="zh-CN" dirty="0">
+                <a:solidFill>
+                  <a:schemeClr val="tx1">
+                    <a:lumMod val="75000"/>
+                    <a:lumOff val="25000"/>
+                  </a:schemeClr>
+                </a:solidFill>
+                <a:latin typeface="+mn-ea"/>
+              </a:rPr>
+              <a:t>	</a:t>
+            </a:r>
+            <a:r>
+              <a:rPr lang="en-US" altLang="zh-CN" dirty="0" smtClean="0">
+                <a:solidFill>
+                  <a:schemeClr val="tx1">
+                    <a:lumMod val="75000"/>
+                    <a:lumOff val="25000"/>
+                  </a:schemeClr>
+                </a:solidFill>
+                <a:latin typeface="+mn-ea"/>
+              </a:rPr>
+              <a:t>		</a:t>
+            </a:r>
+          </a:p>
+          <a:p>
+            <a:r>
+              <a:rPr lang="en-US" altLang="zh-CN" dirty="0">
+                <a:solidFill>
+                  <a:schemeClr val="tx1">
+                    <a:lumMod val="75000"/>
+                    <a:lumOff val="25000"/>
+                  </a:schemeClr>
+                </a:solidFill>
+                <a:latin typeface="+mn-ea"/>
+              </a:rPr>
+              <a:t>	</a:t>
+            </a:r>
+            <a:r>
+              <a:rPr lang="en-US" altLang="zh-CN" dirty="0" smtClean="0">
+                <a:solidFill>
+                  <a:schemeClr val="tx1">
+                    <a:lumMod val="75000"/>
+                    <a:lumOff val="25000"/>
+                  </a:schemeClr>
+                </a:solidFill>
+                <a:latin typeface="+mn-ea"/>
+              </a:rPr>
+              <a:t>      </a:t>
+            </a:r>
+            <a:r>
+              <a:rPr lang="en-US" altLang="zh-CN" dirty="0">
+                <a:hlinkClick r:id="rId4"/>
               </a:rPr>
               <a:t>http://lyww1992.gitee.io/three-test/001-first.html</a:t>
             </a:r>
